--- a/Figures/Fig4-Conceptual framework.pptx
+++ b/Figures/Fig4-Conceptual framework.pptx
@@ -209,7 +209,7 @@
           <a:p>
             <a:fld id="{7E015754-A25B-4178-B3E4-70EF6662D410}" type="datetimeFigureOut">
               <a:rPr lang="en-US" smtClean="0"/>
-              <a:t>5/28/2021</a:t>
+              <a:t>6/24/2021</a:t>
             </a:fld>
             <a:endParaRPr lang="en-US"/>
           </a:p>
@@ -695,7 +695,7 @@
           <a:p>
             <a:fld id="{5812708C-2602-4C50-90B3-38403DD6A526}" type="datetimeFigureOut">
               <a:rPr lang="zh-CN" altLang="en-US" smtClean="0"/>
-              <a:t>2021/5/28</a:t>
+              <a:t>2021/6/24</a:t>
             </a:fld>
             <a:endParaRPr lang="zh-CN" altLang="en-US"/>
           </a:p>
@@ -865,7 +865,7 @@
           <a:p>
             <a:fld id="{5812708C-2602-4C50-90B3-38403DD6A526}" type="datetimeFigureOut">
               <a:rPr lang="zh-CN" altLang="en-US" smtClean="0"/>
-              <a:t>2021/5/28</a:t>
+              <a:t>2021/6/24</a:t>
             </a:fld>
             <a:endParaRPr lang="zh-CN" altLang="en-US"/>
           </a:p>
@@ -1045,7 +1045,7 @@
           <a:p>
             <a:fld id="{5812708C-2602-4C50-90B3-38403DD6A526}" type="datetimeFigureOut">
               <a:rPr lang="zh-CN" altLang="en-US" smtClean="0"/>
-              <a:t>2021/5/28</a:t>
+              <a:t>2021/6/24</a:t>
             </a:fld>
             <a:endParaRPr lang="zh-CN" altLang="en-US"/>
           </a:p>
@@ -1245,7 +1245,7 @@
           <a:p>
             <a:fld id="{5812708C-2602-4C50-90B3-38403DD6A526}" type="datetimeFigureOut">
               <a:rPr lang="zh-CN" altLang="en-US" smtClean="0"/>
-              <a:t>2021/5/28</a:t>
+              <a:t>2021/6/24</a:t>
             </a:fld>
             <a:endParaRPr lang="zh-CN" altLang="en-US"/>
           </a:p>
@@ -1489,7 +1489,7 @@
           <a:p>
             <a:fld id="{5812708C-2602-4C50-90B3-38403DD6A526}" type="datetimeFigureOut">
               <a:rPr lang="zh-CN" altLang="en-US" smtClean="0"/>
-              <a:t>2021/5/28</a:t>
+              <a:t>2021/6/24</a:t>
             </a:fld>
             <a:endParaRPr lang="zh-CN" altLang="en-US"/>
           </a:p>
@@ -1721,7 +1721,7 @@
           <a:p>
             <a:fld id="{5812708C-2602-4C50-90B3-38403DD6A526}" type="datetimeFigureOut">
               <a:rPr lang="zh-CN" altLang="en-US" smtClean="0"/>
-              <a:t>2021/5/28</a:t>
+              <a:t>2021/6/24</a:t>
             </a:fld>
             <a:endParaRPr lang="zh-CN" altLang="en-US"/>
           </a:p>
@@ -2088,7 +2088,7 @@
           <a:p>
             <a:fld id="{5812708C-2602-4C50-90B3-38403DD6A526}" type="datetimeFigureOut">
               <a:rPr lang="zh-CN" altLang="en-US" smtClean="0"/>
-              <a:t>2021/5/28</a:t>
+              <a:t>2021/6/24</a:t>
             </a:fld>
             <a:endParaRPr lang="zh-CN" altLang="en-US"/>
           </a:p>
@@ -2206,7 +2206,7 @@
           <a:p>
             <a:fld id="{5812708C-2602-4C50-90B3-38403DD6A526}" type="datetimeFigureOut">
               <a:rPr lang="zh-CN" altLang="en-US" smtClean="0"/>
-              <a:t>2021/5/28</a:t>
+              <a:t>2021/6/24</a:t>
             </a:fld>
             <a:endParaRPr lang="zh-CN" altLang="en-US"/>
           </a:p>
@@ -2301,7 +2301,7 @@
           <a:p>
             <a:fld id="{5812708C-2602-4C50-90B3-38403DD6A526}" type="datetimeFigureOut">
               <a:rPr lang="zh-CN" altLang="en-US" smtClean="0"/>
-              <a:t>2021/5/28</a:t>
+              <a:t>2021/6/24</a:t>
             </a:fld>
             <a:endParaRPr lang="zh-CN" altLang="en-US"/>
           </a:p>
@@ -2578,7 +2578,7 @@
           <a:p>
             <a:fld id="{5812708C-2602-4C50-90B3-38403DD6A526}" type="datetimeFigureOut">
               <a:rPr lang="zh-CN" altLang="en-US" smtClean="0"/>
-              <a:t>2021/5/28</a:t>
+              <a:t>2021/6/24</a:t>
             </a:fld>
             <a:endParaRPr lang="zh-CN" altLang="en-US"/>
           </a:p>
@@ -2835,7 +2835,7 @@
           <a:p>
             <a:fld id="{5812708C-2602-4C50-90B3-38403DD6A526}" type="datetimeFigureOut">
               <a:rPr lang="zh-CN" altLang="en-US" smtClean="0"/>
-              <a:t>2021/5/28</a:t>
+              <a:t>2021/6/24</a:t>
             </a:fld>
             <a:endParaRPr lang="zh-CN" altLang="en-US"/>
           </a:p>
@@ -3048,7 +3048,7 @@
           <a:p>
             <a:fld id="{5812708C-2602-4C50-90B3-38403DD6A526}" type="datetimeFigureOut">
               <a:rPr lang="zh-CN" altLang="en-US" smtClean="0"/>
-              <a:t>2021/5/28</a:t>
+              <a:t>2021/6/24</a:t>
             </a:fld>
             <a:endParaRPr lang="zh-CN" altLang="en-US"/>
           </a:p>
@@ -3454,48 +3454,295 @@
           <a:chExt cx="0" cy="0"/>
         </a:xfrm>
       </p:grpSpPr>
+      <p:sp>
+        <p:nvSpPr>
+          <p:cNvPr id="84" name="Oval 83"/>
+          <p:cNvSpPr/>
+          <p:nvPr/>
+        </p:nvSpPr>
+        <p:spPr>
+          <a:xfrm>
+            <a:off x="6543315" y="7022374"/>
+            <a:ext cx="1713842" cy="625212"/>
+          </a:xfrm>
+          <a:prstGeom prst="ellipse">
+            <a:avLst/>
+          </a:prstGeom>
+          <a:ln w="19050"/>
+        </p:spPr>
+        <p:style>
+          <a:lnRef idx="2">
+            <a:schemeClr val="dk1"/>
+          </a:lnRef>
+          <a:fillRef idx="1">
+            <a:schemeClr val="lt1"/>
+          </a:fillRef>
+          <a:effectRef idx="0">
+            <a:schemeClr val="dk1"/>
+          </a:effectRef>
+          <a:fontRef idx="minor">
+            <a:schemeClr val="dk1"/>
+          </a:fontRef>
+        </p:style>
+        <p:txBody>
+          <a:bodyPr rtlCol="0" anchor="ctr"/>
+          <a:lstStyle/>
+          <a:p>
+            <a:pPr algn="ctr"/>
+            <a:endParaRPr lang="en-US" sz="1235" b="1" dirty="0"/>
+          </a:p>
+          <a:p>
+            <a:pPr algn="ctr"/>
+            <a:r>
+              <a:rPr lang="en-US" sz="1235" b="1" dirty="0"/>
+              <a:t>Net Present</a:t>
+            </a:r>
+          </a:p>
+          <a:p>
+            <a:pPr algn="ctr"/>
+            <a:r>
+              <a:rPr lang="en-US" sz="1235" b="1" dirty="0"/>
+              <a:t>Value </a:t>
+            </a:r>
+          </a:p>
+          <a:p>
+            <a:pPr algn="ctr"/>
+            <a:r>
+              <a:rPr lang="en-US" sz="1235" b="1" dirty="0"/>
+              <a:t> </a:t>
+            </a:r>
+          </a:p>
+        </p:txBody>
+      </p:sp>
+      <p:sp>
+        <p:nvSpPr>
+          <p:cNvPr id="119" name="Rectangle 118"/>
+          <p:cNvSpPr/>
+          <p:nvPr/>
+        </p:nvSpPr>
+        <p:spPr>
+          <a:xfrm>
+            <a:off x="8688352" y="7184757"/>
+            <a:ext cx="1167451" cy="285206"/>
+          </a:xfrm>
+          <a:prstGeom prst="rect">
+            <a:avLst/>
+          </a:prstGeom>
+        </p:spPr>
+        <p:style>
+          <a:lnRef idx="2">
+            <a:schemeClr val="accent1">
+              <a:shade val="50000"/>
+            </a:schemeClr>
+          </a:lnRef>
+          <a:fillRef idx="1">
+            <a:schemeClr val="accent1"/>
+          </a:fillRef>
+          <a:effectRef idx="0">
+            <a:schemeClr val="accent1"/>
+          </a:effectRef>
+          <a:fontRef idx="minor">
+            <a:schemeClr val="lt1"/>
+          </a:fontRef>
+        </p:style>
+        <p:txBody>
+          <a:bodyPr rtlCol="0" anchor="ctr"/>
+          <a:lstStyle/>
+          <a:p>
+            <a:pPr algn="ctr"/>
+            <a:r>
+              <a:rPr lang="en-US" sz="1235" dirty="0"/>
+              <a:t>Discount rate</a:t>
+            </a:r>
+          </a:p>
+        </p:txBody>
+      </p:sp>
+      <p:cxnSp>
+        <p:nvCxnSpPr>
+          <p:cNvPr id="143" name="Straight Arrow Connector 142"/>
+          <p:cNvCxnSpPr>
+            <a:endCxn id="84" idx="6"/>
+          </p:cNvCxnSpPr>
+          <p:nvPr/>
+        </p:nvCxnSpPr>
+        <p:spPr>
+          <a:xfrm flipH="1">
+            <a:off x="8257156" y="7334980"/>
+            <a:ext cx="419694" cy="0"/>
+          </a:xfrm>
+          <a:prstGeom prst="straightConnector1">
+            <a:avLst/>
+          </a:prstGeom>
+          <a:ln>
+            <a:tailEnd type="triangle"/>
+          </a:ln>
+        </p:spPr>
+        <p:style>
+          <a:lnRef idx="2">
+            <a:schemeClr val="dk1"/>
+          </a:lnRef>
+          <a:fillRef idx="0">
+            <a:schemeClr val="dk1"/>
+          </a:fillRef>
+          <a:effectRef idx="1">
+            <a:schemeClr val="dk1"/>
+          </a:effectRef>
+          <a:fontRef idx="minor">
+            <a:schemeClr val="tx1"/>
+          </a:fontRef>
+        </p:style>
+      </p:cxnSp>
+      <p:cxnSp>
+        <p:nvCxnSpPr>
+          <p:cNvPr id="270" name="Straight Arrow Connector 269"/>
+          <p:cNvCxnSpPr>
+            <a:stCxn id="130" idx="3"/>
+            <a:endCxn id="84" idx="2"/>
+          </p:cNvCxnSpPr>
+          <p:nvPr/>
+        </p:nvCxnSpPr>
+        <p:spPr>
+          <a:xfrm>
+            <a:off x="3486731" y="7327360"/>
+            <a:ext cx="3056584" cy="7620"/>
+          </a:xfrm>
+          <a:prstGeom prst="straightConnector1">
+            <a:avLst/>
+          </a:prstGeom>
+          <a:ln>
+            <a:tailEnd type="triangle"/>
+          </a:ln>
+        </p:spPr>
+        <p:style>
+          <a:lnRef idx="2">
+            <a:schemeClr val="dk1"/>
+          </a:lnRef>
+          <a:fillRef idx="0">
+            <a:schemeClr val="dk1"/>
+          </a:fillRef>
+          <a:effectRef idx="1">
+            <a:schemeClr val="dk1"/>
+          </a:effectRef>
+          <a:fontRef idx="minor">
+            <a:schemeClr val="tx1"/>
+          </a:fontRef>
+        </p:style>
+      </p:cxnSp>
+      <p:cxnSp>
+        <p:nvCxnSpPr>
+          <p:cNvPr id="273" name="Straight Arrow Connector 272"/>
+          <p:cNvCxnSpPr>
+            <a:stCxn id="135" idx="2"/>
+            <a:endCxn id="84" idx="0"/>
+          </p:cNvCxnSpPr>
+          <p:nvPr/>
+        </p:nvCxnSpPr>
+        <p:spPr>
+          <a:xfrm>
+            <a:off x="7382253" y="3892764"/>
+            <a:ext cx="17983" cy="3129610"/>
+          </a:xfrm>
+          <a:prstGeom prst="straightConnector1">
+            <a:avLst/>
+          </a:prstGeom>
+          <a:ln>
+            <a:tailEnd type="triangle"/>
+          </a:ln>
+        </p:spPr>
+        <p:style>
+          <a:lnRef idx="2">
+            <a:schemeClr val="dk1"/>
+          </a:lnRef>
+          <a:fillRef idx="0">
+            <a:schemeClr val="dk1"/>
+          </a:fillRef>
+          <a:effectRef idx="1">
+            <a:schemeClr val="dk1"/>
+          </a:effectRef>
+          <a:fontRef idx="minor">
+            <a:schemeClr val="tx1"/>
+          </a:fontRef>
+        </p:style>
+      </p:cxnSp>
+      <p:cxnSp>
+        <p:nvCxnSpPr>
+          <p:cNvPr id="48" name="Straight Arrow Connector 47"/>
+          <p:cNvCxnSpPr>
+            <a:stCxn id="352" idx="3"/>
+          </p:cNvCxnSpPr>
+          <p:nvPr/>
+        </p:nvCxnSpPr>
+        <p:spPr>
+          <a:xfrm>
+            <a:off x="1408604" y="1388099"/>
+            <a:ext cx="1045589" cy="16932"/>
+          </a:xfrm>
+          <a:prstGeom prst="straightConnector1">
+            <a:avLst/>
+          </a:prstGeom>
+          <a:ln>
+            <a:prstDash val="solid"/>
+            <a:tailEnd type="triangle"/>
+          </a:ln>
+        </p:spPr>
+        <p:style>
+          <a:lnRef idx="2">
+            <a:schemeClr val="dk1"/>
+          </a:lnRef>
+          <a:fillRef idx="0">
+            <a:schemeClr val="dk1"/>
+          </a:fillRef>
+          <a:effectRef idx="1">
+            <a:schemeClr val="dk1"/>
+          </a:effectRef>
+          <a:fontRef idx="minor">
+            <a:schemeClr val="tx1"/>
+          </a:fontRef>
+        </p:style>
+      </p:cxnSp>
       <p:grpSp>
         <p:nvGrpSpPr>
-          <p:cNvPr id="46" name="Group 45"/>
+          <p:cNvPr id="453" name="Group 452"/>
           <p:cNvGrpSpPr/>
           <p:nvPr/>
         </p:nvGrpSpPr>
         <p:grpSpPr>
           <a:xfrm>
-            <a:off x="93690" y="758057"/>
-            <a:ext cx="9901073" cy="6889529"/>
-            <a:chOff x="93690" y="603511"/>
-            <a:chExt cx="9901073" cy="6889529"/>
+            <a:off x="93690" y="865517"/>
+            <a:ext cx="1314914" cy="1045163"/>
+            <a:chOff x="329616" y="1248902"/>
+            <a:chExt cx="1314914" cy="1045163"/>
           </a:xfrm>
         </p:grpSpPr>
         <p:sp>
           <p:nvSpPr>
-            <p:cNvPr id="84" name="Oval 83"/>
+            <p:cNvPr id="352" name="Rectangle 351"/>
             <p:cNvSpPr/>
             <p:nvPr/>
           </p:nvSpPr>
           <p:spPr>
             <a:xfrm>
-              <a:off x="6543315" y="6867828"/>
-              <a:ext cx="1713842" cy="625212"/>
+              <a:off x="329616" y="1248902"/>
+              <a:ext cx="1314914" cy="1045163"/>
             </a:xfrm>
-            <a:prstGeom prst="ellipse">
+            <a:prstGeom prst="rect">
               <a:avLst/>
             </a:prstGeom>
-            <a:ln w="19050"/>
           </p:spPr>
           <p:style>
             <a:lnRef idx="2">
-              <a:schemeClr val="dk1"/>
+              <a:schemeClr val="accent3">
+                <a:shade val="50000"/>
+              </a:schemeClr>
             </a:lnRef>
             <a:fillRef idx="1">
-              <a:schemeClr val="lt1"/>
+              <a:schemeClr val="accent3"/>
             </a:fillRef>
             <a:effectRef idx="0">
-              <a:schemeClr val="dk1"/>
+              <a:schemeClr val="accent3"/>
             </a:effectRef>
             <a:fontRef idx="minor">
-              <a:schemeClr val="dk1"/>
+              <a:schemeClr val="lt1"/>
             </a:fontRef>
           </p:style>
           <p:txBody>
@@ -3503,45 +3750,2116 @@
             <a:lstStyle/>
             <a:p>
               <a:pPr algn="ctr"/>
-              <a:endParaRPr lang="en-US" sz="1235" b="1" dirty="0"/>
-            </a:p>
-            <a:p>
-              <a:pPr algn="ctr"/>
-              <a:r>
-                <a:rPr lang="en-US" sz="1235" b="1" dirty="0"/>
-                <a:t>Net Present</a:t>
-              </a:r>
-            </a:p>
-            <a:p>
-              <a:pPr algn="ctr"/>
-              <a:r>
-                <a:rPr lang="en-US" sz="1235" b="1" dirty="0"/>
-                <a:t>Value </a:t>
-              </a:r>
-            </a:p>
-            <a:p>
-              <a:pPr algn="ctr"/>
-              <a:r>
-                <a:rPr lang="en-US" sz="1235" b="1" dirty="0"/>
-                <a:t> </a:t>
-              </a:r>
+              <a:endParaRPr lang="en-US"/>
             </a:p>
           </p:txBody>
         </p:sp>
         <p:sp>
           <p:nvSpPr>
-            <p:cNvPr id="119" name="Rectangle 118"/>
+            <p:cNvPr id="44" name="TextBox 43"/>
+            <p:cNvSpPr txBox="1"/>
+            <p:nvPr/>
+          </p:nvSpPr>
+          <p:spPr>
+            <a:xfrm>
+              <a:off x="369873" y="1301301"/>
+              <a:ext cx="1234685" cy="445378"/>
+            </a:xfrm>
+            <a:prstGeom prst="rect">
+              <a:avLst/>
+            </a:prstGeom>
+            <a:solidFill>
+              <a:schemeClr val="accent3">
+                <a:lumMod val="60000"/>
+                <a:lumOff val="40000"/>
+              </a:schemeClr>
+            </a:solidFill>
+            <a:ln>
+              <a:solidFill>
+                <a:schemeClr val="tx1"/>
+              </a:solidFill>
+            </a:ln>
+          </p:spPr>
+          <p:txBody>
+            <a:bodyPr wrap="square" rtlCol="0">
+              <a:spAutoFit/>
+            </a:bodyPr>
+            <a:lstStyle/>
+            <a:p>
+              <a:pPr algn="ctr"/>
+              <a:r>
+                <a:rPr lang="en-US" sz="1147" smtClean="0"/>
+                <a:t>Forecast inaccuracy risk</a:t>
+              </a:r>
+              <a:endParaRPr lang="en-US" sz="1147" dirty="0"/>
+            </a:p>
+          </p:txBody>
+        </p:sp>
+        <p:sp>
+          <p:nvSpPr>
+            <p:cNvPr id="351" name="TextBox 350"/>
+            <p:cNvSpPr txBox="1"/>
+            <p:nvPr/>
+          </p:nvSpPr>
+          <p:spPr>
+            <a:xfrm>
+              <a:off x="369872" y="1799793"/>
+              <a:ext cx="1234685" cy="445378"/>
+            </a:xfrm>
+            <a:prstGeom prst="rect">
+              <a:avLst/>
+            </a:prstGeom>
+            <a:solidFill>
+              <a:schemeClr val="accent3">
+                <a:lumMod val="60000"/>
+                <a:lumOff val="40000"/>
+              </a:schemeClr>
+            </a:solidFill>
+            <a:ln>
+              <a:solidFill>
+                <a:schemeClr val="tx1"/>
+              </a:solidFill>
+            </a:ln>
+          </p:spPr>
+          <p:txBody>
+            <a:bodyPr wrap="square" rtlCol="0">
+              <a:spAutoFit/>
+            </a:bodyPr>
+            <a:lstStyle/>
+            <a:p>
+              <a:pPr algn="ctr"/>
+              <a:r>
+                <a:rPr lang="en-US" sz="1147" dirty="0" smtClean="0"/>
+                <a:t>Low </a:t>
+              </a:r>
+              <a:r>
+                <a:rPr lang="en-US" sz="1147" smtClean="0"/>
+                <a:t>effective adoption risk</a:t>
+              </a:r>
+              <a:endParaRPr lang="en-US" sz="1147" dirty="0"/>
+            </a:p>
+          </p:txBody>
+        </p:sp>
+      </p:grpSp>
+      <p:sp>
+        <p:nvSpPr>
+          <p:cNvPr id="2" name="TextBox 1"/>
+          <p:cNvSpPr txBox="1"/>
+          <p:nvPr/>
+        </p:nvSpPr>
+        <p:spPr>
+          <a:xfrm>
+            <a:off x="4297380" y="758057"/>
+            <a:ext cx="1234685" cy="621902"/>
+          </a:xfrm>
+          <a:prstGeom prst="rect">
+            <a:avLst/>
+          </a:prstGeom>
+          <a:noFill/>
+          <a:ln w="19050">
+            <a:solidFill>
+              <a:schemeClr val="tx1"/>
+            </a:solidFill>
+          </a:ln>
+          <a:effectLst>
+            <a:glow rad="63500">
+              <a:schemeClr val="accent3">
+                <a:satMod val="175000"/>
+                <a:alpha val="40000"/>
+              </a:schemeClr>
+            </a:glow>
+            <a:outerShdw blurRad="63500" sx="102000" sy="102000" algn="ctr" rotWithShape="0">
+              <a:prstClr val="black">
+                <a:alpha val="40000"/>
+              </a:prstClr>
+            </a:outerShdw>
+          </a:effectLst>
+        </p:spPr>
+        <p:txBody>
+          <a:bodyPr wrap="square" rtlCol="0">
+            <a:spAutoFit/>
+          </a:bodyPr>
+          <a:lstStyle/>
+          <a:p>
+            <a:pPr algn="ctr"/>
+            <a:r>
+              <a:rPr lang="en-US" sz="1147" b="1"/>
+              <a:t>Agro-climate </a:t>
+            </a:r>
+            <a:r>
+              <a:rPr lang="en-US" sz="1147" b="1" smtClean="0"/>
+              <a:t>service</a:t>
+            </a:r>
+            <a:endParaRPr lang="en-US" sz="1147" b="1" dirty="0"/>
+          </a:p>
+          <a:p>
+            <a:pPr algn="ctr"/>
+            <a:r>
+              <a:rPr lang="en-US" sz="1147" b="1" dirty="0"/>
+              <a:t>i</a:t>
+            </a:r>
+            <a:r>
+              <a:rPr lang="en-US" sz="1147" b="1" smtClean="0"/>
+              <a:t>mplementation</a:t>
+            </a:r>
+            <a:endParaRPr lang="en-US" sz="1147" b="1" dirty="0"/>
+          </a:p>
+        </p:txBody>
+      </p:sp>
+      <p:cxnSp>
+        <p:nvCxnSpPr>
+          <p:cNvPr id="4" name="Straight Arrow Connector 3"/>
+          <p:cNvCxnSpPr/>
+          <p:nvPr/>
+        </p:nvCxnSpPr>
+        <p:spPr>
+          <a:xfrm flipV="1">
+            <a:off x="5532065" y="1063570"/>
+            <a:ext cx="1210235" cy="3"/>
+          </a:xfrm>
+          <a:prstGeom prst="straightConnector1">
+            <a:avLst/>
+          </a:prstGeom>
+          <a:ln>
+            <a:tailEnd type="triangle"/>
+          </a:ln>
+        </p:spPr>
+        <p:style>
+          <a:lnRef idx="2">
+            <a:schemeClr val="dk1"/>
+          </a:lnRef>
+          <a:fillRef idx="0">
+            <a:schemeClr val="dk1"/>
+          </a:fillRef>
+          <a:effectRef idx="1">
+            <a:schemeClr val="dk1"/>
+          </a:effectRef>
+          <a:fontRef idx="minor">
+            <a:schemeClr val="tx1"/>
+          </a:fontRef>
+        </p:style>
+      </p:cxnSp>
+      <p:sp>
+        <p:nvSpPr>
+          <p:cNvPr id="6" name="TextBox 5"/>
+          <p:cNvSpPr txBox="1"/>
+          <p:nvPr/>
+        </p:nvSpPr>
+        <p:spPr>
+          <a:xfrm>
+            <a:off x="6742299" y="879613"/>
+            <a:ext cx="1234685" cy="445378"/>
+          </a:xfrm>
+          <a:prstGeom prst="rect">
+            <a:avLst/>
+          </a:prstGeom>
+          <a:solidFill>
+            <a:schemeClr val="accent4">
+              <a:lumMod val="60000"/>
+              <a:lumOff val="40000"/>
+            </a:schemeClr>
+          </a:solidFill>
+          <a:ln>
+            <a:solidFill>
+              <a:schemeClr val="tx1"/>
+            </a:solidFill>
+          </a:ln>
+        </p:spPr>
+        <p:txBody>
+          <a:bodyPr wrap="square" rtlCol="0">
+            <a:spAutoFit/>
+          </a:bodyPr>
+          <a:lstStyle/>
+          <a:p>
+            <a:pPr algn="ctr"/>
+            <a:r>
+              <a:rPr lang="en-US" sz="1147" dirty="0"/>
+              <a:t>Costs of interventions</a:t>
+            </a:r>
+          </a:p>
+        </p:txBody>
+      </p:sp>
+      <p:cxnSp>
+        <p:nvCxnSpPr>
+          <p:cNvPr id="18" name="Straight Arrow Connector 17"/>
+          <p:cNvCxnSpPr>
+            <a:stCxn id="6" idx="2"/>
+          </p:cNvCxnSpPr>
+          <p:nvPr/>
+        </p:nvCxnSpPr>
+        <p:spPr>
+          <a:xfrm>
+            <a:off x="7359642" y="1324991"/>
+            <a:ext cx="1" cy="639926"/>
+          </a:xfrm>
+          <a:prstGeom prst="straightConnector1">
+            <a:avLst/>
+          </a:prstGeom>
+          <a:ln>
+            <a:tailEnd type="triangle"/>
+          </a:ln>
+        </p:spPr>
+        <p:style>
+          <a:lnRef idx="2">
+            <a:schemeClr val="dk1"/>
+          </a:lnRef>
+          <a:fillRef idx="0">
+            <a:schemeClr val="dk1"/>
+          </a:fillRef>
+          <a:effectRef idx="1">
+            <a:schemeClr val="dk1"/>
+          </a:effectRef>
+          <a:fontRef idx="minor">
+            <a:schemeClr val="tx1"/>
+          </a:fontRef>
+        </p:style>
+      </p:cxnSp>
+      <p:cxnSp>
+        <p:nvCxnSpPr>
+          <p:cNvPr id="20" name="Straight Connector 19"/>
+          <p:cNvCxnSpPr/>
+          <p:nvPr/>
+        </p:nvCxnSpPr>
+        <p:spPr>
+          <a:xfrm>
+            <a:off x="5050766" y="1971650"/>
+            <a:ext cx="4455015" cy="5535"/>
+          </a:xfrm>
+          <a:prstGeom prst="line">
+            <a:avLst/>
+          </a:prstGeom>
+        </p:spPr>
+        <p:style>
+          <a:lnRef idx="2">
+            <a:schemeClr val="dk1"/>
+          </a:lnRef>
+          <a:fillRef idx="0">
+            <a:schemeClr val="dk1"/>
+          </a:fillRef>
+          <a:effectRef idx="1">
+            <a:schemeClr val="dk1"/>
+          </a:effectRef>
+          <a:fontRef idx="minor">
+            <a:schemeClr val="tx1"/>
+          </a:fontRef>
+        </p:style>
+      </p:cxnSp>
+      <p:cxnSp>
+        <p:nvCxnSpPr>
+          <p:cNvPr id="23" name="Straight Arrow Connector 22"/>
+          <p:cNvCxnSpPr/>
+          <p:nvPr/>
+        </p:nvCxnSpPr>
+        <p:spPr>
+          <a:xfrm>
+            <a:off x="5050765" y="1964472"/>
+            <a:ext cx="0" cy="417957"/>
+          </a:xfrm>
+          <a:prstGeom prst="straightConnector1">
+            <a:avLst/>
+          </a:prstGeom>
+          <a:ln>
+            <a:tailEnd type="triangle"/>
+          </a:ln>
+        </p:spPr>
+        <p:style>
+          <a:lnRef idx="2">
+            <a:schemeClr val="dk1"/>
+          </a:lnRef>
+          <a:fillRef idx="0">
+            <a:schemeClr val="dk1"/>
+          </a:fillRef>
+          <a:effectRef idx="1">
+            <a:schemeClr val="dk1"/>
+          </a:effectRef>
+          <a:fontRef idx="minor">
+            <a:schemeClr val="tx1"/>
+          </a:fontRef>
+        </p:style>
+      </p:cxnSp>
+      <p:sp>
+        <p:nvSpPr>
+          <p:cNvPr id="32" name="TextBox 31"/>
+          <p:cNvSpPr txBox="1"/>
+          <p:nvPr/>
+        </p:nvSpPr>
+        <p:spPr>
+          <a:xfrm>
+            <a:off x="4504030" y="2388582"/>
+            <a:ext cx="1093470" cy="621902"/>
+          </a:xfrm>
+          <a:prstGeom prst="rect">
+            <a:avLst/>
+          </a:prstGeom>
+          <a:solidFill>
+            <a:schemeClr val="accent4">
+              <a:lumMod val="60000"/>
+              <a:lumOff val="40000"/>
+            </a:schemeClr>
+          </a:solidFill>
+          <a:ln>
+            <a:solidFill>
+              <a:schemeClr val="tx1"/>
+            </a:solidFill>
+          </a:ln>
+        </p:spPr>
+        <p:txBody>
+          <a:bodyPr wrap="square" rtlCol="0">
+            <a:spAutoFit/>
+          </a:bodyPr>
+          <a:lstStyle/>
+          <a:p>
+            <a:pPr algn="ctr"/>
+            <a:r>
+              <a:rPr lang="en-US" sz="1147"/>
+              <a:t>Hydro-met </a:t>
+            </a:r>
+            <a:r>
+              <a:rPr lang="en-US" sz="1147" smtClean="0"/>
+              <a:t>stations,</a:t>
+            </a:r>
+            <a:endParaRPr lang="en-US" sz="1147" dirty="0"/>
+          </a:p>
+          <a:p>
+            <a:pPr algn="ctr"/>
+            <a:r>
+              <a:rPr lang="en-US" sz="1147" dirty="0"/>
+              <a:t>f</a:t>
+            </a:r>
+            <a:r>
+              <a:rPr lang="en-US" sz="1147" smtClean="0"/>
+              <a:t>orecasts</a:t>
+            </a:r>
+            <a:endParaRPr lang="en-US" sz="1147" dirty="0"/>
+          </a:p>
+        </p:txBody>
+      </p:sp>
+      <p:sp>
+        <p:nvSpPr>
+          <p:cNvPr id="34" name="TextBox 33"/>
+          <p:cNvSpPr txBox="1"/>
+          <p:nvPr/>
+        </p:nvSpPr>
+        <p:spPr>
+          <a:xfrm>
+            <a:off x="5664697" y="2390160"/>
+            <a:ext cx="1112438" cy="621902"/>
+          </a:xfrm>
+          <a:prstGeom prst="rect">
+            <a:avLst/>
+          </a:prstGeom>
+          <a:solidFill>
+            <a:schemeClr val="accent4">
+              <a:lumMod val="60000"/>
+              <a:lumOff val="40000"/>
+            </a:schemeClr>
+          </a:solidFill>
+          <a:ln>
+            <a:solidFill>
+              <a:schemeClr val="tx1"/>
+            </a:solidFill>
+          </a:ln>
+        </p:spPr>
+        <p:txBody>
+          <a:bodyPr wrap="square" rtlCol="0">
+            <a:spAutoFit/>
+          </a:bodyPr>
+          <a:lstStyle/>
+          <a:p>
+            <a:pPr algn="ctr"/>
+            <a:r>
+              <a:rPr lang="en-US" sz="1147"/>
+              <a:t>Translation </a:t>
+            </a:r>
+            <a:r>
+              <a:rPr lang="en-US" sz="1147" smtClean="0"/>
+              <a:t>of forecasts </a:t>
+            </a:r>
+            <a:r>
+              <a:rPr lang="en-US" sz="1147"/>
+              <a:t>into </a:t>
+            </a:r>
+            <a:r>
+              <a:rPr lang="en-US" sz="1147" smtClean="0"/>
+              <a:t>agro-advice</a:t>
+            </a:r>
+            <a:endParaRPr lang="en-US" sz="1147" dirty="0"/>
+          </a:p>
+        </p:txBody>
+      </p:sp>
+      <p:sp>
+        <p:nvSpPr>
+          <p:cNvPr id="35" name="TextBox 34"/>
+          <p:cNvSpPr txBox="1"/>
+          <p:nvPr/>
+        </p:nvSpPr>
+        <p:spPr>
+          <a:xfrm>
+            <a:off x="6844372" y="2382932"/>
+            <a:ext cx="1075762" cy="621902"/>
+          </a:xfrm>
+          <a:prstGeom prst="rect">
+            <a:avLst/>
+          </a:prstGeom>
+          <a:solidFill>
+            <a:schemeClr val="accent4">
+              <a:lumMod val="60000"/>
+              <a:lumOff val="40000"/>
+            </a:schemeClr>
+          </a:solidFill>
+          <a:ln>
+            <a:solidFill>
+              <a:schemeClr val="tx1"/>
+            </a:solidFill>
+          </a:ln>
+        </p:spPr>
+        <p:txBody>
+          <a:bodyPr wrap="square" rtlCol="0">
+            <a:spAutoFit/>
+          </a:bodyPr>
+          <a:lstStyle/>
+          <a:p>
+            <a:pPr algn="ctr"/>
+            <a:r>
+              <a:rPr lang="en-US" sz="1147" smtClean="0"/>
+              <a:t>Dissemination via SMS/loud speaker/paper</a:t>
+            </a:r>
+            <a:endParaRPr lang="en-US" sz="1147" dirty="0"/>
+          </a:p>
+        </p:txBody>
+      </p:sp>
+      <p:sp>
+        <p:nvSpPr>
+          <p:cNvPr id="36" name="TextBox 35"/>
+          <p:cNvSpPr txBox="1"/>
+          <p:nvPr/>
+        </p:nvSpPr>
+        <p:spPr>
+          <a:xfrm>
+            <a:off x="7962923" y="2390317"/>
+            <a:ext cx="977965" cy="621902"/>
+          </a:xfrm>
+          <a:prstGeom prst="rect">
+            <a:avLst/>
+          </a:prstGeom>
+          <a:solidFill>
+            <a:schemeClr val="accent4">
+              <a:lumMod val="60000"/>
+              <a:lumOff val="40000"/>
+            </a:schemeClr>
+          </a:solidFill>
+          <a:ln>
+            <a:solidFill>
+              <a:schemeClr val="tx1"/>
+            </a:solidFill>
+          </a:ln>
+        </p:spPr>
+        <p:txBody>
+          <a:bodyPr wrap="square" rtlCol="0">
+            <a:spAutoFit/>
+          </a:bodyPr>
+          <a:lstStyle/>
+          <a:p>
+            <a:pPr algn="ctr"/>
+            <a:r>
+              <a:rPr lang="en-US" sz="1147" smtClean="0"/>
+              <a:t>Use of</a:t>
+            </a:r>
+            <a:endParaRPr lang="en-US" sz="1147" dirty="0"/>
+          </a:p>
+          <a:p>
+            <a:pPr algn="ctr"/>
+            <a:r>
+              <a:rPr lang="en-US" sz="1147"/>
+              <a:t>a</a:t>
+            </a:r>
+            <a:r>
+              <a:rPr lang="en-US" sz="1147" smtClean="0"/>
+              <a:t>dvice</a:t>
+            </a:r>
+          </a:p>
+          <a:p>
+            <a:pPr algn="ctr"/>
+            <a:endParaRPr lang="en-US" sz="1147" dirty="0"/>
+          </a:p>
+        </p:txBody>
+      </p:sp>
+      <p:sp>
+        <p:nvSpPr>
+          <p:cNvPr id="57" name="TextBox 56"/>
+          <p:cNvSpPr txBox="1"/>
+          <p:nvPr/>
+        </p:nvSpPr>
+        <p:spPr>
+          <a:xfrm>
+            <a:off x="9016798" y="2395686"/>
+            <a:ext cx="977965" cy="621902"/>
+          </a:xfrm>
+          <a:prstGeom prst="rect">
+            <a:avLst/>
+          </a:prstGeom>
+          <a:solidFill>
+            <a:schemeClr val="accent4">
+              <a:lumMod val="60000"/>
+              <a:lumOff val="40000"/>
+            </a:schemeClr>
+          </a:solidFill>
+          <a:ln>
+            <a:solidFill>
+              <a:schemeClr val="tx1"/>
+            </a:solidFill>
+          </a:ln>
+        </p:spPr>
+        <p:txBody>
+          <a:bodyPr wrap="square" rtlCol="0">
+            <a:spAutoFit/>
+          </a:bodyPr>
+          <a:lstStyle/>
+          <a:p>
+            <a:pPr algn="ctr"/>
+            <a:r>
+              <a:rPr lang="en-US" sz="1147" smtClean="0"/>
+              <a:t>Capacity,</a:t>
+            </a:r>
+            <a:endParaRPr lang="en-US" sz="1147" dirty="0"/>
+          </a:p>
+          <a:p>
+            <a:pPr algn="ctr"/>
+            <a:r>
+              <a:rPr lang="en-US" sz="1147"/>
+              <a:t>g</a:t>
+            </a:r>
+            <a:r>
+              <a:rPr lang="en-US" sz="1147" smtClean="0"/>
+              <a:t>ender and M&amp;E</a:t>
+            </a:r>
+            <a:endParaRPr lang="en-US" sz="1147" dirty="0"/>
+          </a:p>
+        </p:txBody>
+      </p:sp>
+      <p:cxnSp>
+        <p:nvCxnSpPr>
+          <p:cNvPr id="59" name="Straight Arrow Connector 58"/>
+          <p:cNvCxnSpPr/>
+          <p:nvPr/>
+        </p:nvCxnSpPr>
+        <p:spPr>
+          <a:xfrm>
+            <a:off x="6220916" y="1970966"/>
+            <a:ext cx="0" cy="417957"/>
+          </a:xfrm>
+          <a:prstGeom prst="straightConnector1">
+            <a:avLst/>
+          </a:prstGeom>
+          <a:ln>
+            <a:tailEnd type="triangle"/>
+          </a:ln>
+        </p:spPr>
+        <p:style>
+          <a:lnRef idx="2">
+            <a:schemeClr val="dk1"/>
+          </a:lnRef>
+          <a:fillRef idx="0">
+            <a:schemeClr val="dk1"/>
+          </a:fillRef>
+          <a:effectRef idx="1">
+            <a:schemeClr val="dk1"/>
+          </a:effectRef>
+          <a:fontRef idx="minor">
+            <a:schemeClr val="tx1"/>
+          </a:fontRef>
+        </p:style>
+      </p:cxnSp>
+      <p:cxnSp>
+        <p:nvCxnSpPr>
+          <p:cNvPr id="60" name="Straight Arrow Connector 59"/>
+          <p:cNvCxnSpPr/>
+          <p:nvPr/>
+        </p:nvCxnSpPr>
+        <p:spPr>
+          <a:xfrm>
+            <a:off x="7358619" y="1980235"/>
+            <a:ext cx="0" cy="417957"/>
+          </a:xfrm>
+          <a:prstGeom prst="straightConnector1">
+            <a:avLst/>
+          </a:prstGeom>
+          <a:ln>
+            <a:tailEnd type="triangle"/>
+          </a:ln>
+        </p:spPr>
+        <p:style>
+          <a:lnRef idx="2">
+            <a:schemeClr val="dk1"/>
+          </a:lnRef>
+          <a:fillRef idx="0">
+            <a:schemeClr val="dk1"/>
+          </a:fillRef>
+          <a:effectRef idx="1">
+            <a:schemeClr val="dk1"/>
+          </a:effectRef>
+          <a:fontRef idx="minor">
+            <a:schemeClr val="tx1"/>
+          </a:fontRef>
+        </p:style>
+      </p:cxnSp>
+      <p:cxnSp>
+        <p:nvCxnSpPr>
+          <p:cNvPr id="61" name="Straight Arrow Connector 60"/>
+          <p:cNvCxnSpPr/>
+          <p:nvPr/>
+        </p:nvCxnSpPr>
+        <p:spPr>
+          <a:xfrm flipH="1">
+            <a:off x="8451905" y="1980402"/>
+            <a:ext cx="13450" cy="428692"/>
+          </a:xfrm>
+          <a:prstGeom prst="straightConnector1">
+            <a:avLst/>
+          </a:prstGeom>
+          <a:ln>
+            <a:tailEnd type="triangle"/>
+          </a:ln>
+        </p:spPr>
+        <p:style>
+          <a:lnRef idx="2">
+            <a:schemeClr val="dk1"/>
+          </a:lnRef>
+          <a:fillRef idx="0">
+            <a:schemeClr val="dk1"/>
+          </a:fillRef>
+          <a:effectRef idx="1">
+            <a:schemeClr val="dk1"/>
+          </a:effectRef>
+          <a:fontRef idx="minor">
+            <a:schemeClr val="tx1"/>
+          </a:fontRef>
+        </p:style>
+      </p:cxnSp>
+      <p:cxnSp>
+        <p:nvCxnSpPr>
+          <p:cNvPr id="63" name="Straight Arrow Connector 62"/>
+          <p:cNvCxnSpPr/>
+          <p:nvPr/>
+        </p:nvCxnSpPr>
+        <p:spPr>
+          <a:xfrm>
+            <a:off x="9505780" y="1989277"/>
+            <a:ext cx="0" cy="417957"/>
+          </a:xfrm>
+          <a:prstGeom prst="straightConnector1">
+            <a:avLst/>
+          </a:prstGeom>
+          <a:ln>
+            <a:tailEnd type="triangle"/>
+          </a:ln>
+        </p:spPr>
+        <p:style>
+          <a:lnRef idx="2">
+            <a:schemeClr val="dk1"/>
+          </a:lnRef>
+          <a:fillRef idx="0">
+            <a:schemeClr val="dk1"/>
+          </a:fillRef>
+          <a:effectRef idx="1">
+            <a:schemeClr val="dk1"/>
+          </a:effectRef>
+          <a:fontRef idx="minor">
+            <a:schemeClr val="tx1"/>
+          </a:fontRef>
+        </p:style>
+      </p:cxnSp>
+      <p:cxnSp>
+        <p:nvCxnSpPr>
+          <p:cNvPr id="99" name="Straight Arrow Connector 98"/>
+          <p:cNvCxnSpPr>
+            <a:stCxn id="34" idx="2"/>
+            <a:endCxn id="135" idx="0"/>
+          </p:cNvCxnSpPr>
+          <p:nvPr/>
+        </p:nvCxnSpPr>
+        <p:spPr>
+          <a:xfrm>
+            <a:off x="6220916" y="3012062"/>
+            <a:ext cx="1161337" cy="595496"/>
+          </a:xfrm>
+          <a:prstGeom prst="straightConnector1">
+            <a:avLst/>
+          </a:prstGeom>
+          <a:ln>
+            <a:tailEnd type="triangle"/>
+          </a:ln>
+        </p:spPr>
+        <p:style>
+          <a:lnRef idx="2">
+            <a:schemeClr val="dk1"/>
+          </a:lnRef>
+          <a:fillRef idx="0">
+            <a:schemeClr val="dk1"/>
+          </a:fillRef>
+          <a:effectRef idx="1">
+            <a:schemeClr val="dk1"/>
+          </a:effectRef>
+          <a:fontRef idx="minor">
+            <a:schemeClr val="tx1"/>
+          </a:fontRef>
+        </p:style>
+      </p:cxnSp>
+      <p:cxnSp>
+        <p:nvCxnSpPr>
+          <p:cNvPr id="101" name="Straight Arrow Connector 100"/>
+          <p:cNvCxnSpPr>
+            <a:stCxn id="35" idx="2"/>
+            <a:endCxn id="135" idx="0"/>
+          </p:cNvCxnSpPr>
+          <p:nvPr/>
+        </p:nvCxnSpPr>
+        <p:spPr>
+          <a:xfrm>
+            <a:off x="7382253" y="3004834"/>
+            <a:ext cx="0" cy="602724"/>
+          </a:xfrm>
+          <a:prstGeom prst="straightConnector1">
+            <a:avLst/>
+          </a:prstGeom>
+          <a:ln>
+            <a:tailEnd type="triangle"/>
+          </a:ln>
+        </p:spPr>
+        <p:style>
+          <a:lnRef idx="2">
+            <a:schemeClr val="dk1"/>
+          </a:lnRef>
+          <a:fillRef idx="0">
+            <a:schemeClr val="dk1"/>
+          </a:fillRef>
+          <a:effectRef idx="1">
+            <a:schemeClr val="dk1"/>
+          </a:effectRef>
+          <a:fontRef idx="minor">
+            <a:schemeClr val="tx1"/>
+          </a:fontRef>
+        </p:style>
+      </p:cxnSp>
+      <p:cxnSp>
+        <p:nvCxnSpPr>
+          <p:cNvPr id="103" name="Straight Arrow Connector 102"/>
+          <p:cNvCxnSpPr>
+            <a:stCxn id="36" idx="2"/>
+            <a:endCxn id="135" idx="0"/>
+          </p:cNvCxnSpPr>
+          <p:nvPr/>
+        </p:nvCxnSpPr>
+        <p:spPr>
+          <a:xfrm flipH="1">
+            <a:off x="7382253" y="3012219"/>
+            <a:ext cx="1069653" cy="595339"/>
+          </a:xfrm>
+          <a:prstGeom prst="straightConnector1">
+            <a:avLst/>
+          </a:prstGeom>
+          <a:ln>
+            <a:tailEnd type="triangle"/>
+          </a:ln>
+        </p:spPr>
+        <p:style>
+          <a:lnRef idx="2">
+            <a:schemeClr val="dk1"/>
+          </a:lnRef>
+          <a:fillRef idx="0">
+            <a:schemeClr val="dk1"/>
+          </a:fillRef>
+          <a:effectRef idx="1">
+            <a:schemeClr val="dk1"/>
+          </a:effectRef>
+          <a:fontRef idx="minor">
+            <a:schemeClr val="tx1"/>
+          </a:fontRef>
+        </p:style>
+      </p:cxnSp>
+      <p:cxnSp>
+        <p:nvCxnSpPr>
+          <p:cNvPr id="71" name="Straight Arrow Connector 70"/>
+          <p:cNvCxnSpPr>
+            <a:stCxn id="57" idx="2"/>
+            <a:endCxn id="135" idx="0"/>
+          </p:cNvCxnSpPr>
+          <p:nvPr/>
+        </p:nvCxnSpPr>
+        <p:spPr>
+          <a:xfrm flipH="1">
+            <a:off x="7382253" y="3017588"/>
+            <a:ext cx="2123528" cy="589970"/>
+          </a:xfrm>
+          <a:prstGeom prst="straightConnector1">
+            <a:avLst/>
+          </a:prstGeom>
+          <a:ln>
+            <a:tailEnd type="triangle"/>
+          </a:ln>
+        </p:spPr>
+        <p:style>
+          <a:lnRef idx="2">
+            <a:schemeClr val="dk1"/>
+          </a:lnRef>
+          <a:fillRef idx="0">
+            <a:schemeClr val="dk1"/>
+          </a:fillRef>
+          <a:effectRef idx="1">
+            <a:schemeClr val="dk1"/>
+          </a:effectRef>
+          <a:fontRef idx="minor">
+            <a:schemeClr val="tx1"/>
+          </a:fontRef>
+        </p:style>
+      </p:cxnSp>
+      <p:sp>
+        <p:nvSpPr>
+          <p:cNvPr id="135" name="Rectangle 134"/>
+          <p:cNvSpPr/>
+          <p:nvPr/>
+        </p:nvSpPr>
+        <p:spPr>
+          <a:xfrm>
+            <a:off x="6798527" y="3607558"/>
+            <a:ext cx="1167451" cy="285206"/>
+          </a:xfrm>
+          <a:prstGeom prst="rect">
+            <a:avLst/>
+          </a:prstGeom>
+          <a:solidFill>
+            <a:schemeClr val="accent4">
+              <a:lumMod val="60000"/>
+              <a:lumOff val="40000"/>
+            </a:schemeClr>
+          </a:solidFill>
+        </p:spPr>
+        <p:style>
+          <a:lnRef idx="2">
+            <a:schemeClr val="accent1">
+              <a:shade val="50000"/>
+            </a:schemeClr>
+          </a:lnRef>
+          <a:fillRef idx="1">
+            <a:schemeClr val="accent1"/>
+          </a:fillRef>
+          <a:effectRef idx="0">
+            <a:schemeClr val="accent1"/>
+          </a:effectRef>
+          <a:fontRef idx="minor">
+            <a:schemeClr val="lt1"/>
+          </a:fontRef>
+        </p:style>
+        <p:txBody>
+          <a:bodyPr rtlCol="0" anchor="ctr"/>
+          <a:lstStyle/>
+          <a:p>
+            <a:pPr algn="ctr"/>
+            <a:r>
+              <a:rPr lang="en-US" sz="1235">
+                <a:solidFill>
+                  <a:schemeClr val="tx1"/>
+                </a:solidFill>
+              </a:rPr>
+              <a:t>Total </a:t>
+            </a:r>
+            <a:r>
+              <a:rPr lang="en-US" sz="1235" smtClean="0">
+                <a:solidFill>
+                  <a:schemeClr val="tx1"/>
+                </a:solidFill>
+              </a:rPr>
+              <a:t>costs</a:t>
+            </a:r>
+            <a:endParaRPr lang="en-US" sz="1235" dirty="0">
+              <a:solidFill>
+                <a:schemeClr val="tx1"/>
+              </a:solidFill>
+            </a:endParaRPr>
+          </a:p>
+        </p:txBody>
+      </p:sp>
+      <p:cxnSp>
+        <p:nvCxnSpPr>
+          <p:cNvPr id="97" name="Straight Arrow Connector 96"/>
+          <p:cNvCxnSpPr>
+            <a:stCxn id="32" idx="2"/>
+          </p:cNvCxnSpPr>
+          <p:nvPr/>
+        </p:nvCxnSpPr>
+        <p:spPr>
+          <a:xfrm>
+            <a:off x="5050765" y="3010484"/>
+            <a:ext cx="2331488" cy="597272"/>
+          </a:xfrm>
+          <a:prstGeom prst="straightConnector1">
+            <a:avLst/>
+          </a:prstGeom>
+          <a:ln>
+            <a:tailEnd type="triangle"/>
+          </a:ln>
+        </p:spPr>
+        <p:style>
+          <a:lnRef idx="2">
+            <a:schemeClr val="dk1"/>
+          </a:lnRef>
+          <a:fillRef idx="0">
+            <a:schemeClr val="dk1"/>
+          </a:fillRef>
+          <a:effectRef idx="1">
+            <a:schemeClr val="dk1"/>
+          </a:effectRef>
+          <a:fontRef idx="minor">
+            <a:schemeClr val="tx1"/>
+          </a:fontRef>
+        </p:style>
+      </p:cxnSp>
+      <p:cxnSp>
+        <p:nvCxnSpPr>
+          <p:cNvPr id="14" name="Straight Arrow Connector 13"/>
+          <p:cNvCxnSpPr>
+            <a:stCxn id="2" idx="1"/>
+          </p:cNvCxnSpPr>
+          <p:nvPr/>
+        </p:nvCxnSpPr>
+        <p:spPr>
+          <a:xfrm flipH="1" flipV="1">
+            <a:off x="3093644" y="1063572"/>
+            <a:ext cx="1203736" cy="5436"/>
+          </a:xfrm>
+          <a:prstGeom prst="straightConnector1">
+            <a:avLst/>
+          </a:prstGeom>
+          <a:ln>
+            <a:tailEnd type="triangle"/>
+          </a:ln>
+        </p:spPr>
+        <p:style>
+          <a:lnRef idx="2">
+            <a:schemeClr val="dk1"/>
+          </a:lnRef>
+          <a:fillRef idx="0">
+            <a:schemeClr val="dk1"/>
+          </a:fillRef>
+          <a:effectRef idx="1">
+            <a:schemeClr val="dk1"/>
+          </a:effectRef>
+          <a:fontRef idx="minor">
+            <a:schemeClr val="tx1"/>
+          </a:fontRef>
+        </p:style>
+      </p:cxnSp>
+      <p:cxnSp>
+        <p:nvCxnSpPr>
+          <p:cNvPr id="210" name="Straight Arrow Connector 209"/>
+          <p:cNvCxnSpPr>
+            <a:stCxn id="179" idx="2"/>
+            <a:endCxn id="68" idx="0"/>
+          </p:cNvCxnSpPr>
+          <p:nvPr/>
+        </p:nvCxnSpPr>
+        <p:spPr>
+          <a:xfrm flipH="1">
+            <a:off x="1917808" y="4996372"/>
+            <a:ext cx="708983" cy="743468"/>
+          </a:xfrm>
+          <a:prstGeom prst="straightConnector1">
+            <a:avLst/>
+          </a:prstGeom>
+          <a:ln>
+            <a:tailEnd type="triangle"/>
+          </a:ln>
+        </p:spPr>
+        <p:style>
+          <a:lnRef idx="2">
+            <a:schemeClr val="dk1"/>
+          </a:lnRef>
+          <a:fillRef idx="0">
+            <a:schemeClr val="dk1"/>
+          </a:fillRef>
+          <a:effectRef idx="1">
+            <a:schemeClr val="dk1"/>
+          </a:effectRef>
+          <a:fontRef idx="minor">
+            <a:schemeClr val="tx1"/>
+          </a:fontRef>
+        </p:style>
+      </p:cxnSp>
+      <p:cxnSp>
+        <p:nvCxnSpPr>
+          <p:cNvPr id="218" name="Straight Arrow Connector 217"/>
+          <p:cNvCxnSpPr>
+            <a:stCxn id="123" idx="2"/>
+            <a:endCxn id="40" idx="0"/>
+          </p:cNvCxnSpPr>
+          <p:nvPr/>
+        </p:nvCxnSpPr>
+        <p:spPr>
+          <a:xfrm flipH="1">
+            <a:off x="697389" y="4980085"/>
+            <a:ext cx="3613260" cy="758392"/>
+          </a:xfrm>
+          <a:prstGeom prst="straightConnector1">
+            <a:avLst/>
+          </a:prstGeom>
+          <a:ln>
+            <a:tailEnd type="triangle"/>
+          </a:ln>
+        </p:spPr>
+        <p:style>
+          <a:lnRef idx="2">
+            <a:schemeClr val="dk1"/>
+          </a:lnRef>
+          <a:fillRef idx="0">
+            <a:schemeClr val="dk1"/>
+          </a:fillRef>
+          <a:effectRef idx="1">
+            <a:schemeClr val="dk1"/>
+          </a:effectRef>
+          <a:fontRef idx="minor">
+            <a:schemeClr val="tx1"/>
+          </a:fontRef>
+        </p:style>
+      </p:cxnSp>
+      <p:cxnSp>
+        <p:nvCxnSpPr>
+          <p:cNvPr id="188" name="Straight Arrow Connector 187"/>
+          <p:cNvCxnSpPr>
+            <a:stCxn id="132" idx="2"/>
+            <a:endCxn id="110" idx="0"/>
+          </p:cNvCxnSpPr>
+          <p:nvPr/>
+        </p:nvCxnSpPr>
+        <p:spPr>
+          <a:xfrm flipH="1">
+            <a:off x="1121762" y="2735835"/>
+            <a:ext cx="1390899" cy="313337"/>
+          </a:xfrm>
+          <a:prstGeom prst="straightConnector1">
+            <a:avLst/>
+          </a:prstGeom>
+          <a:ln>
+            <a:tailEnd type="triangle"/>
+          </a:ln>
+        </p:spPr>
+        <p:style>
+          <a:lnRef idx="2">
+            <a:schemeClr val="dk1"/>
+          </a:lnRef>
+          <a:fillRef idx="0">
+            <a:schemeClr val="dk1"/>
+          </a:fillRef>
+          <a:effectRef idx="1">
+            <a:schemeClr val="dk1"/>
+          </a:effectRef>
+          <a:fontRef idx="minor">
+            <a:schemeClr val="tx1"/>
+          </a:fontRef>
+        </p:style>
+      </p:cxnSp>
+      <p:sp>
+        <p:nvSpPr>
+          <p:cNvPr id="15" name="TextBox 14"/>
+          <p:cNvSpPr txBox="1"/>
+          <p:nvPr/>
+        </p:nvSpPr>
+        <p:spPr>
+          <a:xfrm>
+            <a:off x="1894236" y="804319"/>
+            <a:ext cx="1234685" cy="445378"/>
+          </a:xfrm>
+          <a:prstGeom prst="rect">
+            <a:avLst/>
+          </a:prstGeom>
+          <a:solidFill>
+            <a:schemeClr val="accent6">
+              <a:lumMod val="60000"/>
+              <a:lumOff val="40000"/>
+            </a:schemeClr>
+          </a:solidFill>
+          <a:ln>
+            <a:solidFill>
+              <a:schemeClr val="tx1"/>
+            </a:solidFill>
+          </a:ln>
+        </p:spPr>
+        <p:txBody>
+          <a:bodyPr wrap="square" rtlCol="0">
+            <a:spAutoFit/>
+          </a:bodyPr>
+          <a:lstStyle/>
+          <a:p>
+            <a:pPr algn="ctr"/>
+            <a:r>
+              <a:rPr lang="en-US" sz="1147" dirty="0"/>
+              <a:t>Benefits of interventions</a:t>
+            </a:r>
+          </a:p>
+        </p:txBody>
+      </p:sp>
+      <p:sp>
+        <p:nvSpPr>
+          <p:cNvPr id="40" name="TextBox 39"/>
+          <p:cNvSpPr txBox="1"/>
+          <p:nvPr/>
+        </p:nvSpPr>
+        <p:spPr>
+          <a:xfrm>
+            <a:off x="93690" y="5738477"/>
+            <a:ext cx="1207398" cy="798424"/>
+          </a:xfrm>
+          <a:prstGeom prst="rect">
+            <a:avLst/>
+          </a:prstGeom>
+          <a:solidFill>
+            <a:schemeClr val="accent6">
+              <a:lumMod val="60000"/>
+              <a:lumOff val="40000"/>
+            </a:schemeClr>
+          </a:solidFill>
+          <a:ln>
+            <a:solidFill>
+              <a:schemeClr val="tx1"/>
+            </a:solidFill>
+          </a:ln>
+        </p:spPr>
+        <p:txBody>
+          <a:bodyPr wrap="square" rtlCol="0">
+            <a:spAutoFit/>
+          </a:bodyPr>
+          <a:lstStyle/>
+          <a:p>
+            <a:pPr algn="ctr"/>
+            <a:r>
+              <a:rPr lang="en-US" sz="1147" dirty="0"/>
+              <a:t>Reduced </a:t>
+            </a:r>
+            <a:r>
+              <a:rPr lang="en-US" sz="1147"/>
+              <a:t>inputs</a:t>
+            </a:r>
+            <a:r>
+              <a:rPr lang="en-US" sz="1147" smtClean="0"/>
+              <a:t>, reduced harvest losses, increased </a:t>
+            </a:r>
+            <a:r>
+              <a:rPr lang="en-US" sz="1147" dirty="0"/>
+              <a:t>yields (rice)</a:t>
+            </a:r>
+          </a:p>
+        </p:txBody>
+      </p:sp>
+      <p:sp>
+        <p:nvSpPr>
+          <p:cNvPr id="41" name="TextBox 40"/>
+          <p:cNvSpPr txBox="1"/>
+          <p:nvPr/>
+        </p:nvSpPr>
+        <p:spPr>
+          <a:xfrm>
+            <a:off x="2533849" y="5726385"/>
+            <a:ext cx="1256677" cy="830997"/>
+          </a:xfrm>
+          <a:prstGeom prst="rect">
+            <a:avLst/>
+          </a:prstGeom>
+          <a:solidFill>
+            <a:schemeClr val="accent6">
+              <a:lumMod val="60000"/>
+              <a:lumOff val="40000"/>
+            </a:schemeClr>
+          </a:solidFill>
+          <a:ln>
+            <a:solidFill>
+              <a:schemeClr val="tx1"/>
+            </a:solidFill>
+          </a:ln>
+        </p:spPr>
+        <p:txBody>
+          <a:bodyPr wrap="square" rtlCol="0">
+            <a:spAutoFit/>
+          </a:bodyPr>
+          <a:lstStyle/>
+          <a:p>
+            <a:pPr algn="ctr"/>
+            <a:r>
+              <a:rPr lang="en-US" sz="1200" dirty="0"/>
+              <a:t>Cleaner drinking </a:t>
+            </a:r>
+            <a:r>
+              <a:rPr lang="en-US" sz="1200"/>
+              <a:t>water</a:t>
+            </a:r>
+            <a:r>
+              <a:rPr lang="en-US" sz="1200" smtClean="0"/>
+              <a:t>, reduced </a:t>
+            </a:r>
+            <a:r>
+              <a:rPr lang="en-US" sz="1200"/>
+              <a:t>fish </a:t>
+            </a:r>
+            <a:r>
+              <a:rPr lang="en-US" sz="1200" smtClean="0"/>
+              <a:t>death, reduce GHG</a:t>
+            </a:r>
+            <a:endParaRPr lang="en-US" sz="1200" dirty="0"/>
+          </a:p>
+        </p:txBody>
+      </p:sp>
+      <p:sp>
+        <p:nvSpPr>
+          <p:cNvPr id="42" name="TextBox 41"/>
+          <p:cNvSpPr txBox="1"/>
+          <p:nvPr/>
+        </p:nvSpPr>
+        <p:spPr>
+          <a:xfrm>
+            <a:off x="3857346" y="5723509"/>
+            <a:ext cx="1268846" cy="798424"/>
+          </a:xfrm>
+          <a:prstGeom prst="rect">
+            <a:avLst/>
+          </a:prstGeom>
+          <a:solidFill>
+            <a:schemeClr val="accent6">
+              <a:lumMod val="60000"/>
+              <a:lumOff val="40000"/>
+            </a:schemeClr>
+          </a:solidFill>
+          <a:ln>
+            <a:solidFill>
+              <a:schemeClr val="tx1"/>
+            </a:solidFill>
+          </a:ln>
+        </p:spPr>
+        <p:txBody>
+          <a:bodyPr wrap="square" rtlCol="0">
+            <a:spAutoFit/>
+          </a:bodyPr>
+          <a:lstStyle/>
+          <a:p>
+            <a:pPr algn="ctr"/>
+            <a:r>
+              <a:rPr lang="en-US" sz="1147" smtClean="0"/>
+              <a:t>Additional </a:t>
+            </a:r>
+          </a:p>
+          <a:p>
+            <a:pPr algn="ctr"/>
+            <a:r>
+              <a:rPr lang="en-US" sz="1147" smtClean="0"/>
+              <a:t>farming and non-farm livelihood income</a:t>
+            </a:r>
+            <a:endParaRPr lang="en-US" sz="1147" dirty="0"/>
+          </a:p>
+        </p:txBody>
+      </p:sp>
+      <p:sp>
+        <p:nvSpPr>
+          <p:cNvPr id="68" name="TextBox 67"/>
+          <p:cNvSpPr txBox="1"/>
+          <p:nvPr/>
+        </p:nvSpPr>
+        <p:spPr>
+          <a:xfrm>
+            <a:off x="1361589" y="5739840"/>
+            <a:ext cx="1112438" cy="798424"/>
+          </a:xfrm>
+          <a:prstGeom prst="rect">
+            <a:avLst/>
+          </a:prstGeom>
+          <a:solidFill>
+            <a:schemeClr val="accent6">
+              <a:lumMod val="60000"/>
+              <a:lumOff val="40000"/>
+            </a:schemeClr>
+          </a:solidFill>
+          <a:ln>
+            <a:solidFill>
+              <a:schemeClr val="tx1"/>
+            </a:solidFill>
+          </a:ln>
+        </p:spPr>
+        <p:txBody>
+          <a:bodyPr wrap="square" rtlCol="0">
+            <a:spAutoFit/>
+          </a:bodyPr>
+          <a:lstStyle/>
+          <a:p>
+            <a:pPr algn="ctr"/>
+            <a:r>
+              <a:rPr lang="en-US" sz="1147" dirty="0" smtClean="0"/>
+              <a:t>Reduced </a:t>
+            </a:r>
+            <a:r>
+              <a:rPr lang="en-US" sz="1147" dirty="0"/>
+              <a:t>buffalo, cow</a:t>
+            </a:r>
+          </a:p>
+          <a:p>
+            <a:pPr algn="ctr"/>
+            <a:r>
+              <a:rPr lang="en-US" sz="1147" smtClean="0"/>
+              <a:t>death</a:t>
+            </a:r>
+            <a:endParaRPr lang="en-US" sz="1147" dirty="0" smtClean="0"/>
+          </a:p>
+          <a:p>
+            <a:pPr algn="ctr"/>
+            <a:endParaRPr lang="en-US" sz="1147" dirty="0"/>
+          </a:p>
+        </p:txBody>
+      </p:sp>
+      <p:sp>
+        <p:nvSpPr>
+          <p:cNvPr id="110" name="TextBox 109"/>
+          <p:cNvSpPr txBox="1"/>
+          <p:nvPr/>
+        </p:nvSpPr>
+        <p:spPr>
+          <a:xfrm>
+            <a:off x="132489" y="3049172"/>
+            <a:ext cx="1978546" cy="461665"/>
+          </a:xfrm>
+          <a:prstGeom prst="rect">
+            <a:avLst/>
+          </a:prstGeom>
+          <a:solidFill>
+            <a:schemeClr val="accent6">
+              <a:lumMod val="60000"/>
+              <a:lumOff val="40000"/>
+            </a:schemeClr>
+          </a:solidFill>
+          <a:ln>
+            <a:solidFill>
+              <a:schemeClr val="tx1"/>
+            </a:solidFill>
+          </a:ln>
+        </p:spPr>
+        <p:txBody>
+          <a:bodyPr wrap="square" rtlCol="0">
+            <a:spAutoFit/>
+          </a:bodyPr>
+          <a:lstStyle/>
+          <a:p>
+            <a:pPr algn="ctr"/>
+            <a:r>
+              <a:rPr lang="en-US" sz="1200" smtClean="0"/>
+              <a:t>Risk, </a:t>
+            </a:r>
+            <a:r>
+              <a:rPr lang="en-US" sz="1200" dirty="0" smtClean="0"/>
+              <a:t>uncertainty </a:t>
+            </a:r>
+            <a:r>
+              <a:rPr lang="en-US" sz="1200"/>
+              <a:t>informed </a:t>
+            </a:r>
+            <a:r>
+              <a:rPr lang="en-US" sz="1200" smtClean="0"/>
+              <a:t>planning  </a:t>
+            </a:r>
+          </a:p>
+        </p:txBody>
+      </p:sp>
+      <p:sp>
+        <p:nvSpPr>
+          <p:cNvPr id="123" name="TextBox 122"/>
+          <p:cNvSpPr txBox="1"/>
+          <p:nvPr/>
+        </p:nvSpPr>
+        <p:spPr>
+          <a:xfrm>
+            <a:off x="3468586" y="4005138"/>
+            <a:ext cx="1684126" cy="974947"/>
+          </a:xfrm>
+          <a:prstGeom prst="rect">
+            <a:avLst/>
+          </a:prstGeom>
+          <a:solidFill>
+            <a:schemeClr val="accent6">
+              <a:lumMod val="60000"/>
+              <a:lumOff val="40000"/>
+            </a:schemeClr>
+          </a:solidFill>
+          <a:ln>
+            <a:solidFill>
+              <a:schemeClr val="tx1"/>
+            </a:solidFill>
+          </a:ln>
+        </p:spPr>
+        <p:txBody>
+          <a:bodyPr wrap="square" rtlCol="0">
+            <a:spAutoFit/>
+          </a:bodyPr>
+          <a:lstStyle/>
+          <a:p>
+            <a:pPr algn="ctr"/>
+            <a:r>
+              <a:rPr lang="en-US" sz="1147" smtClean="0"/>
+              <a:t>Redistribute labor division, </a:t>
+            </a:r>
+          </a:p>
+          <a:p>
+            <a:pPr algn="ctr"/>
+            <a:r>
+              <a:rPr lang="en-US" sz="1147" smtClean="0"/>
+              <a:t>respect and share choice</a:t>
+            </a:r>
+            <a:r>
+              <a:rPr lang="en-US" sz="1147"/>
+              <a:t>, </a:t>
+            </a:r>
+            <a:r>
+              <a:rPr lang="en-US" sz="1147" smtClean="0"/>
+              <a:t>decision between women and men</a:t>
+            </a:r>
+            <a:endParaRPr lang="en-US" sz="1147" dirty="0"/>
+          </a:p>
+        </p:txBody>
+      </p:sp>
+      <p:sp>
+        <p:nvSpPr>
+          <p:cNvPr id="131" name="TextBox 130"/>
+          <p:cNvSpPr txBox="1"/>
+          <p:nvPr/>
+        </p:nvSpPr>
+        <p:spPr>
+          <a:xfrm>
+            <a:off x="52502" y="4001718"/>
+            <a:ext cx="1760290" cy="1015663"/>
+          </a:xfrm>
+          <a:prstGeom prst="rect">
+            <a:avLst/>
+          </a:prstGeom>
+          <a:solidFill>
+            <a:schemeClr val="accent6">
+              <a:lumMod val="60000"/>
+              <a:lumOff val="40000"/>
+            </a:schemeClr>
+          </a:solidFill>
+          <a:ln>
+            <a:solidFill>
+              <a:schemeClr val="tx1"/>
+            </a:solidFill>
+          </a:ln>
+        </p:spPr>
+        <p:txBody>
+          <a:bodyPr wrap="square" rtlCol="0">
+            <a:spAutoFit/>
+          </a:bodyPr>
+          <a:lstStyle/>
+          <a:p>
+            <a:pPr algn="ctr"/>
+            <a:r>
+              <a:rPr lang="en-US" sz="1200" smtClean="0"/>
+              <a:t>Avoid or manage farming in bad weathers, </a:t>
+            </a:r>
+          </a:p>
+          <a:p>
+            <a:pPr algn="ctr"/>
+            <a:r>
+              <a:rPr lang="en-US" sz="1200"/>
+              <a:t>r</a:t>
+            </a:r>
+            <a:r>
+              <a:rPr lang="en-US" sz="1200" smtClean="0"/>
+              <a:t>educe excess use of seeds</a:t>
+            </a:r>
+            <a:r>
+              <a:rPr lang="en-US" sz="1200"/>
+              <a:t>, </a:t>
+            </a:r>
+            <a:r>
+              <a:rPr lang="en-US" sz="1200" smtClean="0"/>
+              <a:t>water, fertilizers and pesticides </a:t>
+            </a:r>
+          </a:p>
+        </p:txBody>
+      </p:sp>
+      <p:sp>
+        <p:nvSpPr>
+          <p:cNvPr id="132" name="TextBox 131"/>
+          <p:cNvSpPr txBox="1"/>
+          <p:nvPr/>
+        </p:nvSpPr>
+        <p:spPr>
+          <a:xfrm>
+            <a:off x="1863628" y="2113933"/>
+            <a:ext cx="1298065" cy="621902"/>
+          </a:xfrm>
+          <a:prstGeom prst="rect">
+            <a:avLst/>
+          </a:prstGeom>
+          <a:solidFill>
+            <a:schemeClr val="accent6">
+              <a:lumMod val="60000"/>
+              <a:lumOff val="40000"/>
+            </a:schemeClr>
+          </a:solidFill>
+          <a:ln>
+            <a:solidFill>
+              <a:schemeClr val="tx1"/>
+            </a:solidFill>
+          </a:ln>
+        </p:spPr>
+        <p:txBody>
+          <a:bodyPr wrap="square" rtlCol="0">
+            <a:spAutoFit/>
+          </a:bodyPr>
+          <a:lstStyle/>
+          <a:p>
+            <a:pPr algn="ctr"/>
+            <a:r>
+              <a:rPr lang="en-US" sz="1147" dirty="0"/>
+              <a:t>Information access</a:t>
+            </a:r>
+          </a:p>
+          <a:p>
+            <a:pPr algn="ctr"/>
+            <a:r>
+              <a:rPr lang="en-US" sz="1147" smtClean="0"/>
+              <a:t>(women </a:t>
+            </a:r>
+            <a:r>
+              <a:rPr lang="en-US" sz="1147"/>
+              <a:t>and </a:t>
+            </a:r>
+            <a:r>
+              <a:rPr lang="en-US" sz="1147" smtClean="0"/>
+              <a:t>men)</a:t>
+            </a:r>
+            <a:endParaRPr lang="en-US" sz="1147" dirty="0"/>
+          </a:p>
+        </p:txBody>
+      </p:sp>
+      <p:sp>
+        <p:nvSpPr>
+          <p:cNvPr id="179" name="TextBox 178"/>
+          <p:cNvSpPr txBox="1"/>
+          <p:nvPr/>
+        </p:nvSpPr>
+        <p:spPr>
+          <a:xfrm>
+            <a:off x="2003872" y="3980709"/>
+            <a:ext cx="1245838" cy="1015663"/>
+          </a:xfrm>
+          <a:prstGeom prst="rect">
+            <a:avLst/>
+          </a:prstGeom>
+          <a:solidFill>
+            <a:schemeClr val="accent6">
+              <a:lumMod val="60000"/>
+              <a:lumOff val="40000"/>
+            </a:schemeClr>
+          </a:solidFill>
+          <a:ln>
+            <a:solidFill>
+              <a:schemeClr val="tx1"/>
+            </a:solidFill>
+          </a:ln>
+        </p:spPr>
+        <p:txBody>
+          <a:bodyPr wrap="square" rtlCol="0">
+            <a:spAutoFit/>
+          </a:bodyPr>
+          <a:lstStyle/>
+          <a:p>
+            <a:pPr algn="ctr"/>
+            <a:r>
+              <a:rPr lang="en-US" sz="1200" dirty="0"/>
+              <a:t>Prepare </a:t>
+            </a:r>
+            <a:r>
+              <a:rPr lang="en-US" sz="1200" dirty="0" smtClean="0"/>
+              <a:t>feeds</a:t>
+            </a:r>
+            <a:r>
+              <a:rPr lang="en-US" sz="1200" dirty="0"/>
+              <a:t>, do not release animals during </a:t>
+            </a:r>
+            <a:r>
+              <a:rPr lang="en-US" sz="1200" smtClean="0"/>
+              <a:t>cold spell</a:t>
+            </a:r>
+          </a:p>
+          <a:p>
+            <a:pPr algn="ctr"/>
+            <a:endParaRPr lang="en-US" sz="1200" dirty="0"/>
+          </a:p>
+        </p:txBody>
+      </p:sp>
+      <p:sp>
+        <p:nvSpPr>
+          <p:cNvPr id="181" name="TextBox 180"/>
+          <p:cNvSpPr txBox="1"/>
+          <p:nvPr/>
+        </p:nvSpPr>
+        <p:spPr>
+          <a:xfrm>
+            <a:off x="2515993" y="3035145"/>
+            <a:ext cx="1871402" cy="461665"/>
+          </a:xfrm>
+          <a:prstGeom prst="rect">
+            <a:avLst/>
+          </a:prstGeom>
+          <a:solidFill>
+            <a:schemeClr val="accent6">
+              <a:lumMod val="60000"/>
+              <a:lumOff val="40000"/>
+            </a:schemeClr>
+          </a:solidFill>
+          <a:ln>
+            <a:solidFill>
+              <a:schemeClr val="tx1"/>
+            </a:solidFill>
+          </a:ln>
+        </p:spPr>
+        <p:txBody>
+          <a:bodyPr wrap="square" rtlCol="0">
+            <a:spAutoFit/>
+          </a:bodyPr>
+          <a:lstStyle/>
+          <a:p>
+            <a:pPr algn="ctr"/>
+            <a:r>
+              <a:rPr lang="en-US" sz="1200" dirty="0" smtClean="0"/>
+              <a:t>Change </a:t>
+            </a:r>
+            <a:r>
+              <a:rPr lang="en-US" sz="1200" smtClean="0"/>
+              <a:t>gender norms (</a:t>
+            </a:r>
+            <a:r>
+              <a:rPr lang="en-US" sz="1200" dirty="0" smtClean="0"/>
+              <a:t>women and </a:t>
+            </a:r>
+            <a:r>
+              <a:rPr lang="en-US" sz="1200" smtClean="0"/>
+              <a:t>men) </a:t>
+            </a:r>
+            <a:endParaRPr lang="en-US" sz="1200" dirty="0"/>
+          </a:p>
+        </p:txBody>
+      </p:sp>
+      <p:cxnSp>
+        <p:nvCxnSpPr>
+          <p:cNvPr id="191" name="Straight Arrow Connector 190"/>
+          <p:cNvCxnSpPr>
+            <a:stCxn id="132" idx="2"/>
+            <a:endCxn id="181" idx="0"/>
+          </p:cNvCxnSpPr>
+          <p:nvPr/>
+        </p:nvCxnSpPr>
+        <p:spPr>
+          <a:xfrm>
+            <a:off x="2512661" y="2735835"/>
+            <a:ext cx="939033" cy="299310"/>
+          </a:xfrm>
+          <a:prstGeom prst="straightConnector1">
+            <a:avLst/>
+          </a:prstGeom>
+          <a:ln>
+            <a:tailEnd type="triangle"/>
+          </a:ln>
+        </p:spPr>
+        <p:style>
+          <a:lnRef idx="2">
+            <a:schemeClr val="dk1"/>
+          </a:lnRef>
+          <a:fillRef idx="0">
+            <a:schemeClr val="dk1"/>
+          </a:fillRef>
+          <a:effectRef idx="1">
+            <a:schemeClr val="dk1"/>
+          </a:effectRef>
+          <a:fontRef idx="minor">
+            <a:schemeClr val="tx1"/>
+          </a:fontRef>
+        </p:style>
+      </p:cxnSp>
+      <p:cxnSp>
+        <p:nvCxnSpPr>
+          <p:cNvPr id="195" name="Straight Arrow Connector 194"/>
+          <p:cNvCxnSpPr>
+            <a:stCxn id="110" idx="2"/>
+            <a:endCxn id="131" idx="0"/>
+          </p:cNvCxnSpPr>
+          <p:nvPr/>
+        </p:nvCxnSpPr>
+        <p:spPr>
+          <a:xfrm flipH="1">
+            <a:off x="932647" y="3510837"/>
+            <a:ext cx="189115" cy="490881"/>
+          </a:xfrm>
+          <a:prstGeom prst="straightConnector1">
+            <a:avLst/>
+          </a:prstGeom>
+          <a:ln>
+            <a:tailEnd type="triangle"/>
+          </a:ln>
+        </p:spPr>
+        <p:style>
+          <a:lnRef idx="2">
+            <a:schemeClr val="dk1"/>
+          </a:lnRef>
+          <a:fillRef idx="0">
+            <a:schemeClr val="dk1"/>
+          </a:fillRef>
+          <a:effectRef idx="1">
+            <a:schemeClr val="dk1"/>
+          </a:effectRef>
+          <a:fontRef idx="minor">
+            <a:schemeClr val="tx1"/>
+          </a:fontRef>
+        </p:style>
+      </p:cxnSp>
+      <p:cxnSp>
+        <p:nvCxnSpPr>
+          <p:cNvPr id="201" name="Straight Arrow Connector 200"/>
+          <p:cNvCxnSpPr>
+            <a:stCxn id="131" idx="2"/>
+            <a:endCxn id="40" idx="0"/>
+          </p:cNvCxnSpPr>
+          <p:nvPr/>
+        </p:nvCxnSpPr>
+        <p:spPr>
+          <a:xfrm flipH="1">
+            <a:off x="697389" y="5017381"/>
+            <a:ext cx="235258" cy="721096"/>
+          </a:xfrm>
+          <a:prstGeom prst="straightConnector1">
+            <a:avLst/>
+          </a:prstGeom>
+          <a:ln>
+            <a:tailEnd type="triangle"/>
+          </a:ln>
+        </p:spPr>
+        <p:style>
+          <a:lnRef idx="2">
+            <a:schemeClr val="dk1"/>
+          </a:lnRef>
+          <a:fillRef idx="0">
+            <a:schemeClr val="dk1"/>
+          </a:fillRef>
+          <a:effectRef idx="1">
+            <a:schemeClr val="dk1"/>
+          </a:effectRef>
+          <a:fontRef idx="minor">
+            <a:schemeClr val="tx1"/>
+          </a:fontRef>
+        </p:style>
+      </p:cxnSp>
+      <p:cxnSp>
+        <p:nvCxnSpPr>
+          <p:cNvPr id="204" name="Straight Arrow Connector 203"/>
+          <p:cNvCxnSpPr>
+            <a:stCxn id="131" idx="2"/>
+            <a:endCxn id="41" idx="0"/>
+          </p:cNvCxnSpPr>
+          <p:nvPr/>
+        </p:nvCxnSpPr>
+        <p:spPr>
+          <a:xfrm>
+            <a:off x="932647" y="5017381"/>
+            <a:ext cx="2229541" cy="709004"/>
+          </a:xfrm>
+          <a:prstGeom prst="straightConnector1">
+            <a:avLst/>
+          </a:prstGeom>
+          <a:ln>
+            <a:tailEnd type="triangle"/>
+          </a:ln>
+        </p:spPr>
+        <p:style>
+          <a:lnRef idx="2">
+            <a:schemeClr val="dk1"/>
+          </a:lnRef>
+          <a:fillRef idx="0">
+            <a:schemeClr val="dk1"/>
+          </a:fillRef>
+          <a:effectRef idx="1">
+            <a:schemeClr val="dk1"/>
+          </a:effectRef>
+          <a:fontRef idx="minor">
+            <a:schemeClr val="tx1"/>
+          </a:fontRef>
+        </p:style>
+      </p:cxnSp>
+      <p:cxnSp>
+        <p:nvCxnSpPr>
+          <p:cNvPr id="207" name="Straight Arrow Connector 206"/>
+          <p:cNvCxnSpPr>
+            <a:stCxn id="110" idx="2"/>
+            <a:endCxn id="179" idx="0"/>
+          </p:cNvCxnSpPr>
+          <p:nvPr/>
+        </p:nvCxnSpPr>
+        <p:spPr>
+          <a:xfrm>
+            <a:off x="1121762" y="3510837"/>
+            <a:ext cx="1505029" cy="469872"/>
+          </a:xfrm>
+          <a:prstGeom prst="straightConnector1">
+            <a:avLst/>
+          </a:prstGeom>
+          <a:ln>
+            <a:tailEnd type="triangle"/>
+          </a:ln>
+        </p:spPr>
+        <p:style>
+          <a:lnRef idx="2">
+            <a:schemeClr val="dk1"/>
+          </a:lnRef>
+          <a:fillRef idx="0">
+            <a:schemeClr val="dk1"/>
+          </a:fillRef>
+          <a:effectRef idx="1">
+            <a:schemeClr val="dk1"/>
+          </a:effectRef>
+          <a:fontRef idx="minor">
+            <a:schemeClr val="tx1"/>
+          </a:fontRef>
+        </p:style>
+      </p:cxnSp>
+      <p:cxnSp>
+        <p:nvCxnSpPr>
+          <p:cNvPr id="215" name="Straight Arrow Connector 214"/>
+          <p:cNvCxnSpPr>
+            <a:stCxn id="181" idx="2"/>
+            <a:endCxn id="123" idx="0"/>
+          </p:cNvCxnSpPr>
+          <p:nvPr/>
+        </p:nvCxnSpPr>
+        <p:spPr>
+          <a:xfrm>
+            <a:off x="3451694" y="3496810"/>
+            <a:ext cx="858955" cy="508328"/>
+          </a:xfrm>
+          <a:prstGeom prst="straightConnector1">
+            <a:avLst/>
+          </a:prstGeom>
+          <a:ln>
+            <a:tailEnd type="triangle"/>
+          </a:ln>
+        </p:spPr>
+        <p:style>
+          <a:lnRef idx="2">
+            <a:schemeClr val="dk1"/>
+          </a:lnRef>
+          <a:fillRef idx="0">
+            <a:schemeClr val="dk1"/>
+          </a:fillRef>
+          <a:effectRef idx="1">
+            <a:schemeClr val="dk1"/>
+          </a:effectRef>
+          <a:fontRef idx="minor">
+            <a:schemeClr val="tx1"/>
+          </a:fontRef>
+        </p:style>
+      </p:cxnSp>
+      <p:cxnSp>
+        <p:nvCxnSpPr>
+          <p:cNvPr id="220" name="Straight Arrow Connector 219"/>
+          <p:cNvCxnSpPr>
+            <a:stCxn id="123" idx="2"/>
+            <a:endCxn id="68" idx="0"/>
+          </p:cNvCxnSpPr>
+          <p:nvPr/>
+        </p:nvCxnSpPr>
+        <p:spPr>
+          <a:xfrm flipH="1">
+            <a:off x="1917808" y="4980085"/>
+            <a:ext cx="2392841" cy="759755"/>
+          </a:xfrm>
+          <a:prstGeom prst="straightConnector1">
+            <a:avLst/>
+          </a:prstGeom>
+          <a:ln>
+            <a:tailEnd type="triangle"/>
+          </a:ln>
+        </p:spPr>
+        <p:style>
+          <a:lnRef idx="2">
+            <a:schemeClr val="dk1"/>
+          </a:lnRef>
+          <a:fillRef idx="0">
+            <a:schemeClr val="dk1"/>
+          </a:fillRef>
+          <a:effectRef idx="1">
+            <a:schemeClr val="dk1"/>
+          </a:effectRef>
+          <a:fontRef idx="minor">
+            <a:schemeClr val="tx1"/>
+          </a:fontRef>
+        </p:style>
+      </p:cxnSp>
+      <p:cxnSp>
+        <p:nvCxnSpPr>
+          <p:cNvPr id="223" name="Straight Arrow Connector 222"/>
+          <p:cNvCxnSpPr>
+            <a:stCxn id="123" idx="2"/>
+            <a:endCxn id="42" idx="0"/>
+          </p:cNvCxnSpPr>
+          <p:nvPr/>
+        </p:nvCxnSpPr>
+        <p:spPr>
+          <a:xfrm>
+            <a:off x="4310649" y="4980085"/>
+            <a:ext cx="181120" cy="743424"/>
+          </a:xfrm>
+          <a:prstGeom prst="straightConnector1">
+            <a:avLst/>
+          </a:prstGeom>
+          <a:ln>
+            <a:tailEnd type="triangle"/>
+          </a:ln>
+        </p:spPr>
+        <p:style>
+          <a:lnRef idx="2">
+            <a:schemeClr val="dk1"/>
+          </a:lnRef>
+          <a:fillRef idx="0">
+            <a:schemeClr val="dk1"/>
+          </a:fillRef>
+          <a:effectRef idx="1">
+            <a:schemeClr val="dk1"/>
+          </a:effectRef>
+          <a:fontRef idx="minor">
+            <a:schemeClr val="tx1"/>
+          </a:fontRef>
+        </p:style>
+      </p:cxnSp>
+      <p:sp>
+        <p:nvSpPr>
+          <p:cNvPr id="241" name="TextBox 240"/>
+          <p:cNvSpPr txBox="1"/>
+          <p:nvPr/>
+        </p:nvSpPr>
+        <p:spPr>
+          <a:xfrm>
+            <a:off x="5175714" y="5723509"/>
+            <a:ext cx="977965" cy="798424"/>
+          </a:xfrm>
+          <a:prstGeom prst="rect">
+            <a:avLst/>
+          </a:prstGeom>
+          <a:solidFill>
+            <a:schemeClr val="accent6">
+              <a:lumMod val="60000"/>
+              <a:lumOff val="40000"/>
+            </a:schemeClr>
+          </a:solidFill>
+          <a:ln>
+            <a:solidFill>
+              <a:schemeClr val="tx1"/>
+            </a:solidFill>
+          </a:ln>
+        </p:spPr>
+        <p:txBody>
+          <a:bodyPr wrap="square" rtlCol="0">
+            <a:spAutoFit/>
+          </a:bodyPr>
+          <a:lstStyle/>
+          <a:p>
+            <a:pPr algn="ctr"/>
+            <a:r>
+              <a:rPr lang="en-US" sz="1147" smtClean="0"/>
+              <a:t>Reduced</a:t>
+            </a:r>
+            <a:endParaRPr lang="en-US" sz="1147" dirty="0"/>
+          </a:p>
+          <a:p>
+            <a:pPr algn="ctr"/>
+            <a:r>
+              <a:rPr lang="en-US" sz="1147" smtClean="0"/>
+              <a:t>farmers</a:t>
+            </a:r>
+            <a:r>
+              <a:rPr lang="en-US" sz="1147" dirty="0" smtClean="0"/>
+              <a:t>’ </a:t>
+            </a:r>
+            <a:r>
+              <a:rPr lang="en-US" sz="1147" smtClean="0"/>
+              <a:t>health costs</a:t>
+            </a:r>
+          </a:p>
+          <a:p>
+            <a:pPr algn="ctr"/>
+            <a:endParaRPr lang="en-US" sz="1147" dirty="0"/>
+          </a:p>
+        </p:txBody>
+      </p:sp>
+      <p:cxnSp>
+        <p:nvCxnSpPr>
+          <p:cNvPr id="244" name="Straight Arrow Connector 243"/>
+          <p:cNvCxnSpPr>
+            <a:stCxn id="131" idx="2"/>
+            <a:endCxn id="241" idx="0"/>
+          </p:cNvCxnSpPr>
+          <p:nvPr/>
+        </p:nvCxnSpPr>
+        <p:spPr>
+          <a:xfrm>
+            <a:off x="932647" y="5017381"/>
+            <a:ext cx="4732050" cy="706128"/>
+          </a:xfrm>
+          <a:prstGeom prst="straightConnector1">
+            <a:avLst/>
+          </a:prstGeom>
+          <a:ln>
+            <a:tailEnd type="triangle"/>
+          </a:ln>
+        </p:spPr>
+        <p:style>
+          <a:lnRef idx="2">
+            <a:schemeClr val="dk1"/>
+          </a:lnRef>
+          <a:fillRef idx="0">
+            <a:schemeClr val="dk1"/>
+          </a:fillRef>
+          <a:effectRef idx="1">
+            <a:schemeClr val="dk1"/>
+          </a:effectRef>
+          <a:fontRef idx="minor">
+            <a:schemeClr val="tx1"/>
+          </a:fontRef>
+        </p:style>
+      </p:cxnSp>
+      <p:grpSp>
+        <p:nvGrpSpPr>
+          <p:cNvPr id="517" name="Group 516"/>
+          <p:cNvGrpSpPr/>
+          <p:nvPr/>
+        </p:nvGrpSpPr>
+        <p:grpSpPr>
+          <a:xfrm>
+            <a:off x="697389" y="6521933"/>
+            <a:ext cx="4967308" cy="948030"/>
+            <a:chOff x="570239" y="6618981"/>
+            <a:chExt cx="4967308" cy="948030"/>
+          </a:xfrm>
+        </p:grpSpPr>
+        <p:sp>
+          <p:nvSpPr>
+            <p:cNvPr id="130" name="Rectangle 129"/>
             <p:cNvSpPr/>
             <p:nvPr/>
           </p:nvSpPr>
           <p:spPr>
             <a:xfrm>
-              <a:off x="8688352" y="7030211"/>
+              <a:off x="2192130" y="7281805"/>
               <a:ext cx="1167451" cy="285206"/>
             </a:xfrm>
             <a:prstGeom prst="rect">
               <a:avLst/>
             </a:prstGeom>
+            <a:solidFill>
+              <a:schemeClr val="accent6">
+                <a:lumMod val="60000"/>
+                <a:lumOff val="40000"/>
+              </a:schemeClr>
+            </a:solidFill>
           </p:spPr>
           <p:style>
             <a:lnRef idx="2">
@@ -3565,24 +5883,42 @@
             <a:p>
               <a:pPr algn="ctr"/>
               <a:r>
-                <a:rPr lang="en-US" sz="1235" dirty="0"/>
-                <a:t>Discount rate</a:t>
+                <a:rPr lang="en-US" sz="1235">
+                  <a:solidFill>
+                    <a:schemeClr val="tx1"/>
+                  </a:solidFill>
+                </a:rPr>
+                <a:t>Total </a:t>
               </a:r>
+              <a:r>
+                <a:rPr lang="en-US" sz="1235" smtClean="0">
+                  <a:solidFill>
+                    <a:schemeClr val="tx1"/>
+                  </a:solidFill>
+                </a:rPr>
+                <a:t>benefits</a:t>
+              </a:r>
+              <a:endParaRPr lang="en-US" sz="1235" dirty="0">
+                <a:solidFill>
+                  <a:schemeClr val="tx1"/>
+                </a:solidFill>
+              </a:endParaRPr>
             </a:p>
           </p:txBody>
         </p:sp>
         <p:cxnSp>
           <p:nvCxnSpPr>
-            <p:cNvPr id="143" name="Straight Arrow Connector 142"/>
+            <p:cNvPr id="235" name="Straight Arrow Connector 234"/>
             <p:cNvCxnSpPr>
-              <a:endCxn id="84" idx="6"/>
+              <a:stCxn id="40" idx="2"/>
+              <a:endCxn id="130" idx="0"/>
             </p:cNvCxnSpPr>
             <p:nvPr/>
           </p:nvCxnSpPr>
           <p:spPr>
-            <a:xfrm flipH="1">
-              <a:off x="8257156" y="7180434"/>
-              <a:ext cx="419694" cy="0"/>
+            <a:xfrm>
+              <a:off x="570239" y="6633949"/>
+              <a:ext cx="2205617" cy="647856"/>
             </a:xfrm>
             <a:prstGeom prst="straightConnector1">
               <a:avLst/>
@@ -3608,17 +5944,17 @@
         </p:cxnSp>
         <p:cxnSp>
           <p:nvCxnSpPr>
-            <p:cNvPr id="270" name="Straight Arrow Connector 269"/>
+            <p:cNvPr id="253" name="Straight Arrow Connector 252"/>
             <p:cNvCxnSpPr>
-              <a:stCxn id="130" idx="3"/>
-              <a:endCxn id="84" idx="2"/>
+              <a:stCxn id="68" idx="2"/>
+              <a:endCxn id="130" idx="0"/>
             </p:cNvCxnSpPr>
             <p:nvPr/>
           </p:nvCxnSpPr>
           <p:spPr>
             <a:xfrm>
-              <a:off x="3486731" y="7172814"/>
-              <a:ext cx="3056584" cy="7620"/>
+              <a:off x="1798032" y="6635312"/>
+              <a:ext cx="977824" cy="646493"/>
             </a:xfrm>
             <a:prstGeom prst="straightConnector1">
               <a:avLst/>
@@ -3644,17 +5980,17 @@
         </p:cxnSp>
         <p:cxnSp>
           <p:nvCxnSpPr>
-            <p:cNvPr id="273" name="Straight Arrow Connector 272"/>
+            <p:cNvPr id="256" name="Straight Arrow Connector 255"/>
             <p:cNvCxnSpPr>
-              <a:stCxn id="135" idx="2"/>
-              <a:endCxn id="84" idx="0"/>
+              <a:stCxn id="41" idx="2"/>
+              <a:endCxn id="130" idx="0"/>
             </p:cNvCxnSpPr>
             <p:nvPr/>
           </p:nvCxnSpPr>
           <p:spPr>
-            <a:xfrm>
-              <a:off x="7382253" y="3738218"/>
-              <a:ext cx="17983" cy="3129610"/>
+            <a:xfrm flipH="1">
+              <a:off x="2775856" y="6654430"/>
+              <a:ext cx="259182" cy="627375"/>
             </a:xfrm>
             <a:prstGeom prst="straightConnector1">
               <a:avLst/>
@@ -3680,326 +6016,17 @@
         </p:cxnSp>
         <p:cxnSp>
           <p:nvCxnSpPr>
-            <p:cNvPr id="48" name="Straight Arrow Connector 47"/>
+            <p:cNvPr id="261" name="Straight Arrow Connector 260"/>
             <p:cNvCxnSpPr>
-              <a:stCxn id="352" idx="3"/>
+              <a:stCxn id="42" idx="2"/>
+              <a:endCxn id="130" idx="0"/>
             </p:cNvCxnSpPr>
             <p:nvPr/>
           </p:nvCxnSpPr>
           <p:spPr>
-            <a:xfrm>
-              <a:off x="1408604" y="1233553"/>
-              <a:ext cx="1045589" cy="16932"/>
-            </a:xfrm>
-            <a:prstGeom prst="straightConnector1">
-              <a:avLst/>
-            </a:prstGeom>
-            <a:ln>
-              <a:prstDash val="solid"/>
-              <a:tailEnd type="triangle"/>
-            </a:ln>
-          </p:spPr>
-          <p:style>
-            <a:lnRef idx="2">
-              <a:schemeClr val="dk1"/>
-            </a:lnRef>
-            <a:fillRef idx="0">
-              <a:schemeClr val="dk1"/>
-            </a:fillRef>
-            <a:effectRef idx="1">
-              <a:schemeClr val="dk1"/>
-            </a:effectRef>
-            <a:fontRef idx="minor">
-              <a:schemeClr val="tx1"/>
-            </a:fontRef>
-          </p:style>
-        </p:cxnSp>
-        <p:grpSp>
-          <p:nvGrpSpPr>
-            <p:cNvPr id="453" name="Group 452"/>
-            <p:cNvGrpSpPr/>
-            <p:nvPr/>
-          </p:nvGrpSpPr>
-          <p:grpSpPr>
-            <a:xfrm>
-              <a:off x="93690" y="710971"/>
-              <a:ext cx="1314914" cy="1045163"/>
-              <a:chOff x="329616" y="1248902"/>
-              <a:chExt cx="1314914" cy="1045163"/>
-            </a:xfrm>
-          </p:grpSpPr>
-          <p:sp>
-            <p:nvSpPr>
-              <p:cNvPr id="352" name="Rectangle 351"/>
-              <p:cNvSpPr/>
-              <p:nvPr/>
-            </p:nvSpPr>
-            <p:spPr>
-              <a:xfrm>
-                <a:off x="329616" y="1248902"/>
-                <a:ext cx="1314914" cy="1045163"/>
-              </a:xfrm>
-              <a:prstGeom prst="rect">
-                <a:avLst/>
-              </a:prstGeom>
-            </p:spPr>
-            <p:style>
-              <a:lnRef idx="2">
-                <a:schemeClr val="accent3">
-                  <a:shade val="50000"/>
-                </a:schemeClr>
-              </a:lnRef>
-              <a:fillRef idx="1">
-                <a:schemeClr val="accent3"/>
-              </a:fillRef>
-              <a:effectRef idx="0">
-                <a:schemeClr val="accent3"/>
-              </a:effectRef>
-              <a:fontRef idx="minor">
-                <a:schemeClr val="lt1"/>
-              </a:fontRef>
-            </p:style>
-            <p:txBody>
-              <a:bodyPr rtlCol="0" anchor="ctr"/>
-              <a:lstStyle/>
-              <a:p>
-                <a:pPr algn="ctr"/>
-                <a:endParaRPr lang="en-US"/>
-              </a:p>
-            </p:txBody>
-          </p:sp>
-          <p:sp>
-            <p:nvSpPr>
-              <p:cNvPr id="44" name="TextBox 43"/>
-              <p:cNvSpPr txBox="1"/>
-              <p:nvPr/>
-            </p:nvSpPr>
-            <p:spPr>
-              <a:xfrm>
-                <a:off x="369873" y="1301301"/>
-                <a:ext cx="1234685" cy="445378"/>
-              </a:xfrm>
-              <a:prstGeom prst="rect">
-                <a:avLst/>
-              </a:prstGeom>
-              <a:solidFill>
-                <a:schemeClr val="accent3">
-                  <a:lumMod val="60000"/>
-                  <a:lumOff val="40000"/>
-                </a:schemeClr>
-              </a:solidFill>
-              <a:ln>
-                <a:solidFill>
-                  <a:schemeClr val="tx1"/>
-                </a:solidFill>
-              </a:ln>
-            </p:spPr>
-            <p:txBody>
-              <a:bodyPr wrap="square" rtlCol="0">
-                <a:spAutoFit/>
-              </a:bodyPr>
-              <a:lstStyle/>
-              <a:p>
-                <a:pPr algn="ctr"/>
-                <a:r>
-                  <a:rPr lang="en-US" sz="1147" smtClean="0"/>
-                  <a:t>Forecast inaccuracy risk</a:t>
-                </a:r>
-                <a:endParaRPr lang="en-US" sz="1147" dirty="0"/>
-              </a:p>
-            </p:txBody>
-          </p:sp>
-          <p:sp>
-            <p:nvSpPr>
-              <p:cNvPr id="351" name="TextBox 350"/>
-              <p:cNvSpPr txBox="1"/>
-              <p:nvPr/>
-            </p:nvSpPr>
-            <p:spPr>
-              <a:xfrm>
-                <a:off x="369872" y="1799793"/>
-                <a:ext cx="1234685" cy="445378"/>
-              </a:xfrm>
-              <a:prstGeom prst="rect">
-                <a:avLst/>
-              </a:prstGeom>
-              <a:solidFill>
-                <a:schemeClr val="accent3">
-                  <a:lumMod val="60000"/>
-                  <a:lumOff val="40000"/>
-                </a:schemeClr>
-              </a:solidFill>
-              <a:ln>
-                <a:solidFill>
-                  <a:schemeClr val="tx1"/>
-                </a:solidFill>
-              </a:ln>
-            </p:spPr>
-            <p:txBody>
-              <a:bodyPr wrap="square" rtlCol="0">
-                <a:spAutoFit/>
-              </a:bodyPr>
-              <a:lstStyle/>
-              <a:p>
-                <a:pPr algn="ctr"/>
-                <a:r>
-                  <a:rPr lang="en-US" sz="1147" dirty="0" smtClean="0"/>
-                  <a:t>Low </a:t>
-                </a:r>
-                <a:r>
-                  <a:rPr lang="en-US" sz="1147" smtClean="0"/>
-                  <a:t>effective adoption risk</a:t>
-                </a:r>
-                <a:endParaRPr lang="en-US" sz="1147" dirty="0"/>
-              </a:p>
-            </p:txBody>
-          </p:sp>
-        </p:grpSp>
-        <p:sp>
-          <p:nvSpPr>
-            <p:cNvPr id="2" name="TextBox 1"/>
-            <p:cNvSpPr txBox="1"/>
-            <p:nvPr/>
-          </p:nvSpPr>
-          <p:spPr>
-            <a:xfrm>
-              <a:off x="4297380" y="603511"/>
-              <a:ext cx="1234685" cy="621902"/>
-            </a:xfrm>
-            <a:prstGeom prst="rect">
-              <a:avLst/>
-            </a:prstGeom>
-            <a:noFill/>
-            <a:ln w="19050">
-              <a:solidFill>
-                <a:schemeClr val="tx1"/>
-              </a:solidFill>
-            </a:ln>
-            <a:effectLst>
-              <a:glow rad="63500">
-                <a:schemeClr val="accent3">
-                  <a:satMod val="175000"/>
-                  <a:alpha val="40000"/>
-                </a:schemeClr>
-              </a:glow>
-              <a:outerShdw blurRad="63500" sx="102000" sy="102000" algn="ctr" rotWithShape="0">
-                <a:prstClr val="black">
-                  <a:alpha val="40000"/>
-                </a:prstClr>
-              </a:outerShdw>
-            </a:effectLst>
-          </p:spPr>
-          <p:txBody>
-            <a:bodyPr wrap="square" rtlCol="0">
-              <a:spAutoFit/>
-            </a:bodyPr>
-            <a:lstStyle/>
-            <a:p>
-              <a:pPr algn="ctr"/>
-              <a:r>
-                <a:rPr lang="en-US" sz="1147" b="1"/>
-                <a:t>Agro-climate </a:t>
-              </a:r>
-              <a:r>
-                <a:rPr lang="en-US" sz="1147" b="1" smtClean="0"/>
-                <a:t>service</a:t>
-              </a:r>
-              <a:endParaRPr lang="en-US" sz="1147" b="1" dirty="0"/>
-            </a:p>
-            <a:p>
-              <a:pPr algn="ctr"/>
-              <a:r>
-                <a:rPr lang="en-US" sz="1147" b="1" dirty="0"/>
-                <a:t>Implementation</a:t>
-              </a:r>
-            </a:p>
-          </p:txBody>
-        </p:sp>
-        <p:cxnSp>
-          <p:nvCxnSpPr>
-            <p:cNvPr id="4" name="Straight Arrow Connector 3"/>
-            <p:cNvCxnSpPr/>
-            <p:nvPr/>
-          </p:nvCxnSpPr>
-          <p:spPr>
-            <a:xfrm flipV="1">
-              <a:off x="5532065" y="909024"/>
-              <a:ext cx="1210235" cy="3"/>
-            </a:xfrm>
-            <a:prstGeom prst="straightConnector1">
-              <a:avLst/>
-            </a:prstGeom>
-            <a:ln>
-              <a:tailEnd type="triangle"/>
-            </a:ln>
-          </p:spPr>
-          <p:style>
-            <a:lnRef idx="2">
-              <a:schemeClr val="dk1"/>
-            </a:lnRef>
-            <a:fillRef idx="0">
-              <a:schemeClr val="dk1"/>
-            </a:fillRef>
-            <a:effectRef idx="1">
-              <a:schemeClr val="dk1"/>
-            </a:effectRef>
-            <a:fontRef idx="minor">
-              <a:schemeClr val="tx1"/>
-            </a:fontRef>
-          </p:style>
-        </p:cxnSp>
-        <p:sp>
-          <p:nvSpPr>
-            <p:cNvPr id="6" name="TextBox 5"/>
-            <p:cNvSpPr txBox="1"/>
-            <p:nvPr/>
-          </p:nvSpPr>
-          <p:spPr>
-            <a:xfrm>
-              <a:off x="6742299" y="725067"/>
-              <a:ext cx="1234685" cy="445378"/>
-            </a:xfrm>
-            <a:prstGeom prst="rect">
-              <a:avLst/>
-            </a:prstGeom>
-            <a:solidFill>
-              <a:schemeClr val="accent4">
-                <a:lumMod val="60000"/>
-                <a:lumOff val="40000"/>
-              </a:schemeClr>
-            </a:solidFill>
-            <a:ln>
-              <a:solidFill>
-                <a:schemeClr val="tx1"/>
-              </a:solidFill>
-            </a:ln>
-          </p:spPr>
-          <p:txBody>
-            <a:bodyPr wrap="square" rtlCol="0">
-              <a:spAutoFit/>
-            </a:bodyPr>
-            <a:lstStyle/>
-            <a:p>
-              <a:pPr algn="ctr"/>
-              <a:r>
-                <a:rPr lang="en-US" sz="1147" dirty="0"/>
-                <a:t>Costs of interventions</a:t>
-              </a:r>
-            </a:p>
-          </p:txBody>
-        </p:sp>
-        <p:cxnSp>
-          <p:nvCxnSpPr>
-            <p:cNvPr id="18" name="Straight Arrow Connector 17"/>
-            <p:cNvCxnSpPr>
-              <a:stCxn id="6" idx="2"/>
-            </p:cNvCxnSpPr>
-            <p:nvPr/>
-          </p:nvCxnSpPr>
-          <p:spPr>
-            <a:xfrm>
-              <a:off x="7359642" y="1170445"/>
-              <a:ext cx="1" cy="639926"/>
+            <a:xfrm flipH="1">
+              <a:off x="2775856" y="6618981"/>
+              <a:ext cx="1588763" cy="662824"/>
             </a:xfrm>
             <a:prstGeom prst="straightConnector1">
               <a:avLst/>
@@ -4025,2341 +6052,17 @@
         </p:cxnSp>
         <p:cxnSp>
           <p:nvCxnSpPr>
-            <p:cNvPr id="20" name="Straight Connector 19"/>
-            <p:cNvCxnSpPr/>
-            <p:nvPr/>
-          </p:nvCxnSpPr>
-          <p:spPr>
-            <a:xfrm>
-              <a:off x="5050766" y="1817104"/>
-              <a:ext cx="4455015" cy="5535"/>
-            </a:xfrm>
-            <a:prstGeom prst="line">
-              <a:avLst/>
-            </a:prstGeom>
-          </p:spPr>
-          <p:style>
-            <a:lnRef idx="2">
-              <a:schemeClr val="dk1"/>
-            </a:lnRef>
-            <a:fillRef idx="0">
-              <a:schemeClr val="dk1"/>
-            </a:fillRef>
-            <a:effectRef idx="1">
-              <a:schemeClr val="dk1"/>
-            </a:effectRef>
-            <a:fontRef idx="minor">
-              <a:schemeClr val="tx1"/>
-            </a:fontRef>
-          </p:style>
-        </p:cxnSp>
-        <p:cxnSp>
-          <p:nvCxnSpPr>
-            <p:cNvPr id="23" name="Straight Arrow Connector 22"/>
-            <p:cNvCxnSpPr/>
-            <p:nvPr/>
-          </p:nvCxnSpPr>
-          <p:spPr>
-            <a:xfrm>
-              <a:off x="5050765" y="1809926"/>
-              <a:ext cx="0" cy="417957"/>
-            </a:xfrm>
-            <a:prstGeom prst="straightConnector1">
-              <a:avLst/>
-            </a:prstGeom>
-            <a:ln>
-              <a:tailEnd type="triangle"/>
-            </a:ln>
-          </p:spPr>
-          <p:style>
-            <a:lnRef idx="2">
-              <a:schemeClr val="dk1"/>
-            </a:lnRef>
-            <a:fillRef idx="0">
-              <a:schemeClr val="dk1"/>
-            </a:fillRef>
-            <a:effectRef idx="1">
-              <a:schemeClr val="dk1"/>
-            </a:effectRef>
-            <a:fontRef idx="minor">
-              <a:schemeClr val="tx1"/>
-            </a:fontRef>
-          </p:style>
-        </p:cxnSp>
-        <p:sp>
-          <p:nvSpPr>
-            <p:cNvPr id="32" name="TextBox 31"/>
-            <p:cNvSpPr txBox="1"/>
-            <p:nvPr/>
-          </p:nvSpPr>
-          <p:spPr>
-            <a:xfrm>
-              <a:off x="4504030" y="2221158"/>
-              <a:ext cx="1093470" cy="621902"/>
-            </a:xfrm>
-            <a:prstGeom prst="rect">
-              <a:avLst/>
-            </a:prstGeom>
-            <a:solidFill>
-              <a:schemeClr val="accent4">
-                <a:lumMod val="60000"/>
-                <a:lumOff val="40000"/>
-              </a:schemeClr>
-            </a:solidFill>
-            <a:ln>
-              <a:solidFill>
-                <a:schemeClr val="tx1"/>
-              </a:solidFill>
-            </a:ln>
-          </p:spPr>
-          <p:txBody>
-            <a:bodyPr wrap="square" rtlCol="0">
-              <a:spAutoFit/>
-            </a:bodyPr>
-            <a:lstStyle/>
-            <a:p>
-              <a:pPr algn="ctr"/>
-              <a:r>
-                <a:rPr lang="en-US" sz="1147" dirty="0"/>
-                <a:t>Hydro-met stations</a:t>
-              </a:r>
-            </a:p>
-            <a:p>
-              <a:pPr algn="ctr"/>
-              <a:r>
-                <a:rPr lang="en-US" sz="1147" dirty="0"/>
-                <a:t>Forecasts</a:t>
-              </a:r>
-            </a:p>
-          </p:txBody>
-        </p:sp>
-        <p:sp>
-          <p:nvSpPr>
-            <p:cNvPr id="34" name="TextBox 33"/>
-            <p:cNvSpPr txBox="1"/>
-            <p:nvPr/>
-          </p:nvSpPr>
-          <p:spPr>
-            <a:xfrm>
-              <a:off x="5664697" y="2235614"/>
-              <a:ext cx="1112438" cy="621902"/>
-            </a:xfrm>
-            <a:prstGeom prst="rect">
-              <a:avLst/>
-            </a:prstGeom>
-            <a:solidFill>
-              <a:schemeClr val="accent4">
-                <a:lumMod val="60000"/>
-                <a:lumOff val="40000"/>
-              </a:schemeClr>
-            </a:solidFill>
-            <a:ln>
-              <a:solidFill>
-                <a:schemeClr val="tx1"/>
-              </a:solidFill>
-            </a:ln>
-          </p:spPr>
-          <p:txBody>
-            <a:bodyPr wrap="square" rtlCol="0">
-              <a:spAutoFit/>
-            </a:bodyPr>
-            <a:lstStyle/>
-            <a:p>
-              <a:pPr algn="ctr"/>
-              <a:r>
-                <a:rPr lang="en-US" sz="1147" dirty="0"/>
-                <a:t>Translation forecasts </a:t>
-              </a:r>
-              <a:r>
-                <a:rPr lang="en-US" sz="1147"/>
-                <a:t>into </a:t>
-              </a:r>
-              <a:r>
-                <a:rPr lang="en-US" sz="1147" smtClean="0"/>
-                <a:t>agro-advice</a:t>
-              </a:r>
-              <a:endParaRPr lang="en-US" sz="1147" dirty="0"/>
-            </a:p>
-          </p:txBody>
-        </p:sp>
-        <p:sp>
-          <p:nvSpPr>
-            <p:cNvPr id="35" name="TextBox 34"/>
-            <p:cNvSpPr txBox="1"/>
-            <p:nvPr/>
-          </p:nvSpPr>
-          <p:spPr>
-            <a:xfrm>
-              <a:off x="6844372" y="2228386"/>
-              <a:ext cx="1075762" cy="621902"/>
-            </a:xfrm>
-            <a:prstGeom prst="rect">
-              <a:avLst/>
-            </a:prstGeom>
-            <a:solidFill>
-              <a:schemeClr val="accent4">
-                <a:lumMod val="60000"/>
-                <a:lumOff val="40000"/>
-              </a:schemeClr>
-            </a:solidFill>
-            <a:ln>
-              <a:solidFill>
-                <a:schemeClr val="tx1"/>
-              </a:solidFill>
-            </a:ln>
-          </p:spPr>
-          <p:txBody>
-            <a:bodyPr wrap="square" rtlCol="0">
-              <a:spAutoFit/>
-            </a:bodyPr>
-            <a:lstStyle/>
-            <a:p>
-              <a:pPr algn="ctr"/>
-              <a:r>
-                <a:rPr lang="en-US" sz="1147"/>
-                <a:t>Dissemination </a:t>
-              </a:r>
-              <a:r>
-                <a:rPr lang="en-US" sz="1147" smtClean="0"/>
-                <a:t>SMS/loud speaker/paper</a:t>
-              </a:r>
-              <a:endParaRPr lang="en-US" sz="1147" dirty="0"/>
-            </a:p>
-          </p:txBody>
-        </p:sp>
-        <p:sp>
-          <p:nvSpPr>
-            <p:cNvPr id="36" name="TextBox 35"/>
-            <p:cNvSpPr txBox="1"/>
-            <p:nvPr/>
-          </p:nvSpPr>
-          <p:spPr>
-            <a:xfrm>
-              <a:off x="7962923" y="2235771"/>
-              <a:ext cx="977965" cy="621902"/>
-            </a:xfrm>
-            <a:prstGeom prst="rect">
-              <a:avLst/>
-            </a:prstGeom>
-            <a:solidFill>
-              <a:schemeClr val="accent4">
-                <a:lumMod val="60000"/>
-                <a:lumOff val="40000"/>
-              </a:schemeClr>
-            </a:solidFill>
-            <a:ln>
-              <a:solidFill>
-                <a:schemeClr val="tx1"/>
-              </a:solidFill>
-            </a:ln>
-          </p:spPr>
-          <p:txBody>
-            <a:bodyPr wrap="square" rtlCol="0">
-              <a:spAutoFit/>
-            </a:bodyPr>
-            <a:lstStyle/>
-            <a:p>
-              <a:pPr algn="ctr"/>
-              <a:r>
-                <a:rPr lang="en-US" sz="1147" dirty="0"/>
-                <a:t>Use </a:t>
-              </a:r>
-              <a:endParaRPr lang="en-US" sz="1147" dirty="0" smtClean="0"/>
-            </a:p>
-            <a:p>
-              <a:pPr algn="ctr"/>
-              <a:endParaRPr lang="en-US" sz="1147" dirty="0"/>
-            </a:p>
-            <a:p>
-              <a:pPr algn="ctr"/>
-              <a:r>
-                <a:rPr lang="en-US" sz="1147" smtClean="0"/>
-                <a:t>Advice</a:t>
-              </a:r>
-              <a:endParaRPr lang="en-US" sz="1147" dirty="0"/>
-            </a:p>
-          </p:txBody>
-        </p:sp>
-        <p:sp>
-          <p:nvSpPr>
-            <p:cNvPr id="57" name="TextBox 56"/>
-            <p:cNvSpPr txBox="1"/>
-            <p:nvPr/>
-          </p:nvSpPr>
-          <p:spPr>
-            <a:xfrm>
-              <a:off x="9016798" y="2241140"/>
-              <a:ext cx="977965" cy="621902"/>
-            </a:xfrm>
-            <a:prstGeom prst="rect">
-              <a:avLst/>
-            </a:prstGeom>
-            <a:solidFill>
-              <a:schemeClr val="accent4">
-                <a:lumMod val="60000"/>
-                <a:lumOff val="40000"/>
-              </a:schemeClr>
-            </a:solidFill>
-            <a:ln>
-              <a:solidFill>
-                <a:schemeClr val="tx1"/>
-              </a:solidFill>
-            </a:ln>
-          </p:spPr>
-          <p:txBody>
-            <a:bodyPr wrap="square" rtlCol="0">
-              <a:spAutoFit/>
-            </a:bodyPr>
-            <a:lstStyle/>
-            <a:p>
-              <a:pPr algn="ctr"/>
-              <a:r>
-                <a:rPr lang="en-US" sz="1147" dirty="0"/>
-                <a:t>Capacity</a:t>
-              </a:r>
-            </a:p>
-            <a:p>
-              <a:pPr algn="ctr"/>
-              <a:r>
-                <a:rPr lang="en-US" sz="1147" dirty="0"/>
-                <a:t>&amp;  </a:t>
-              </a:r>
-            </a:p>
-            <a:p>
-              <a:pPr algn="ctr"/>
-              <a:r>
-                <a:rPr lang="en-US" sz="1147" dirty="0" err="1" smtClean="0"/>
-                <a:t>Gender,M&amp;E</a:t>
-              </a:r>
-              <a:endParaRPr lang="en-US" sz="1147" dirty="0"/>
-            </a:p>
-          </p:txBody>
-        </p:sp>
-        <p:cxnSp>
-          <p:nvCxnSpPr>
-            <p:cNvPr id="59" name="Straight Arrow Connector 58"/>
-            <p:cNvCxnSpPr/>
-            <p:nvPr/>
-          </p:nvCxnSpPr>
-          <p:spPr>
-            <a:xfrm>
-              <a:off x="6220916" y="1816420"/>
-              <a:ext cx="0" cy="417957"/>
-            </a:xfrm>
-            <a:prstGeom prst="straightConnector1">
-              <a:avLst/>
-            </a:prstGeom>
-            <a:ln>
-              <a:tailEnd type="triangle"/>
-            </a:ln>
-          </p:spPr>
-          <p:style>
-            <a:lnRef idx="2">
-              <a:schemeClr val="dk1"/>
-            </a:lnRef>
-            <a:fillRef idx="0">
-              <a:schemeClr val="dk1"/>
-            </a:fillRef>
-            <a:effectRef idx="1">
-              <a:schemeClr val="dk1"/>
-            </a:effectRef>
-            <a:fontRef idx="minor">
-              <a:schemeClr val="tx1"/>
-            </a:fontRef>
-          </p:style>
-        </p:cxnSp>
-        <p:cxnSp>
-          <p:nvCxnSpPr>
-            <p:cNvPr id="60" name="Straight Arrow Connector 59"/>
-            <p:cNvCxnSpPr/>
-            <p:nvPr/>
-          </p:nvCxnSpPr>
-          <p:spPr>
-            <a:xfrm>
-              <a:off x="7358619" y="1825689"/>
-              <a:ext cx="0" cy="417957"/>
-            </a:xfrm>
-            <a:prstGeom prst="straightConnector1">
-              <a:avLst/>
-            </a:prstGeom>
-            <a:ln>
-              <a:tailEnd type="triangle"/>
-            </a:ln>
-          </p:spPr>
-          <p:style>
-            <a:lnRef idx="2">
-              <a:schemeClr val="dk1"/>
-            </a:lnRef>
-            <a:fillRef idx="0">
-              <a:schemeClr val="dk1"/>
-            </a:fillRef>
-            <a:effectRef idx="1">
-              <a:schemeClr val="dk1"/>
-            </a:effectRef>
-            <a:fontRef idx="minor">
-              <a:schemeClr val="tx1"/>
-            </a:fontRef>
-          </p:style>
-        </p:cxnSp>
-        <p:cxnSp>
-          <p:nvCxnSpPr>
-            <p:cNvPr id="61" name="Straight Arrow Connector 60"/>
-            <p:cNvCxnSpPr/>
-            <p:nvPr/>
-          </p:nvCxnSpPr>
-          <p:spPr>
-            <a:xfrm flipH="1">
-              <a:off x="8451905" y="1825856"/>
-              <a:ext cx="13450" cy="428692"/>
-            </a:xfrm>
-            <a:prstGeom prst="straightConnector1">
-              <a:avLst/>
-            </a:prstGeom>
-            <a:ln>
-              <a:tailEnd type="triangle"/>
-            </a:ln>
-          </p:spPr>
-          <p:style>
-            <a:lnRef idx="2">
-              <a:schemeClr val="dk1"/>
-            </a:lnRef>
-            <a:fillRef idx="0">
-              <a:schemeClr val="dk1"/>
-            </a:fillRef>
-            <a:effectRef idx="1">
-              <a:schemeClr val="dk1"/>
-            </a:effectRef>
-            <a:fontRef idx="minor">
-              <a:schemeClr val="tx1"/>
-            </a:fontRef>
-          </p:style>
-        </p:cxnSp>
-        <p:cxnSp>
-          <p:nvCxnSpPr>
-            <p:cNvPr id="63" name="Straight Arrow Connector 62"/>
-            <p:cNvCxnSpPr/>
-            <p:nvPr/>
-          </p:nvCxnSpPr>
-          <p:spPr>
-            <a:xfrm>
-              <a:off x="9505780" y="1834731"/>
-              <a:ext cx="0" cy="417957"/>
-            </a:xfrm>
-            <a:prstGeom prst="straightConnector1">
-              <a:avLst/>
-            </a:prstGeom>
-            <a:ln>
-              <a:tailEnd type="triangle"/>
-            </a:ln>
-          </p:spPr>
-          <p:style>
-            <a:lnRef idx="2">
-              <a:schemeClr val="dk1"/>
-            </a:lnRef>
-            <a:fillRef idx="0">
-              <a:schemeClr val="dk1"/>
-            </a:fillRef>
-            <a:effectRef idx="1">
-              <a:schemeClr val="dk1"/>
-            </a:effectRef>
-            <a:fontRef idx="minor">
-              <a:schemeClr val="tx1"/>
-            </a:fontRef>
-          </p:style>
-        </p:cxnSp>
-        <p:grpSp>
-          <p:nvGrpSpPr>
-            <p:cNvPr id="501" name="Group 500"/>
-            <p:cNvGrpSpPr/>
-            <p:nvPr/>
-          </p:nvGrpSpPr>
-          <p:grpSpPr>
-            <a:xfrm>
-              <a:off x="5050765" y="2843258"/>
-              <a:ext cx="4462390" cy="894960"/>
-              <a:chOff x="4969651" y="3079226"/>
-              <a:chExt cx="4462390" cy="894960"/>
-            </a:xfrm>
-          </p:grpSpPr>
-          <p:cxnSp>
-            <p:nvCxnSpPr>
-              <p:cNvPr id="99" name="Straight Arrow Connector 98"/>
-              <p:cNvCxnSpPr>
-                <a:stCxn id="34" idx="2"/>
-                <a:endCxn id="135" idx="0"/>
-              </p:cNvCxnSpPr>
-              <p:nvPr/>
-            </p:nvCxnSpPr>
-            <p:spPr>
-              <a:xfrm>
-                <a:off x="6139802" y="3093484"/>
-                <a:ext cx="1161337" cy="595496"/>
-              </a:xfrm>
-              <a:prstGeom prst="straightConnector1">
-                <a:avLst/>
-              </a:prstGeom>
-              <a:ln>
-                <a:tailEnd type="triangle"/>
-              </a:ln>
-            </p:spPr>
-            <p:style>
-              <a:lnRef idx="2">
-                <a:schemeClr val="dk1"/>
-              </a:lnRef>
-              <a:fillRef idx="0">
-                <a:schemeClr val="dk1"/>
-              </a:fillRef>
-              <a:effectRef idx="1">
-                <a:schemeClr val="dk1"/>
-              </a:effectRef>
-              <a:fontRef idx="minor">
-                <a:schemeClr val="tx1"/>
-              </a:fontRef>
-            </p:style>
-          </p:cxnSp>
-          <p:cxnSp>
-            <p:nvCxnSpPr>
-              <p:cNvPr id="101" name="Straight Arrow Connector 100"/>
-              <p:cNvCxnSpPr>
-                <a:stCxn id="35" idx="2"/>
-                <a:endCxn id="135" idx="0"/>
-              </p:cNvCxnSpPr>
-              <p:nvPr/>
-            </p:nvCxnSpPr>
-            <p:spPr>
-              <a:xfrm>
-                <a:off x="7301139" y="3086256"/>
-                <a:ext cx="0" cy="602724"/>
-              </a:xfrm>
-              <a:prstGeom prst="straightConnector1">
-                <a:avLst/>
-              </a:prstGeom>
-              <a:ln>
-                <a:tailEnd type="triangle"/>
-              </a:ln>
-            </p:spPr>
-            <p:style>
-              <a:lnRef idx="2">
-                <a:schemeClr val="dk1"/>
-              </a:lnRef>
-              <a:fillRef idx="0">
-                <a:schemeClr val="dk1"/>
-              </a:fillRef>
-              <a:effectRef idx="1">
-                <a:schemeClr val="dk1"/>
-              </a:effectRef>
-              <a:fontRef idx="minor">
-                <a:schemeClr val="tx1"/>
-              </a:fontRef>
-            </p:style>
-          </p:cxnSp>
-          <p:cxnSp>
-            <p:nvCxnSpPr>
-              <p:cNvPr id="103" name="Straight Arrow Connector 102"/>
-              <p:cNvCxnSpPr>
-                <a:stCxn id="36" idx="2"/>
-                <a:endCxn id="135" idx="0"/>
-              </p:cNvCxnSpPr>
-              <p:nvPr/>
-            </p:nvCxnSpPr>
-            <p:spPr>
-              <a:xfrm flipH="1">
-                <a:off x="7301139" y="3093641"/>
-                <a:ext cx="1077027" cy="595339"/>
-              </a:xfrm>
-              <a:prstGeom prst="straightConnector1">
-                <a:avLst/>
-              </a:prstGeom>
-              <a:ln>
-                <a:tailEnd type="triangle"/>
-              </a:ln>
-            </p:spPr>
-            <p:style>
-              <a:lnRef idx="2">
-                <a:schemeClr val="dk1"/>
-              </a:lnRef>
-              <a:fillRef idx="0">
-                <a:schemeClr val="dk1"/>
-              </a:fillRef>
-              <a:effectRef idx="1">
-                <a:schemeClr val="dk1"/>
-              </a:effectRef>
-              <a:fontRef idx="minor">
-                <a:schemeClr val="tx1"/>
-              </a:fontRef>
-            </p:style>
-          </p:cxnSp>
-          <p:cxnSp>
-            <p:nvCxnSpPr>
-              <p:cNvPr id="71" name="Straight Arrow Connector 70"/>
-              <p:cNvCxnSpPr>
-                <a:stCxn id="57" idx="2"/>
-                <a:endCxn id="135" idx="0"/>
-              </p:cNvCxnSpPr>
-              <p:nvPr/>
-            </p:nvCxnSpPr>
-            <p:spPr>
-              <a:xfrm flipH="1">
-                <a:off x="7301139" y="3099010"/>
-                <a:ext cx="2130902" cy="589970"/>
-              </a:xfrm>
-              <a:prstGeom prst="straightConnector1">
-                <a:avLst/>
-              </a:prstGeom>
-              <a:ln>
-                <a:tailEnd type="triangle"/>
-              </a:ln>
-            </p:spPr>
-            <p:style>
-              <a:lnRef idx="2">
-                <a:schemeClr val="dk1"/>
-              </a:lnRef>
-              <a:fillRef idx="0">
-                <a:schemeClr val="dk1"/>
-              </a:fillRef>
-              <a:effectRef idx="1">
-                <a:schemeClr val="dk1"/>
-              </a:effectRef>
-              <a:fontRef idx="minor">
-                <a:schemeClr val="tx1"/>
-              </a:fontRef>
-            </p:style>
-          </p:cxnSp>
-          <p:sp>
-            <p:nvSpPr>
-              <p:cNvPr id="135" name="Rectangle 134"/>
-              <p:cNvSpPr/>
-              <p:nvPr/>
-            </p:nvSpPr>
-            <p:spPr>
-              <a:xfrm>
-                <a:off x="6717413" y="3688980"/>
-                <a:ext cx="1167451" cy="285206"/>
-              </a:xfrm>
-              <a:prstGeom prst="rect">
-                <a:avLst/>
-              </a:prstGeom>
-              <a:solidFill>
-                <a:schemeClr val="accent4">
-                  <a:lumMod val="60000"/>
-                  <a:lumOff val="40000"/>
-                </a:schemeClr>
-              </a:solidFill>
-            </p:spPr>
-            <p:style>
-              <a:lnRef idx="2">
-                <a:schemeClr val="accent1">
-                  <a:shade val="50000"/>
-                </a:schemeClr>
-              </a:lnRef>
-              <a:fillRef idx="1">
-                <a:schemeClr val="accent1"/>
-              </a:fillRef>
-              <a:effectRef idx="0">
-                <a:schemeClr val="accent1"/>
-              </a:effectRef>
-              <a:fontRef idx="minor">
-                <a:schemeClr val="lt1"/>
-              </a:fontRef>
-            </p:style>
-            <p:txBody>
-              <a:bodyPr rtlCol="0" anchor="ctr"/>
-              <a:lstStyle/>
-              <a:p>
-                <a:pPr algn="ctr"/>
-                <a:r>
-                  <a:rPr lang="en-US" sz="1235" dirty="0">
-                    <a:solidFill>
-                      <a:schemeClr val="tx1"/>
-                    </a:solidFill>
-                  </a:rPr>
-                  <a:t>Total Costs</a:t>
-                </a:r>
-              </a:p>
-            </p:txBody>
-          </p:sp>
-          <p:cxnSp>
-            <p:nvCxnSpPr>
-              <p:cNvPr id="97" name="Straight Arrow Connector 96"/>
-              <p:cNvCxnSpPr/>
-              <p:nvPr/>
-            </p:nvCxnSpPr>
-            <p:spPr>
-              <a:xfrm>
-                <a:off x="4969651" y="3079226"/>
-                <a:ext cx="2331488" cy="609952"/>
-              </a:xfrm>
-              <a:prstGeom prst="straightConnector1">
-                <a:avLst/>
-              </a:prstGeom>
-              <a:ln>
-                <a:tailEnd type="triangle"/>
-              </a:ln>
-            </p:spPr>
-            <p:style>
-              <a:lnRef idx="2">
-                <a:schemeClr val="dk1"/>
-              </a:lnRef>
-              <a:fillRef idx="0">
-                <a:schemeClr val="dk1"/>
-              </a:fillRef>
-              <a:effectRef idx="1">
-                <a:schemeClr val="dk1"/>
-              </a:effectRef>
-              <a:fontRef idx="minor">
-                <a:schemeClr val="tx1"/>
-              </a:fontRef>
-            </p:style>
-          </p:cxnSp>
-        </p:grpSp>
-        <p:cxnSp>
-          <p:nvCxnSpPr>
-            <p:cNvPr id="14" name="Straight Arrow Connector 13"/>
+            <p:cNvPr id="267" name="Straight Arrow Connector 266"/>
             <p:cNvCxnSpPr>
-              <a:stCxn id="2" idx="1"/>
-            </p:cNvCxnSpPr>
-            <p:nvPr/>
-          </p:nvCxnSpPr>
-          <p:spPr>
-            <a:xfrm flipH="1" flipV="1">
-              <a:off x="3093644" y="909026"/>
-              <a:ext cx="1203736" cy="5436"/>
-            </a:xfrm>
-            <a:prstGeom prst="straightConnector1">
-              <a:avLst/>
-            </a:prstGeom>
-            <a:ln>
-              <a:tailEnd type="triangle"/>
-            </a:ln>
-          </p:spPr>
-          <p:style>
-            <a:lnRef idx="2">
-              <a:schemeClr val="dk1"/>
-            </a:lnRef>
-            <a:fillRef idx="0">
-              <a:schemeClr val="dk1"/>
-            </a:fillRef>
-            <a:effectRef idx="1">
-              <a:schemeClr val="dk1"/>
-            </a:effectRef>
-            <a:fontRef idx="minor">
-              <a:schemeClr val="tx1"/>
-            </a:fontRef>
-          </p:style>
-        </p:cxnSp>
-        <p:cxnSp>
-          <p:nvCxnSpPr>
-            <p:cNvPr id="210" name="Straight Arrow Connector 209"/>
-            <p:cNvCxnSpPr>
-              <a:stCxn id="179" idx="2"/>
-              <a:endCxn id="68" idx="0"/>
+              <a:stCxn id="241" idx="2"/>
+              <a:endCxn id="130" idx="0"/>
             </p:cNvCxnSpPr>
             <p:nvPr/>
           </p:nvCxnSpPr>
           <p:spPr>
             <a:xfrm flipH="1">
-              <a:off x="1917808" y="4873219"/>
-              <a:ext cx="264758" cy="712075"/>
-            </a:xfrm>
-            <a:prstGeom prst="straightConnector1">
-              <a:avLst/>
-            </a:prstGeom>
-            <a:ln>
-              <a:tailEnd type="triangle"/>
-            </a:ln>
-          </p:spPr>
-          <p:style>
-            <a:lnRef idx="2">
-              <a:schemeClr val="dk1"/>
-            </a:lnRef>
-            <a:fillRef idx="0">
-              <a:schemeClr val="dk1"/>
-            </a:fillRef>
-            <a:effectRef idx="1">
-              <a:schemeClr val="dk1"/>
-            </a:effectRef>
-            <a:fontRef idx="minor">
-              <a:schemeClr val="tx1"/>
-            </a:fontRef>
-          </p:style>
-        </p:cxnSp>
-        <p:cxnSp>
-          <p:nvCxnSpPr>
-            <p:cNvPr id="218" name="Straight Arrow Connector 217"/>
-            <p:cNvCxnSpPr>
-              <a:endCxn id="40" idx="0"/>
-            </p:cNvCxnSpPr>
-            <p:nvPr/>
-          </p:nvCxnSpPr>
-          <p:spPr>
-            <a:xfrm flipH="1">
-              <a:off x="744869" y="4876771"/>
-              <a:ext cx="2663460" cy="707160"/>
-            </a:xfrm>
-            <a:prstGeom prst="straightConnector1">
-              <a:avLst/>
-            </a:prstGeom>
-            <a:ln>
-              <a:tailEnd type="triangle"/>
-            </a:ln>
-          </p:spPr>
-          <p:style>
-            <a:lnRef idx="2">
-              <a:schemeClr val="dk1"/>
-            </a:lnRef>
-            <a:fillRef idx="0">
-              <a:schemeClr val="dk1"/>
-            </a:fillRef>
-            <a:effectRef idx="1">
-              <a:schemeClr val="dk1"/>
-            </a:effectRef>
-            <a:fontRef idx="minor">
-              <a:schemeClr val="tx1"/>
-            </a:fontRef>
-          </p:style>
-        </p:cxnSp>
-        <p:cxnSp>
-          <p:nvCxnSpPr>
-            <p:cNvPr id="188" name="Straight Arrow Connector 187"/>
-            <p:cNvCxnSpPr>
-              <a:stCxn id="132" idx="2"/>
-              <a:endCxn id="110" idx="0"/>
-            </p:cNvCxnSpPr>
-            <p:nvPr/>
-          </p:nvCxnSpPr>
-          <p:spPr>
-            <a:xfrm flipH="1">
-              <a:off x="1154889" y="2403910"/>
-              <a:ext cx="1352525" cy="646493"/>
-            </a:xfrm>
-            <a:prstGeom prst="straightConnector1">
-              <a:avLst/>
-            </a:prstGeom>
-            <a:ln>
-              <a:tailEnd type="triangle"/>
-            </a:ln>
-          </p:spPr>
-          <p:style>
-            <a:lnRef idx="2">
-              <a:schemeClr val="dk1"/>
-            </a:lnRef>
-            <a:fillRef idx="0">
-              <a:schemeClr val="dk1"/>
-            </a:fillRef>
-            <a:effectRef idx="1">
-              <a:schemeClr val="dk1"/>
-            </a:effectRef>
-            <a:fontRef idx="minor">
-              <a:schemeClr val="tx1"/>
-            </a:fontRef>
-          </p:style>
-        </p:cxnSp>
-        <p:sp>
-          <p:nvSpPr>
-            <p:cNvPr id="15" name="TextBox 14"/>
-            <p:cNvSpPr txBox="1"/>
-            <p:nvPr/>
-          </p:nvSpPr>
-          <p:spPr>
-            <a:xfrm>
-              <a:off x="1894236" y="649773"/>
-              <a:ext cx="1234685" cy="445378"/>
-            </a:xfrm>
-            <a:prstGeom prst="rect">
-              <a:avLst/>
-            </a:prstGeom>
-            <a:solidFill>
-              <a:schemeClr val="accent6">
-                <a:lumMod val="60000"/>
-                <a:lumOff val="40000"/>
-              </a:schemeClr>
-            </a:solidFill>
-            <a:ln>
-              <a:solidFill>
-                <a:schemeClr val="tx1"/>
-              </a:solidFill>
-            </a:ln>
-          </p:spPr>
-          <p:txBody>
-            <a:bodyPr wrap="square" rtlCol="0">
-              <a:spAutoFit/>
-            </a:bodyPr>
-            <a:lstStyle/>
-            <a:p>
-              <a:pPr algn="ctr"/>
-              <a:r>
-                <a:rPr lang="en-US" sz="1147" dirty="0"/>
-                <a:t>Benefits of interventions</a:t>
-              </a:r>
-            </a:p>
-          </p:txBody>
-        </p:sp>
-        <p:sp>
-          <p:nvSpPr>
-            <p:cNvPr id="40" name="TextBox 39"/>
-            <p:cNvSpPr txBox="1"/>
-            <p:nvPr/>
-          </p:nvSpPr>
-          <p:spPr>
-            <a:xfrm>
-              <a:off x="188650" y="5583931"/>
-              <a:ext cx="1112438" cy="798424"/>
-            </a:xfrm>
-            <a:prstGeom prst="rect">
-              <a:avLst/>
-            </a:prstGeom>
-            <a:solidFill>
-              <a:schemeClr val="accent6">
-                <a:lumMod val="60000"/>
-                <a:lumOff val="40000"/>
-              </a:schemeClr>
-            </a:solidFill>
-            <a:ln>
-              <a:solidFill>
-                <a:schemeClr val="tx1"/>
-              </a:solidFill>
-            </a:ln>
-          </p:spPr>
-          <p:txBody>
-            <a:bodyPr wrap="square" rtlCol="0">
-              <a:spAutoFit/>
-            </a:bodyPr>
-            <a:lstStyle/>
-            <a:p>
-              <a:pPr algn="ctr"/>
-              <a:r>
-                <a:rPr lang="en-US" sz="1147" dirty="0"/>
-                <a:t>Reduced inputs, losses</a:t>
-              </a:r>
-            </a:p>
-            <a:p>
-              <a:pPr algn="ctr"/>
-              <a:r>
-                <a:rPr lang="en-US" sz="1147" dirty="0"/>
-                <a:t>Increased yields (rice)</a:t>
-              </a:r>
-            </a:p>
-          </p:txBody>
-        </p:sp>
-        <p:sp>
-          <p:nvSpPr>
-            <p:cNvPr id="41" name="TextBox 40"/>
-            <p:cNvSpPr txBox="1"/>
-            <p:nvPr/>
-          </p:nvSpPr>
-          <p:spPr>
-            <a:xfrm>
-              <a:off x="2533849" y="5571839"/>
-              <a:ext cx="1112438" cy="830997"/>
-            </a:xfrm>
-            <a:prstGeom prst="rect">
-              <a:avLst/>
-            </a:prstGeom>
-            <a:solidFill>
-              <a:schemeClr val="accent6">
-                <a:lumMod val="60000"/>
-                <a:lumOff val="40000"/>
-              </a:schemeClr>
-            </a:solidFill>
-            <a:ln>
-              <a:solidFill>
-                <a:schemeClr val="tx1"/>
-              </a:solidFill>
-            </a:ln>
-          </p:spPr>
-          <p:txBody>
-            <a:bodyPr wrap="square" rtlCol="0">
-              <a:spAutoFit/>
-            </a:bodyPr>
-            <a:lstStyle/>
-            <a:p>
-              <a:pPr algn="ctr"/>
-              <a:r>
-                <a:rPr lang="en-US" sz="1200" dirty="0"/>
-                <a:t>Cleaner drinking water,</a:t>
-              </a:r>
-            </a:p>
-            <a:p>
-              <a:pPr algn="ctr"/>
-              <a:r>
-                <a:rPr lang="en-US" sz="1200" dirty="0"/>
-                <a:t>Reduced </a:t>
-              </a:r>
-              <a:r>
-                <a:rPr lang="en-US" sz="1200"/>
-                <a:t>fish </a:t>
-              </a:r>
-              <a:r>
-                <a:rPr lang="en-US" sz="1200" smtClean="0"/>
-                <a:t>deaths, GHG</a:t>
-              </a:r>
-              <a:endParaRPr lang="en-US" sz="1200" dirty="0"/>
-            </a:p>
-          </p:txBody>
-        </p:sp>
-        <p:sp>
-          <p:nvSpPr>
-            <p:cNvPr id="42" name="TextBox 41"/>
-            <p:cNvSpPr txBox="1"/>
-            <p:nvPr/>
-          </p:nvSpPr>
-          <p:spPr>
-            <a:xfrm>
-              <a:off x="3702399" y="5588869"/>
-              <a:ext cx="1075762" cy="798424"/>
-            </a:xfrm>
-            <a:prstGeom prst="rect">
-              <a:avLst/>
-            </a:prstGeom>
-            <a:solidFill>
-              <a:schemeClr val="accent6">
-                <a:lumMod val="60000"/>
-                <a:lumOff val="40000"/>
-              </a:schemeClr>
-            </a:solidFill>
-            <a:ln>
-              <a:solidFill>
-                <a:schemeClr val="tx1"/>
-              </a:solidFill>
-            </a:ln>
-          </p:spPr>
-          <p:txBody>
-            <a:bodyPr wrap="square" rtlCol="0">
-              <a:spAutoFit/>
-            </a:bodyPr>
-            <a:lstStyle/>
-            <a:p>
-              <a:pPr algn="ctr"/>
-              <a:r>
-                <a:rPr lang="en-US" sz="1147" smtClean="0"/>
-                <a:t>Additional livelihood income</a:t>
-              </a:r>
-            </a:p>
-            <a:p>
-              <a:pPr algn="ctr"/>
-              <a:endParaRPr lang="en-US" sz="1147" dirty="0"/>
-            </a:p>
-          </p:txBody>
-        </p:sp>
-        <p:sp>
-          <p:nvSpPr>
-            <p:cNvPr id="68" name="TextBox 67"/>
-            <p:cNvSpPr txBox="1"/>
-            <p:nvPr/>
-          </p:nvSpPr>
-          <p:spPr>
-            <a:xfrm>
-              <a:off x="1361589" y="5585294"/>
-              <a:ext cx="1112438" cy="798424"/>
-            </a:xfrm>
-            <a:prstGeom prst="rect">
-              <a:avLst/>
-            </a:prstGeom>
-            <a:solidFill>
-              <a:schemeClr val="accent6">
-                <a:lumMod val="60000"/>
-                <a:lumOff val="40000"/>
-              </a:schemeClr>
-            </a:solidFill>
-            <a:ln>
-              <a:solidFill>
-                <a:schemeClr val="tx1"/>
-              </a:solidFill>
-            </a:ln>
-          </p:spPr>
-          <p:txBody>
-            <a:bodyPr wrap="square" rtlCol="0">
-              <a:spAutoFit/>
-            </a:bodyPr>
-            <a:lstStyle/>
-            <a:p>
-              <a:pPr algn="ctr"/>
-              <a:r>
-                <a:rPr lang="en-US" sz="1147" dirty="0" smtClean="0"/>
-                <a:t>Reduced </a:t>
-              </a:r>
-              <a:r>
-                <a:rPr lang="en-US" sz="1147" dirty="0"/>
-                <a:t>buffalo, cow</a:t>
-              </a:r>
-            </a:p>
-            <a:p>
-              <a:pPr algn="ctr"/>
-              <a:r>
-                <a:rPr lang="en-US" sz="1147" dirty="0"/>
-                <a:t>d</a:t>
-              </a:r>
-              <a:r>
-                <a:rPr lang="en-US" sz="1147" smtClean="0"/>
-                <a:t>eaths</a:t>
-              </a:r>
-              <a:endParaRPr lang="en-US" sz="1147" dirty="0" smtClean="0"/>
-            </a:p>
-            <a:p>
-              <a:pPr algn="ctr"/>
-              <a:endParaRPr lang="en-US" sz="1147" dirty="0"/>
-            </a:p>
-          </p:txBody>
-        </p:sp>
-        <p:sp>
-          <p:nvSpPr>
-            <p:cNvPr id="110" name="TextBox 109"/>
-            <p:cNvSpPr txBox="1"/>
-            <p:nvPr/>
-          </p:nvSpPr>
-          <p:spPr>
-            <a:xfrm>
-              <a:off x="127150" y="3050403"/>
-              <a:ext cx="2055477" cy="461665"/>
-            </a:xfrm>
-            <a:prstGeom prst="rect">
-              <a:avLst/>
-            </a:prstGeom>
-            <a:solidFill>
-              <a:schemeClr val="accent6">
-                <a:lumMod val="60000"/>
-                <a:lumOff val="40000"/>
-              </a:schemeClr>
-            </a:solidFill>
-            <a:ln>
-              <a:solidFill>
-                <a:schemeClr val="tx1"/>
-              </a:solidFill>
-            </a:ln>
-          </p:spPr>
-          <p:txBody>
-            <a:bodyPr wrap="square" rtlCol="0">
-              <a:spAutoFit/>
-            </a:bodyPr>
-            <a:lstStyle/>
-            <a:p>
-              <a:pPr algn="ctr"/>
-              <a:r>
-                <a:rPr lang="en-US" sz="1200" smtClean="0"/>
-                <a:t>Risk, </a:t>
-              </a:r>
-              <a:r>
-                <a:rPr lang="en-US" sz="1200" dirty="0" smtClean="0"/>
-                <a:t>uncertainty </a:t>
-              </a:r>
-              <a:r>
-                <a:rPr lang="en-US" sz="1200" dirty="0"/>
-                <a:t>informed </a:t>
-              </a:r>
-              <a:r>
-                <a:rPr lang="en-US" sz="1200" dirty="0" smtClean="0"/>
-                <a:t>planning and implementation</a:t>
-              </a:r>
-              <a:endParaRPr lang="en-US" sz="1200" dirty="0"/>
-            </a:p>
-          </p:txBody>
-        </p:sp>
-        <p:sp>
-          <p:nvSpPr>
-            <p:cNvPr id="123" name="TextBox 122"/>
-            <p:cNvSpPr txBox="1"/>
-            <p:nvPr/>
-          </p:nvSpPr>
-          <p:spPr>
-            <a:xfrm>
-              <a:off x="2903006" y="3886197"/>
-              <a:ext cx="1115968" cy="974947"/>
-            </a:xfrm>
-            <a:prstGeom prst="rect">
-              <a:avLst/>
-            </a:prstGeom>
-            <a:solidFill>
-              <a:schemeClr val="accent6">
-                <a:lumMod val="60000"/>
-                <a:lumOff val="40000"/>
-              </a:schemeClr>
-            </a:solidFill>
-            <a:ln>
-              <a:solidFill>
-                <a:schemeClr val="tx1"/>
-              </a:solidFill>
-            </a:ln>
-          </p:spPr>
-          <p:txBody>
-            <a:bodyPr wrap="square" rtlCol="0">
-              <a:spAutoFit/>
-            </a:bodyPr>
-            <a:lstStyle/>
-            <a:p>
-              <a:pPr algn="ctr"/>
-              <a:r>
-                <a:rPr lang="en-US" sz="1147" dirty="0" smtClean="0"/>
-                <a:t>Time sharing,</a:t>
-              </a:r>
-            </a:p>
-            <a:p>
-              <a:pPr algn="ctr"/>
-              <a:r>
-                <a:rPr lang="en-US" sz="1147" dirty="0" smtClean="0"/>
-                <a:t>free </a:t>
-              </a:r>
-              <a:r>
-                <a:rPr lang="en-US" sz="1147" dirty="0"/>
-                <a:t>choice, decision</a:t>
-              </a:r>
-            </a:p>
-            <a:p>
-              <a:pPr algn="ctr"/>
-              <a:r>
-                <a:rPr lang="en-US" sz="1147" dirty="0"/>
-                <a:t>for women </a:t>
-              </a:r>
-              <a:r>
-                <a:rPr lang="en-US" sz="1147" dirty="0" smtClean="0"/>
-                <a:t>and men</a:t>
-              </a:r>
-              <a:endParaRPr lang="en-US" sz="1147" dirty="0"/>
-            </a:p>
-          </p:txBody>
-        </p:sp>
-        <p:sp>
-          <p:nvSpPr>
-            <p:cNvPr id="131" name="TextBox 130"/>
-            <p:cNvSpPr txBox="1"/>
-            <p:nvPr/>
-          </p:nvSpPr>
-          <p:spPr>
-            <a:xfrm>
-              <a:off x="203303" y="3857557"/>
-              <a:ext cx="1233066" cy="1015663"/>
-            </a:xfrm>
-            <a:prstGeom prst="rect">
-              <a:avLst/>
-            </a:prstGeom>
-            <a:solidFill>
-              <a:schemeClr val="accent6">
-                <a:lumMod val="60000"/>
-                <a:lumOff val="40000"/>
-              </a:schemeClr>
-            </a:solidFill>
-            <a:ln>
-              <a:solidFill>
-                <a:schemeClr val="tx1"/>
-              </a:solidFill>
-            </a:ln>
-          </p:spPr>
-          <p:txBody>
-            <a:bodyPr wrap="square" rtlCol="0">
-              <a:spAutoFit/>
-            </a:bodyPr>
-            <a:lstStyle/>
-            <a:p>
-              <a:pPr algn="ctr"/>
-              <a:r>
-                <a:rPr lang="en-US" sz="1200" dirty="0" smtClean="0"/>
-                <a:t>Reduce </a:t>
-              </a:r>
-              <a:r>
-                <a:rPr lang="en-US" sz="1200" dirty="0"/>
-                <a:t>excess </a:t>
-              </a:r>
-              <a:r>
-                <a:rPr lang="en-US" sz="1200" dirty="0" smtClean="0"/>
-                <a:t>use seeds</a:t>
-              </a:r>
-              <a:r>
-                <a:rPr lang="en-US" sz="1200"/>
-                <a:t>, </a:t>
-              </a:r>
-              <a:r>
-                <a:rPr lang="en-US" sz="1200" smtClean="0"/>
-                <a:t>water, fertilizers</a:t>
-              </a:r>
-              <a:r>
-                <a:rPr lang="en-US" sz="1200" dirty="0" smtClean="0"/>
-                <a:t>, pesticides, harvest losses</a:t>
-              </a:r>
-              <a:endParaRPr lang="en-US" sz="1200" dirty="0"/>
-            </a:p>
-          </p:txBody>
-        </p:sp>
-        <p:sp>
-          <p:nvSpPr>
-            <p:cNvPr id="132" name="TextBox 131"/>
-            <p:cNvSpPr txBox="1"/>
-            <p:nvPr/>
-          </p:nvSpPr>
-          <p:spPr>
-            <a:xfrm>
-              <a:off x="1747788" y="1958532"/>
-              <a:ext cx="1519251" cy="445378"/>
-            </a:xfrm>
-            <a:prstGeom prst="rect">
-              <a:avLst/>
-            </a:prstGeom>
-            <a:solidFill>
-              <a:schemeClr val="accent6">
-                <a:lumMod val="60000"/>
-                <a:lumOff val="40000"/>
-              </a:schemeClr>
-            </a:solidFill>
-            <a:ln>
-              <a:solidFill>
-                <a:schemeClr val="tx1"/>
-              </a:solidFill>
-            </a:ln>
-          </p:spPr>
-          <p:txBody>
-            <a:bodyPr wrap="square" rtlCol="0">
-              <a:spAutoFit/>
-            </a:bodyPr>
-            <a:lstStyle/>
-            <a:p>
-              <a:pPr algn="ctr"/>
-              <a:r>
-                <a:rPr lang="en-US" sz="1147" dirty="0"/>
-                <a:t>Information access</a:t>
-              </a:r>
-            </a:p>
-            <a:p>
-              <a:pPr algn="ctr"/>
-              <a:r>
-                <a:rPr lang="en-US" sz="1147" dirty="0"/>
-                <a:t>Women and </a:t>
-              </a:r>
-              <a:r>
-                <a:rPr lang="en-US" sz="1147" dirty="0" smtClean="0"/>
-                <a:t>men</a:t>
-              </a:r>
-              <a:endParaRPr lang="en-US" sz="1147" dirty="0"/>
-            </a:p>
-          </p:txBody>
-        </p:sp>
-        <p:sp>
-          <p:nvSpPr>
-            <p:cNvPr id="179" name="TextBox 178"/>
-            <p:cNvSpPr txBox="1"/>
-            <p:nvPr/>
-          </p:nvSpPr>
-          <p:spPr>
-            <a:xfrm>
-              <a:off x="1641459" y="3857556"/>
-              <a:ext cx="1082214" cy="1015663"/>
-            </a:xfrm>
-            <a:prstGeom prst="rect">
-              <a:avLst/>
-            </a:prstGeom>
-            <a:solidFill>
-              <a:schemeClr val="accent6">
-                <a:lumMod val="60000"/>
-                <a:lumOff val="40000"/>
-              </a:schemeClr>
-            </a:solidFill>
-            <a:ln>
-              <a:solidFill>
-                <a:schemeClr val="tx1"/>
-              </a:solidFill>
-            </a:ln>
-          </p:spPr>
-          <p:txBody>
-            <a:bodyPr wrap="square" rtlCol="0">
-              <a:spAutoFit/>
-            </a:bodyPr>
-            <a:lstStyle/>
-            <a:p>
-              <a:pPr algn="ctr"/>
-              <a:r>
-                <a:rPr lang="en-US" sz="1200" dirty="0"/>
-                <a:t>Prepare </a:t>
-              </a:r>
-              <a:r>
-                <a:rPr lang="en-US" sz="1200" dirty="0" smtClean="0"/>
-                <a:t>feeds</a:t>
-              </a:r>
-              <a:r>
-                <a:rPr lang="en-US" sz="1200" dirty="0"/>
-                <a:t>, do not release animals during </a:t>
-              </a:r>
-              <a:r>
-                <a:rPr lang="en-US" sz="1200" dirty="0" smtClean="0"/>
-                <a:t>cold spell</a:t>
-              </a:r>
-              <a:endParaRPr lang="en-US" sz="1200" dirty="0"/>
-            </a:p>
-          </p:txBody>
-        </p:sp>
-        <p:sp>
-          <p:nvSpPr>
-            <p:cNvPr id="181" name="TextBox 180"/>
-            <p:cNvSpPr txBox="1"/>
-            <p:nvPr/>
-          </p:nvSpPr>
-          <p:spPr>
-            <a:xfrm>
-              <a:off x="2533850" y="3060735"/>
-              <a:ext cx="1871402" cy="461665"/>
-            </a:xfrm>
-            <a:prstGeom prst="rect">
-              <a:avLst/>
-            </a:prstGeom>
-            <a:solidFill>
-              <a:schemeClr val="accent6">
-                <a:lumMod val="60000"/>
-                <a:lumOff val="40000"/>
-              </a:schemeClr>
-            </a:solidFill>
-            <a:ln>
-              <a:solidFill>
-                <a:schemeClr val="tx1"/>
-              </a:solidFill>
-            </a:ln>
-          </p:spPr>
-          <p:txBody>
-            <a:bodyPr wrap="square" rtlCol="0">
-              <a:spAutoFit/>
-            </a:bodyPr>
-            <a:lstStyle/>
-            <a:p>
-              <a:pPr algn="ctr"/>
-              <a:r>
-                <a:rPr lang="en-US" sz="1200" dirty="0" smtClean="0"/>
-                <a:t>Change gender relation (women and men)</a:t>
-              </a:r>
-              <a:endParaRPr lang="en-US" sz="1200" dirty="0"/>
-            </a:p>
-          </p:txBody>
-        </p:sp>
-        <p:cxnSp>
-          <p:nvCxnSpPr>
-            <p:cNvPr id="191" name="Straight Arrow Connector 190"/>
-            <p:cNvCxnSpPr>
-              <a:stCxn id="132" idx="2"/>
-              <a:endCxn id="181" idx="0"/>
-            </p:cNvCxnSpPr>
-            <p:nvPr/>
-          </p:nvCxnSpPr>
-          <p:spPr>
-            <a:xfrm>
-              <a:off x="2507414" y="2403910"/>
-              <a:ext cx="962137" cy="656825"/>
-            </a:xfrm>
-            <a:prstGeom prst="straightConnector1">
-              <a:avLst/>
-            </a:prstGeom>
-            <a:ln>
-              <a:tailEnd type="triangle"/>
-            </a:ln>
-          </p:spPr>
-          <p:style>
-            <a:lnRef idx="2">
-              <a:schemeClr val="dk1"/>
-            </a:lnRef>
-            <a:fillRef idx="0">
-              <a:schemeClr val="dk1"/>
-            </a:fillRef>
-            <a:effectRef idx="1">
-              <a:schemeClr val="dk1"/>
-            </a:effectRef>
-            <a:fontRef idx="minor">
-              <a:schemeClr val="tx1"/>
-            </a:fontRef>
-          </p:style>
-        </p:cxnSp>
-        <p:cxnSp>
-          <p:nvCxnSpPr>
-            <p:cNvPr id="195" name="Straight Arrow Connector 194"/>
-            <p:cNvCxnSpPr>
-              <a:stCxn id="110" idx="2"/>
-              <a:endCxn id="131" idx="0"/>
-            </p:cNvCxnSpPr>
-            <p:nvPr/>
-          </p:nvCxnSpPr>
-          <p:spPr>
-            <a:xfrm flipH="1">
-              <a:off x="819836" y="3512068"/>
-              <a:ext cx="335053" cy="345489"/>
-            </a:xfrm>
-            <a:prstGeom prst="straightConnector1">
-              <a:avLst/>
-            </a:prstGeom>
-            <a:ln>
-              <a:tailEnd type="triangle"/>
-            </a:ln>
-          </p:spPr>
-          <p:style>
-            <a:lnRef idx="2">
-              <a:schemeClr val="dk1"/>
-            </a:lnRef>
-            <a:fillRef idx="0">
-              <a:schemeClr val="dk1"/>
-            </a:fillRef>
-            <a:effectRef idx="1">
-              <a:schemeClr val="dk1"/>
-            </a:effectRef>
-            <a:fontRef idx="minor">
-              <a:schemeClr val="tx1"/>
-            </a:fontRef>
-          </p:style>
-        </p:cxnSp>
-        <p:cxnSp>
-          <p:nvCxnSpPr>
-            <p:cNvPr id="201" name="Straight Arrow Connector 200"/>
-            <p:cNvCxnSpPr>
-              <a:stCxn id="131" idx="2"/>
-              <a:endCxn id="40" idx="0"/>
-            </p:cNvCxnSpPr>
-            <p:nvPr/>
-          </p:nvCxnSpPr>
-          <p:spPr>
-            <a:xfrm flipH="1">
-              <a:off x="744869" y="4873220"/>
-              <a:ext cx="74967" cy="710711"/>
-            </a:xfrm>
-            <a:prstGeom prst="straightConnector1">
-              <a:avLst/>
-            </a:prstGeom>
-            <a:ln>
-              <a:tailEnd type="triangle"/>
-            </a:ln>
-          </p:spPr>
-          <p:style>
-            <a:lnRef idx="2">
-              <a:schemeClr val="dk1"/>
-            </a:lnRef>
-            <a:fillRef idx="0">
-              <a:schemeClr val="dk1"/>
-            </a:fillRef>
-            <a:effectRef idx="1">
-              <a:schemeClr val="dk1"/>
-            </a:effectRef>
-            <a:fontRef idx="minor">
-              <a:schemeClr val="tx1"/>
-            </a:fontRef>
-          </p:style>
-        </p:cxnSp>
-        <p:cxnSp>
-          <p:nvCxnSpPr>
-            <p:cNvPr id="204" name="Straight Arrow Connector 203"/>
-            <p:cNvCxnSpPr>
-              <a:stCxn id="131" idx="2"/>
-              <a:endCxn id="41" idx="0"/>
-            </p:cNvCxnSpPr>
-            <p:nvPr/>
-          </p:nvCxnSpPr>
-          <p:spPr>
-            <a:xfrm>
-              <a:off x="819836" y="4873220"/>
-              <a:ext cx="2270232" cy="698619"/>
-            </a:xfrm>
-            <a:prstGeom prst="straightConnector1">
-              <a:avLst/>
-            </a:prstGeom>
-            <a:ln>
-              <a:tailEnd type="triangle"/>
-            </a:ln>
-          </p:spPr>
-          <p:style>
-            <a:lnRef idx="2">
-              <a:schemeClr val="dk1"/>
-            </a:lnRef>
-            <a:fillRef idx="0">
-              <a:schemeClr val="dk1"/>
-            </a:fillRef>
-            <a:effectRef idx="1">
-              <a:schemeClr val="dk1"/>
-            </a:effectRef>
-            <a:fontRef idx="minor">
-              <a:schemeClr val="tx1"/>
-            </a:fontRef>
-          </p:style>
-        </p:cxnSp>
-        <p:cxnSp>
-          <p:nvCxnSpPr>
-            <p:cNvPr id="207" name="Straight Arrow Connector 206"/>
-            <p:cNvCxnSpPr>
-              <a:stCxn id="110" idx="2"/>
-              <a:endCxn id="179" idx="0"/>
-            </p:cNvCxnSpPr>
-            <p:nvPr/>
-          </p:nvCxnSpPr>
-          <p:spPr>
-            <a:xfrm>
-              <a:off x="1154889" y="3512068"/>
-              <a:ext cx="1027677" cy="345488"/>
-            </a:xfrm>
-            <a:prstGeom prst="straightConnector1">
-              <a:avLst/>
-            </a:prstGeom>
-            <a:ln>
-              <a:tailEnd type="triangle"/>
-            </a:ln>
-          </p:spPr>
-          <p:style>
-            <a:lnRef idx="2">
-              <a:schemeClr val="dk1"/>
-            </a:lnRef>
-            <a:fillRef idx="0">
-              <a:schemeClr val="dk1"/>
-            </a:fillRef>
-            <a:effectRef idx="1">
-              <a:schemeClr val="dk1"/>
-            </a:effectRef>
-            <a:fontRef idx="minor">
-              <a:schemeClr val="tx1"/>
-            </a:fontRef>
-          </p:style>
-        </p:cxnSp>
-        <p:cxnSp>
-          <p:nvCxnSpPr>
-            <p:cNvPr id="215" name="Straight Arrow Connector 214"/>
-            <p:cNvCxnSpPr>
-              <a:stCxn id="181" idx="2"/>
-              <a:endCxn id="123" idx="0"/>
-            </p:cNvCxnSpPr>
-            <p:nvPr/>
-          </p:nvCxnSpPr>
-          <p:spPr>
-            <a:xfrm flipH="1">
-              <a:off x="3460990" y="3522400"/>
-              <a:ext cx="8561" cy="363797"/>
-            </a:xfrm>
-            <a:prstGeom prst="straightConnector1">
-              <a:avLst/>
-            </a:prstGeom>
-            <a:ln>
-              <a:tailEnd type="triangle"/>
-            </a:ln>
-          </p:spPr>
-          <p:style>
-            <a:lnRef idx="2">
-              <a:schemeClr val="dk1"/>
-            </a:lnRef>
-            <a:fillRef idx="0">
-              <a:schemeClr val="dk1"/>
-            </a:fillRef>
-            <a:effectRef idx="1">
-              <a:schemeClr val="dk1"/>
-            </a:effectRef>
-            <a:fontRef idx="minor">
-              <a:schemeClr val="tx1"/>
-            </a:fontRef>
-          </p:style>
-        </p:cxnSp>
-        <p:cxnSp>
-          <p:nvCxnSpPr>
-            <p:cNvPr id="220" name="Straight Arrow Connector 219"/>
-            <p:cNvCxnSpPr>
-              <a:stCxn id="123" idx="2"/>
-              <a:endCxn id="68" idx="0"/>
-            </p:cNvCxnSpPr>
-            <p:nvPr/>
-          </p:nvCxnSpPr>
-          <p:spPr>
-            <a:xfrm flipH="1">
-              <a:off x="1917808" y="4861144"/>
-              <a:ext cx="1543182" cy="724150"/>
-            </a:xfrm>
-            <a:prstGeom prst="straightConnector1">
-              <a:avLst/>
-            </a:prstGeom>
-            <a:ln>
-              <a:tailEnd type="triangle"/>
-            </a:ln>
-          </p:spPr>
-          <p:style>
-            <a:lnRef idx="2">
-              <a:schemeClr val="dk1"/>
-            </a:lnRef>
-            <a:fillRef idx="0">
-              <a:schemeClr val="dk1"/>
-            </a:fillRef>
-            <a:effectRef idx="1">
-              <a:schemeClr val="dk1"/>
-            </a:effectRef>
-            <a:fontRef idx="minor">
-              <a:schemeClr val="tx1"/>
-            </a:fontRef>
-          </p:style>
-        </p:cxnSp>
-        <p:cxnSp>
-          <p:nvCxnSpPr>
-            <p:cNvPr id="223" name="Straight Arrow Connector 222"/>
-            <p:cNvCxnSpPr>
-              <a:stCxn id="123" idx="2"/>
-              <a:endCxn id="42" idx="0"/>
-            </p:cNvCxnSpPr>
-            <p:nvPr/>
-          </p:nvCxnSpPr>
-          <p:spPr>
-            <a:xfrm>
-              <a:off x="3460990" y="4861144"/>
-              <a:ext cx="779290" cy="727725"/>
-            </a:xfrm>
-            <a:prstGeom prst="straightConnector1">
-              <a:avLst/>
-            </a:prstGeom>
-            <a:ln>
-              <a:tailEnd type="triangle"/>
-            </a:ln>
-          </p:spPr>
-          <p:style>
-            <a:lnRef idx="2">
-              <a:schemeClr val="dk1"/>
-            </a:lnRef>
-            <a:fillRef idx="0">
-              <a:schemeClr val="dk1"/>
-            </a:fillRef>
-            <a:effectRef idx="1">
-              <a:schemeClr val="dk1"/>
-            </a:effectRef>
-            <a:fontRef idx="minor">
-              <a:schemeClr val="tx1"/>
-            </a:fontRef>
-          </p:style>
-        </p:cxnSp>
-        <p:sp>
-          <p:nvSpPr>
-            <p:cNvPr id="241" name="TextBox 240"/>
-            <p:cNvSpPr txBox="1"/>
-            <p:nvPr/>
-          </p:nvSpPr>
-          <p:spPr>
-            <a:xfrm>
-              <a:off x="4823653" y="5588869"/>
-              <a:ext cx="977965" cy="798424"/>
-            </a:xfrm>
-            <a:prstGeom prst="rect">
-              <a:avLst/>
-            </a:prstGeom>
-            <a:solidFill>
-              <a:schemeClr val="accent6">
-                <a:lumMod val="60000"/>
-                <a:lumOff val="40000"/>
-              </a:schemeClr>
-            </a:solidFill>
-            <a:ln>
-              <a:solidFill>
-                <a:schemeClr val="tx1"/>
-              </a:solidFill>
-            </a:ln>
-          </p:spPr>
-          <p:txBody>
-            <a:bodyPr wrap="square" rtlCol="0">
-              <a:spAutoFit/>
-            </a:bodyPr>
-            <a:lstStyle/>
-            <a:p>
-              <a:pPr algn="ctr"/>
-              <a:r>
-                <a:rPr lang="en-US" sz="1147" smtClean="0"/>
-                <a:t>Reduced</a:t>
-              </a:r>
-              <a:endParaRPr lang="en-US" sz="1147" dirty="0"/>
-            </a:p>
-            <a:p>
-              <a:pPr algn="ctr"/>
-              <a:r>
-                <a:rPr lang="en-US" sz="1147" smtClean="0"/>
-                <a:t>farmers</a:t>
-              </a:r>
-              <a:r>
-                <a:rPr lang="en-US" sz="1147" dirty="0" smtClean="0"/>
-                <a:t>’ </a:t>
-              </a:r>
-              <a:r>
-                <a:rPr lang="en-US" sz="1147" smtClean="0"/>
-                <a:t>health costs</a:t>
-              </a:r>
-            </a:p>
-            <a:p>
-              <a:pPr algn="ctr"/>
-              <a:endParaRPr lang="en-US" sz="1147" dirty="0"/>
-            </a:p>
-          </p:txBody>
-        </p:sp>
-        <p:cxnSp>
-          <p:nvCxnSpPr>
-            <p:cNvPr id="244" name="Straight Arrow Connector 243"/>
-            <p:cNvCxnSpPr>
-              <a:stCxn id="131" idx="2"/>
-              <a:endCxn id="241" idx="0"/>
-            </p:cNvCxnSpPr>
-            <p:nvPr/>
-          </p:nvCxnSpPr>
-          <p:spPr>
-            <a:xfrm>
-              <a:off x="819836" y="4873220"/>
-              <a:ext cx="4492800" cy="715649"/>
-            </a:xfrm>
-            <a:prstGeom prst="straightConnector1">
-              <a:avLst/>
-            </a:prstGeom>
-            <a:ln>
-              <a:tailEnd type="triangle"/>
-            </a:ln>
-          </p:spPr>
-          <p:style>
-            <a:lnRef idx="2">
-              <a:schemeClr val="dk1"/>
-            </a:lnRef>
-            <a:fillRef idx="0">
-              <a:schemeClr val="dk1"/>
-            </a:fillRef>
-            <a:effectRef idx="1">
-              <a:schemeClr val="dk1"/>
-            </a:effectRef>
-            <a:fontRef idx="minor">
-              <a:schemeClr val="tx1"/>
-            </a:fontRef>
-          </p:style>
-        </p:cxnSp>
-        <p:grpSp>
-          <p:nvGrpSpPr>
-            <p:cNvPr id="517" name="Group 516"/>
-            <p:cNvGrpSpPr/>
-            <p:nvPr/>
-          </p:nvGrpSpPr>
-          <p:grpSpPr>
-            <a:xfrm>
-              <a:off x="752243" y="6382355"/>
-              <a:ext cx="4560393" cy="933062"/>
-              <a:chOff x="625093" y="6633949"/>
-              <a:chExt cx="4560393" cy="933062"/>
-            </a:xfrm>
-          </p:grpSpPr>
-          <p:sp>
-            <p:nvSpPr>
-              <p:cNvPr id="130" name="Rectangle 129"/>
-              <p:cNvSpPr/>
-              <p:nvPr/>
-            </p:nvSpPr>
-            <p:spPr>
-              <a:xfrm>
-                <a:off x="2192130" y="7281805"/>
-                <a:ext cx="1167451" cy="285206"/>
-              </a:xfrm>
-              <a:prstGeom prst="rect">
-                <a:avLst/>
-              </a:prstGeom>
-              <a:solidFill>
-                <a:schemeClr val="accent6">
-                  <a:lumMod val="60000"/>
-                  <a:lumOff val="40000"/>
-                </a:schemeClr>
-              </a:solidFill>
-            </p:spPr>
-            <p:style>
-              <a:lnRef idx="2">
-                <a:schemeClr val="accent1">
-                  <a:shade val="50000"/>
-                </a:schemeClr>
-              </a:lnRef>
-              <a:fillRef idx="1">
-                <a:schemeClr val="accent1"/>
-              </a:fillRef>
-              <a:effectRef idx="0">
-                <a:schemeClr val="accent1"/>
-              </a:effectRef>
-              <a:fontRef idx="minor">
-                <a:schemeClr val="lt1"/>
-              </a:fontRef>
-            </p:style>
-            <p:txBody>
-              <a:bodyPr rtlCol="0" anchor="ctr"/>
-              <a:lstStyle/>
-              <a:p>
-                <a:pPr algn="ctr"/>
-                <a:r>
-                  <a:rPr lang="en-US" sz="1235" dirty="0">
-                    <a:solidFill>
-                      <a:schemeClr val="tx1"/>
-                    </a:solidFill>
-                  </a:rPr>
-                  <a:t>Total Benefits</a:t>
-                </a:r>
-              </a:p>
-            </p:txBody>
-          </p:sp>
-          <p:cxnSp>
-            <p:nvCxnSpPr>
-              <p:cNvPr id="235" name="Straight Arrow Connector 234"/>
-              <p:cNvCxnSpPr>
-                <a:stCxn id="40" idx="2"/>
-                <a:endCxn id="130" idx="0"/>
-              </p:cNvCxnSpPr>
-              <p:nvPr/>
-            </p:nvCxnSpPr>
-            <p:spPr>
-              <a:xfrm>
-                <a:off x="625093" y="6633949"/>
-                <a:ext cx="2150763" cy="647856"/>
-              </a:xfrm>
-              <a:prstGeom prst="straightConnector1">
-                <a:avLst/>
-              </a:prstGeom>
-              <a:ln>
-                <a:tailEnd type="triangle"/>
-              </a:ln>
-            </p:spPr>
-            <p:style>
-              <a:lnRef idx="2">
-                <a:schemeClr val="dk1"/>
-              </a:lnRef>
-              <a:fillRef idx="0">
-                <a:schemeClr val="dk1"/>
-              </a:fillRef>
-              <a:effectRef idx="1">
-                <a:schemeClr val="dk1"/>
-              </a:effectRef>
-              <a:fontRef idx="minor">
-                <a:schemeClr val="tx1"/>
-              </a:fontRef>
-            </p:style>
-          </p:cxnSp>
-          <p:cxnSp>
-            <p:nvCxnSpPr>
-              <p:cNvPr id="253" name="Straight Arrow Connector 252"/>
-              <p:cNvCxnSpPr>
-                <a:stCxn id="68" idx="2"/>
-                <a:endCxn id="130" idx="0"/>
-              </p:cNvCxnSpPr>
-              <p:nvPr/>
-            </p:nvCxnSpPr>
-            <p:spPr>
-              <a:xfrm>
-                <a:off x="1798032" y="6635312"/>
-                <a:ext cx="977824" cy="646493"/>
-              </a:xfrm>
-              <a:prstGeom prst="straightConnector1">
-                <a:avLst/>
-              </a:prstGeom>
-              <a:ln>
-                <a:tailEnd type="triangle"/>
-              </a:ln>
-            </p:spPr>
-            <p:style>
-              <a:lnRef idx="2">
-                <a:schemeClr val="dk1"/>
-              </a:lnRef>
-              <a:fillRef idx="0">
-                <a:schemeClr val="dk1"/>
-              </a:fillRef>
-              <a:effectRef idx="1">
-                <a:schemeClr val="dk1"/>
-              </a:effectRef>
-              <a:fontRef idx="minor">
-                <a:schemeClr val="tx1"/>
-              </a:fontRef>
-            </p:style>
-          </p:cxnSp>
-          <p:cxnSp>
-            <p:nvCxnSpPr>
-              <p:cNvPr id="256" name="Straight Arrow Connector 255"/>
-              <p:cNvCxnSpPr>
-                <a:stCxn id="41" idx="2"/>
-                <a:endCxn id="130" idx="0"/>
-              </p:cNvCxnSpPr>
-              <p:nvPr/>
-            </p:nvCxnSpPr>
-            <p:spPr>
-              <a:xfrm flipH="1">
-                <a:off x="2775856" y="6654430"/>
-                <a:ext cx="194436" cy="627375"/>
-              </a:xfrm>
-              <a:prstGeom prst="straightConnector1">
-                <a:avLst/>
-              </a:prstGeom>
-              <a:ln>
-                <a:tailEnd type="triangle"/>
-              </a:ln>
-            </p:spPr>
-            <p:style>
-              <a:lnRef idx="2">
-                <a:schemeClr val="dk1"/>
-              </a:lnRef>
-              <a:fillRef idx="0">
-                <a:schemeClr val="dk1"/>
-              </a:fillRef>
-              <a:effectRef idx="1">
-                <a:schemeClr val="dk1"/>
-              </a:effectRef>
-              <a:fontRef idx="minor">
-                <a:schemeClr val="tx1"/>
-              </a:fontRef>
-            </p:style>
-          </p:cxnSp>
-          <p:cxnSp>
-            <p:nvCxnSpPr>
-              <p:cNvPr id="261" name="Straight Arrow Connector 260"/>
-              <p:cNvCxnSpPr>
-                <a:stCxn id="42" idx="2"/>
-                <a:endCxn id="130" idx="0"/>
-              </p:cNvCxnSpPr>
-              <p:nvPr/>
-            </p:nvCxnSpPr>
-            <p:spPr>
-              <a:xfrm flipH="1">
-                <a:off x="2775856" y="6638887"/>
-                <a:ext cx="1344648" cy="642918"/>
-              </a:xfrm>
-              <a:prstGeom prst="straightConnector1">
-                <a:avLst/>
-              </a:prstGeom>
-              <a:ln>
-                <a:tailEnd type="triangle"/>
-              </a:ln>
-            </p:spPr>
-            <p:style>
-              <a:lnRef idx="2">
-                <a:schemeClr val="dk1"/>
-              </a:lnRef>
-              <a:fillRef idx="0">
-                <a:schemeClr val="dk1"/>
-              </a:fillRef>
-              <a:effectRef idx="1">
-                <a:schemeClr val="dk1"/>
-              </a:effectRef>
-              <a:fontRef idx="minor">
-                <a:schemeClr val="tx1"/>
-              </a:fontRef>
-            </p:style>
-          </p:cxnSp>
-          <p:cxnSp>
-            <p:nvCxnSpPr>
-              <p:cNvPr id="267" name="Straight Arrow Connector 266"/>
-              <p:cNvCxnSpPr>
-                <a:stCxn id="241" idx="2"/>
-                <a:endCxn id="130" idx="0"/>
-              </p:cNvCxnSpPr>
-              <p:nvPr/>
-            </p:nvCxnSpPr>
-            <p:spPr>
-              <a:xfrm flipH="1">
-                <a:off x="2775856" y="6638887"/>
-                <a:ext cx="2409630" cy="642918"/>
-              </a:xfrm>
-              <a:prstGeom prst="straightConnector1">
-                <a:avLst/>
-              </a:prstGeom>
-              <a:ln>
-                <a:tailEnd type="triangle"/>
-              </a:ln>
-            </p:spPr>
-            <p:style>
-              <a:lnRef idx="2">
-                <a:schemeClr val="dk1"/>
-              </a:lnRef>
-              <a:fillRef idx="0">
-                <a:schemeClr val="dk1"/>
-              </a:fillRef>
-              <a:effectRef idx="1">
-                <a:schemeClr val="dk1"/>
-              </a:effectRef>
-              <a:fontRef idx="minor">
-                <a:schemeClr val="tx1"/>
-              </a:fontRef>
-            </p:style>
-          </p:cxnSp>
-        </p:grpSp>
-        <p:sp>
-          <p:nvSpPr>
-            <p:cNvPr id="90" name="TextBox 89"/>
-            <p:cNvSpPr txBox="1"/>
-            <p:nvPr/>
-          </p:nvSpPr>
-          <p:spPr>
-            <a:xfrm>
-              <a:off x="3344938" y="1971682"/>
-              <a:ext cx="1107057" cy="445378"/>
-            </a:xfrm>
-            <a:prstGeom prst="rect">
-              <a:avLst/>
-            </a:prstGeom>
-            <a:solidFill>
-              <a:schemeClr val="accent6">
-                <a:lumMod val="60000"/>
-                <a:lumOff val="40000"/>
-              </a:schemeClr>
-            </a:solidFill>
-            <a:ln>
-              <a:solidFill>
-                <a:schemeClr val="tx1"/>
-              </a:solidFill>
-            </a:ln>
-          </p:spPr>
-          <p:txBody>
-            <a:bodyPr wrap="square" rtlCol="0">
-              <a:spAutoFit/>
-            </a:bodyPr>
-            <a:lstStyle/>
-            <a:p>
-              <a:pPr algn="ctr"/>
-              <a:r>
-                <a:rPr lang="en-US" sz="1147" dirty="0" smtClean="0"/>
-                <a:t>Enabling environment</a:t>
-              </a:r>
-              <a:endParaRPr lang="en-US" sz="1147" dirty="0"/>
-            </a:p>
-          </p:txBody>
-        </p:sp>
-        <p:cxnSp>
-          <p:nvCxnSpPr>
-            <p:cNvPr id="120" name="Straight Arrow Connector 119"/>
-            <p:cNvCxnSpPr>
-              <a:stCxn id="91" idx="2"/>
-              <a:endCxn id="181" idx="0"/>
-            </p:cNvCxnSpPr>
-            <p:nvPr/>
-          </p:nvCxnSpPr>
-          <p:spPr>
-            <a:xfrm>
-              <a:off x="918224" y="2397864"/>
-              <a:ext cx="2551327" cy="662871"/>
-            </a:xfrm>
-            <a:prstGeom prst="straightConnector1">
-              <a:avLst/>
-            </a:prstGeom>
-            <a:ln>
-              <a:tailEnd type="triangle"/>
-            </a:ln>
-          </p:spPr>
-          <p:style>
-            <a:lnRef idx="2">
-              <a:schemeClr val="dk1"/>
-            </a:lnRef>
-            <a:fillRef idx="0">
-              <a:schemeClr val="dk1"/>
-            </a:fillRef>
-            <a:effectRef idx="1">
-              <a:schemeClr val="dk1"/>
-            </a:effectRef>
-            <a:fontRef idx="minor">
-              <a:schemeClr val="tx1"/>
-            </a:fontRef>
-          </p:style>
-        </p:cxnSp>
-        <p:cxnSp>
-          <p:nvCxnSpPr>
-            <p:cNvPr id="124" name="Straight Arrow Connector 123"/>
-            <p:cNvCxnSpPr>
-              <a:stCxn id="90" idx="2"/>
-              <a:endCxn id="110" idx="0"/>
-            </p:cNvCxnSpPr>
-            <p:nvPr/>
-          </p:nvCxnSpPr>
-          <p:spPr>
-            <a:xfrm flipH="1">
-              <a:off x="1154889" y="2417060"/>
-              <a:ext cx="2743578" cy="633343"/>
-            </a:xfrm>
-            <a:prstGeom prst="straightConnector1">
-              <a:avLst/>
-            </a:prstGeom>
-            <a:ln>
-              <a:tailEnd type="triangle"/>
-            </a:ln>
-          </p:spPr>
-          <p:style>
-            <a:lnRef idx="2">
-              <a:schemeClr val="dk1"/>
-            </a:lnRef>
-            <a:fillRef idx="0">
-              <a:schemeClr val="dk1"/>
-            </a:fillRef>
-            <a:effectRef idx="1">
-              <a:schemeClr val="dk1"/>
-            </a:effectRef>
-            <a:fontRef idx="minor">
-              <a:schemeClr val="tx1"/>
-            </a:fontRef>
-          </p:style>
-        </p:cxnSp>
-        <p:cxnSp>
-          <p:nvCxnSpPr>
-            <p:cNvPr id="127" name="Straight Arrow Connector 126"/>
-            <p:cNvCxnSpPr>
-              <a:stCxn id="91" idx="2"/>
-              <a:endCxn id="110" idx="0"/>
-            </p:cNvCxnSpPr>
-            <p:nvPr/>
-          </p:nvCxnSpPr>
-          <p:spPr>
-            <a:xfrm>
-              <a:off x="918224" y="2397864"/>
-              <a:ext cx="236665" cy="652539"/>
-            </a:xfrm>
-            <a:prstGeom prst="straightConnector1">
-              <a:avLst/>
-            </a:prstGeom>
-            <a:ln>
-              <a:tailEnd type="triangle"/>
-            </a:ln>
-          </p:spPr>
-          <p:style>
-            <a:lnRef idx="2">
-              <a:schemeClr val="dk1"/>
-            </a:lnRef>
-            <a:fillRef idx="0">
-              <a:schemeClr val="dk1"/>
-            </a:fillRef>
-            <a:effectRef idx="1">
-              <a:schemeClr val="dk1"/>
-            </a:effectRef>
-            <a:fontRef idx="minor">
-              <a:schemeClr val="tx1"/>
-            </a:fontRef>
-          </p:style>
-        </p:cxnSp>
-        <p:sp>
-          <p:nvSpPr>
-            <p:cNvPr id="91" name="TextBox 90"/>
-            <p:cNvSpPr txBox="1"/>
-            <p:nvPr/>
-          </p:nvSpPr>
-          <p:spPr>
-            <a:xfrm>
-              <a:off x="188650" y="1952486"/>
-              <a:ext cx="1459147" cy="445378"/>
-            </a:xfrm>
-            <a:prstGeom prst="rect">
-              <a:avLst/>
-            </a:prstGeom>
-            <a:solidFill>
-              <a:schemeClr val="accent6">
-                <a:lumMod val="60000"/>
-                <a:lumOff val="40000"/>
-              </a:schemeClr>
-            </a:solidFill>
-            <a:ln>
-              <a:solidFill>
-                <a:schemeClr val="tx1"/>
-              </a:solidFill>
-            </a:ln>
-          </p:spPr>
-          <p:txBody>
-            <a:bodyPr wrap="square" rtlCol="0">
-              <a:spAutoFit/>
-            </a:bodyPr>
-            <a:lstStyle/>
-            <a:p>
-              <a:pPr algn="ctr"/>
-              <a:r>
-                <a:rPr lang="en-US" sz="1147" dirty="0"/>
-                <a:t>C</a:t>
-              </a:r>
-              <a:r>
-                <a:rPr lang="en-US" sz="1147" dirty="0" smtClean="0"/>
-                <a:t>apacity  and self-reflection enhanced</a:t>
-              </a:r>
-              <a:endParaRPr lang="en-US" sz="1147" dirty="0"/>
-            </a:p>
-          </p:txBody>
-        </p:sp>
-        <p:cxnSp>
-          <p:nvCxnSpPr>
-            <p:cNvPr id="37" name="Straight Arrow Connector 36"/>
-            <p:cNvCxnSpPr>
-              <a:stCxn id="15" idx="2"/>
-              <a:endCxn id="132" idx="0"/>
-            </p:cNvCxnSpPr>
-            <p:nvPr/>
-          </p:nvCxnSpPr>
-          <p:spPr>
-            <a:xfrm flipH="1">
-              <a:off x="2507414" y="1095151"/>
-              <a:ext cx="4165" cy="863381"/>
-            </a:xfrm>
-            <a:prstGeom prst="straightConnector1">
-              <a:avLst/>
-            </a:prstGeom>
-            <a:ln>
-              <a:prstDash val="solid"/>
-              <a:tailEnd type="triangle"/>
-            </a:ln>
-          </p:spPr>
-          <p:style>
-            <a:lnRef idx="2">
-              <a:schemeClr val="dk1"/>
-            </a:lnRef>
-            <a:fillRef idx="0">
-              <a:schemeClr val="dk1"/>
-            </a:fillRef>
-            <a:effectRef idx="1">
-              <a:schemeClr val="dk1"/>
-            </a:effectRef>
-            <a:fontRef idx="minor">
-              <a:schemeClr val="tx1"/>
-            </a:fontRef>
-          </p:style>
-        </p:cxnSp>
-        <p:cxnSp>
-          <p:nvCxnSpPr>
-            <p:cNvPr id="136" name="Straight Connector 135"/>
-            <p:cNvCxnSpPr/>
-            <p:nvPr/>
-          </p:nvCxnSpPr>
-          <p:spPr>
-            <a:xfrm flipV="1">
-              <a:off x="1701589" y="1646006"/>
-              <a:ext cx="1634420" cy="1880"/>
-            </a:xfrm>
-            <a:prstGeom prst="line">
-              <a:avLst/>
-            </a:prstGeom>
-          </p:spPr>
-          <p:style>
-            <a:lnRef idx="2">
-              <a:schemeClr val="dk1"/>
-            </a:lnRef>
-            <a:fillRef idx="0">
-              <a:schemeClr val="dk1"/>
-            </a:fillRef>
-            <a:effectRef idx="1">
-              <a:schemeClr val="dk1"/>
-            </a:effectRef>
-            <a:fontRef idx="minor">
-              <a:schemeClr val="tx1"/>
-            </a:fontRef>
-          </p:style>
-        </p:cxnSp>
-        <p:cxnSp>
-          <p:nvCxnSpPr>
-            <p:cNvPr id="139" name="Straight Arrow Connector 138"/>
-            <p:cNvCxnSpPr/>
-            <p:nvPr/>
-          </p:nvCxnSpPr>
-          <p:spPr>
-            <a:xfrm flipH="1">
-              <a:off x="911191" y="1644455"/>
-              <a:ext cx="792963" cy="308031"/>
-            </a:xfrm>
-            <a:prstGeom prst="straightConnector1">
-              <a:avLst/>
-            </a:prstGeom>
-            <a:ln>
-              <a:tailEnd type="triangle"/>
-            </a:ln>
-          </p:spPr>
-          <p:style>
-            <a:lnRef idx="2">
-              <a:schemeClr val="dk1"/>
-            </a:lnRef>
-            <a:fillRef idx="0">
-              <a:schemeClr val="dk1"/>
-            </a:fillRef>
-            <a:effectRef idx="1">
-              <a:schemeClr val="dk1"/>
-            </a:effectRef>
-            <a:fontRef idx="minor">
-              <a:schemeClr val="tx1"/>
-            </a:fontRef>
-          </p:style>
-        </p:cxnSp>
-        <p:cxnSp>
-          <p:nvCxnSpPr>
-            <p:cNvPr id="142" name="Straight Arrow Connector 141"/>
-            <p:cNvCxnSpPr/>
-            <p:nvPr/>
-          </p:nvCxnSpPr>
-          <p:spPr>
-            <a:xfrm>
-              <a:off x="3334270" y="1648005"/>
-              <a:ext cx="570921" cy="323677"/>
+              <a:off x="2775856" y="6618981"/>
+              <a:ext cx="2761691" cy="662824"/>
             </a:xfrm>
             <a:prstGeom prst="straightConnector1">
               <a:avLst/>
@@ -6384,6 +6087,380 @@
           </p:style>
         </p:cxnSp>
       </p:grpSp>
+      <p:sp>
+        <p:nvSpPr>
+          <p:cNvPr id="90" name="TextBox 89"/>
+          <p:cNvSpPr txBox="1"/>
+          <p:nvPr/>
+        </p:nvSpPr>
+        <p:spPr>
+          <a:xfrm>
+            <a:off x="3344938" y="2126228"/>
+            <a:ext cx="1107057" cy="621902"/>
+          </a:xfrm>
+          <a:prstGeom prst="rect">
+            <a:avLst/>
+          </a:prstGeom>
+          <a:solidFill>
+            <a:schemeClr val="accent6">
+              <a:lumMod val="60000"/>
+              <a:lumOff val="40000"/>
+            </a:schemeClr>
+          </a:solidFill>
+          <a:ln>
+            <a:solidFill>
+              <a:schemeClr val="tx1"/>
+            </a:solidFill>
+          </a:ln>
+        </p:spPr>
+        <p:txBody>
+          <a:bodyPr wrap="square" rtlCol="0">
+            <a:spAutoFit/>
+          </a:bodyPr>
+          <a:lstStyle/>
+          <a:p>
+            <a:pPr algn="ctr"/>
+            <a:r>
+              <a:rPr lang="en-US" sz="1147" smtClean="0"/>
+              <a:t>Legal and </a:t>
+            </a:r>
+            <a:r>
+              <a:rPr lang="en-US" sz="1147" smtClean="0"/>
+              <a:t>social enabling </a:t>
+            </a:r>
+            <a:r>
+              <a:rPr lang="en-US" sz="1147" smtClean="0"/>
+              <a:t>environment</a:t>
+            </a:r>
+            <a:endParaRPr lang="en-US" sz="1147" dirty="0"/>
+          </a:p>
+        </p:txBody>
+      </p:sp>
+      <p:cxnSp>
+        <p:nvCxnSpPr>
+          <p:cNvPr id="120" name="Straight Arrow Connector 119"/>
+          <p:cNvCxnSpPr>
+            <a:stCxn id="91" idx="2"/>
+            <a:endCxn id="181" idx="0"/>
+          </p:cNvCxnSpPr>
+          <p:nvPr/>
+        </p:nvCxnSpPr>
+        <p:spPr>
+          <a:xfrm>
+            <a:off x="990071" y="2722276"/>
+            <a:ext cx="2461623" cy="312869"/>
+          </a:xfrm>
+          <a:prstGeom prst="straightConnector1">
+            <a:avLst/>
+          </a:prstGeom>
+          <a:ln>
+            <a:tailEnd type="triangle"/>
+          </a:ln>
+        </p:spPr>
+        <p:style>
+          <a:lnRef idx="2">
+            <a:schemeClr val="dk1"/>
+          </a:lnRef>
+          <a:fillRef idx="0">
+            <a:schemeClr val="dk1"/>
+          </a:fillRef>
+          <a:effectRef idx="1">
+            <a:schemeClr val="dk1"/>
+          </a:effectRef>
+          <a:fontRef idx="minor">
+            <a:schemeClr val="tx1"/>
+          </a:fontRef>
+        </p:style>
+      </p:cxnSp>
+      <p:cxnSp>
+        <p:nvCxnSpPr>
+          <p:cNvPr id="124" name="Straight Arrow Connector 123"/>
+          <p:cNvCxnSpPr>
+            <a:stCxn id="90" idx="2"/>
+            <a:endCxn id="110" idx="0"/>
+          </p:cNvCxnSpPr>
+          <p:nvPr/>
+        </p:nvCxnSpPr>
+        <p:spPr>
+          <a:xfrm flipH="1">
+            <a:off x="1121762" y="2748130"/>
+            <a:ext cx="2776705" cy="301042"/>
+          </a:xfrm>
+          <a:prstGeom prst="straightConnector1">
+            <a:avLst/>
+          </a:prstGeom>
+          <a:ln>
+            <a:tailEnd type="triangle"/>
+          </a:ln>
+        </p:spPr>
+        <p:style>
+          <a:lnRef idx="2">
+            <a:schemeClr val="dk1"/>
+          </a:lnRef>
+          <a:fillRef idx="0">
+            <a:schemeClr val="dk1"/>
+          </a:fillRef>
+          <a:effectRef idx="1">
+            <a:schemeClr val="dk1"/>
+          </a:effectRef>
+          <a:fontRef idx="minor">
+            <a:schemeClr val="tx1"/>
+          </a:fontRef>
+        </p:style>
+      </p:cxnSp>
+      <p:cxnSp>
+        <p:nvCxnSpPr>
+          <p:cNvPr id="127" name="Straight Arrow Connector 126"/>
+          <p:cNvCxnSpPr>
+            <a:stCxn id="91" idx="2"/>
+            <a:endCxn id="110" idx="0"/>
+          </p:cNvCxnSpPr>
+          <p:nvPr/>
+        </p:nvCxnSpPr>
+        <p:spPr>
+          <a:xfrm>
+            <a:off x="990071" y="2722276"/>
+            <a:ext cx="131691" cy="326896"/>
+          </a:xfrm>
+          <a:prstGeom prst="straightConnector1">
+            <a:avLst/>
+          </a:prstGeom>
+          <a:ln>
+            <a:tailEnd type="triangle"/>
+          </a:ln>
+        </p:spPr>
+        <p:style>
+          <a:lnRef idx="2">
+            <a:schemeClr val="dk1"/>
+          </a:lnRef>
+          <a:fillRef idx="0">
+            <a:schemeClr val="dk1"/>
+          </a:fillRef>
+          <a:effectRef idx="1">
+            <a:schemeClr val="dk1"/>
+          </a:effectRef>
+          <a:fontRef idx="minor">
+            <a:schemeClr val="tx1"/>
+          </a:fontRef>
+        </p:style>
+      </p:cxnSp>
+      <p:sp>
+        <p:nvSpPr>
+          <p:cNvPr id="91" name="TextBox 90"/>
+          <p:cNvSpPr txBox="1"/>
+          <p:nvPr/>
+        </p:nvSpPr>
+        <p:spPr>
+          <a:xfrm>
+            <a:off x="379420" y="2100374"/>
+            <a:ext cx="1221302" cy="621902"/>
+          </a:xfrm>
+          <a:prstGeom prst="rect">
+            <a:avLst/>
+          </a:prstGeom>
+          <a:solidFill>
+            <a:schemeClr val="accent6">
+              <a:lumMod val="60000"/>
+              <a:lumOff val="40000"/>
+            </a:schemeClr>
+          </a:solidFill>
+          <a:ln>
+            <a:solidFill>
+              <a:schemeClr val="tx1"/>
+            </a:solidFill>
+          </a:ln>
+        </p:spPr>
+        <p:txBody>
+          <a:bodyPr wrap="square" rtlCol="0">
+            <a:spAutoFit/>
+          </a:bodyPr>
+          <a:lstStyle/>
+          <a:p>
+            <a:pPr algn="ctr"/>
+            <a:r>
+              <a:rPr lang="en-US" sz="1147" smtClean="0"/>
+              <a:t>Capacity and </a:t>
+            </a:r>
+            <a:r>
+              <a:rPr lang="en-US" sz="1147" dirty="0" smtClean="0"/>
+              <a:t>self-reflection enhanced</a:t>
+            </a:r>
+            <a:endParaRPr lang="en-US" sz="1147" dirty="0"/>
+          </a:p>
+        </p:txBody>
+      </p:sp>
+      <p:cxnSp>
+        <p:nvCxnSpPr>
+          <p:cNvPr id="37" name="Straight Arrow Connector 36"/>
+          <p:cNvCxnSpPr>
+            <a:stCxn id="15" idx="2"/>
+            <a:endCxn id="132" idx="0"/>
+          </p:cNvCxnSpPr>
+          <p:nvPr/>
+        </p:nvCxnSpPr>
+        <p:spPr>
+          <a:xfrm>
+            <a:off x="2511579" y="1249697"/>
+            <a:ext cx="1082" cy="864236"/>
+          </a:xfrm>
+          <a:prstGeom prst="straightConnector1">
+            <a:avLst/>
+          </a:prstGeom>
+          <a:ln>
+            <a:prstDash val="solid"/>
+            <a:tailEnd type="triangle"/>
+          </a:ln>
+        </p:spPr>
+        <p:style>
+          <a:lnRef idx="2">
+            <a:schemeClr val="dk1"/>
+          </a:lnRef>
+          <a:fillRef idx="0">
+            <a:schemeClr val="dk1"/>
+          </a:fillRef>
+          <a:effectRef idx="1">
+            <a:schemeClr val="dk1"/>
+          </a:effectRef>
+          <a:fontRef idx="minor">
+            <a:schemeClr val="tx1"/>
+          </a:fontRef>
+        </p:style>
+      </p:cxnSp>
+      <p:cxnSp>
+        <p:nvCxnSpPr>
+          <p:cNvPr id="136" name="Straight Connector 135"/>
+          <p:cNvCxnSpPr/>
+          <p:nvPr/>
+        </p:nvCxnSpPr>
+        <p:spPr>
+          <a:xfrm>
+            <a:off x="1704155" y="1798949"/>
+            <a:ext cx="1631854" cy="1603"/>
+          </a:xfrm>
+          <a:prstGeom prst="line">
+            <a:avLst/>
+          </a:prstGeom>
+        </p:spPr>
+        <p:style>
+          <a:lnRef idx="2">
+            <a:schemeClr val="dk1"/>
+          </a:lnRef>
+          <a:fillRef idx="0">
+            <a:schemeClr val="dk1"/>
+          </a:fillRef>
+          <a:effectRef idx="1">
+            <a:schemeClr val="dk1"/>
+          </a:effectRef>
+          <a:fontRef idx="minor">
+            <a:schemeClr val="tx1"/>
+          </a:fontRef>
+        </p:style>
+      </p:cxnSp>
+      <p:cxnSp>
+        <p:nvCxnSpPr>
+          <p:cNvPr id="139" name="Straight Arrow Connector 138"/>
+          <p:cNvCxnSpPr>
+            <a:endCxn id="91" idx="0"/>
+          </p:cNvCxnSpPr>
+          <p:nvPr/>
+        </p:nvCxnSpPr>
+        <p:spPr>
+          <a:xfrm flipH="1">
+            <a:off x="990071" y="1799001"/>
+            <a:ext cx="714084" cy="301373"/>
+          </a:xfrm>
+          <a:prstGeom prst="straightConnector1">
+            <a:avLst/>
+          </a:prstGeom>
+          <a:ln>
+            <a:tailEnd type="triangle"/>
+          </a:ln>
+        </p:spPr>
+        <p:style>
+          <a:lnRef idx="2">
+            <a:schemeClr val="dk1"/>
+          </a:lnRef>
+          <a:fillRef idx="0">
+            <a:schemeClr val="dk1"/>
+          </a:fillRef>
+          <a:effectRef idx="1">
+            <a:schemeClr val="dk1"/>
+          </a:effectRef>
+          <a:fontRef idx="minor">
+            <a:schemeClr val="tx1"/>
+          </a:fontRef>
+        </p:style>
+      </p:cxnSp>
+      <p:cxnSp>
+        <p:nvCxnSpPr>
+          <p:cNvPr id="142" name="Straight Arrow Connector 141"/>
+          <p:cNvCxnSpPr/>
+          <p:nvPr/>
+        </p:nvCxnSpPr>
+        <p:spPr>
+          <a:xfrm>
+            <a:off x="3334270" y="1802551"/>
+            <a:ext cx="570921" cy="323677"/>
+          </a:xfrm>
+          <a:prstGeom prst="straightConnector1">
+            <a:avLst/>
+          </a:prstGeom>
+          <a:ln>
+            <a:tailEnd type="triangle"/>
+          </a:ln>
+        </p:spPr>
+        <p:style>
+          <a:lnRef idx="2">
+            <a:schemeClr val="dk1"/>
+          </a:lnRef>
+          <a:fillRef idx="0">
+            <a:schemeClr val="dk1"/>
+          </a:fillRef>
+          <a:effectRef idx="1">
+            <a:schemeClr val="dk1"/>
+          </a:effectRef>
+          <a:fontRef idx="minor">
+            <a:schemeClr val="tx1"/>
+          </a:fontRef>
+        </p:style>
+      </p:cxnSp>
+      <p:cxnSp>
+        <p:nvCxnSpPr>
+          <p:cNvPr id="74" name="Straight Arrow Connector 73"/>
+          <p:cNvCxnSpPr>
+            <a:stCxn id="90" idx="2"/>
+            <a:endCxn id="181" idx="0"/>
+          </p:cNvCxnSpPr>
+          <p:nvPr/>
+        </p:nvCxnSpPr>
+        <p:spPr>
+          <a:xfrm flipH="1">
+            <a:off x="3451694" y="2748130"/>
+            <a:ext cx="446773" cy="287015"/>
+          </a:xfrm>
+          <a:prstGeom prst="straightConnector1">
+            <a:avLst/>
+          </a:prstGeom>
+          <a:ln>
+            <a:prstDash val="solid"/>
+            <a:tailEnd type="triangle"/>
+          </a:ln>
+        </p:spPr>
+        <p:style>
+          <a:lnRef idx="2">
+            <a:schemeClr val="dk1"/>
+          </a:lnRef>
+          <a:fillRef idx="0">
+            <a:schemeClr val="dk1"/>
+          </a:fillRef>
+          <a:effectRef idx="1">
+            <a:schemeClr val="dk1"/>
+          </a:effectRef>
+          <a:fontRef idx="minor">
+            <a:schemeClr val="tx1"/>
+          </a:fontRef>
+        </p:style>
+      </p:cxnSp>
     </p:spTree>
     <p:custDataLst>
       <p:tags r:id="rId1"/>

--- a/Figures/Fig4-Conceptual framework.pptx
+++ b/Figures/Fig4-Conceptual framework.pptx
@@ -209,7 +209,7 @@
           <a:p>
             <a:fld id="{7E015754-A25B-4178-B3E4-70EF6662D410}" type="datetimeFigureOut">
               <a:rPr lang="en-US" smtClean="0"/>
-              <a:t>6/24/2021</a:t>
+              <a:t>6/29/2021</a:t>
             </a:fld>
             <a:endParaRPr lang="en-US"/>
           </a:p>
@@ -695,7 +695,7 @@
           <a:p>
             <a:fld id="{5812708C-2602-4C50-90B3-38403DD6A526}" type="datetimeFigureOut">
               <a:rPr lang="zh-CN" altLang="en-US" smtClean="0"/>
-              <a:t>2021/6/24</a:t>
+              <a:t>2021/6/29</a:t>
             </a:fld>
             <a:endParaRPr lang="zh-CN" altLang="en-US"/>
           </a:p>
@@ -865,7 +865,7 @@
           <a:p>
             <a:fld id="{5812708C-2602-4C50-90B3-38403DD6A526}" type="datetimeFigureOut">
               <a:rPr lang="zh-CN" altLang="en-US" smtClean="0"/>
-              <a:t>2021/6/24</a:t>
+              <a:t>2021/6/29</a:t>
             </a:fld>
             <a:endParaRPr lang="zh-CN" altLang="en-US"/>
           </a:p>
@@ -1045,7 +1045,7 @@
           <a:p>
             <a:fld id="{5812708C-2602-4C50-90B3-38403DD6A526}" type="datetimeFigureOut">
               <a:rPr lang="zh-CN" altLang="en-US" smtClean="0"/>
-              <a:t>2021/6/24</a:t>
+              <a:t>2021/6/29</a:t>
             </a:fld>
             <a:endParaRPr lang="zh-CN" altLang="en-US"/>
           </a:p>
@@ -1245,7 +1245,7 @@
           <a:p>
             <a:fld id="{5812708C-2602-4C50-90B3-38403DD6A526}" type="datetimeFigureOut">
               <a:rPr lang="zh-CN" altLang="en-US" smtClean="0"/>
-              <a:t>2021/6/24</a:t>
+              <a:t>2021/6/29</a:t>
             </a:fld>
             <a:endParaRPr lang="zh-CN" altLang="en-US"/>
           </a:p>
@@ -1489,7 +1489,7 @@
           <a:p>
             <a:fld id="{5812708C-2602-4C50-90B3-38403DD6A526}" type="datetimeFigureOut">
               <a:rPr lang="zh-CN" altLang="en-US" smtClean="0"/>
-              <a:t>2021/6/24</a:t>
+              <a:t>2021/6/29</a:t>
             </a:fld>
             <a:endParaRPr lang="zh-CN" altLang="en-US"/>
           </a:p>
@@ -1721,7 +1721,7 @@
           <a:p>
             <a:fld id="{5812708C-2602-4C50-90B3-38403DD6A526}" type="datetimeFigureOut">
               <a:rPr lang="zh-CN" altLang="en-US" smtClean="0"/>
-              <a:t>2021/6/24</a:t>
+              <a:t>2021/6/29</a:t>
             </a:fld>
             <a:endParaRPr lang="zh-CN" altLang="en-US"/>
           </a:p>
@@ -2088,7 +2088,7 @@
           <a:p>
             <a:fld id="{5812708C-2602-4C50-90B3-38403DD6A526}" type="datetimeFigureOut">
               <a:rPr lang="zh-CN" altLang="en-US" smtClean="0"/>
-              <a:t>2021/6/24</a:t>
+              <a:t>2021/6/29</a:t>
             </a:fld>
             <a:endParaRPr lang="zh-CN" altLang="en-US"/>
           </a:p>
@@ -2206,7 +2206,7 @@
           <a:p>
             <a:fld id="{5812708C-2602-4C50-90B3-38403DD6A526}" type="datetimeFigureOut">
               <a:rPr lang="zh-CN" altLang="en-US" smtClean="0"/>
-              <a:t>2021/6/24</a:t>
+              <a:t>2021/6/29</a:t>
             </a:fld>
             <a:endParaRPr lang="zh-CN" altLang="en-US"/>
           </a:p>
@@ -2301,7 +2301,7 @@
           <a:p>
             <a:fld id="{5812708C-2602-4C50-90B3-38403DD6A526}" type="datetimeFigureOut">
               <a:rPr lang="zh-CN" altLang="en-US" smtClean="0"/>
-              <a:t>2021/6/24</a:t>
+              <a:t>2021/6/29</a:t>
             </a:fld>
             <a:endParaRPr lang="zh-CN" altLang="en-US"/>
           </a:p>
@@ -2578,7 +2578,7 @@
           <a:p>
             <a:fld id="{5812708C-2602-4C50-90B3-38403DD6A526}" type="datetimeFigureOut">
               <a:rPr lang="zh-CN" altLang="en-US" smtClean="0"/>
-              <a:t>2021/6/24</a:t>
+              <a:t>2021/6/29</a:t>
             </a:fld>
             <a:endParaRPr lang="zh-CN" altLang="en-US"/>
           </a:p>
@@ -2835,7 +2835,7 @@
           <a:p>
             <a:fld id="{5812708C-2602-4C50-90B3-38403DD6A526}" type="datetimeFigureOut">
               <a:rPr lang="zh-CN" altLang="en-US" smtClean="0"/>
-              <a:t>2021/6/24</a:t>
+              <a:t>2021/6/29</a:t>
             </a:fld>
             <a:endParaRPr lang="zh-CN" altLang="en-US"/>
           </a:p>
@@ -3048,7 +3048,7 @@
           <a:p>
             <a:fld id="{5812708C-2602-4C50-90B3-38403DD6A526}" type="datetimeFigureOut">
               <a:rPr lang="zh-CN" altLang="en-US" smtClean="0"/>
-              <a:t>2021/6/24</a:t>
+              <a:t>2021/6/29</a:t>
             </a:fld>
             <a:endParaRPr lang="zh-CN" altLang="en-US"/>
           </a:p>
@@ -3454,322 +3454,523 @@
           <a:chExt cx="0" cy="0"/>
         </a:xfrm>
       </p:grpSpPr>
-      <p:sp>
-        <p:nvSpPr>
-          <p:cNvPr id="84" name="Oval 83"/>
-          <p:cNvSpPr/>
-          <p:nvPr/>
-        </p:nvSpPr>
-        <p:spPr>
-          <a:xfrm>
-            <a:off x="6543315" y="7022374"/>
-            <a:ext cx="1713842" cy="625212"/>
-          </a:xfrm>
-          <a:prstGeom prst="ellipse">
-            <a:avLst/>
-          </a:prstGeom>
-          <a:ln w="19050"/>
-        </p:spPr>
-        <p:style>
-          <a:lnRef idx="2">
-            <a:schemeClr val="dk1"/>
-          </a:lnRef>
-          <a:fillRef idx="1">
-            <a:schemeClr val="lt1"/>
-          </a:fillRef>
-          <a:effectRef idx="0">
-            <a:schemeClr val="dk1"/>
-          </a:effectRef>
-          <a:fontRef idx="minor">
-            <a:schemeClr val="dk1"/>
-          </a:fontRef>
-        </p:style>
-        <p:txBody>
-          <a:bodyPr rtlCol="0" anchor="ctr"/>
-          <a:lstStyle/>
-          <a:p>
-            <a:pPr algn="ctr"/>
-            <a:endParaRPr lang="en-US" sz="1235" b="1" dirty="0"/>
-          </a:p>
-          <a:p>
-            <a:pPr algn="ctr"/>
-            <a:r>
-              <a:rPr lang="en-US" sz="1235" b="1" dirty="0"/>
-              <a:t>Net Present</a:t>
-            </a:r>
-          </a:p>
-          <a:p>
-            <a:pPr algn="ctr"/>
-            <a:r>
-              <a:rPr lang="en-US" sz="1235" b="1" dirty="0"/>
-              <a:t>Value </a:t>
-            </a:r>
-          </a:p>
-          <a:p>
-            <a:pPr algn="ctr"/>
-            <a:r>
-              <a:rPr lang="en-US" sz="1235" b="1" dirty="0"/>
-              <a:t> </a:t>
-            </a:r>
-          </a:p>
-        </p:txBody>
-      </p:sp>
-      <p:sp>
-        <p:nvSpPr>
-          <p:cNvPr id="119" name="Rectangle 118"/>
-          <p:cNvSpPr/>
-          <p:nvPr/>
-        </p:nvSpPr>
-        <p:spPr>
-          <a:xfrm>
-            <a:off x="8688352" y="7184757"/>
-            <a:ext cx="1167451" cy="285206"/>
-          </a:xfrm>
-          <a:prstGeom prst="rect">
-            <a:avLst/>
-          </a:prstGeom>
-        </p:spPr>
-        <p:style>
-          <a:lnRef idx="2">
-            <a:schemeClr val="accent1">
-              <a:shade val="50000"/>
-            </a:schemeClr>
-          </a:lnRef>
-          <a:fillRef idx="1">
-            <a:schemeClr val="accent1"/>
-          </a:fillRef>
-          <a:effectRef idx="0">
-            <a:schemeClr val="accent1"/>
-          </a:effectRef>
-          <a:fontRef idx="minor">
-            <a:schemeClr val="lt1"/>
-          </a:fontRef>
-        </p:style>
-        <p:txBody>
-          <a:bodyPr rtlCol="0" anchor="ctr"/>
-          <a:lstStyle/>
-          <a:p>
-            <a:pPr algn="ctr"/>
-            <a:r>
-              <a:rPr lang="en-US" sz="1235" dirty="0"/>
-              <a:t>Discount rate</a:t>
-            </a:r>
-          </a:p>
-        </p:txBody>
-      </p:sp>
-      <p:cxnSp>
-        <p:nvCxnSpPr>
-          <p:cNvPr id="143" name="Straight Arrow Connector 142"/>
-          <p:cNvCxnSpPr>
-            <a:endCxn id="84" idx="6"/>
-          </p:cNvCxnSpPr>
-          <p:nvPr/>
-        </p:nvCxnSpPr>
-        <p:spPr>
-          <a:xfrm flipH="1">
-            <a:off x="8257156" y="7334980"/>
-            <a:ext cx="419694" cy="0"/>
-          </a:xfrm>
-          <a:prstGeom prst="straightConnector1">
-            <a:avLst/>
-          </a:prstGeom>
-          <a:ln>
-            <a:tailEnd type="triangle"/>
-          </a:ln>
-        </p:spPr>
-        <p:style>
-          <a:lnRef idx="2">
-            <a:schemeClr val="dk1"/>
-          </a:lnRef>
-          <a:fillRef idx="0">
-            <a:schemeClr val="dk1"/>
-          </a:fillRef>
-          <a:effectRef idx="1">
-            <a:schemeClr val="dk1"/>
-          </a:effectRef>
-          <a:fontRef idx="minor">
-            <a:schemeClr val="tx1"/>
-          </a:fontRef>
-        </p:style>
-      </p:cxnSp>
-      <p:cxnSp>
-        <p:nvCxnSpPr>
-          <p:cNvPr id="270" name="Straight Arrow Connector 269"/>
-          <p:cNvCxnSpPr>
-            <a:stCxn id="130" idx="3"/>
-            <a:endCxn id="84" idx="2"/>
-          </p:cNvCxnSpPr>
-          <p:nvPr/>
-        </p:nvCxnSpPr>
-        <p:spPr>
-          <a:xfrm>
-            <a:off x="3486731" y="7327360"/>
-            <a:ext cx="3056584" cy="7620"/>
-          </a:xfrm>
-          <a:prstGeom prst="straightConnector1">
-            <a:avLst/>
-          </a:prstGeom>
-          <a:ln>
-            <a:tailEnd type="triangle"/>
-          </a:ln>
-        </p:spPr>
-        <p:style>
-          <a:lnRef idx="2">
-            <a:schemeClr val="dk1"/>
-          </a:lnRef>
-          <a:fillRef idx="0">
-            <a:schemeClr val="dk1"/>
-          </a:fillRef>
-          <a:effectRef idx="1">
-            <a:schemeClr val="dk1"/>
-          </a:effectRef>
-          <a:fontRef idx="minor">
-            <a:schemeClr val="tx1"/>
-          </a:fontRef>
-        </p:style>
-      </p:cxnSp>
-      <p:cxnSp>
-        <p:nvCxnSpPr>
-          <p:cNvPr id="273" name="Straight Arrow Connector 272"/>
-          <p:cNvCxnSpPr>
-            <a:stCxn id="135" idx="2"/>
-            <a:endCxn id="84" idx="0"/>
-          </p:cNvCxnSpPr>
-          <p:nvPr/>
-        </p:nvCxnSpPr>
-        <p:spPr>
-          <a:xfrm>
-            <a:off x="7382253" y="3892764"/>
-            <a:ext cx="17983" cy="3129610"/>
-          </a:xfrm>
-          <a:prstGeom prst="straightConnector1">
-            <a:avLst/>
-          </a:prstGeom>
-          <a:ln>
-            <a:tailEnd type="triangle"/>
-          </a:ln>
-        </p:spPr>
-        <p:style>
-          <a:lnRef idx="2">
-            <a:schemeClr val="dk1"/>
-          </a:lnRef>
-          <a:fillRef idx="0">
-            <a:schemeClr val="dk1"/>
-          </a:fillRef>
-          <a:effectRef idx="1">
-            <a:schemeClr val="dk1"/>
-          </a:effectRef>
-          <a:fontRef idx="minor">
-            <a:schemeClr val="tx1"/>
-          </a:fontRef>
-        </p:style>
-      </p:cxnSp>
-      <p:cxnSp>
-        <p:nvCxnSpPr>
-          <p:cNvPr id="48" name="Straight Arrow Connector 47"/>
-          <p:cNvCxnSpPr>
-            <a:stCxn id="352" idx="3"/>
-          </p:cNvCxnSpPr>
-          <p:nvPr/>
-        </p:nvCxnSpPr>
-        <p:spPr>
-          <a:xfrm>
-            <a:off x="1408604" y="1388099"/>
-            <a:ext cx="1045589" cy="16932"/>
-          </a:xfrm>
-          <a:prstGeom prst="straightConnector1">
-            <a:avLst/>
-          </a:prstGeom>
-          <a:ln>
-            <a:prstDash val="solid"/>
-            <a:tailEnd type="triangle"/>
-          </a:ln>
-        </p:spPr>
-        <p:style>
-          <a:lnRef idx="2">
-            <a:schemeClr val="dk1"/>
-          </a:lnRef>
-          <a:fillRef idx="0">
-            <a:schemeClr val="dk1"/>
-          </a:fillRef>
-          <a:effectRef idx="1">
-            <a:schemeClr val="dk1"/>
-          </a:effectRef>
-          <a:fontRef idx="minor">
-            <a:schemeClr val="tx1"/>
-          </a:fontRef>
-        </p:style>
-      </p:cxnSp>
       <p:grpSp>
         <p:nvGrpSpPr>
-          <p:cNvPr id="453" name="Group 452"/>
+          <p:cNvPr id="49" name="Group 48"/>
           <p:cNvGrpSpPr/>
           <p:nvPr/>
         </p:nvGrpSpPr>
         <p:grpSpPr>
           <a:xfrm>
-            <a:off x="93690" y="865517"/>
-            <a:ext cx="1314914" cy="1045163"/>
-            <a:chOff x="329616" y="1248902"/>
-            <a:chExt cx="1314914" cy="1045163"/>
+            <a:off x="-433831" y="758057"/>
+            <a:ext cx="10428594" cy="6889529"/>
+            <a:chOff x="-433831" y="758057"/>
+            <a:chExt cx="10428594" cy="6889529"/>
           </a:xfrm>
         </p:grpSpPr>
         <p:sp>
           <p:nvSpPr>
-            <p:cNvPr id="352" name="Rectangle 351"/>
+            <p:cNvPr id="84" name="Oval 83"/>
             <p:cNvSpPr/>
             <p:nvPr/>
           </p:nvSpPr>
           <p:spPr>
             <a:xfrm>
-              <a:off x="329616" y="1248902"/>
-              <a:ext cx="1314914" cy="1045163"/>
+              <a:off x="6543315" y="7022374"/>
+              <a:ext cx="1713842" cy="625212"/>
+            </a:xfrm>
+            <a:prstGeom prst="ellipse">
+              <a:avLst/>
+            </a:prstGeom>
+            <a:ln w="19050"/>
+          </p:spPr>
+          <p:style>
+            <a:lnRef idx="2">
+              <a:schemeClr val="dk1"/>
+            </a:lnRef>
+            <a:fillRef idx="1">
+              <a:schemeClr val="lt1"/>
+            </a:fillRef>
+            <a:effectRef idx="0">
+              <a:schemeClr val="dk1"/>
+            </a:effectRef>
+            <a:fontRef idx="minor">
+              <a:schemeClr val="dk1"/>
+            </a:fontRef>
+          </p:style>
+          <p:txBody>
+            <a:bodyPr rtlCol="0" anchor="t" anchorCtr="0"/>
+            <a:lstStyle/>
+            <a:p>
+              <a:pPr algn="ctr"/>
+              <a:r>
+                <a:rPr lang="en-US" sz="1235" b="1" smtClean="0"/>
+                <a:t>Net </a:t>
+              </a:r>
+              <a:r>
+                <a:rPr lang="en-US" sz="1235" b="1" dirty="0"/>
+                <a:t>Present</a:t>
+              </a:r>
+            </a:p>
+            <a:p>
+              <a:pPr algn="ctr"/>
+              <a:r>
+                <a:rPr lang="en-US" sz="1235" b="1" dirty="0"/>
+                <a:t>Value </a:t>
+              </a:r>
+            </a:p>
+            <a:p>
+              <a:pPr algn="ctr"/>
+              <a:r>
+                <a:rPr lang="en-US" sz="1235" b="1" dirty="0"/>
+                <a:t> </a:t>
+              </a:r>
+            </a:p>
+          </p:txBody>
+        </p:sp>
+        <p:sp>
+          <p:nvSpPr>
+            <p:cNvPr id="119" name="Rectangle 118"/>
+            <p:cNvSpPr/>
+            <p:nvPr/>
+          </p:nvSpPr>
+          <p:spPr>
+            <a:xfrm>
+              <a:off x="8688352" y="7184757"/>
+              <a:ext cx="1167451" cy="285206"/>
             </a:xfrm>
             <a:prstGeom prst="rect">
               <a:avLst/>
             </a:prstGeom>
           </p:spPr>
           <p:style>
-            <a:lnRef idx="2">
-              <a:schemeClr val="accent3">
-                <a:shade val="50000"/>
-              </a:schemeClr>
+            <a:lnRef idx="1">
+              <a:schemeClr val="accent3"/>
             </a:lnRef>
-            <a:fillRef idx="1">
+            <a:fillRef idx="2">
               <a:schemeClr val="accent3"/>
             </a:fillRef>
-            <a:effectRef idx="0">
+            <a:effectRef idx="1">
               <a:schemeClr val="accent3"/>
             </a:effectRef>
             <a:fontRef idx="minor">
-              <a:schemeClr val="lt1"/>
+              <a:schemeClr val="dk1"/>
             </a:fontRef>
           </p:style>
           <p:txBody>
-            <a:bodyPr rtlCol="0" anchor="ctr"/>
+            <a:bodyPr rtlCol="0" anchor="t" anchorCtr="0"/>
             <a:lstStyle/>
             <a:p>
               <a:pPr algn="ctr"/>
-              <a:endParaRPr lang="en-US"/>
+              <a:r>
+                <a:rPr lang="en-US" sz="1235" dirty="0">
+                  <a:solidFill>
+                    <a:schemeClr val="tx1"/>
+                  </a:solidFill>
+                </a:rPr>
+                <a:t>Discount rate</a:t>
+              </a:r>
             </a:p>
           </p:txBody>
         </p:sp>
+        <p:cxnSp>
+          <p:nvCxnSpPr>
+            <p:cNvPr id="143" name="Straight Arrow Connector 142"/>
+            <p:cNvCxnSpPr>
+              <a:endCxn id="84" idx="6"/>
+            </p:cNvCxnSpPr>
+            <p:nvPr/>
+          </p:nvCxnSpPr>
+          <p:spPr>
+            <a:xfrm flipH="1">
+              <a:off x="8257156" y="7334980"/>
+              <a:ext cx="419694" cy="0"/>
+            </a:xfrm>
+            <a:prstGeom prst="straightConnector1">
+              <a:avLst/>
+            </a:prstGeom>
+            <a:ln>
+              <a:tailEnd type="triangle"/>
+            </a:ln>
+          </p:spPr>
+          <p:style>
+            <a:lnRef idx="2">
+              <a:schemeClr val="dk1"/>
+            </a:lnRef>
+            <a:fillRef idx="0">
+              <a:schemeClr val="dk1"/>
+            </a:fillRef>
+            <a:effectRef idx="1">
+              <a:schemeClr val="dk1"/>
+            </a:effectRef>
+            <a:fontRef idx="minor">
+              <a:schemeClr val="tx1"/>
+            </a:fontRef>
+          </p:style>
+        </p:cxnSp>
+        <p:cxnSp>
+          <p:nvCxnSpPr>
+            <p:cNvPr id="270" name="Straight Arrow Connector 269"/>
+            <p:cNvCxnSpPr>
+              <a:stCxn id="130" idx="3"/>
+              <a:endCxn id="84" idx="2"/>
+            </p:cNvCxnSpPr>
+            <p:nvPr/>
+          </p:nvCxnSpPr>
+          <p:spPr>
+            <a:xfrm>
+              <a:off x="3486731" y="7327360"/>
+              <a:ext cx="3056584" cy="7620"/>
+            </a:xfrm>
+            <a:prstGeom prst="straightConnector1">
+              <a:avLst/>
+            </a:prstGeom>
+            <a:ln>
+              <a:tailEnd type="triangle"/>
+            </a:ln>
+          </p:spPr>
+          <p:style>
+            <a:lnRef idx="2">
+              <a:schemeClr val="dk1"/>
+            </a:lnRef>
+            <a:fillRef idx="0">
+              <a:schemeClr val="dk1"/>
+            </a:fillRef>
+            <a:effectRef idx="1">
+              <a:schemeClr val="dk1"/>
+            </a:effectRef>
+            <a:fontRef idx="minor">
+              <a:schemeClr val="tx1"/>
+            </a:fontRef>
+          </p:style>
+        </p:cxnSp>
+        <p:cxnSp>
+          <p:nvCxnSpPr>
+            <p:cNvPr id="273" name="Straight Arrow Connector 272"/>
+            <p:cNvCxnSpPr>
+              <a:stCxn id="135" idx="2"/>
+              <a:endCxn id="84" idx="0"/>
+            </p:cNvCxnSpPr>
+            <p:nvPr/>
+          </p:nvCxnSpPr>
+          <p:spPr>
+            <a:xfrm>
+              <a:off x="7382253" y="3892764"/>
+              <a:ext cx="17983" cy="3129610"/>
+            </a:xfrm>
+            <a:prstGeom prst="straightConnector1">
+              <a:avLst/>
+            </a:prstGeom>
+            <a:ln>
+              <a:tailEnd type="triangle"/>
+            </a:ln>
+          </p:spPr>
+          <p:style>
+            <a:lnRef idx="2">
+              <a:schemeClr val="dk1"/>
+            </a:lnRef>
+            <a:fillRef idx="0">
+              <a:schemeClr val="dk1"/>
+            </a:fillRef>
+            <a:effectRef idx="1">
+              <a:schemeClr val="dk1"/>
+            </a:effectRef>
+            <a:fontRef idx="minor">
+              <a:schemeClr val="tx1"/>
+            </a:fontRef>
+          </p:style>
+        </p:cxnSp>
+        <p:cxnSp>
+          <p:nvCxnSpPr>
+            <p:cNvPr id="48" name="Straight Arrow Connector 47"/>
+            <p:cNvCxnSpPr>
+              <a:stCxn id="352" idx="3"/>
+            </p:cNvCxnSpPr>
+            <p:nvPr/>
+          </p:nvCxnSpPr>
+          <p:spPr>
+            <a:xfrm>
+              <a:off x="1408604" y="1388099"/>
+              <a:ext cx="1045589" cy="16932"/>
+            </a:xfrm>
+            <a:prstGeom prst="straightConnector1">
+              <a:avLst/>
+            </a:prstGeom>
+            <a:ln>
+              <a:prstDash val="solid"/>
+              <a:tailEnd type="triangle"/>
+            </a:ln>
+          </p:spPr>
+          <p:style>
+            <a:lnRef idx="2">
+              <a:schemeClr val="dk1"/>
+            </a:lnRef>
+            <a:fillRef idx="0">
+              <a:schemeClr val="dk1"/>
+            </a:fillRef>
+            <a:effectRef idx="1">
+              <a:schemeClr val="dk1"/>
+            </a:effectRef>
+            <a:fontRef idx="minor">
+              <a:schemeClr val="tx1"/>
+            </a:fontRef>
+          </p:style>
+        </p:cxnSp>
+        <p:grpSp>
+          <p:nvGrpSpPr>
+            <p:cNvPr id="453" name="Group 452"/>
+            <p:cNvGrpSpPr/>
+            <p:nvPr/>
+          </p:nvGrpSpPr>
+          <p:grpSpPr>
+            <a:xfrm>
+              <a:off x="93690" y="865517"/>
+              <a:ext cx="1314914" cy="1045163"/>
+              <a:chOff x="329616" y="1248902"/>
+              <a:chExt cx="1314914" cy="1045163"/>
+            </a:xfrm>
+          </p:grpSpPr>
+          <p:sp>
+            <p:nvSpPr>
+              <p:cNvPr id="352" name="Rectangle 351"/>
+              <p:cNvSpPr/>
+              <p:nvPr/>
+            </p:nvSpPr>
+            <p:spPr>
+              <a:xfrm>
+                <a:off x="329616" y="1248902"/>
+                <a:ext cx="1314914" cy="1045163"/>
+              </a:xfrm>
+              <a:prstGeom prst="rect">
+                <a:avLst/>
+              </a:prstGeom>
+            </p:spPr>
+            <p:style>
+              <a:lnRef idx="2">
+                <a:schemeClr val="accent3">
+                  <a:shade val="50000"/>
+                </a:schemeClr>
+              </a:lnRef>
+              <a:fillRef idx="1">
+                <a:schemeClr val="accent3"/>
+              </a:fillRef>
+              <a:effectRef idx="0">
+                <a:schemeClr val="accent3"/>
+              </a:effectRef>
+              <a:fontRef idx="minor">
+                <a:schemeClr val="lt1"/>
+              </a:fontRef>
+            </p:style>
+            <p:txBody>
+              <a:bodyPr rtlCol="0" anchor="t" anchorCtr="0"/>
+              <a:lstStyle/>
+              <a:p>
+                <a:pPr algn="ctr"/>
+                <a:endParaRPr lang="en-US"/>
+              </a:p>
+            </p:txBody>
+          </p:sp>
+          <p:sp>
+            <p:nvSpPr>
+              <p:cNvPr id="44" name="TextBox 43"/>
+              <p:cNvSpPr txBox="1"/>
+              <p:nvPr/>
+            </p:nvSpPr>
+            <p:spPr>
+              <a:xfrm>
+                <a:off x="369873" y="1301301"/>
+                <a:ext cx="1234685" cy="461665"/>
+              </a:xfrm>
+              <a:prstGeom prst="rect">
+                <a:avLst/>
+              </a:prstGeom>
+              <a:solidFill>
+                <a:schemeClr val="accent3">
+                  <a:lumMod val="60000"/>
+                  <a:lumOff val="40000"/>
+                </a:schemeClr>
+              </a:solidFill>
+              <a:ln>
+                <a:solidFill>
+                  <a:schemeClr val="tx1"/>
+                </a:solidFill>
+              </a:ln>
+            </p:spPr>
+            <p:txBody>
+              <a:bodyPr wrap="square" rtlCol="0" anchor="t" anchorCtr="0">
+                <a:spAutoFit/>
+              </a:bodyPr>
+              <a:lstStyle/>
+              <a:p>
+                <a:pPr algn="ctr"/>
+                <a:r>
+                  <a:rPr lang="en-US" sz="1200"/>
+                  <a:t>Forecast inaccuracy risk</a:t>
+                </a:r>
+                <a:endParaRPr lang="en-US" sz="1200" dirty="0"/>
+              </a:p>
+            </p:txBody>
+          </p:sp>
+          <p:sp>
+            <p:nvSpPr>
+              <p:cNvPr id="351" name="TextBox 350"/>
+              <p:cNvSpPr txBox="1"/>
+              <p:nvPr/>
+            </p:nvSpPr>
+            <p:spPr>
+              <a:xfrm>
+                <a:off x="369872" y="1799793"/>
+                <a:ext cx="1234685" cy="461665"/>
+              </a:xfrm>
+              <a:prstGeom prst="rect">
+                <a:avLst/>
+              </a:prstGeom>
+              <a:solidFill>
+                <a:schemeClr val="accent3">
+                  <a:lumMod val="60000"/>
+                  <a:lumOff val="40000"/>
+                </a:schemeClr>
+              </a:solidFill>
+              <a:ln>
+                <a:solidFill>
+                  <a:schemeClr val="tx1"/>
+                </a:solidFill>
+              </a:ln>
+            </p:spPr>
+            <p:txBody>
+              <a:bodyPr wrap="square" rtlCol="0" anchor="t" anchorCtr="0">
+                <a:spAutoFit/>
+              </a:bodyPr>
+              <a:lstStyle/>
+              <a:p>
+                <a:pPr algn="ctr"/>
+                <a:r>
+                  <a:rPr lang="en-US" sz="1200" dirty="0"/>
+                  <a:t>Low </a:t>
+                </a:r>
+                <a:r>
+                  <a:rPr lang="en-US" sz="1200"/>
+                  <a:t>effective adoption risk</a:t>
+                </a:r>
+                <a:endParaRPr lang="en-US" sz="1200" dirty="0"/>
+              </a:p>
+            </p:txBody>
+          </p:sp>
+        </p:grpSp>
         <p:sp>
           <p:nvSpPr>
-            <p:cNvPr id="44" name="TextBox 43"/>
+            <p:cNvPr id="2" name="TextBox 1"/>
             <p:cNvSpPr txBox="1"/>
             <p:nvPr/>
           </p:nvSpPr>
           <p:spPr>
             <a:xfrm>
-              <a:off x="369873" y="1301301"/>
-              <a:ext cx="1234685" cy="445378"/>
+              <a:off x="4297380" y="758057"/>
+              <a:ext cx="1234685" cy="621902"/>
+            </a:xfrm>
+            <a:prstGeom prst="rect">
+              <a:avLst/>
+            </a:prstGeom>
+            <a:noFill/>
+            <a:ln w="19050">
+              <a:solidFill>
+                <a:schemeClr val="tx1"/>
+              </a:solidFill>
+            </a:ln>
+            <a:effectLst>
+              <a:glow rad="63500">
+                <a:schemeClr val="accent3">
+                  <a:satMod val="175000"/>
+                  <a:alpha val="40000"/>
+                </a:schemeClr>
+              </a:glow>
+              <a:outerShdw blurRad="63500" sx="102000" sy="102000" algn="ctr" rotWithShape="0">
+                <a:prstClr val="black">
+                  <a:alpha val="40000"/>
+                </a:prstClr>
+              </a:outerShdw>
+            </a:effectLst>
+          </p:spPr>
+          <p:txBody>
+            <a:bodyPr wrap="square" rtlCol="0" anchor="t" anchorCtr="0">
+              <a:spAutoFit/>
+            </a:bodyPr>
+            <a:lstStyle/>
+            <a:p>
+              <a:pPr algn="ctr"/>
+              <a:r>
+                <a:rPr lang="en-US" sz="1147" b="1"/>
+                <a:t>Agro-climate </a:t>
+              </a:r>
+              <a:r>
+                <a:rPr lang="en-US" sz="1147" b="1" smtClean="0"/>
+                <a:t>service</a:t>
+              </a:r>
+              <a:endParaRPr lang="en-US" sz="1147" b="1" dirty="0"/>
+            </a:p>
+            <a:p>
+              <a:pPr algn="ctr"/>
+              <a:r>
+                <a:rPr lang="en-US" sz="1147" b="1" dirty="0"/>
+                <a:t>i</a:t>
+              </a:r>
+              <a:r>
+                <a:rPr lang="en-US" sz="1147" b="1" smtClean="0"/>
+                <a:t>mplementation</a:t>
+              </a:r>
+              <a:endParaRPr lang="en-US" sz="1147" b="1" dirty="0"/>
+            </a:p>
+          </p:txBody>
+        </p:sp>
+        <p:cxnSp>
+          <p:nvCxnSpPr>
+            <p:cNvPr id="4" name="Straight Arrow Connector 3"/>
+            <p:cNvCxnSpPr/>
+            <p:nvPr/>
+          </p:nvCxnSpPr>
+          <p:spPr>
+            <a:xfrm flipV="1">
+              <a:off x="5532065" y="1063570"/>
+              <a:ext cx="1210235" cy="3"/>
+            </a:xfrm>
+            <a:prstGeom prst="straightConnector1">
+              <a:avLst/>
+            </a:prstGeom>
+            <a:ln>
+              <a:tailEnd type="triangle"/>
+            </a:ln>
+          </p:spPr>
+          <p:style>
+            <a:lnRef idx="2">
+              <a:schemeClr val="dk1"/>
+            </a:lnRef>
+            <a:fillRef idx="0">
+              <a:schemeClr val="dk1"/>
+            </a:fillRef>
+            <a:effectRef idx="1">
+              <a:schemeClr val="dk1"/>
+            </a:effectRef>
+            <a:fontRef idx="minor">
+              <a:schemeClr val="tx1"/>
+            </a:fontRef>
+          </p:style>
+        </p:cxnSp>
+        <p:sp>
+          <p:nvSpPr>
+            <p:cNvPr id="6" name="TextBox 5"/>
+            <p:cNvSpPr txBox="1"/>
+            <p:nvPr/>
+          </p:nvSpPr>
+          <p:spPr>
+            <a:xfrm>
+              <a:off x="6742299" y="879613"/>
+              <a:ext cx="1234685" cy="461665"/>
             </a:xfrm>
             <a:prstGeom prst="rect">
               <a:avLst/>
             </a:prstGeom>
             <a:solidFill>
-              <a:schemeClr val="accent3">
+              <a:schemeClr val="accent4">
                 <a:lumMod val="60000"/>
                 <a:lumOff val="40000"/>
               </a:schemeClr>
@@ -3781,36 +3982,133 @@
             </a:ln>
           </p:spPr>
           <p:txBody>
-            <a:bodyPr wrap="square" rtlCol="0">
+            <a:bodyPr wrap="square" rtlCol="0" anchor="t" anchorCtr="0">
               <a:spAutoFit/>
             </a:bodyPr>
             <a:lstStyle/>
             <a:p>
               <a:pPr algn="ctr"/>
               <a:r>
-                <a:rPr lang="en-US" sz="1147" smtClean="0"/>
-                <a:t>Forecast inaccuracy risk</a:t>
-              </a:r>
-              <a:endParaRPr lang="en-US" sz="1147" dirty="0"/>
+                <a:rPr lang="en-US" sz="1200" dirty="0"/>
+                <a:t>Costs of interventions</a:t>
+              </a:r>
             </a:p>
           </p:txBody>
         </p:sp>
+        <p:cxnSp>
+          <p:nvCxnSpPr>
+            <p:cNvPr id="18" name="Straight Arrow Connector 17"/>
+            <p:cNvCxnSpPr>
+              <a:stCxn id="6" idx="2"/>
+            </p:cNvCxnSpPr>
+            <p:nvPr/>
+          </p:nvCxnSpPr>
+          <p:spPr>
+            <a:xfrm>
+              <a:off x="7359642" y="1341278"/>
+              <a:ext cx="1" cy="623639"/>
+            </a:xfrm>
+            <a:prstGeom prst="straightConnector1">
+              <a:avLst/>
+            </a:prstGeom>
+            <a:ln>
+              <a:tailEnd type="triangle"/>
+            </a:ln>
+          </p:spPr>
+          <p:style>
+            <a:lnRef idx="2">
+              <a:schemeClr val="dk1"/>
+            </a:lnRef>
+            <a:fillRef idx="0">
+              <a:schemeClr val="dk1"/>
+            </a:fillRef>
+            <a:effectRef idx="1">
+              <a:schemeClr val="dk1"/>
+            </a:effectRef>
+            <a:fontRef idx="minor">
+              <a:schemeClr val="tx1"/>
+            </a:fontRef>
+          </p:style>
+        </p:cxnSp>
+        <p:cxnSp>
+          <p:nvCxnSpPr>
+            <p:cNvPr id="20" name="Straight Connector 19"/>
+            <p:cNvCxnSpPr/>
+            <p:nvPr/>
+          </p:nvCxnSpPr>
+          <p:spPr>
+            <a:xfrm>
+              <a:off x="5050766" y="1971650"/>
+              <a:ext cx="4455015" cy="5535"/>
+            </a:xfrm>
+            <a:prstGeom prst="line">
+              <a:avLst/>
+            </a:prstGeom>
+          </p:spPr>
+          <p:style>
+            <a:lnRef idx="2">
+              <a:schemeClr val="dk1"/>
+            </a:lnRef>
+            <a:fillRef idx="0">
+              <a:schemeClr val="dk1"/>
+            </a:fillRef>
+            <a:effectRef idx="1">
+              <a:schemeClr val="dk1"/>
+            </a:effectRef>
+            <a:fontRef idx="minor">
+              <a:schemeClr val="tx1"/>
+            </a:fontRef>
+          </p:style>
+        </p:cxnSp>
+        <p:cxnSp>
+          <p:nvCxnSpPr>
+            <p:cNvPr id="23" name="Straight Arrow Connector 22"/>
+            <p:cNvCxnSpPr/>
+            <p:nvPr/>
+          </p:nvCxnSpPr>
+          <p:spPr>
+            <a:xfrm>
+              <a:off x="5050765" y="1964472"/>
+              <a:ext cx="0" cy="417957"/>
+            </a:xfrm>
+            <a:prstGeom prst="straightConnector1">
+              <a:avLst/>
+            </a:prstGeom>
+            <a:ln>
+              <a:tailEnd type="triangle"/>
+            </a:ln>
+          </p:spPr>
+          <p:style>
+            <a:lnRef idx="2">
+              <a:schemeClr val="dk1"/>
+            </a:lnRef>
+            <a:fillRef idx="0">
+              <a:schemeClr val="dk1"/>
+            </a:fillRef>
+            <a:effectRef idx="1">
+              <a:schemeClr val="dk1"/>
+            </a:effectRef>
+            <a:fontRef idx="minor">
+              <a:schemeClr val="tx1"/>
+            </a:fontRef>
+          </p:style>
+        </p:cxnSp>
         <p:sp>
           <p:nvSpPr>
-            <p:cNvPr id="351" name="TextBox 350"/>
+            <p:cNvPr id="32" name="TextBox 31"/>
             <p:cNvSpPr txBox="1"/>
             <p:nvPr/>
           </p:nvSpPr>
           <p:spPr>
             <a:xfrm>
-              <a:off x="369872" y="1799793"/>
-              <a:ext cx="1234685" cy="445378"/>
+              <a:off x="4504030" y="2389309"/>
+              <a:ext cx="1093470" cy="646331"/>
             </a:xfrm>
             <a:prstGeom prst="rect">
               <a:avLst/>
             </a:prstGeom>
             <a:solidFill>
-              <a:schemeClr val="accent3">
+              <a:schemeClr val="accent4">
                 <a:lumMod val="60000"/>
                 <a:lumOff val="40000"/>
               </a:schemeClr>
@@ -3822,2024 +4120,1705 @@
             </a:ln>
           </p:spPr>
           <p:txBody>
-            <a:bodyPr wrap="square" rtlCol="0">
+            <a:bodyPr wrap="square" rtlCol="0" anchor="t" anchorCtr="0">
               <a:spAutoFit/>
             </a:bodyPr>
             <a:lstStyle/>
             <a:p>
               <a:pPr algn="ctr"/>
               <a:r>
-                <a:rPr lang="en-US" sz="1147" dirty="0" smtClean="0"/>
-                <a:t>Low </a:t>
-              </a:r>
-              <a:r>
-                <a:rPr lang="en-US" sz="1147" smtClean="0"/>
-                <a:t>effective adoption risk</a:t>
+                <a:rPr lang="en-US" sz="1200"/>
+                <a:t>Hydro-met </a:t>
+              </a:r>
+              <a:r>
+                <a:rPr lang="en-US" sz="1200" smtClean="0"/>
+                <a:t>stations and</a:t>
+              </a:r>
+              <a:endParaRPr lang="en-US" sz="1200" dirty="0"/>
+            </a:p>
+            <a:p>
+              <a:pPr algn="ctr"/>
+              <a:r>
+                <a:rPr lang="en-US" sz="1200" dirty="0"/>
+                <a:t>f</a:t>
+              </a:r>
+              <a:r>
+                <a:rPr lang="en-US" sz="1200"/>
+                <a:t>orecasts</a:t>
+              </a:r>
+              <a:endParaRPr lang="en-US" sz="1200" dirty="0"/>
+            </a:p>
+          </p:txBody>
+        </p:sp>
+        <p:sp>
+          <p:nvSpPr>
+            <p:cNvPr id="34" name="TextBox 33"/>
+            <p:cNvSpPr txBox="1"/>
+            <p:nvPr/>
+          </p:nvSpPr>
+          <p:spPr>
+            <a:xfrm>
+              <a:off x="5639399" y="2389309"/>
+              <a:ext cx="1112438" cy="646331"/>
+            </a:xfrm>
+            <a:prstGeom prst="rect">
+              <a:avLst/>
+            </a:prstGeom>
+            <a:solidFill>
+              <a:schemeClr val="accent4">
+                <a:lumMod val="60000"/>
+                <a:lumOff val="40000"/>
+              </a:schemeClr>
+            </a:solidFill>
+            <a:ln>
+              <a:solidFill>
+                <a:schemeClr val="tx1"/>
+              </a:solidFill>
+            </a:ln>
+          </p:spPr>
+          <p:txBody>
+            <a:bodyPr wrap="square" rtlCol="0" anchor="t" anchorCtr="0">
+              <a:spAutoFit/>
+            </a:bodyPr>
+            <a:lstStyle/>
+            <a:p>
+              <a:pPr algn="ctr"/>
+              <a:r>
+                <a:rPr lang="en-US" sz="1200"/>
+                <a:t>Translation of forecasts into agro-advice</a:t>
+              </a:r>
+              <a:endParaRPr lang="en-US" sz="1200" dirty="0"/>
+            </a:p>
+          </p:txBody>
+        </p:sp>
+        <p:sp>
+          <p:nvSpPr>
+            <p:cNvPr id="35" name="TextBox 34"/>
+            <p:cNvSpPr txBox="1"/>
+            <p:nvPr/>
+          </p:nvSpPr>
+          <p:spPr>
+            <a:xfrm>
+              <a:off x="6793736" y="2389309"/>
+              <a:ext cx="1161297" cy="646331"/>
+            </a:xfrm>
+            <a:prstGeom prst="rect">
+              <a:avLst/>
+            </a:prstGeom>
+            <a:solidFill>
+              <a:schemeClr val="accent4">
+                <a:lumMod val="60000"/>
+                <a:lumOff val="40000"/>
+              </a:schemeClr>
+            </a:solidFill>
+            <a:ln>
+              <a:solidFill>
+                <a:schemeClr val="tx1"/>
+              </a:solidFill>
+            </a:ln>
+          </p:spPr>
+          <p:txBody>
+            <a:bodyPr wrap="square" rtlCol="0" anchor="t" anchorCtr="0">
+              <a:spAutoFit/>
+            </a:bodyPr>
+            <a:lstStyle/>
+            <a:p>
+              <a:pPr algn="ctr"/>
+              <a:r>
+                <a:rPr lang="en-US" sz="1200"/>
+                <a:t>Dissemination via SMS/paper/</a:t>
+              </a:r>
+            </a:p>
+            <a:p>
+              <a:pPr algn="ctr"/>
+              <a:r>
+                <a:rPr lang="en-US" sz="1200" smtClean="0"/>
+                <a:t>loudspeaker</a:t>
+              </a:r>
+              <a:endParaRPr lang="en-US" sz="1200" dirty="0"/>
+            </a:p>
+          </p:txBody>
+        </p:sp>
+        <p:sp>
+          <p:nvSpPr>
+            <p:cNvPr id="36" name="TextBox 35"/>
+            <p:cNvSpPr txBox="1"/>
+            <p:nvPr/>
+          </p:nvSpPr>
+          <p:spPr>
+            <a:xfrm>
+              <a:off x="7996933" y="2389309"/>
+              <a:ext cx="977965" cy="646331"/>
+            </a:xfrm>
+            <a:prstGeom prst="rect">
+              <a:avLst/>
+            </a:prstGeom>
+            <a:solidFill>
+              <a:schemeClr val="accent4">
+                <a:lumMod val="60000"/>
+                <a:lumOff val="40000"/>
+              </a:schemeClr>
+            </a:solidFill>
+            <a:ln>
+              <a:solidFill>
+                <a:schemeClr val="tx1"/>
+              </a:solidFill>
+            </a:ln>
+          </p:spPr>
+          <p:txBody>
+            <a:bodyPr wrap="square" rtlCol="0" anchor="t" anchorCtr="0">
+              <a:spAutoFit/>
+            </a:bodyPr>
+            <a:lstStyle/>
+            <a:p>
+              <a:pPr algn="ctr"/>
+              <a:r>
+                <a:rPr lang="en-US" sz="1200" smtClean="0"/>
+                <a:t>Use of information and advice</a:t>
               </a:r>
               <a:endParaRPr lang="en-US" sz="1147" dirty="0"/>
             </a:p>
           </p:txBody>
         </p:sp>
-      </p:grpSp>
-      <p:sp>
-        <p:nvSpPr>
-          <p:cNvPr id="2" name="TextBox 1"/>
-          <p:cNvSpPr txBox="1"/>
-          <p:nvPr/>
-        </p:nvSpPr>
-        <p:spPr>
-          <a:xfrm>
-            <a:off x="4297380" y="758057"/>
-            <a:ext cx="1234685" cy="621902"/>
-          </a:xfrm>
-          <a:prstGeom prst="rect">
-            <a:avLst/>
-          </a:prstGeom>
-          <a:noFill/>
-          <a:ln w="19050">
+        <p:sp>
+          <p:nvSpPr>
+            <p:cNvPr id="57" name="TextBox 56"/>
+            <p:cNvSpPr txBox="1"/>
+            <p:nvPr/>
+          </p:nvSpPr>
+          <p:spPr>
+            <a:xfrm>
+              <a:off x="9016798" y="2389309"/>
+              <a:ext cx="977965" cy="646331"/>
+            </a:xfrm>
+            <a:prstGeom prst="rect">
+              <a:avLst/>
+            </a:prstGeom>
             <a:solidFill>
+              <a:schemeClr val="accent4">
+                <a:lumMod val="60000"/>
+                <a:lumOff val="40000"/>
+              </a:schemeClr>
+            </a:solidFill>
+            <a:ln>
+              <a:solidFill>
+                <a:schemeClr val="tx1"/>
+              </a:solidFill>
+            </a:ln>
+          </p:spPr>
+          <p:txBody>
+            <a:bodyPr wrap="square" rtlCol="0" anchor="t" anchorCtr="0">
+              <a:spAutoFit/>
+            </a:bodyPr>
+            <a:lstStyle/>
+            <a:p>
+              <a:pPr algn="ctr"/>
+              <a:r>
+                <a:rPr lang="en-US" sz="1200"/>
+                <a:t>Capacity,</a:t>
+              </a:r>
+              <a:endParaRPr lang="en-US" sz="1200" dirty="0"/>
+            </a:p>
+            <a:p>
+              <a:pPr algn="ctr"/>
+              <a:r>
+                <a:rPr lang="en-US" sz="1200"/>
+                <a:t>gender and M&amp;E</a:t>
+              </a:r>
+              <a:endParaRPr lang="en-US" sz="1200" dirty="0"/>
+            </a:p>
+          </p:txBody>
+        </p:sp>
+        <p:cxnSp>
+          <p:nvCxnSpPr>
+            <p:cNvPr id="59" name="Straight Arrow Connector 58"/>
+            <p:cNvCxnSpPr/>
+            <p:nvPr/>
+          </p:nvCxnSpPr>
+          <p:spPr>
+            <a:xfrm>
+              <a:off x="6220916" y="1970966"/>
+              <a:ext cx="0" cy="417957"/>
+            </a:xfrm>
+            <a:prstGeom prst="straightConnector1">
+              <a:avLst/>
+            </a:prstGeom>
+            <a:ln>
+              <a:tailEnd type="triangle"/>
+            </a:ln>
+          </p:spPr>
+          <p:style>
+            <a:lnRef idx="2">
+              <a:schemeClr val="dk1"/>
+            </a:lnRef>
+            <a:fillRef idx="0">
+              <a:schemeClr val="dk1"/>
+            </a:fillRef>
+            <a:effectRef idx="1">
+              <a:schemeClr val="dk1"/>
+            </a:effectRef>
+            <a:fontRef idx="minor">
               <a:schemeClr val="tx1"/>
+            </a:fontRef>
+          </p:style>
+        </p:cxnSp>
+        <p:cxnSp>
+          <p:nvCxnSpPr>
+            <p:cNvPr id="60" name="Straight Arrow Connector 59"/>
+            <p:cNvCxnSpPr/>
+            <p:nvPr/>
+          </p:nvCxnSpPr>
+          <p:spPr>
+            <a:xfrm>
+              <a:off x="7358619" y="1980235"/>
+              <a:ext cx="0" cy="417957"/>
+            </a:xfrm>
+            <a:prstGeom prst="straightConnector1">
+              <a:avLst/>
+            </a:prstGeom>
+            <a:ln>
+              <a:tailEnd type="triangle"/>
+            </a:ln>
+          </p:spPr>
+          <p:style>
+            <a:lnRef idx="2">
+              <a:schemeClr val="dk1"/>
+            </a:lnRef>
+            <a:fillRef idx="0">
+              <a:schemeClr val="dk1"/>
+            </a:fillRef>
+            <a:effectRef idx="1">
+              <a:schemeClr val="dk1"/>
+            </a:effectRef>
+            <a:fontRef idx="minor">
+              <a:schemeClr val="tx1"/>
+            </a:fontRef>
+          </p:style>
+        </p:cxnSp>
+        <p:cxnSp>
+          <p:nvCxnSpPr>
+            <p:cNvPr id="61" name="Straight Arrow Connector 60"/>
+            <p:cNvCxnSpPr>
+              <a:endCxn id="36" idx="0"/>
+            </p:cNvCxnSpPr>
+            <p:nvPr/>
+          </p:nvCxnSpPr>
+          <p:spPr>
+            <a:xfrm>
+              <a:off x="8485915" y="1983918"/>
+              <a:ext cx="1" cy="405391"/>
+            </a:xfrm>
+            <a:prstGeom prst="straightConnector1">
+              <a:avLst/>
+            </a:prstGeom>
+            <a:ln>
+              <a:tailEnd type="triangle"/>
+            </a:ln>
+          </p:spPr>
+          <p:style>
+            <a:lnRef idx="2">
+              <a:schemeClr val="dk1"/>
+            </a:lnRef>
+            <a:fillRef idx="0">
+              <a:schemeClr val="dk1"/>
+            </a:fillRef>
+            <a:effectRef idx="1">
+              <a:schemeClr val="dk1"/>
+            </a:effectRef>
+            <a:fontRef idx="minor">
+              <a:schemeClr val="tx1"/>
+            </a:fontRef>
+          </p:style>
+        </p:cxnSp>
+        <p:cxnSp>
+          <p:nvCxnSpPr>
+            <p:cNvPr id="63" name="Straight Arrow Connector 62"/>
+            <p:cNvCxnSpPr/>
+            <p:nvPr/>
+          </p:nvCxnSpPr>
+          <p:spPr>
+            <a:xfrm>
+              <a:off x="9505780" y="1989277"/>
+              <a:ext cx="0" cy="417957"/>
+            </a:xfrm>
+            <a:prstGeom prst="straightConnector1">
+              <a:avLst/>
+            </a:prstGeom>
+            <a:ln>
+              <a:tailEnd type="triangle"/>
+            </a:ln>
+          </p:spPr>
+          <p:style>
+            <a:lnRef idx="2">
+              <a:schemeClr val="dk1"/>
+            </a:lnRef>
+            <a:fillRef idx="0">
+              <a:schemeClr val="dk1"/>
+            </a:fillRef>
+            <a:effectRef idx="1">
+              <a:schemeClr val="dk1"/>
+            </a:effectRef>
+            <a:fontRef idx="minor">
+              <a:schemeClr val="tx1"/>
+            </a:fontRef>
+          </p:style>
+        </p:cxnSp>
+        <p:cxnSp>
+          <p:nvCxnSpPr>
+            <p:cNvPr id="99" name="Straight Arrow Connector 98"/>
+            <p:cNvCxnSpPr>
+              <a:stCxn id="34" idx="2"/>
+              <a:endCxn id="135" idx="0"/>
+            </p:cNvCxnSpPr>
+            <p:nvPr/>
+          </p:nvCxnSpPr>
+          <p:spPr>
+            <a:xfrm>
+              <a:off x="6195618" y="3035640"/>
+              <a:ext cx="1186635" cy="571918"/>
+            </a:xfrm>
+            <a:prstGeom prst="straightConnector1">
+              <a:avLst/>
+            </a:prstGeom>
+            <a:ln>
+              <a:tailEnd type="triangle"/>
+            </a:ln>
+          </p:spPr>
+          <p:style>
+            <a:lnRef idx="2">
+              <a:schemeClr val="dk1"/>
+            </a:lnRef>
+            <a:fillRef idx="0">
+              <a:schemeClr val="dk1"/>
+            </a:fillRef>
+            <a:effectRef idx="1">
+              <a:schemeClr val="dk1"/>
+            </a:effectRef>
+            <a:fontRef idx="minor">
+              <a:schemeClr val="tx1"/>
+            </a:fontRef>
+          </p:style>
+        </p:cxnSp>
+        <p:cxnSp>
+          <p:nvCxnSpPr>
+            <p:cNvPr id="101" name="Straight Arrow Connector 100"/>
+            <p:cNvCxnSpPr>
+              <a:stCxn id="35" idx="2"/>
+              <a:endCxn id="135" idx="0"/>
+            </p:cNvCxnSpPr>
+            <p:nvPr/>
+          </p:nvCxnSpPr>
+          <p:spPr>
+            <a:xfrm>
+              <a:off x="7374385" y="3035640"/>
+              <a:ext cx="7868" cy="571918"/>
+            </a:xfrm>
+            <a:prstGeom prst="straightConnector1">
+              <a:avLst/>
+            </a:prstGeom>
+            <a:ln>
+              <a:tailEnd type="triangle"/>
+            </a:ln>
+          </p:spPr>
+          <p:style>
+            <a:lnRef idx="2">
+              <a:schemeClr val="dk1"/>
+            </a:lnRef>
+            <a:fillRef idx="0">
+              <a:schemeClr val="dk1"/>
+            </a:fillRef>
+            <a:effectRef idx="1">
+              <a:schemeClr val="dk1"/>
+            </a:effectRef>
+            <a:fontRef idx="minor">
+              <a:schemeClr val="tx1"/>
+            </a:fontRef>
+          </p:style>
+        </p:cxnSp>
+        <p:cxnSp>
+          <p:nvCxnSpPr>
+            <p:cNvPr id="103" name="Straight Arrow Connector 102"/>
+            <p:cNvCxnSpPr>
+              <a:stCxn id="36" idx="2"/>
+              <a:endCxn id="135" idx="0"/>
+            </p:cNvCxnSpPr>
+            <p:nvPr/>
+          </p:nvCxnSpPr>
+          <p:spPr>
+            <a:xfrm flipH="1">
+              <a:off x="7382253" y="3035640"/>
+              <a:ext cx="1103663" cy="571918"/>
+            </a:xfrm>
+            <a:prstGeom prst="straightConnector1">
+              <a:avLst/>
+            </a:prstGeom>
+            <a:ln>
+              <a:tailEnd type="triangle"/>
+            </a:ln>
+          </p:spPr>
+          <p:style>
+            <a:lnRef idx="2">
+              <a:schemeClr val="dk1"/>
+            </a:lnRef>
+            <a:fillRef idx="0">
+              <a:schemeClr val="dk1"/>
+            </a:fillRef>
+            <a:effectRef idx="1">
+              <a:schemeClr val="dk1"/>
+            </a:effectRef>
+            <a:fontRef idx="minor">
+              <a:schemeClr val="tx1"/>
+            </a:fontRef>
+          </p:style>
+        </p:cxnSp>
+        <p:cxnSp>
+          <p:nvCxnSpPr>
+            <p:cNvPr id="71" name="Straight Arrow Connector 70"/>
+            <p:cNvCxnSpPr>
+              <a:stCxn id="57" idx="2"/>
+              <a:endCxn id="135" idx="0"/>
+            </p:cNvCxnSpPr>
+            <p:nvPr/>
+          </p:nvCxnSpPr>
+          <p:spPr>
+            <a:xfrm flipH="1">
+              <a:off x="7382253" y="3035640"/>
+              <a:ext cx="2123528" cy="571918"/>
+            </a:xfrm>
+            <a:prstGeom prst="straightConnector1">
+              <a:avLst/>
+            </a:prstGeom>
+            <a:ln>
+              <a:tailEnd type="triangle"/>
+            </a:ln>
+          </p:spPr>
+          <p:style>
+            <a:lnRef idx="2">
+              <a:schemeClr val="dk1"/>
+            </a:lnRef>
+            <a:fillRef idx="0">
+              <a:schemeClr val="dk1"/>
+            </a:fillRef>
+            <a:effectRef idx="1">
+              <a:schemeClr val="dk1"/>
+            </a:effectRef>
+            <a:fontRef idx="minor">
+              <a:schemeClr val="tx1"/>
+            </a:fontRef>
+          </p:style>
+        </p:cxnSp>
+        <p:sp>
+          <p:nvSpPr>
+            <p:cNvPr id="135" name="Rectangle 134"/>
+            <p:cNvSpPr/>
+            <p:nvPr/>
+          </p:nvSpPr>
+          <p:spPr>
+            <a:xfrm>
+              <a:off x="6798527" y="3607558"/>
+              <a:ext cx="1167451" cy="285206"/>
+            </a:xfrm>
+            <a:prstGeom prst="rect">
+              <a:avLst/>
+            </a:prstGeom>
+            <a:solidFill>
+              <a:schemeClr val="accent4">
+                <a:lumMod val="60000"/>
+                <a:lumOff val="40000"/>
+              </a:schemeClr>
             </a:solidFill>
-          </a:ln>
-          <a:effectLst>
-            <a:glow rad="63500">
-              <a:schemeClr val="accent3">
-                <a:satMod val="175000"/>
-                <a:alpha val="40000"/>
+          </p:spPr>
+          <p:style>
+            <a:lnRef idx="2">
+              <a:schemeClr val="accent1">
+                <a:shade val="50000"/>
               </a:schemeClr>
-            </a:glow>
-            <a:outerShdw blurRad="63500" sx="102000" sy="102000" algn="ctr" rotWithShape="0">
-              <a:prstClr val="black">
-                <a:alpha val="40000"/>
-              </a:prstClr>
-            </a:outerShdw>
-          </a:effectLst>
-        </p:spPr>
-        <p:txBody>
-          <a:bodyPr wrap="square" rtlCol="0">
-            <a:spAutoFit/>
-          </a:bodyPr>
-          <a:lstStyle/>
-          <a:p>
-            <a:pPr algn="ctr"/>
-            <a:r>
-              <a:rPr lang="en-US" sz="1147" b="1"/>
-              <a:t>Agro-climate </a:t>
-            </a:r>
-            <a:r>
-              <a:rPr lang="en-US" sz="1147" b="1" smtClean="0"/>
-              <a:t>service</a:t>
-            </a:r>
-            <a:endParaRPr lang="en-US" sz="1147" b="1" dirty="0"/>
-          </a:p>
-          <a:p>
-            <a:pPr algn="ctr"/>
-            <a:r>
-              <a:rPr lang="en-US" sz="1147" b="1" dirty="0"/>
-              <a:t>i</a:t>
-            </a:r>
-            <a:r>
-              <a:rPr lang="en-US" sz="1147" b="1" smtClean="0"/>
-              <a:t>mplementation</a:t>
-            </a:r>
-            <a:endParaRPr lang="en-US" sz="1147" b="1" dirty="0"/>
-          </a:p>
-        </p:txBody>
-      </p:sp>
-      <p:cxnSp>
-        <p:nvCxnSpPr>
-          <p:cNvPr id="4" name="Straight Arrow Connector 3"/>
-          <p:cNvCxnSpPr/>
-          <p:nvPr/>
-        </p:nvCxnSpPr>
-        <p:spPr>
-          <a:xfrm flipV="1">
-            <a:off x="5532065" y="1063570"/>
-            <a:ext cx="1210235" cy="3"/>
-          </a:xfrm>
-          <a:prstGeom prst="straightConnector1">
-            <a:avLst/>
-          </a:prstGeom>
-          <a:ln>
-            <a:tailEnd type="triangle"/>
-          </a:ln>
-        </p:spPr>
-        <p:style>
-          <a:lnRef idx="2">
-            <a:schemeClr val="dk1"/>
-          </a:lnRef>
-          <a:fillRef idx="0">
-            <a:schemeClr val="dk1"/>
-          </a:fillRef>
-          <a:effectRef idx="1">
-            <a:schemeClr val="dk1"/>
-          </a:effectRef>
-          <a:fontRef idx="minor">
-            <a:schemeClr val="tx1"/>
-          </a:fontRef>
-        </p:style>
-      </p:cxnSp>
-      <p:sp>
-        <p:nvSpPr>
-          <p:cNvPr id="6" name="TextBox 5"/>
-          <p:cNvSpPr txBox="1"/>
-          <p:nvPr/>
-        </p:nvSpPr>
-        <p:spPr>
-          <a:xfrm>
-            <a:off x="6742299" y="879613"/>
-            <a:ext cx="1234685" cy="445378"/>
-          </a:xfrm>
-          <a:prstGeom prst="rect">
-            <a:avLst/>
-          </a:prstGeom>
-          <a:solidFill>
-            <a:schemeClr val="accent4">
-              <a:lumMod val="60000"/>
-              <a:lumOff val="40000"/>
-            </a:schemeClr>
-          </a:solidFill>
-          <a:ln>
-            <a:solidFill>
-              <a:schemeClr val="tx1"/>
-            </a:solidFill>
-          </a:ln>
-        </p:spPr>
-        <p:txBody>
-          <a:bodyPr wrap="square" rtlCol="0">
-            <a:spAutoFit/>
-          </a:bodyPr>
-          <a:lstStyle/>
-          <a:p>
-            <a:pPr algn="ctr"/>
-            <a:r>
-              <a:rPr lang="en-US" sz="1147" dirty="0"/>
-              <a:t>Costs of interventions</a:t>
-            </a:r>
-          </a:p>
-        </p:txBody>
-      </p:sp>
-      <p:cxnSp>
-        <p:nvCxnSpPr>
-          <p:cNvPr id="18" name="Straight Arrow Connector 17"/>
-          <p:cNvCxnSpPr>
-            <a:stCxn id="6" idx="2"/>
-          </p:cNvCxnSpPr>
-          <p:nvPr/>
-        </p:nvCxnSpPr>
-        <p:spPr>
-          <a:xfrm>
-            <a:off x="7359642" y="1324991"/>
-            <a:ext cx="1" cy="639926"/>
-          </a:xfrm>
-          <a:prstGeom prst="straightConnector1">
-            <a:avLst/>
-          </a:prstGeom>
-          <a:ln>
-            <a:tailEnd type="triangle"/>
-          </a:ln>
-        </p:spPr>
-        <p:style>
-          <a:lnRef idx="2">
-            <a:schemeClr val="dk1"/>
-          </a:lnRef>
-          <a:fillRef idx="0">
-            <a:schemeClr val="dk1"/>
-          </a:fillRef>
-          <a:effectRef idx="1">
-            <a:schemeClr val="dk1"/>
-          </a:effectRef>
-          <a:fontRef idx="minor">
-            <a:schemeClr val="tx1"/>
-          </a:fontRef>
-        </p:style>
-      </p:cxnSp>
-      <p:cxnSp>
-        <p:nvCxnSpPr>
-          <p:cNvPr id="20" name="Straight Connector 19"/>
-          <p:cNvCxnSpPr/>
-          <p:nvPr/>
-        </p:nvCxnSpPr>
-        <p:spPr>
-          <a:xfrm>
-            <a:off x="5050766" y="1971650"/>
-            <a:ext cx="4455015" cy="5535"/>
-          </a:xfrm>
-          <a:prstGeom prst="line">
-            <a:avLst/>
-          </a:prstGeom>
-        </p:spPr>
-        <p:style>
-          <a:lnRef idx="2">
-            <a:schemeClr val="dk1"/>
-          </a:lnRef>
-          <a:fillRef idx="0">
-            <a:schemeClr val="dk1"/>
-          </a:fillRef>
-          <a:effectRef idx="1">
-            <a:schemeClr val="dk1"/>
-          </a:effectRef>
-          <a:fontRef idx="minor">
-            <a:schemeClr val="tx1"/>
-          </a:fontRef>
-        </p:style>
-      </p:cxnSp>
-      <p:cxnSp>
-        <p:nvCxnSpPr>
-          <p:cNvPr id="23" name="Straight Arrow Connector 22"/>
-          <p:cNvCxnSpPr/>
-          <p:nvPr/>
-        </p:nvCxnSpPr>
-        <p:spPr>
-          <a:xfrm>
-            <a:off x="5050765" y="1964472"/>
-            <a:ext cx="0" cy="417957"/>
-          </a:xfrm>
-          <a:prstGeom prst="straightConnector1">
-            <a:avLst/>
-          </a:prstGeom>
-          <a:ln>
-            <a:tailEnd type="triangle"/>
-          </a:ln>
-        </p:spPr>
-        <p:style>
-          <a:lnRef idx="2">
-            <a:schemeClr val="dk1"/>
-          </a:lnRef>
-          <a:fillRef idx="0">
-            <a:schemeClr val="dk1"/>
-          </a:fillRef>
-          <a:effectRef idx="1">
-            <a:schemeClr val="dk1"/>
-          </a:effectRef>
-          <a:fontRef idx="minor">
-            <a:schemeClr val="tx1"/>
-          </a:fontRef>
-        </p:style>
-      </p:cxnSp>
-      <p:sp>
-        <p:nvSpPr>
-          <p:cNvPr id="32" name="TextBox 31"/>
-          <p:cNvSpPr txBox="1"/>
-          <p:nvPr/>
-        </p:nvSpPr>
-        <p:spPr>
-          <a:xfrm>
-            <a:off x="4504030" y="2388582"/>
-            <a:ext cx="1093470" cy="621902"/>
-          </a:xfrm>
-          <a:prstGeom prst="rect">
-            <a:avLst/>
-          </a:prstGeom>
-          <a:solidFill>
-            <a:schemeClr val="accent4">
-              <a:lumMod val="60000"/>
-              <a:lumOff val="40000"/>
-            </a:schemeClr>
-          </a:solidFill>
-          <a:ln>
-            <a:solidFill>
-              <a:schemeClr val="tx1"/>
-            </a:solidFill>
-          </a:ln>
-        </p:spPr>
-        <p:txBody>
-          <a:bodyPr wrap="square" rtlCol="0">
-            <a:spAutoFit/>
-          </a:bodyPr>
-          <a:lstStyle/>
-          <a:p>
-            <a:pPr algn="ctr"/>
-            <a:r>
-              <a:rPr lang="en-US" sz="1147"/>
-              <a:t>Hydro-met </a:t>
-            </a:r>
-            <a:r>
-              <a:rPr lang="en-US" sz="1147" smtClean="0"/>
-              <a:t>stations,</a:t>
-            </a:r>
-            <a:endParaRPr lang="en-US" sz="1147" dirty="0"/>
-          </a:p>
-          <a:p>
-            <a:pPr algn="ctr"/>
-            <a:r>
-              <a:rPr lang="en-US" sz="1147" dirty="0"/>
-              <a:t>f</a:t>
-            </a:r>
-            <a:r>
-              <a:rPr lang="en-US" sz="1147" smtClean="0"/>
-              <a:t>orecasts</a:t>
-            </a:r>
-            <a:endParaRPr lang="en-US" sz="1147" dirty="0"/>
-          </a:p>
-        </p:txBody>
-      </p:sp>
-      <p:sp>
-        <p:nvSpPr>
-          <p:cNvPr id="34" name="TextBox 33"/>
-          <p:cNvSpPr txBox="1"/>
-          <p:nvPr/>
-        </p:nvSpPr>
-        <p:spPr>
-          <a:xfrm>
-            <a:off x="5664697" y="2390160"/>
-            <a:ext cx="1112438" cy="621902"/>
-          </a:xfrm>
-          <a:prstGeom prst="rect">
-            <a:avLst/>
-          </a:prstGeom>
-          <a:solidFill>
-            <a:schemeClr val="accent4">
-              <a:lumMod val="60000"/>
-              <a:lumOff val="40000"/>
-            </a:schemeClr>
-          </a:solidFill>
-          <a:ln>
-            <a:solidFill>
-              <a:schemeClr val="tx1"/>
-            </a:solidFill>
-          </a:ln>
-        </p:spPr>
-        <p:txBody>
-          <a:bodyPr wrap="square" rtlCol="0">
-            <a:spAutoFit/>
-          </a:bodyPr>
-          <a:lstStyle/>
-          <a:p>
-            <a:pPr algn="ctr"/>
-            <a:r>
-              <a:rPr lang="en-US" sz="1147"/>
-              <a:t>Translation </a:t>
-            </a:r>
-            <a:r>
-              <a:rPr lang="en-US" sz="1147" smtClean="0"/>
-              <a:t>of forecasts </a:t>
-            </a:r>
-            <a:r>
-              <a:rPr lang="en-US" sz="1147"/>
-              <a:t>into </a:t>
-            </a:r>
-            <a:r>
-              <a:rPr lang="en-US" sz="1147" smtClean="0"/>
-              <a:t>agro-advice</a:t>
-            </a:r>
-            <a:endParaRPr lang="en-US" sz="1147" dirty="0"/>
-          </a:p>
-        </p:txBody>
-      </p:sp>
-      <p:sp>
-        <p:nvSpPr>
-          <p:cNvPr id="35" name="TextBox 34"/>
-          <p:cNvSpPr txBox="1"/>
-          <p:nvPr/>
-        </p:nvSpPr>
-        <p:spPr>
-          <a:xfrm>
-            <a:off x="6844372" y="2382932"/>
-            <a:ext cx="1075762" cy="621902"/>
-          </a:xfrm>
-          <a:prstGeom prst="rect">
-            <a:avLst/>
-          </a:prstGeom>
-          <a:solidFill>
-            <a:schemeClr val="accent4">
-              <a:lumMod val="60000"/>
-              <a:lumOff val="40000"/>
-            </a:schemeClr>
-          </a:solidFill>
-          <a:ln>
-            <a:solidFill>
-              <a:schemeClr val="tx1"/>
-            </a:solidFill>
-          </a:ln>
-        </p:spPr>
-        <p:txBody>
-          <a:bodyPr wrap="square" rtlCol="0">
-            <a:spAutoFit/>
-          </a:bodyPr>
-          <a:lstStyle/>
-          <a:p>
-            <a:pPr algn="ctr"/>
-            <a:r>
-              <a:rPr lang="en-US" sz="1147" smtClean="0"/>
-              <a:t>Dissemination via SMS/loud speaker/paper</a:t>
-            </a:r>
-            <a:endParaRPr lang="en-US" sz="1147" dirty="0"/>
-          </a:p>
-        </p:txBody>
-      </p:sp>
-      <p:sp>
-        <p:nvSpPr>
-          <p:cNvPr id="36" name="TextBox 35"/>
-          <p:cNvSpPr txBox="1"/>
-          <p:nvPr/>
-        </p:nvSpPr>
-        <p:spPr>
-          <a:xfrm>
-            <a:off x="7962923" y="2390317"/>
-            <a:ext cx="977965" cy="621902"/>
-          </a:xfrm>
-          <a:prstGeom prst="rect">
-            <a:avLst/>
-          </a:prstGeom>
-          <a:solidFill>
-            <a:schemeClr val="accent4">
-              <a:lumMod val="60000"/>
-              <a:lumOff val="40000"/>
-            </a:schemeClr>
-          </a:solidFill>
-          <a:ln>
-            <a:solidFill>
-              <a:schemeClr val="tx1"/>
-            </a:solidFill>
-          </a:ln>
-        </p:spPr>
-        <p:txBody>
-          <a:bodyPr wrap="square" rtlCol="0">
-            <a:spAutoFit/>
-          </a:bodyPr>
-          <a:lstStyle/>
-          <a:p>
-            <a:pPr algn="ctr"/>
-            <a:r>
-              <a:rPr lang="en-US" sz="1147" smtClean="0"/>
-              <a:t>Use of</a:t>
-            </a:r>
-            <a:endParaRPr lang="en-US" sz="1147" dirty="0"/>
-          </a:p>
-          <a:p>
-            <a:pPr algn="ctr"/>
-            <a:r>
-              <a:rPr lang="en-US" sz="1147"/>
-              <a:t>a</a:t>
-            </a:r>
-            <a:r>
-              <a:rPr lang="en-US" sz="1147" smtClean="0"/>
-              <a:t>dvice</a:t>
-            </a:r>
-          </a:p>
-          <a:p>
-            <a:pPr algn="ctr"/>
-            <a:endParaRPr lang="en-US" sz="1147" dirty="0"/>
-          </a:p>
-        </p:txBody>
-      </p:sp>
-      <p:sp>
-        <p:nvSpPr>
-          <p:cNvPr id="57" name="TextBox 56"/>
-          <p:cNvSpPr txBox="1"/>
-          <p:nvPr/>
-        </p:nvSpPr>
-        <p:spPr>
-          <a:xfrm>
-            <a:off x="9016798" y="2395686"/>
-            <a:ext cx="977965" cy="621902"/>
-          </a:xfrm>
-          <a:prstGeom prst="rect">
-            <a:avLst/>
-          </a:prstGeom>
-          <a:solidFill>
-            <a:schemeClr val="accent4">
-              <a:lumMod val="60000"/>
-              <a:lumOff val="40000"/>
-            </a:schemeClr>
-          </a:solidFill>
-          <a:ln>
-            <a:solidFill>
-              <a:schemeClr val="tx1"/>
-            </a:solidFill>
-          </a:ln>
-        </p:spPr>
-        <p:txBody>
-          <a:bodyPr wrap="square" rtlCol="0">
-            <a:spAutoFit/>
-          </a:bodyPr>
-          <a:lstStyle/>
-          <a:p>
-            <a:pPr algn="ctr"/>
-            <a:r>
-              <a:rPr lang="en-US" sz="1147" smtClean="0"/>
-              <a:t>Capacity,</a:t>
-            </a:r>
-            <a:endParaRPr lang="en-US" sz="1147" dirty="0"/>
-          </a:p>
-          <a:p>
-            <a:pPr algn="ctr"/>
-            <a:r>
-              <a:rPr lang="en-US" sz="1147"/>
-              <a:t>g</a:t>
-            </a:r>
-            <a:r>
-              <a:rPr lang="en-US" sz="1147" smtClean="0"/>
-              <a:t>ender and M&amp;E</a:t>
-            </a:r>
-            <a:endParaRPr lang="en-US" sz="1147" dirty="0"/>
-          </a:p>
-        </p:txBody>
-      </p:sp>
-      <p:cxnSp>
-        <p:nvCxnSpPr>
-          <p:cNvPr id="59" name="Straight Arrow Connector 58"/>
-          <p:cNvCxnSpPr/>
-          <p:nvPr/>
-        </p:nvCxnSpPr>
-        <p:spPr>
-          <a:xfrm>
-            <a:off x="6220916" y="1970966"/>
-            <a:ext cx="0" cy="417957"/>
-          </a:xfrm>
-          <a:prstGeom prst="straightConnector1">
-            <a:avLst/>
-          </a:prstGeom>
-          <a:ln>
-            <a:tailEnd type="triangle"/>
-          </a:ln>
-        </p:spPr>
-        <p:style>
-          <a:lnRef idx="2">
-            <a:schemeClr val="dk1"/>
-          </a:lnRef>
-          <a:fillRef idx="0">
-            <a:schemeClr val="dk1"/>
-          </a:fillRef>
-          <a:effectRef idx="1">
-            <a:schemeClr val="dk1"/>
-          </a:effectRef>
-          <a:fontRef idx="minor">
-            <a:schemeClr val="tx1"/>
-          </a:fontRef>
-        </p:style>
-      </p:cxnSp>
-      <p:cxnSp>
-        <p:nvCxnSpPr>
-          <p:cNvPr id="60" name="Straight Arrow Connector 59"/>
-          <p:cNvCxnSpPr/>
-          <p:nvPr/>
-        </p:nvCxnSpPr>
-        <p:spPr>
-          <a:xfrm>
-            <a:off x="7358619" y="1980235"/>
-            <a:ext cx="0" cy="417957"/>
-          </a:xfrm>
-          <a:prstGeom prst="straightConnector1">
-            <a:avLst/>
-          </a:prstGeom>
-          <a:ln>
-            <a:tailEnd type="triangle"/>
-          </a:ln>
-        </p:spPr>
-        <p:style>
-          <a:lnRef idx="2">
-            <a:schemeClr val="dk1"/>
-          </a:lnRef>
-          <a:fillRef idx="0">
-            <a:schemeClr val="dk1"/>
-          </a:fillRef>
-          <a:effectRef idx="1">
-            <a:schemeClr val="dk1"/>
-          </a:effectRef>
-          <a:fontRef idx="minor">
-            <a:schemeClr val="tx1"/>
-          </a:fontRef>
-        </p:style>
-      </p:cxnSp>
-      <p:cxnSp>
-        <p:nvCxnSpPr>
-          <p:cNvPr id="61" name="Straight Arrow Connector 60"/>
-          <p:cNvCxnSpPr/>
-          <p:nvPr/>
-        </p:nvCxnSpPr>
-        <p:spPr>
-          <a:xfrm flipH="1">
-            <a:off x="8451905" y="1980402"/>
-            <a:ext cx="13450" cy="428692"/>
-          </a:xfrm>
-          <a:prstGeom prst="straightConnector1">
-            <a:avLst/>
-          </a:prstGeom>
-          <a:ln>
-            <a:tailEnd type="triangle"/>
-          </a:ln>
-        </p:spPr>
-        <p:style>
-          <a:lnRef idx="2">
-            <a:schemeClr val="dk1"/>
-          </a:lnRef>
-          <a:fillRef idx="0">
-            <a:schemeClr val="dk1"/>
-          </a:fillRef>
-          <a:effectRef idx="1">
-            <a:schemeClr val="dk1"/>
-          </a:effectRef>
-          <a:fontRef idx="minor">
-            <a:schemeClr val="tx1"/>
-          </a:fontRef>
-        </p:style>
-      </p:cxnSp>
-      <p:cxnSp>
-        <p:nvCxnSpPr>
-          <p:cNvPr id="63" name="Straight Arrow Connector 62"/>
-          <p:cNvCxnSpPr/>
-          <p:nvPr/>
-        </p:nvCxnSpPr>
-        <p:spPr>
-          <a:xfrm>
-            <a:off x="9505780" y="1989277"/>
-            <a:ext cx="0" cy="417957"/>
-          </a:xfrm>
-          <a:prstGeom prst="straightConnector1">
-            <a:avLst/>
-          </a:prstGeom>
-          <a:ln>
-            <a:tailEnd type="triangle"/>
-          </a:ln>
-        </p:spPr>
-        <p:style>
-          <a:lnRef idx="2">
-            <a:schemeClr val="dk1"/>
-          </a:lnRef>
-          <a:fillRef idx="0">
-            <a:schemeClr val="dk1"/>
-          </a:fillRef>
-          <a:effectRef idx="1">
-            <a:schemeClr val="dk1"/>
-          </a:effectRef>
-          <a:fontRef idx="minor">
-            <a:schemeClr val="tx1"/>
-          </a:fontRef>
-        </p:style>
-      </p:cxnSp>
-      <p:cxnSp>
-        <p:nvCxnSpPr>
-          <p:cNvPr id="99" name="Straight Arrow Connector 98"/>
-          <p:cNvCxnSpPr>
-            <a:stCxn id="34" idx="2"/>
-            <a:endCxn id="135" idx="0"/>
-          </p:cNvCxnSpPr>
-          <p:nvPr/>
-        </p:nvCxnSpPr>
-        <p:spPr>
-          <a:xfrm>
-            <a:off x="6220916" y="3012062"/>
-            <a:ext cx="1161337" cy="595496"/>
-          </a:xfrm>
-          <a:prstGeom prst="straightConnector1">
-            <a:avLst/>
-          </a:prstGeom>
-          <a:ln>
-            <a:tailEnd type="triangle"/>
-          </a:ln>
-        </p:spPr>
-        <p:style>
-          <a:lnRef idx="2">
-            <a:schemeClr val="dk1"/>
-          </a:lnRef>
-          <a:fillRef idx="0">
-            <a:schemeClr val="dk1"/>
-          </a:fillRef>
-          <a:effectRef idx="1">
-            <a:schemeClr val="dk1"/>
-          </a:effectRef>
-          <a:fontRef idx="minor">
-            <a:schemeClr val="tx1"/>
-          </a:fontRef>
-        </p:style>
-      </p:cxnSp>
-      <p:cxnSp>
-        <p:nvCxnSpPr>
-          <p:cNvPr id="101" name="Straight Arrow Connector 100"/>
-          <p:cNvCxnSpPr>
-            <a:stCxn id="35" idx="2"/>
-            <a:endCxn id="135" idx="0"/>
-          </p:cNvCxnSpPr>
-          <p:nvPr/>
-        </p:nvCxnSpPr>
-        <p:spPr>
-          <a:xfrm>
-            <a:off x="7382253" y="3004834"/>
-            <a:ext cx="0" cy="602724"/>
-          </a:xfrm>
-          <a:prstGeom prst="straightConnector1">
-            <a:avLst/>
-          </a:prstGeom>
-          <a:ln>
-            <a:tailEnd type="triangle"/>
-          </a:ln>
-        </p:spPr>
-        <p:style>
-          <a:lnRef idx="2">
-            <a:schemeClr val="dk1"/>
-          </a:lnRef>
-          <a:fillRef idx="0">
-            <a:schemeClr val="dk1"/>
-          </a:fillRef>
-          <a:effectRef idx="1">
-            <a:schemeClr val="dk1"/>
-          </a:effectRef>
-          <a:fontRef idx="minor">
-            <a:schemeClr val="tx1"/>
-          </a:fontRef>
-        </p:style>
-      </p:cxnSp>
-      <p:cxnSp>
-        <p:nvCxnSpPr>
-          <p:cNvPr id="103" name="Straight Arrow Connector 102"/>
-          <p:cNvCxnSpPr>
-            <a:stCxn id="36" idx="2"/>
-            <a:endCxn id="135" idx="0"/>
-          </p:cNvCxnSpPr>
-          <p:nvPr/>
-        </p:nvCxnSpPr>
-        <p:spPr>
-          <a:xfrm flipH="1">
-            <a:off x="7382253" y="3012219"/>
-            <a:ext cx="1069653" cy="595339"/>
-          </a:xfrm>
-          <a:prstGeom prst="straightConnector1">
-            <a:avLst/>
-          </a:prstGeom>
-          <a:ln>
-            <a:tailEnd type="triangle"/>
-          </a:ln>
-        </p:spPr>
-        <p:style>
-          <a:lnRef idx="2">
-            <a:schemeClr val="dk1"/>
-          </a:lnRef>
-          <a:fillRef idx="0">
-            <a:schemeClr val="dk1"/>
-          </a:fillRef>
-          <a:effectRef idx="1">
-            <a:schemeClr val="dk1"/>
-          </a:effectRef>
-          <a:fontRef idx="minor">
-            <a:schemeClr val="tx1"/>
-          </a:fontRef>
-        </p:style>
-      </p:cxnSp>
-      <p:cxnSp>
-        <p:nvCxnSpPr>
-          <p:cNvPr id="71" name="Straight Arrow Connector 70"/>
-          <p:cNvCxnSpPr>
-            <a:stCxn id="57" idx="2"/>
-            <a:endCxn id="135" idx="0"/>
-          </p:cNvCxnSpPr>
-          <p:nvPr/>
-        </p:nvCxnSpPr>
-        <p:spPr>
-          <a:xfrm flipH="1">
-            <a:off x="7382253" y="3017588"/>
-            <a:ext cx="2123528" cy="589970"/>
-          </a:xfrm>
-          <a:prstGeom prst="straightConnector1">
-            <a:avLst/>
-          </a:prstGeom>
-          <a:ln>
-            <a:tailEnd type="triangle"/>
-          </a:ln>
-        </p:spPr>
-        <p:style>
-          <a:lnRef idx="2">
-            <a:schemeClr val="dk1"/>
-          </a:lnRef>
-          <a:fillRef idx="0">
-            <a:schemeClr val="dk1"/>
-          </a:fillRef>
-          <a:effectRef idx="1">
-            <a:schemeClr val="dk1"/>
-          </a:effectRef>
-          <a:fontRef idx="minor">
-            <a:schemeClr val="tx1"/>
-          </a:fontRef>
-        </p:style>
-      </p:cxnSp>
-      <p:sp>
-        <p:nvSpPr>
-          <p:cNvPr id="135" name="Rectangle 134"/>
-          <p:cNvSpPr/>
-          <p:nvPr/>
-        </p:nvSpPr>
-        <p:spPr>
-          <a:xfrm>
-            <a:off x="6798527" y="3607558"/>
-            <a:ext cx="1167451" cy="285206"/>
-          </a:xfrm>
-          <a:prstGeom prst="rect">
-            <a:avLst/>
-          </a:prstGeom>
-          <a:solidFill>
-            <a:schemeClr val="accent4">
-              <a:lumMod val="60000"/>
-              <a:lumOff val="40000"/>
-            </a:schemeClr>
-          </a:solidFill>
-        </p:spPr>
-        <p:style>
-          <a:lnRef idx="2">
-            <a:schemeClr val="accent1">
-              <a:shade val="50000"/>
-            </a:schemeClr>
-          </a:lnRef>
-          <a:fillRef idx="1">
-            <a:schemeClr val="accent1"/>
-          </a:fillRef>
-          <a:effectRef idx="0">
-            <a:schemeClr val="accent1"/>
-          </a:effectRef>
-          <a:fontRef idx="minor">
-            <a:schemeClr val="lt1"/>
-          </a:fontRef>
-        </p:style>
-        <p:txBody>
-          <a:bodyPr rtlCol="0" anchor="ctr"/>
-          <a:lstStyle/>
-          <a:p>
-            <a:pPr algn="ctr"/>
-            <a:r>
-              <a:rPr lang="en-US" sz="1235">
+            </a:lnRef>
+            <a:fillRef idx="1">
+              <a:schemeClr val="accent1"/>
+            </a:fillRef>
+            <a:effectRef idx="0">
+              <a:schemeClr val="accent1"/>
+            </a:effectRef>
+            <a:fontRef idx="minor">
+              <a:schemeClr val="lt1"/>
+            </a:fontRef>
+          </p:style>
+          <p:txBody>
+            <a:bodyPr rtlCol="0" anchor="t" anchorCtr="0"/>
+            <a:lstStyle/>
+            <a:p>
+              <a:pPr algn="ctr"/>
+              <a:r>
+                <a:rPr lang="en-US" sz="1235">
+                  <a:solidFill>
+                    <a:schemeClr val="tx1"/>
+                  </a:solidFill>
+                </a:rPr>
+                <a:t>Total </a:t>
+              </a:r>
+              <a:r>
+                <a:rPr lang="en-US" sz="1235" smtClean="0">
+                  <a:solidFill>
+                    <a:schemeClr val="tx1"/>
+                  </a:solidFill>
+                </a:rPr>
+                <a:t>costs</a:t>
+              </a:r>
+              <a:endParaRPr lang="en-US" sz="1235" dirty="0">
                 <a:solidFill>
                   <a:schemeClr val="tx1"/>
                 </a:solidFill>
-              </a:rPr>
-              <a:t>Total </a:t>
-            </a:r>
-            <a:r>
-              <a:rPr lang="en-US" sz="1235" smtClean="0">
-                <a:solidFill>
-                  <a:schemeClr val="tx1"/>
-                </a:solidFill>
-              </a:rPr>
-              <a:t>costs</a:t>
-            </a:r>
-            <a:endParaRPr lang="en-US" sz="1235" dirty="0">
+              </a:endParaRPr>
+            </a:p>
+          </p:txBody>
+        </p:sp>
+        <p:cxnSp>
+          <p:nvCxnSpPr>
+            <p:cNvPr id="97" name="Straight Arrow Connector 96"/>
+            <p:cNvCxnSpPr>
+              <a:stCxn id="32" idx="2"/>
+            </p:cNvCxnSpPr>
+            <p:nvPr/>
+          </p:nvCxnSpPr>
+          <p:spPr>
+            <a:xfrm>
+              <a:off x="5050765" y="3035640"/>
+              <a:ext cx="2331488" cy="572116"/>
+            </a:xfrm>
+            <a:prstGeom prst="straightConnector1">
+              <a:avLst/>
+            </a:prstGeom>
+            <a:ln>
+              <a:tailEnd type="triangle"/>
+            </a:ln>
+          </p:spPr>
+          <p:style>
+            <a:lnRef idx="2">
+              <a:schemeClr val="dk1"/>
+            </a:lnRef>
+            <a:fillRef idx="0">
+              <a:schemeClr val="dk1"/>
+            </a:fillRef>
+            <a:effectRef idx="1">
+              <a:schemeClr val="dk1"/>
+            </a:effectRef>
+            <a:fontRef idx="minor">
+              <a:schemeClr val="tx1"/>
+            </a:fontRef>
+          </p:style>
+        </p:cxnSp>
+        <p:cxnSp>
+          <p:nvCxnSpPr>
+            <p:cNvPr id="14" name="Straight Arrow Connector 13"/>
+            <p:cNvCxnSpPr>
+              <a:stCxn id="2" idx="1"/>
+              <a:endCxn id="15" idx="3"/>
+            </p:cNvCxnSpPr>
+            <p:nvPr/>
+          </p:nvCxnSpPr>
+          <p:spPr>
+            <a:xfrm flipH="1" flipV="1">
+              <a:off x="3064531" y="1060908"/>
+              <a:ext cx="1232849" cy="8100"/>
+            </a:xfrm>
+            <a:prstGeom prst="straightConnector1">
+              <a:avLst/>
+            </a:prstGeom>
+            <a:ln>
+              <a:tailEnd type="triangle"/>
+            </a:ln>
+          </p:spPr>
+          <p:style>
+            <a:lnRef idx="2">
+              <a:schemeClr val="dk1"/>
+            </a:lnRef>
+            <a:fillRef idx="0">
+              <a:schemeClr val="dk1"/>
+            </a:fillRef>
+            <a:effectRef idx="1">
+              <a:schemeClr val="dk1"/>
+            </a:effectRef>
+            <a:fontRef idx="minor">
+              <a:schemeClr val="tx1"/>
+            </a:fontRef>
+          </p:style>
+        </p:cxnSp>
+        <p:cxnSp>
+          <p:nvCxnSpPr>
+            <p:cNvPr id="210" name="Straight Arrow Connector 209"/>
+            <p:cNvCxnSpPr>
+              <a:stCxn id="179" idx="2"/>
+              <a:endCxn id="68" idx="0"/>
+            </p:cNvCxnSpPr>
+            <p:nvPr/>
+          </p:nvCxnSpPr>
+          <p:spPr>
+            <a:xfrm flipH="1">
+              <a:off x="1747739" y="5012919"/>
+              <a:ext cx="649783" cy="489750"/>
+            </a:xfrm>
+            <a:prstGeom prst="straightConnector1">
+              <a:avLst/>
+            </a:prstGeom>
+            <a:ln>
+              <a:tailEnd type="triangle"/>
+            </a:ln>
+          </p:spPr>
+          <p:style>
+            <a:lnRef idx="2">
+              <a:schemeClr val="dk1"/>
+            </a:lnRef>
+            <a:fillRef idx="0">
+              <a:schemeClr val="dk1"/>
+            </a:fillRef>
+            <a:effectRef idx="1">
+              <a:schemeClr val="dk1"/>
+            </a:effectRef>
+            <a:fontRef idx="minor">
+              <a:schemeClr val="tx1"/>
+            </a:fontRef>
+          </p:style>
+        </p:cxnSp>
+        <p:cxnSp>
+          <p:nvCxnSpPr>
+            <p:cNvPr id="218" name="Straight Arrow Connector 217"/>
+            <p:cNvCxnSpPr>
+              <a:stCxn id="123" idx="2"/>
+              <a:endCxn id="40" idx="0"/>
+            </p:cNvCxnSpPr>
+            <p:nvPr/>
+          </p:nvCxnSpPr>
+          <p:spPr>
+            <a:xfrm flipH="1">
+              <a:off x="338112" y="5012919"/>
+              <a:ext cx="3921564" cy="485679"/>
+            </a:xfrm>
+            <a:prstGeom prst="straightConnector1">
+              <a:avLst/>
+            </a:prstGeom>
+            <a:ln>
+              <a:tailEnd type="triangle"/>
+            </a:ln>
+          </p:spPr>
+          <p:style>
+            <a:lnRef idx="2">
+              <a:schemeClr val="dk1"/>
+            </a:lnRef>
+            <a:fillRef idx="0">
+              <a:schemeClr val="dk1"/>
+            </a:fillRef>
+            <a:effectRef idx="1">
+              <a:schemeClr val="dk1"/>
+            </a:effectRef>
+            <a:fontRef idx="minor">
+              <a:schemeClr val="tx1"/>
+            </a:fontRef>
+          </p:style>
+        </p:cxnSp>
+        <p:cxnSp>
+          <p:nvCxnSpPr>
+            <p:cNvPr id="188" name="Straight Arrow Connector 187"/>
+            <p:cNvCxnSpPr>
+              <a:stCxn id="132" idx="2"/>
+              <a:endCxn id="110" idx="0"/>
+            </p:cNvCxnSpPr>
+            <p:nvPr/>
+          </p:nvCxnSpPr>
+          <p:spPr>
+            <a:xfrm flipH="1">
+              <a:off x="1373421" y="2759632"/>
+              <a:ext cx="1073653" cy="495632"/>
+            </a:xfrm>
+            <a:prstGeom prst="straightConnector1">
+              <a:avLst/>
+            </a:prstGeom>
+            <a:ln>
+              <a:tailEnd type="triangle"/>
+            </a:ln>
+          </p:spPr>
+          <p:style>
+            <a:lnRef idx="2">
+              <a:schemeClr val="dk1"/>
+            </a:lnRef>
+            <a:fillRef idx="0">
+              <a:schemeClr val="dk1"/>
+            </a:fillRef>
+            <a:effectRef idx="1">
+              <a:schemeClr val="dk1"/>
+            </a:effectRef>
+            <a:fontRef idx="minor">
+              <a:schemeClr val="tx1"/>
+            </a:fontRef>
+          </p:style>
+        </p:cxnSp>
+        <p:sp>
+          <p:nvSpPr>
+            <p:cNvPr id="15" name="TextBox 14"/>
+            <p:cNvSpPr txBox="1"/>
+            <p:nvPr/>
+          </p:nvSpPr>
+          <p:spPr>
+            <a:xfrm>
+              <a:off x="1829846" y="830075"/>
+              <a:ext cx="1234685" cy="461665"/>
+            </a:xfrm>
+            <a:prstGeom prst="rect">
+              <a:avLst/>
+            </a:prstGeom>
+            <a:solidFill>
+              <a:schemeClr val="accent6">
+                <a:lumMod val="60000"/>
+                <a:lumOff val="40000"/>
+              </a:schemeClr>
+            </a:solidFill>
+            <a:ln>
               <a:solidFill>
                 <a:schemeClr val="tx1"/>
               </a:solidFill>
-            </a:endParaRPr>
-          </a:p>
-        </p:txBody>
-      </p:sp>
-      <p:cxnSp>
-        <p:nvCxnSpPr>
-          <p:cNvPr id="97" name="Straight Arrow Connector 96"/>
-          <p:cNvCxnSpPr>
-            <a:stCxn id="32" idx="2"/>
-          </p:cNvCxnSpPr>
-          <p:nvPr/>
-        </p:nvCxnSpPr>
-        <p:spPr>
-          <a:xfrm>
-            <a:off x="5050765" y="3010484"/>
-            <a:ext cx="2331488" cy="597272"/>
-          </a:xfrm>
-          <a:prstGeom prst="straightConnector1">
-            <a:avLst/>
-          </a:prstGeom>
-          <a:ln>
-            <a:tailEnd type="triangle"/>
-          </a:ln>
-        </p:spPr>
-        <p:style>
-          <a:lnRef idx="2">
-            <a:schemeClr val="dk1"/>
-          </a:lnRef>
-          <a:fillRef idx="0">
-            <a:schemeClr val="dk1"/>
-          </a:fillRef>
-          <a:effectRef idx="1">
-            <a:schemeClr val="dk1"/>
-          </a:effectRef>
-          <a:fontRef idx="minor">
-            <a:schemeClr val="tx1"/>
-          </a:fontRef>
-        </p:style>
-      </p:cxnSp>
-      <p:cxnSp>
-        <p:nvCxnSpPr>
-          <p:cNvPr id="14" name="Straight Arrow Connector 13"/>
-          <p:cNvCxnSpPr>
-            <a:stCxn id="2" idx="1"/>
-          </p:cNvCxnSpPr>
-          <p:nvPr/>
-        </p:nvCxnSpPr>
-        <p:spPr>
-          <a:xfrm flipH="1" flipV="1">
-            <a:off x="3093644" y="1063572"/>
-            <a:ext cx="1203736" cy="5436"/>
-          </a:xfrm>
-          <a:prstGeom prst="straightConnector1">
-            <a:avLst/>
-          </a:prstGeom>
-          <a:ln>
-            <a:tailEnd type="triangle"/>
-          </a:ln>
-        </p:spPr>
-        <p:style>
-          <a:lnRef idx="2">
-            <a:schemeClr val="dk1"/>
-          </a:lnRef>
-          <a:fillRef idx="0">
-            <a:schemeClr val="dk1"/>
-          </a:fillRef>
-          <a:effectRef idx="1">
-            <a:schemeClr val="dk1"/>
-          </a:effectRef>
-          <a:fontRef idx="minor">
-            <a:schemeClr val="tx1"/>
-          </a:fontRef>
-        </p:style>
-      </p:cxnSp>
-      <p:cxnSp>
-        <p:nvCxnSpPr>
-          <p:cNvPr id="210" name="Straight Arrow Connector 209"/>
-          <p:cNvCxnSpPr>
-            <a:stCxn id="179" idx="2"/>
-            <a:endCxn id="68" idx="0"/>
-          </p:cNvCxnSpPr>
-          <p:nvPr/>
-        </p:nvCxnSpPr>
-        <p:spPr>
-          <a:xfrm flipH="1">
-            <a:off x="1917808" y="4996372"/>
-            <a:ext cx="708983" cy="743468"/>
-          </a:xfrm>
-          <a:prstGeom prst="straightConnector1">
-            <a:avLst/>
-          </a:prstGeom>
-          <a:ln>
-            <a:tailEnd type="triangle"/>
-          </a:ln>
-        </p:spPr>
-        <p:style>
-          <a:lnRef idx="2">
-            <a:schemeClr val="dk1"/>
-          </a:lnRef>
-          <a:fillRef idx="0">
-            <a:schemeClr val="dk1"/>
-          </a:fillRef>
-          <a:effectRef idx="1">
-            <a:schemeClr val="dk1"/>
-          </a:effectRef>
-          <a:fontRef idx="minor">
-            <a:schemeClr val="tx1"/>
-          </a:fontRef>
-        </p:style>
-      </p:cxnSp>
-      <p:cxnSp>
-        <p:nvCxnSpPr>
-          <p:cNvPr id="218" name="Straight Arrow Connector 217"/>
-          <p:cNvCxnSpPr>
-            <a:stCxn id="123" idx="2"/>
-            <a:endCxn id="40" idx="0"/>
-          </p:cNvCxnSpPr>
-          <p:nvPr/>
-        </p:nvCxnSpPr>
-        <p:spPr>
-          <a:xfrm flipH="1">
-            <a:off x="697389" y="4980085"/>
-            <a:ext cx="3613260" cy="758392"/>
-          </a:xfrm>
-          <a:prstGeom prst="straightConnector1">
-            <a:avLst/>
-          </a:prstGeom>
-          <a:ln>
-            <a:tailEnd type="triangle"/>
-          </a:ln>
-        </p:spPr>
-        <p:style>
-          <a:lnRef idx="2">
-            <a:schemeClr val="dk1"/>
-          </a:lnRef>
-          <a:fillRef idx="0">
-            <a:schemeClr val="dk1"/>
-          </a:fillRef>
-          <a:effectRef idx="1">
-            <a:schemeClr val="dk1"/>
-          </a:effectRef>
-          <a:fontRef idx="minor">
-            <a:schemeClr val="tx1"/>
-          </a:fontRef>
-        </p:style>
-      </p:cxnSp>
-      <p:cxnSp>
-        <p:nvCxnSpPr>
-          <p:cNvPr id="188" name="Straight Arrow Connector 187"/>
-          <p:cNvCxnSpPr>
-            <a:stCxn id="132" idx="2"/>
-            <a:endCxn id="110" idx="0"/>
-          </p:cNvCxnSpPr>
-          <p:nvPr/>
-        </p:nvCxnSpPr>
-        <p:spPr>
-          <a:xfrm flipH="1">
-            <a:off x="1121762" y="2735835"/>
-            <a:ext cx="1390899" cy="313337"/>
-          </a:xfrm>
-          <a:prstGeom prst="straightConnector1">
-            <a:avLst/>
-          </a:prstGeom>
-          <a:ln>
-            <a:tailEnd type="triangle"/>
-          </a:ln>
-        </p:spPr>
-        <p:style>
-          <a:lnRef idx="2">
-            <a:schemeClr val="dk1"/>
-          </a:lnRef>
-          <a:fillRef idx="0">
-            <a:schemeClr val="dk1"/>
-          </a:fillRef>
-          <a:effectRef idx="1">
-            <a:schemeClr val="dk1"/>
-          </a:effectRef>
-          <a:fontRef idx="minor">
-            <a:schemeClr val="tx1"/>
-          </a:fontRef>
-        </p:style>
-      </p:cxnSp>
-      <p:sp>
-        <p:nvSpPr>
-          <p:cNvPr id="15" name="TextBox 14"/>
-          <p:cNvSpPr txBox="1"/>
-          <p:nvPr/>
-        </p:nvSpPr>
-        <p:spPr>
-          <a:xfrm>
-            <a:off x="1894236" y="804319"/>
-            <a:ext cx="1234685" cy="445378"/>
-          </a:xfrm>
-          <a:prstGeom prst="rect">
-            <a:avLst/>
-          </a:prstGeom>
-          <a:solidFill>
-            <a:schemeClr val="accent6">
-              <a:lumMod val="60000"/>
-              <a:lumOff val="40000"/>
-            </a:schemeClr>
-          </a:solidFill>
-          <a:ln>
+            </a:ln>
+          </p:spPr>
+          <p:txBody>
+            <a:bodyPr wrap="square" rtlCol="0" anchor="t" anchorCtr="0">
+              <a:spAutoFit/>
+            </a:bodyPr>
+            <a:lstStyle/>
+            <a:p>
+              <a:pPr algn="ctr"/>
+              <a:r>
+                <a:rPr lang="en-US" sz="1200" dirty="0"/>
+                <a:t>Benefits of interventions</a:t>
+              </a:r>
+            </a:p>
+          </p:txBody>
+        </p:sp>
+        <p:sp>
+          <p:nvSpPr>
+            <p:cNvPr id="40" name="TextBox 39"/>
+            <p:cNvSpPr txBox="1"/>
+            <p:nvPr/>
+          </p:nvSpPr>
+          <p:spPr>
+            <a:xfrm>
+              <a:off x="-425002" y="5498598"/>
+              <a:ext cx="1526228" cy="830997"/>
+            </a:xfrm>
+            <a:prstGeom prst="rect">
+              <a:avLst/>
+            </a:prstGeom>
             <a:solidFill>
+              <a:schemeClr val="accent6">
+                <a:lumMod val="60000"/>
+                <a:lumOff val="40000"/>
+              </a:schemeClr>
+            </a:solidFill>
+            <a:ln>
+              <a:solidFill>
+                <a:schemeClr val="tx1"/>
+              </a:solidFill>
+            </a:ln>
+          </p:spPr>
+          <p:txBody>
+            <a:bodyPr wrap="square" rtlCol="0" anchor="t" anchorCtr="0">
+              <a:spAutoFit/>
+            </a:bodyPr>
+            <a:lstStyle/>
+            <a:p>
+              <a:pPr algn="ctr"/>
+              <a:r>
+                <a:rPr lang="en-US" sz="1200"/>
+                <a:t>Reduced inputs; reduced harvest </a:t>
+              </a:r>
+              <a:r>
+                <a:rPr lang="en-US" sz="1200" smtClean="0"/>
+                <a:t>losses; </a:t>
+              </a:r>
+              <a:r>
+                <a:rPr lang="en-US" sz="1200"/>
+                <a:t>increased </a:t>
+              </a:r>
+              <a:r>
+                <a:rPr lang="en-US" sz="1200" dirty="0"/>
+                <a:t>yields (rice)</a:t>
+              </a:r>
+            </a:p>
+          </p:txBody>
+        </p:sp>
+        <p:sp>
+          <p:nvSpPr>
+            <p:cNvPr id="41" name="TextBox 40"/>
+            <p:cNvSpPr txBox="1"/>
+            <p:nvPr/>
+          </p:nvSpPr>
+          <p:spPr>
+            <a:xfrm>
+              <a:off x="2394252" y="5498598"/>
+              <a:ext cx="1425441" cy="830997"/>
+            </a:xfrm>
+            <a:prstGeom prst="rect">
+              <a:avLst/>
+            </a:prstGeom>
+            <a:solidFill>
+              <a:schemeClr val="accent6">
+                <a:lumMod val="60000"/>
+                <a:lumOff val="40000"/>
+              </a:schemeClr>
+            </a:solidFill>
+            <a:ln>
+              <a:solidFill>
+                <a:schemeClr val="tx1"/>
+              </a:solidFill>
+            </a:ln>
+          </p:spPr>
+          <p:txBody>
+            <a:bodyPr wrap="square" rtlCol="0" anchor="t" anchorCtr="0">
+              <a:spAutoFit/>
+            </a:bodyPr>
+            <a:lstStyle/>
+            <a:p>
+              <a:pPr algn="ctr"/>
+              <a:r>
+                <a:rPr lang="en-US" sz="1200" dirty="0"/>
+                <a:t>Cleaner </a:t>
+              </a:r>
+              <a:r>
+                <a:rPr lang="en-US" sz="1200"/>
+                <a:t>drinking water; reduced fish </a:t>
+              </a:r>
+              <a:r>
+                <a:rPr lang="en-US" sz="1200" smtClean="0"/>
+                <a:t>death; </a:t>
+              </a:r>
+              <a:r>
+                <a:rPr lang="en-US" sz="1200"/>
+                <a:t>reduced GHG emissions</a:t>
+              </a:r>
+              <a:endParaRPr lang="en-US" sz="1200" dirty="0"/>
+            </a:p>
+          </p:txBody>
+        </p:sp>
+        <p:sp>
+          <p:nvSpPr>
+            <p:cNvPr id="42" name="TextBox 41"/>
+            <p:cNvSpPr txBox="1"/>
+            <p:nvPr/>
+          </p:nvSpPr>
+          <p:spPr>
+            <a:xfrm>
+              <a:off x="3909987" y="5502669"/>
+              <a:ext cx="1417129" cy="822854"/>
+            </a:xfrm>
+            <a:prstGeom prst="rect">
+              <a:avLst/>
+            </a:prstGeom>
+            <a:solidFill>
+              <a:schemeClr val="accent6">
+                <a:lumMod val="60000"/>
+                <a:lumOff val="40000"/>
+              </a:schemeClr>
+            </a:solidFill>
+            <a:ln>
+              <a:solidFill>
+                <a:schemeClr val="tx1"/>
+              </a:solidFill>
+            </a:ln>
+          </p:spPr>
+          <p:txBody>
+            <a:bodyPr wrap="square" rtlCol="0" anchor="t" anchorCtr="0">
+              <a:spAutoFit/>
+            </a:bodyPr>
+            <a:lstStyle/>
+            <a:p>
+              <a:pPr algn="ctr"/>
+              <a:r>
+                <a:rPr lang="en-US" sz="1200"/>
+                <a:t>Additional </a:t>
+              </a:r>
+              <a:r>
+                <a:rPr lang="en-US" sz="1200" smtClean="0"/>
+                <a:t>on-farm and </a:t>
+              </a:r>
+              <a:r>
+                <a:rPr lang="en-US" sz="1200"/>
+                <a:t>non-farm livelihood income</a:t>
+              </a:r>
+            </a:p>
+            <a:p>
+              <a:pPr algn="ctr"/>
+              <a:endParaRPr lang="en-US" sz="1147" dirty="0"/>
+            </a:p>
+          </p:txBody>
+        </p:sp>
+        <p:sp>
+          <p:nvSpPr>
+            <p:cNvPr id="68" name="TextBox 67"/>
+            <p:cNvSpPr txBox="1"/>
+            <p:nvPr/>
+          </p:nvSpPr>
+          <p:spPr>
+            <a:xfrm>
+              <a:off x="1191520" y="5502669"/>
+              <a:ext cx="1112438" cy="822854"/>
+            </a:xfrm>
+            <a:prstGeom prst="rect">
+              <a:avLst/>
+            </a:prstGeom>
+            <a:solidFill>
+              <a:schemeClr val="accent6">
+                <a:lumMod val="60000"/>
+                <a:lumOff val="40000"/>
+              </a:schemeClr>
+            </a:solidFill>
+            <a:ln>
+              <a:solidFill>
+                <a:schemeClr val="tx1"/>
+              </a:solidFill>
+            </a:ln>
+          </p:spPr>
+          <p:txBody>
+            <a:bodyPr wrap="square" rtlCol="0" anchor="t" anchorCtr="0">
+              <a:spAutoFit/>
+            </a:bodyPr>
+            <a:lstStyle/>
+            <a:p>
+              <a:pPr algn="ctr"/>
+              <a:r>
+                <a:rPr lang="en-US" sz="1200"/>
+                <a:t>Fewer deaths of cows and </a:t>
+              </a:r>
+              <a:r>
+                <a:rPr lang="en-US" sz="1200" smtClean="0"/>
+                <a:t>buffaloes</a:t>
+              </a:r>
+              <a:endParaRPr lang="en-US" sz="1147" smtClean="0"/>
+            </a:p>
+            <a:p>
+              <a:pPr algn="ctr"/>
+              <a:endParaRPr lang="en-US" sz="1147" dirty="0"/>
+            </a:p>
+          </p:txBody>
+        </p:sp>
+        <p:sp>
+          <p:nvSpPr>
+            <p:cNvPr id="110" name="TextBox 109"/>
+            <p:cNvSpPr txBox="1"/>
+            <p:nvPr/>
+          </p:nvSpPr>
+          <p:spPr>
+            <a:xfrm>
+              <a:off x="384148" y="3255264"/>
+              <a:ext cx="1978546" cy="461665"/>
+            </a:xfrm>
+            <a:prstGeom prst="rect">
+              <a:avLst/>
+            </a:prstGeom>
+            <a:solidFill>
+              <a:schemeClr val="accent6">
+                <a:lumMod val="60000"/>
+                <a:lumOff val="40000"/>
+              </a:schemeClr>
+            </a:solidFill>
+            <a:ln>
+              <a:solidFill>
+                <a:schemeClr val="tx1"/>
+              </a:solidFill>
+            </a:ln>
+          </p:spPr>
+          <p:txBody>
+            <a:bodyPr wrap="square" rtlCol="0" anchor="t" anchorCtr="0">
+              <a:spAutoFit/>
+            </a:bodyPr>
+            <a:lstStyle/>
+            <a:p>
+              <a:pPr algn="ctr"/>
+              <a:r>
+                <a:rPr lang="en-US" sz="1200" smtClean="0"/>
+                <a:t>Risk and </a:t>
+              </a:r>
+              <a:r>
+                <a:rPr lang="en-US" sz="1200" dirty="0"/>
+                <a:t>uncertainty </a:t>
+              </a:r>
+              <a:r>
+                <a:rPr lang="en-US" sz="1200"/>
+                <a:t>informed planning  </a:t>
+              </a:r>
+            </a:p>
+          </p:txBody>
+        </p:sp>
+        <p:sp>
+          <p:nvSpPr>
+            <p:cNvPr id="123" name="TextBox 122"/>
+            <p:cNvSpPr txBox="1"/>
+            <p:nvPr/>
+          </p:nvSpPr>
+          <p:spPr>
+            <a:xfrm>
+              <a:off x="3468586" y="3997256"/>
+              <a:ext cx="1582180" cy="1015663"/>
+            </a:xfrm>
+            <a:prstGeom prst="rect">
+              <a:avLst/>
+            </a:prstGeom>
+            <a:solidFill>
+              <a:schemeClr val="accent6">
+                <a:lumMod val="60000"/>
+                <a:lumOff val="40000"/>
+              </a:schemeClr>
+            </a:solidFill>
+            <a:ln>
+              <a:solidFill>
+                <a:schemeClr val="tx1"/>
+              </a:solidFill>
+            </a:ln>
+          </p:spPr>
+          <p:txBody>
+            <a:bodyPr wrap="square" rtlCol="0" anchor="t" anchorCtr="0">
+              <a:spAutoFit/>
+            </a:bodyPr>
+            <a:lstStyle/>
+            <a:p>
+              <a:pPr algn="ctr"/>
+              <a:r>
+                <a:rPr lang="en-US" sz="1200"/>
+                <a:t>Redistribute </a:t>
+              </a:r>
+              <a:r>
+                <a:rPr lang="en-US" sz="1200" smtClean="0"/>
+                <a:t>labor; </a:t>
+              </a:r>
+              <a:r>
+                <a:rPr lang="en-US" sz="1200" smtClean="0"/>
+                <a:t>women and </a:t>
+              </a:r>
+              <a:r>
+                <a:rPr lang="en-US" sz="1200" smtClean="0"/>
+                <a:t>men </a:t>
+              </a:r>
+              <a:r>
+                <a:rPr lang="en-US" sz="1200"/>
+                <a:t>share </a:t>
+              </a:r>
+              <a:r>
+                <a:rPr lang="en-US" sz="1200" smtClean="0"/>
+                <a:t>economic </a:t>
+              </a:r>
+              <a:r>
+                <a:rPr lang="en-US" sz="1200" smtClean="0"/>
+                <a:t>choices and </a:t>
+              </a:r>
+              <a:endParaRPr lang="en-US" sz="1200" smtClean="0"/>
+            </a:p>
+            <a:p>
+              <a:pPr algn="ctr"/>
+              <a:r>
+                <a:rPr lang="en-US" sz="1200" smtClean="0"/>
+                <a:t>decisions</a:t>
+              </a:r>
+              <a:endParaRPr lang="en-US" sz="1200" dirty="0"/>
+            </a:p>
+          </p:txBody>
+        </p:sp>
+        <p:sp>
+          <p:nvSpPr>
+            <p:cNvPr id="131" name="TextBox 130"/>
+            <p:cNvSpPr txBox="1"/>
+            <p:nvPr/>
+          </p:nvSpPr>
+          <p:spPr>
+            <a:xfrm>
+              <a:off x="-433831" y="3997256"/>
+              <a:ext cx="1760290" cy="1015663"/>
+            </a:xfrm>
+            <a:prstGeom prst="rect">
+              <a:avLst/>
+            </a:prstGeom>
+            <a:solidFill>
+              <a:schemeClr val="accent6">
+                <a:lumMod val="60000"/>
+                <a:lumOff val="40000"/>
+              </a:schemeClr>
+            </a:solidFill>
+            <a:ln>
+              <a:solidFill>
+                <a:schemeClr val="tx1"/>
+              </a:solidFill>
+            </a:ln>
+          </p:spPr>
+          <p:txBody>
+            <a:bodyPr wrap="square" rtlCol="0" anchor="t" anchorCtr="0">
+              <a:spAutoFit/>
+            </a:bodyPr>
+            <a:lstStyle/>
+            <a:p>
+              <a:pPr algn="ctr"/>
+              <a:r>
+                <a:rPr lang="en-US" sz="1200" smtClean="0"/>
+                <a:t>Avoid or manage farming in bad weather; </a:t>
+              </a:r>
+            </a:p>
+            <a:p>
+              <a:pPr algn="ctr"/>
+              <a:r>
+                <a:rPr lang="en-US" sz="1200"/>
+                <a:t>r</a:t>
+              </a:r>
+              <a:r>
+                <a:rPr lang="en-US" sz="1200" smtClean="0"/>
+                <a:t>educe excess use of seeds</a:t>
+              </a:r>
+              <a:r>
+                <a:rPr lang="en-US" sz="1200"/>
+                <a:t>, </a:t>
+              </a:r>
+              <a:r>
+                <a:rPr lang="en-US" sz="1200" smtClean="0"/>
+                <a:t>water, fertilizers and pesticides </a:t>
+              </a:r>
+            </a:p>
+          </p:txBody>
+        </p:sp>
+        <p:sp>
+          <p:nvSpPr>
+            <p:cNvPr id="132" name="TextBox 131"/>
+            <p:cNvSpPr txBox="1"/>
+            <p:nvPr/>
+          </p:nvSpPr>
+          <p:spPr>
+            <a:xfrm>
+              <a:off x="1763469" y="2113301"/>
+              <a:ext cx="1367209" cy="646331"/>
+            </a:xfrm>
+            <a:prstGeom prst="rect">
+              <a:avLst/>
+            </a:prstGeom>
+            <a:solidFill>
+              <a:schemeClr val="accent6">
+                <a:lumMod val="60000"/>
+                <a:lumOff val="40000"/>
+              </a:schemeClr>
+            </a:solidFill>
+            <a:ln>
+              <a:solidFill>
+                <a:schemeClr val="tx1"/>
+              </a:solidFill>
+            </a:ln>
+          </p:spPr>
+          <p:txBody>
+            <a:bodyPr wrap="square" rtlCol="0" anchor="t" anchorCtr="0">
+              <a:spAutoFit/>
+            </a:bodyPr>
+            <a:lstStyle/>
+            <a:p>
+              <a:pPr algn="ctr"/>
+              <a:r>
+                <a:rPr lang="en-US" sz="1200" smtClean="0"/>
+                <a:t>Accessing information </a:t>
+              </a:r>
+            </a:p>
+            <a:p>
+              <a:pPr algn="ctr"/>
+              <a:r>
+                <a:rPr lang="en-US" sz="1200" smtClean="0"/>
+                <a:t>(</a:t>
+              </a:r>
+              <a:r>
+                <a:rPr lang="en-US" sz="1200"/>
+                <a:t>women and men)</a:t>
+              </a:r>
+              <a:endParaRPr lang="en-US" sz="1200" dirty="0"/>
+            </a:p>
+          </p:txBody>
+        </p:sp>
+        <p:sp>
+          <p:nvSpPr>
+            <p:cNvPr id="179" name="TextBox 178"/>
+            <p:cNvSpPr txBox="1"/>
+            <p:nvPr/>
+          </p:nvSpPr>
+          <p:spPr>
+            <a:xfrm>
+              <a:off x="1774603" y="3997256"/>
+              <a:ext cx="1245838" cy="1015663"/>
+            </a:xfrm>
+            <a:prstGeom prst="rect">
+              <a:avLst/>
+            </a:prstGeom>
+            <a:solidFill>
+              <a:schemeClr val="accent6">
+                <a:lumMod val="60000"/>
+                <a:lumOff val="40000"/>
+              </a:schemeClr>
+            </a:solidFill>
+            <a:ln>
+              <a:solidFill>
+                <a:schemeClr val="tx1"/>
+              </a:solidFill>
+            </a:ln>
+          </p:spPr>
+          <p:txBody>
+            <a:bodyPr wrap="square" rtlCol="0" anchor="t" anchorCtr="0">
+              <a:spAutoFit/>
+            </a:bodyPr>
+            <a:lstStyle/>
+            <a:p>
+              <a:pPr algn="ctr"/>
+              <a:r>
+                <a:rPr lang="en-US" sz="1200"/>
+                <a:t>Prepare </a:t>
+              </a:r>
+              <a:r>
+                <a:rPr lang="en-US" sz="1200" smtClean="0"/>
+                <a:t>feeds; </a:t>
+              </a:r>
+              <a:r>
+                <a:rPr lang="en-US" sz="1200" dirty="0"/>
+                <a:t>do not release animals during </a:t>
+              </a:r>
+              <a:r>
+                <a:rPr lang="en-US" sz="1200"/>
+                <a:t>cold spell</a:t>
+              </a:r>
+            </a:p>
+            <a:p>
+              <a:pPr algn="ctr"/>
+              <a:endParaRPr lang="en-US" sz="1200" dirty="0"/>
+            </a:p>
+          </p:txBody>
+        </p:sp>
+        <p:sp>
+          <p:nvSpPr>
+            <p:cNvPr id="181" name="TextBox 180"/>
+            <p:cNvSpPr txBox="1"/>
+            <p:nvPr/>
+          </p:nvSpPr>
+          <p:spPr>
+            <a:xfrm>
+              <a:off x="2515993" y="3255264"/>
+              <a:ext cx="1871402" cy="461665"/>
+            </a:xfrm>
+            <a:prstGeom prst="rect">
+              <a:avLst/>
+            </a:prstGeom>
+            <a:solidFill>
+              <a:schemeClr val="accent6">
+                <a:lumMod val="60000"/>
+                <a:lumOff val="40000"/>
+              </a:schemeClr>
+            </a:solidFill>
+            <a:ln>
+              <a:solidFill>
+                <a:schemeClr val="tx1"/>
+              </a:solidFill>
+            </a:ln>
+          </p:spPr>
+          <p:txBody>
+            <a:bodyPr wrap="square" rtlCol="0" anchor="t" anchorCtr="0">
+              <a:spAutoFit/>
+            </a:bodyPr>
+            <a:lstStyle/>
+            <a:p>
+              <a:pPr algn="ctr"/>
+              <a:r>
+                <a:rPr lang="en-US" sz="1200" smtClean="0"/>
+                <a:t>Changing </a:t>
+              </a:r>
+              <a:r>
+                <a:rPr lang="en-US" sz="1200"/>
+                <a:t>gender norms (</a:t>
+              </a:r>
+              <a:r>
+                <a:rPr lang="en-US" sz="1200" dirty="0"/>
+                <a:t>women and </a:t>
+              </a:r>
+              <a:r>
+                <a:rPr lang="en-US" sz="1200"/>
+                <a:t>men) </a:t>
+              </a:r>
+              <a:endParaRPr lang="en-US" sz="1200" dirty="0"/>
+            </a:p>
+          </p:txBody>
+        </p:sp>
+        <p:cxnSp>
+          <p:nvCxnSpPr>
+            <p:cNvPr id="191" name="Straight Arrow Connector 190"/>
+            <p:cNvCxnSpPr>
+              <a:stCxn id="132" idx="2"/>
+              <a:endCxn id="181" idx="0"/>
+            </p:cNvCxnSpPr>
+            <p:nvPr/>
+          </p:nvCxnSpPr>
+          <p:spPr>
+            <a:xfrm>
+              <a:off x="2447074" y="2759632"/>
+              <a:ext cx="1004620" cy="495632"/>
+            </a:xfrm>
+            <a:prstGeom prst="straightConnector1">
+              <a:avLst/>
+            </a:prstGeom>
+            <a:ln>
+              <a:tailEnd type="triangle"/>
+            </a:ln>
+          </p:spPr>
+          <p:style>
+            <a:lnRef idx="2">
+              <a:schemeClr val="dk1"/>
+            </a:lnRef>
+            <a:fillRef idx="0">
+              <a:schemeClr val="dk1"/>
+            </a:fillRef>
+            <a:effectRef idx="1">
+              <a:schemeClr val="dk1"/>
+            </a:effectRef>
+            <a:fontRef idx="minor">
               <a:schemeClr val="tx1"/>
+            </a:fontRef>
+          </p:style>
+        </p:cxnSp>
+        <p:cxnSp>
+          <p:nvCxnSpPr>
+            <p:cNvPr id="195" name="Straight Arrow Connector 194"/>
+            <p:cNvCxnSpPr>
+              <a:stCxn id="110" idx="2"/>
+              <a:endCxn id="131" idx="0"/>
+            </p:cNvCxnSpPr>
+            <p:nvPr/>
+          </p:nvCxnSpPr>
+          <p:spPr>
+            <a:xfrm flipH="1">
+              <a:off x="446314" y="3716929"/>
+              <a:ext cx="927107" cy="280327"/>
+            </a:xfrm>
+            <a:prstGeom prst="straightConnector1">
+              <a:avLst/>
+            </a:prstGeom>
+            <a:ln>
+              <a:tailEnd type="triangle"/>
+            </a:ln>
+          </p:spPr>
+          <p:style>
+            <a:lnRef idx="2">
+              <a:schemeClr val="dk1"/>
+            </a:lnRef>
+            <a:fillRef idx="0">
+              <a:schemeClr val="dk1"/>
+            </a:fillRef>
+            <a:effectRef idx="1">
+              <a:schemeClr val="dk1"/>
+            </a:effectRef>
+            <a:fontRef idx="minor">
+              <a:schemeClr val="tx1"/>
+            </a:fontRef>
+          </p:style>
+        </p:cxnSp>
+        <p:cxnSp>
+          <p:nvCxnSpPr>
+            <p:cNvPr id="201" name="Straight Arrow Connector 200"/>
+            <p:cNvCxnSpPr>
+              <a:stCxn id="131" idx="2"/>
+              <a:endCxn id="40" idx="0"/>
+            </p:cNvCxnSpPr>
+            <p:nvPr/>
+          </p:nvCxnSpPr>
+          <p:spPr>
+            <a:xfrm flipH="1">
+              <a:off x="338112" y="5012919"/>
+              <a:ext cx="108202" cy="485679"/>
+            </a:xfrm>
+            <a:prstGeom prst="straightConnector1">
+              <a:avLst/>
+            </a:prstGeom>
+            <a:ln>
+              <a:tailEnd type="triangle"/>
+            </a:ln>
+          </p:spPr>
+          <p:style>
+            <a:lnRef idx="2">
+              <a:schemeClr val="dk1"/>
+            </a:lnRef>
+            <a:fillRef idx="0">
+              <a:schemeClr val="dk1"/>
+            </a:fillRef>
+            <a:effectRef idx="1">
+              <a:schemeClr val="dk1"/>
+            </a:effectRef>
+            <a:fontRef idx="minor">
+              <a:schemeClr val="tx1"/>
+            </a:fontRef>
+          </p:style>
+        </p:cxnSp>
+        <p:cxnSp>
+          <p:nvCxnSpPr>
+            <p:cNvPr id="204" name="Straight Arrow Connector 203"/>
+            <p:cNvCxnSpPr>
+              <a:stCxn id="131" idx="2"/>
+              <a:endCxn id="41" idx="0"/>
+            </p:cNvCxnSpPr>
+            <p:nvPr/>
+          </p:nvCxnSpPr>
+          <p:spPr>
+            <a:xfrm>
+              <a:off x="446314" y="5012919"/>
+              <a:ext cx="2660659" cy="485679"/>
+            </a:xfrm>
+            <a:prstGeom prst="straightConnector1">
+              <a:avLst/>
+            </a:prstGeom>
+            <a:ln>
+              <a:tailEnd type="triangle"/>
+            </a:ln>
+          </p:spPr>
+          <p:style>
+            <a:lnRef idx="2">
+              <a:schemeClr val="dk1"/>
+            </a:lnRef>
+            <a:fillRef idx="0">
+              <a:schemeClr val="dk1"/>
+            </a:fillRef>
+            <a:effectRef idx="1">
+              <a:schemeClr val="dk1"/>
+            </a:effectRef>
+            <a:fontRef idx="minor">
+              <a:schemeClr val="tx1"/>
+            </a:fontRef>
+          </p:style>
+        </p:cxnSp>
+        <p:cxnSp>
+          <p:nvCxnSpPr>
+            <p:cNvPr id="207" name="Straight Arrow Connector 206"/>
+            <p:cNvCxnSpPr>
+              <a:stCxn id="110" idx="2"/>
+              <a:endCxn id="179" idx="0"/>
+            </p:cNvCxnSpPr>
+            <p:nvPr/>
+          </p:nvCxnSpPr>
+          <p:spPr>
+            <a:xfrm>
+              <a:off x="1373421" y="3716929"/>
+              <a:ext cx="1024101" cy="280327"/>
+            </a:xfrm>
+            <a:prstGeom prst="straightConnector1">
+              <a:avLst/>
+            </a:prstGeom>
+            <a:ln>
+              <a:tailEnd type="triangle"/>
+            </a:ln>
+          </p:spPr>
+          <p:style>
+            <a:lnRef idx="2">
+              <a:schemeClr val="dk1"/>
+            </a:lnRef>
+            <a:fillRef idx="0">
+              <a:schemeClr val="dk1"/>
+            </a:fillRef>
+            <a:effectRef idx="1">
+              <a:schemeClr val="dk1"/>
+            </a:effectRef>
+            <a:fontRef idx="minor">
+              <a:schemeClr val="tx1"/>
+            </a:fontRef>
+          </p:style>
+        </p:cxnSp>
+        <p:cxnSp>
+          <p:nvCxnSpPr>
+            <p:cNvPr id="215" name="Straight Arrow Connector 214"/>
+            <p:cNvCxnSpPr>
+              <a:stCxn id="181" idx="2"/>
+              <a:endCxn id="123" idx="0"/>
+            </p:cNvCxnSpPr>
+            <p:nvPr/>
+          </p:nvCxnSpPr>
+          <p:spPr>
+            <a:xfrm>
+              <a:off x="3451694" y="3716929"/>
+              <a:ext cx="807982" cy="280327"/>
+            </a:xfrm>
+            <a:prstGeom prst="straightConnector1">
+              <a:avLst/>
+            </a:prstGeom>
+            <a:ln>
+              <a:tailEnd type="triangle"/>
+            </a:ln>
+          </p:spPr>
+          <p:style>
+            <a:lnRef idx="2">
+              <a:schemeClr val="dk1"/>
+            </a:lnRef>
+            <a:fillRef idx="0">
+              <a:schemeClr val="dk1"/>
+            </a:fillRef>
+            <a:effectRef idx="1">
+              <a:schemeClr val="dk1"/>
+            </a:effectRef>
+            <a:fontRef idx="minor">
+              <a:schemeClr val="tx1"/>
+            </a:fontRef>
+          </p:style>
+        </p:cxnSp>
+        <p:cxnSp>
+          <p:nvCxnSpPr>
+            <p:cNvPr id="220" name="Straight Arrow Connector 219"/>
+            <p:cNvCxnSpPr>
+              <a:stCxn id="123" idx="2"/>
+              <a:endCxn id="68" idx="0"/>
+            </p:cNvCxnSpPr>
+            <p:nvPr/>
+          </p:nvCxnSpPr>
+          <p:spPr>
+            <a:xfrm flipH="1">
+              <a:off x="1747739" y="5012919"/>
+              <a:ext cx="2511937" cy="489750"/>
+            </a:xfrm>
+            <a:prstGeom prst="straightConnector1">
+              <a:avLst/>
+            </a:prstGeom>
+            <a:ln>
+              <a:tailEnd type="triangle"/>
+            </a:ln>
+          </p:spPr>
+          <p:style>
+            <a:lnRef idx="2">
+              <a:schemeClr val="dk1"/>
+            </a:lnRef>
+            <a:fillRef idx="0">
+              <a:schemeClr val="dk1"/>
+            </a:fillRef>
+            <a:effectRef idx="1">
+              <a:schemeClr val="dk1"/>
+            </a:effectRef>
+            <a:fontRef idx="minor">
+              <a:schemeClr val="tx1"/>
+            </a:fontRef>
+          </p:style>
+        </p:cxnSp>
+        <p:cxnSp>
+          <p:nvCxnSpPr>
+            <p:cNvPr id="223" name="Straight Arrow Connector 222"/>
+            <p:cNvCxnSpPr>
+              <a:stCxn id="123" idx="2"/>
+              <a:endCxn id="42" idx="0"/>
+            </p:cNvCxnSpPr>
+            <p:nvPr/>
+          </p:nvCxnSpPr>
+          <p:spPr>
+            <a:xfrm>
+              <a:off x="4259676" y="5012919"/>
+              <a:ext cx="358876" cy="489750"/>
+            </a:xfrm>
+            <a:prstGeom prst="straightConnector1">
+              <a:avLst/>
+            </a:prstGeom>
+            <a:ln>
+              <a:tailEnd type="triangle"/>
+            </a:ln>
+          </p:spPr>
+          <p:style>
+            <a:lnRef idx="2">
+              <a:schemeClr val="dk1"/>
+            </a:lnRef>
+            <a:fillRef idx="0">
+              <a:schemeClr val="dk1"/>
+            </a:fillRef>
+            <a:effectRef idx="1">
+              <a:schemeClr val="dk1"/>
+            </a:effectRef>
+            <a:fontRef idx="minor">
+              <a:schemeClr val="tx1"/>
+            </a:fontRef>
+          </p:style>
+        </p:cxnSp>
+        <p:sp>
+          <p:nvSpPr>
+            <p:cNvPr id="241" name="TextBox 240"/>
+            <p:cNvSpPr txBox="1"/>
+            <p:nvPr/>
+          </p:nvSpPr>
+          <p:spPr>
+            <a:xfrm>
+              <a:off x="5417409" y="5498598"/>
+              <a:ext cx="977965" cy="830997"/>
+            </a:xfrm>
+            <a:prstGeom prst="rect">
+              <a:avLst/>
+            </a:prstGeom>
+            <a:solidFill>
+              <a:schemeClr val="accent6">
+                <a:lumMod val="60000"/>
+                <a:lumOff val="40000"/>
+              </a:schemeClr>
             </a:solidFill>
-          </a:ln>
-        </p:spPr>
-        <p:txBody>
-          <a:bodyPr wrap="square" rtlCol="0">
-            <a:spAutoFit/>
-          </a:bodyPr>
-          <a:lstStyle/>
-          <a:p>
-            <a:pPr algn="ctr"/>
-            <a:r>
-              <a:rPr lang="en-US" sz="1147" dirty="0"/>
-              <a:t>Benefits of interventions</a:t>
-            </a:r>
-          </a:p>
-        </p:txBody>
-      </p:sp>
-      <p:sp>
-        <p:nvSpPr>
-          <p:cNvPr id="40" name="TextBox 39"/>
-          <p:cNvSpPr txBox="1"/>
-          <p:nvPr/>
-        </p:nvSpPr>
-        <p:spPr>
-          <a:xfrm>
-            <a:off x="93690" y="5738477"/>
-            <a:ext cx="1207398" cy="798424"/>
-          </a:xfrm>
-          <a:prstGeom prst="rect">
-            <a:avLst/>
-          </a:prstGeom>
-          <a:solidFill>
-            <a:schemeClr val="accent6">
-              <a:lumMod val="60000"/>
-              <a:lumOff val="40000"/>
-            </a:schemeClr>
-          </a:solidFill>
-          <a:ln>
-            <a:solidFill>
+            <a:ln>
+              <a:solidFill>
+                <a:schemeClr val="tx1"/>
+              </a:solidFill>
+            </a:ln>
+          </p:spPr>
+          <p:txBody>
+            <a:bodyPr wrap="square" rtlCol="0" anchor="t" anchorCtr="0">
+              <a:spAutoFit/>
+            </a:bodyPr>
+            <a:lstStyle/>
+            <a:p>
+              <a:pPr algn="ctr"/>
+              <a:r>
+                <a:rPr lang="en-US" sz="1200" smtClean="0"/>
+                <a:t>Reduced</a:t>
+              </a:r>
+              <a:endParaRPr lang="en-US" sz="1200" dirty="0"/>
+            </a:p>
+            <a:p>
+              <a:pPr algn="ctr"/>
+              <a:r>
+                <a:rPr lang="en-US" sz="1200"/>
+                <a:t>health </a:t>
+              </a:r>
+              <a:r>
+                <a:rPr lang="en-US" sz="1200" smtClean="0"/>
+                <a:t>expenditure</a:t>
+              </a:r>
+            </a:p>
+            <a:p>
+              <a:pPr algn="ctr"/>
+              <a:endParaRPr lang="en-US" sz="1200"/>
+            </a:p>
+          </p:txBody>
+        </p:sp>
+        <p:cxnSp>
+          <p:nvCxnSpPr>
+            <p:cNvPr id="244" name="Straight Arrow Connector 243"/>
+            <p:cNvCxnSpPr>
+              <a:stCxn id="131" idx="2"/>
+              <a:endCxn id="241" idx="0"/>
+            </p:cNvCxnSpPr>
+            <p:nvPr/>
+          </p:nvCxnSpPr>
+          <p:spPr>
+            <a:xfrm>
+              <a:off x="446314" y="5012919"/>
+              <a:ext cx="5460078" cy="485679"/>
+            </a:xfrm>
+            <a:prstGeom prst="straightConnector1">
+              <a:avLst/>
+            </a:prstGeom>
+            <a:ln>
+              <a:tailEnd type="triangle"/>
+            </a:ln>
+          </p:spPr>
+          <p:style>
+            <a:lnRef idx="2">
+              <a:schemeClr val="dk1"/>
+            </a:lnRef>
+            <a:fillRef idx="0">
+              <a:schemeClr val="dk1"/>
+            </a:fillRef>
+            <a:effectRef idx="1">
+              <a:schemeClr val="dk1"/>
+            </a:effectRef>
+            <a:fontRef idx="minor">
               <a:schemeClr val="tx1"/>
-            </a:solidFill>
-          </a:ln>
-        </p:spPr>
-        <p:txBody>
-          <a:bodyPr wrap="square" rtlCol="0">
-            <a:spAutoFit/>
-          </a:bodyPr>
-          <a:lstStyle/>
-          <a:p>
-            <a:pPr algn="ctr"/>
-            <a:r>
-              <a:rPr lang="en-US" sz="1147" dirty="0"/>
-              <a:t>Reduced </a:t>
-            </a:r>
-            <a:r>
-              <a:rPr lang="en-US" sz="1147"/>
-              <a:t>inputs</a:t>
-            </a:r>
-            <a:r>
-              <a:rPr lang="en-US" sz="1147" smtClean="0"/>
-              <a:t>, reduced harvest losses, increased </a:t>
-            </a:r>
-            <a:r>
-              <a:rPr lang="en-US" sz="1147" dirty="0"/>
-              <a:t>yields (rice)</a:t>
-            </a:r>
-          </a:p>
-        </p:txBody>
-      </p:sp>
-      <p:sp>
-        <p:nvSpPr>
-          <p:cNvPr id="41" name="TextBox 40"/>
-          <p:cNvSpPr txBox="1"/>
-          <p:nvPr/>
-        </p:nvSpPr>
-        <p:spPr>
-          <a:xfrm>
-            <a:off x="2533849" y="5726385"/>
-            <a:ext cx="1256677" cy="830997"/>
-          </a:xfrm>
-          <a:prstGeom prst="rect">
-            <a:avLst/>
-          </a:prstGeom>
-          <a:solidFill>
-            <a:schemeClr val="accent6">
-              <a:lumMod val="60000"/>
-              <a:lumOff val="40000"/>
-            </a:schemeClr>
-          </a:solidFill>
-          <a:ln>
-            <a:solidFill>
-              <a:schemeClr val="tx1"/>
-            </a:solidFill>
-          </a:ln>
-        </p:spPr>
-        <p:txBody>
-          <a:bodyPr wrap="square" rtlCol="0">
-            <a:spAutoFit/>
-          </a:bodyPr>
-          <a:lstStyle/>
-          <a:p>
-            <a:pPr algn="ctr"/>
-            <a:r>
-              <a:rPr lang="en-US" sz="1200" dirty="0"/>
-              <a:t>Cleaner drinking </a:t>
-            </a:r>
-            <a:r>
-              <a:rPr lang="en-US" sz="1200"/>
-              <a:t>water</a:t>
-            </a:r>
-            <a:r>
-              <a:rPr lang="en-US" sz="1200" smtClean="0"/>
-              <a:t>, reduced </a:t>
-            </a:r>
-            <a:r>
-              <a:rPr lang="en-US" sz="1200"/>
-              <a:t>fish </a:t>
-            </a:r>
-            <a:r>
-              <a:rPr lang="en-US" sz="1200" smtClean="0"/>
-              <a:t>death, reduce GHG</a:t>
-            </a:r>
-            <a:endParaRPr lang="en-US" sz="1200" dirty="0"/>
-          </a:p>
-        </p:txBody>
-      </p:sp>
-      <p:sp>
-        <p:nvSpPr>
-          <p:cNvPr id="42" name="TextBox 41"/>
-          <p:cNvSpPr txBox="1"/>
-          <p:nvPr/>
-        </p:nvSpPr>
-        <p:spPr>
-          <a:xfrm>
-            <a:off x="3857346" y="5723509"/>
-            <a:ext cx="1268846" cy="798424"/>
-          </a:xfrm>
-          <a:prstGeom prst="rect">
-            <a:avLst/>
-          </a:prstGeom>
-          <a:solidFill>
-            <a:schemeClr val="accent6">
-              <a:lumMod val="60000"/>
-              <a:lumOff val="40000"/>
-            </a:schemeClr>
-          </a:solidFill>
-          <a:ln>
-            <a:solidFill>
-              <a:schemeClr val="tx1"/>
-            </a:solidFill>
-          </a:ln>
-        </p:spPr>
-        <p:txBody>
-          <a:bodyPr wrap="square" rtlCol="0">
-            <a:spAutoFit/>
-          </a:bodyPr>
-          <a:lstStyle/>
-          <a:p>
-            <a:pPr algn="ctr"/>
-            <a:r>
-              <a:rPr lang="en-US" sz="1147" smtClean="0"/>
-              <a:t>Additional </a:t>
-            </a:r>
-          </a:p>
-          <a:p>
-            <a:pPr algn="ctr"/>
-            <a:r>
-              <a:rPr lang="en-US" sz="1147" smtClean="0"/>
-              <a:t>farming and non-farm livelihood income</a:t>
-            </a:r>
-            <a:endParaRPr lang="en-US" sz="1147" dirty="0"/>
-          </a:p>
-        </p:txBody>
-      </p:sp>
-      <p:sp>
-        <p:nvSpPr>
-          <p:cNvPr id="68" name="TextBox 67"/>
-          <p:cNvSpPr txBox="1"/>
-          <p:nvPr/>
-        </p:nvSpPr>
-        <p:spPr>
-          <a:xfrm>
-            <a:off x="1361589" y="5739840"/>
-            <a:ext cx="1112438" cy="798424"/>
-          </a:xfrm>
-          <a:prstGeom prst="rect">
-            <a:avLst/>
-          </a:prstGeom>
-          <a:solidFill>
-            <a:schemeClr val="accent6">
-              <a:lumMod val="60000"/>
-              <a:lumOff val="40000"/>
-            </a:schemeClr>
-          </a:solidFill>
-          <a:ln>
-            <a:solidFill>
-              <a:schemeClr val="tx1"/>
-            </a:solidFill>
-          </a:ln>
-        </p:spPr>
-        <p:txBody>
-          <a:bodyPr wrap="square" rtlCol="0">
-            <a:spAutoFit/>
-          </a:bodyPr>
-          <a:lstStyle/>
-          <a:p>
-            <a:pPr algn="ctr"/>
-            <a:r>
-              <a:rPr lang="en-US" sz="1147" dirty="0" smtClean="0"/>
-              <a:t>Reduced </a:t>
-            </a:r>
-            <a:r>
-              <a:rPr lang="en-US" sz="1147" dirty="0"/>
-              <a:t>buffalo, cow</a:t>
-            </a:r>
-          </a:p>
-          <a:p>
-            <a:pPr algn="ctr"/>
-            <a:r>
-              <a:rPr lang="en-US" sz="1147" smtClean="0"/>
-              <a:t>death</a:t>
-            </a:r>
-            <a:endParaRPr lang="en-US" sz="1147" dirty="0" smtClean="0"/>
-          </a:p>
-          <a:p>
-            <a:pPr algn="ctr"/>
-            <a:endParaRPr lang="en-US" sz="1147" dirty="0"/>
-          </a:p>
-        </p:txBody>
-      </p:sp>
-      <p:sp>
-        <p:nvSpPr>
-          <p:cNvPr id="110" name="TextBox 109"/>
-          <p:cNvSpPr txBox="1"/>
-          <p:nvPr/>
-        </p:nvSpPr>
-        <p:spPr>
-          <a:xfrm>
-            <a:off x="132489" y="3049172"/>
-            <a:ext cx="1978546" cy="461665"/>
-          </a:xfrm>
-          <a:prstGeom prst="rect">
-            <a:avLst/>
-          </a:prstGeom>
-          <a:solidFill>
-            <a:schemeClr val="accent6">
-              <a:lumMod val="60000"/>
-              <a:lumOff val="40000"/>
-            </a:schemeClr>
-          </a:solidFill>
-          <a:ln>
-            <a:solidFill>
-              <a:schemeClr val="tx1"/>
-            </a:solidFill>
-          </a:ln>
-        </p:spPr>
-        <p:txBody>
-          <a:bodyPr wrap="square" rtlCol="0">
-            <a:spAutoFit/>
-          </a:bodyPr>
-          <a:lstStyle/>
-          <a:p>
-            <a:pPr algn="ctr"/>
-            <a:r>
-              <a:rPr lang="en-US" sz="1200" smtClean="0"/>
-              <a:t>Risk, </a:t>
-            </a:r>
-            <a:r>
-              <a:rPr lang="en-US" sz="1200" dirty="0" smtClean="0"/>
-              <a:t>uncertainty </a:t>
-            </a:r>
-            <a:r>
-              <a:rPr lang="en-US" sz="1200"/>
-              <a:t>informed </a:t>
-            </a:r>
-            <a:r>
-              <a:rPr lang="en-US" sz="1200" smtClean="0"/>
-              <a:t>planning  </a:t>
-            </a:r>
-          </a:p>
-        </p:txBody>
-      </p:sp>
-      <p:sp>
-        <p:nvSpPr>
-          <p:cNvPr id="123" name="TextBox 122"/>
-          <p:cNvSpPr txBox="1"/>
-          <p:nvPr/>
-        </p:nvSpPr>
-        <p:spPr>
-          <a:xfrm>
-            <a:off x="3468586" y="4005138"/>
-            <a:ext cx="1684126" cy="974947"/>
-          </a:xfrm>
-          <a:prstGeom prst="rect">
-            <a:avLst/>
-          </a:prstGeom>
-          <a:solidFill>
-            <a:schemeClr val="accent6">
-              <a:lumMod val="60000"/>
-              <a:lumOff val="40000"/>
-            </a:schemeClr>
-          </a:solidFill>
-          <a:ln>
-            <a:solidFill>
-              <a:schemeClr val="tx1"/>
-            </a:solidFill>
-          </a:ln>
-        </p:spPr>
-        <p:txBody>
-          <a:bodyPr wrap="square" rtlCol="0">
-            <a:spAutoFit/>
-          </a:bodyPr>
-          <a:lstStyle/>
-          <a:p>
-            <a:pPr algn="ctr"/>
-            <a:r>
-              <a:rPr lang="en-US" sz="1147" smtClean="0"/>
-              <a:t>Redistribute labor division, </a:t>
-            </a:r>
-          </a:p>
-          <a:p>
-            <a:pPr algn="ctr"/>
-            <a:r>
-              <a:rPr lang="en-US" sz="1147" smtClean="0"/>
-              <a:t>respect and share choice</a:t>
-            </a:r>
-            <a:r>
-              <a:rPr lang="en-US" sz="1147"/>
-              <a:t>, </a:t>
-            </a:r>
-            <a:r>
-              <a:rPr lang="en-US" sz="1147" smtClean="0"/>
-              <a:t>decision between women and men</a:t>
-            </a:r>
-            <a:endParaRPr lang="en-US" sz="1147" dirty="0"/>
-          </a:p>
-        </p:txBody>
-      </p:sp>
-      <p:sp>
-        <p:nvSpPr>
-          <p:cNvPr id="131" name="TextBox 130"/>
-          <p:cNvSpPr txBox="1"/>
-          <p:nvPr/>
-        </p:nvSpPr>
-        <p:spPr>
-          <a:xfrm>
-            <a:off x="52502" y="4001718"/>
-            <a:ext cx="1760290" cy="1015663"/>
-          </a:xfrm>
-          <a:prstGeom prst="rect">
-            <a:avLst/>
-          </a:prstGeom>
-          <a:solidFill>
-            <a:schemeClr val="accent6">
-              <a:lumMod val="60000"/>
-              <a:lumOff val="40000"/>
-            </a:schemeClr>
-          </a:solidFill>
-          <a:ln>
-            <a:solidFill>
-              <a:schemeClr val="tx1"/>
-            </a:solidFill>
-          </a:ln>
-        </p:spPr>
-        <p:txBody>
-          <a:bodyPr wrap="square" rtlCol="0">
-            <a:spAutoFit/>
-          </a:bodyPr>
-          <a:lstStyle/>
-          <a:p>
-            <a:pPr algn="ctr"/>
-            <a:r>
-              <a:rPr lang="en-US" sz="1200" smtClean="0"/>
-              <a:t>Avoid or manage farming in bad weathers, </a:t>
-            </a:r>
-          </a:p>
-          <a:p>
-            <a:pPr algn="ctr"/>
-            <a:r>
-              <a:rPr lang="en-US" sz="1200"/>
-              <a:t>r</a:t>
-            </a:r>
-            <a:r>
-              <a:rPr lang="en-US" sz="1200" smtClean="0"/>
-              <a:t>educe excess use of seeds</a:t>
-            </a:r>
-            <a:r>
-              <a:rPr lang="en-US" sz="1200"/>
-              <a:t>, </a:t>
-            </a:r>
-            <a:r>
-              <a:rPr lang="en-US" sz="1200" smtClean="0"/>
-              <a:t>water, fertilizers and pesticides </a:t>
-            </a:r>
-          </a:p>
-        </p:txBody>
-      </p:sp>
-      <p:sp>
-        <p:nvSpPr>
-          <p:cNvPr id="132" name="TextBox 131"/>
-          <p:cNvSpPr txBox="1"/>
-          <p:nvPr/>
-        </p:nvSpPr>
-        <p:spPr>
-          <a:xfrm>
-            <a:off x="1863628" y="2113933"/>
-            <a:ext cx="1298065" cy="621902"/>
-          </a:xfrm>
-          <a:prstGeom prst="rect">
-            <a:avLst/>
-          </a:prstGeom>
-          <a:solidFill>
-            <a:schemeClr val="accent6">
-              <a:lumMod val="60000"/>
-              <a:lumOff val="40000"/>
-            </a:schemeClr>
-          </a:solidFill>
-          <a:ln>
-            <a:solidFill>
-              <a:schemeClr val="tx1"/>
-            </a:solidFill>
-          </a:ln>
-        </p:spPr>
-        <p:txBody>
-          <a:bodyPr wrap="square" rtlCol="0">
-            <a:spAutoFit/>
-          </a:bodyPr>
-          <a:lstStyle/>
-          <a:p>
-            <a:pPr algn="ctr"/>
-            <a:r>
-              <a:rPr lang="en-US" sz="1147" dirty="0"/>
-              <a:t>Information access</a:t>
-            </a:r>
-          </a:p>
-          <a:p>
-            <a:pPr algn="ctr"/>
-            <a:r>
-              <a:rPr lang="en-US" sz="1147" smtClean="0"/>
-              <a:t>(women </a:t>
-            </a:r>
-            <a:r>
-              <a:rPr lang="en-US" sz="1147"/>
-              <a:t>and </a:t>
-            </a:r>
-            <a:r>
-              <a:rPr lang="en-US" sz="1147" smtClean="0"/>
-              <a:t>men)</a:t>
-            </a:r>
-            <a:endParaRPr lang="en-US" sz="1147" dirty="0"/>
-          </a:p>
-        </p:txBody>
-      </p:sp>
-      <p:sp>
-        <p:nvSpPr>
-          <p:cNvPr id="179" name="TextBox 178"/>
-          <p:cNvSpPr txBox="1"/>
-          <p:nvPr/>
-        </p:nvSpPr>
-        <p:spPr>
-          <a:xfrm>
-            <a:off x="2003872" y="3980709"/>
-            <a:ext cx="1245838" cy="1015663"/>
-          </a:xfrm>
-          <a:prstGeom prst="rect">
-            <a:avLst/>
-          </a:prstGeom>
-          <a:solidFill>
-            <a:schemeClr val="accent6">
-              <a:lumMod val="60000"/>
-              <a:lumOff val="40000"/>
-            </a:schemeClr>
-          </a:solidFill>
-          <a:ln>
-            <a:solidFill>
-              <a:schemeClr val="tx1"/>
-            </a:solidFill>
-          </a:ln>
-        </p:spPr>
-        <p:txBody>
-          <a:bodyPr wrap="square" rtlCol="0">
-            <a:spAutoFit/>
-          </a:bodyPr>
-          <a:lstStyle/>
-          <a:p>
-            <a:pPr algn="ctr"/>
-            <a:r>
-              <a:rPr lang="en-US" sz="1200" dirty="0"/>
-              <a:t>Prepare </a:t>
-            </a:r>
-            <a:r>
-              <a:rPr lang="en-US" sz="1200" dirty="0" smtClean="0"/>
-              <a:t>feeds</a:t>
-            </a:r>
-            <a:r>
-              <a:rPr lang="en-US" sz="1200" dirty="0"/>
-              <a:t>, do not release animals during </a:t>
-            </a:r>
-            <a:r>
-              <a:rPr lang="en-US" sz="1200" smtClean="0"/>
-              <a:t>cold spell</a:t>
-            </a:r>
-          </a:p>
-          <a:p>
-            <a:pPr algn="ctr"/>
-            <a:endParaRPr lang="en-US" sz="1200" dirty="0"/>
-          </a:p>
-        </p:txBody>
-      </p:sp>
-      <p:sp>
-        <p:nvSpPr>
-          <p:cNvPr id="181" name="TextBox 180"/>
-          <p:cNvSpPr txBox="1"/>
-          <p:nvPr/>
-        </p:nvSpPr>
-        <p:spPr>
-          <a:xfrm>
-            <a:off x="2515993" y="3035145"/>
-            <a:ext cx="1871402" cy="461665"/>
-          </a:xfrm>
-          <a:prstGeom prst="rect">
-            <a:avLst/>
-          </a:prstGeom>
-          <a:solidFill>
-            <a:schemeClr val="accent6">
-              <a:lumMod val="60000"/>
-              <a:lumOff val="40000"/>
-            </a:schemeClr>
-          </a:solidFill>
-          <a:ln>
-            <a:solidFill>
-              <a:schemeClr val="tx1"/>
-            </a:solidFill>
-          </a:ln>
-        </p:spPr>
-        <p:txBody>
-          <a:bodyPr wrap="square" rtlCol="0">
-            <a:spAutoFit/>
-          </a:bodyPr>
-          <a:lstStyle/>
-          <a:p>
-            <a:pPr algn="ctr"/>
-            <a:r>
-              <a:rPr lang="en-US" sz="1200" dirty="0" smtClean="0"/>
-              <a:t>Change </a:t>
-            </a:r>
-            <a:r>
-              <a:rPr lang="en-US" sz="1200" smtClean="0"/>
-              <a:t>gender norms (</a:t>
-            </a:r>
-            <a:r>
-              <a:rPr lang="en-US" sz="1200" dirty="0" smtClean="0"/>
-              <a:t>women and </a:t>
-            </a:r>
-            <a:r>
-              <a:rPr lang="en-US" sz="1200" smtClean="0"/>
-              <a:t>men) </a:t>
-            </a:r>
-            <a:endParaRPr lang="en-US" sz="1200" dirty="0"/>
-          </a:p>
-        </p:txBody>
-      </p:sp>
-      <p:cxnSp>
-        <p:nvCxnSpPr>
-          <p:cNvPr id="191" name="Straight Arrow Connector 190"/>
-          <p:cNvCxnSpPr>
-            <a:stCxn id="132" idx="2"/>
-            <a:endCxn id="181" idx="0"/>
-          </p:cNvCxnSpPr>
-          <p:nvPr/>
-        </p:nvCxnSpPr>
-        <p:spPr>
-          <a:xfrm>
-            <a:off x="2512661" y="2735835"/>
-            <a:ext cx="939033" cy="299310"/>
-          </a:xfrm>
-          <a:prstGeom prst="straightConnector1">
-            <a:avLst/>
-          </a:prstGeom>
-          <a:ln>
-            <a:tailEnd type="triangle"/>
-          </a:ln>
-        </p:spPr>
-        <p:style>
-          <a:lnRef idx="2">
-            <a:schemeClr val="dk1"/>
-          </a:lnRef>
-          <a:fillRef idx="0">
-            <a:schemeClr val="dk1"/>
-          </a:fillRef>
-          <a:effectRef idx="1">
-            <a:schemeClr val="dk1"/>
-          </a:effectRef>
-          <a:fontRef idx="minor">
-            <a:schemeClr val="tx1"/>
-          </a:fontRef>
-        </p:style>
-      </p:cxnSp>
-      <p:cxnSp>
-        <p:nvCxnSpPr>
-          <p:cNvPr id="195" name="Straight Arrow Connector 194"/>
-          <p:cNvCxnSpPr>
-            <a:stCxn id="110" idx="2"/>
-            <a:endCxn id="131" idx="0"/>
-          </p:cNvCxnSpPr>
-          <p:nvPr/>
-        </p:nvCxnSpPr>
-        <p:spPr>
-          <a:xfrm flipH="1">
-            <a:off x="932647" y="3510837"/>
-            <a:ext cx="189115" cy="490881"/>
-          </a:xfrm>
-          <a:prstGeom prst="straightConnector1">
-            <a:avLst/>
-          </a:prstGeom>
-          <a:ln>
-            <a:tailEnd type="triangle"/>
-          </a:ln>
-        </p:spPr>
-        <p:style>
-          <a:lnRef idx="2">
-            <a:schemeClr val="dk1"/>
-          </a:lnRef>
-          <a:fillRef idx="0">
-            <a:schemeClr val="dk1"/>
-          </a:fillRef>
-          <a:effectRef idx="1">
-            <a:schemeClr val="dk1"/>
-          </a:effectRef>
-          <a:fontRef idx="minor">
-            <a:schemeClr val="tx1"/>
-          </a:fontRef>
-        </p:style>
-      </p:cxnSp>
-      <p:cxnSp>
-        <p:nvCxnSpPr>
-          <p:cNvPr id="201" name="Straight Arrow Connector 200"/>
-          <p:cNvCxnSpPr>
-            <a:stCxn id="131" idx="2"/>
-            <a:endCxn id="40" idx="0"/>
-          </p:cNvCxnSpPr>
-          <p:nvPr/>
-        </p:nvCxnSpPr>
-        <p:spPr>
-          <a:xfrm flipH="1">
-            <a:off x="697389" y="5017381"/>
-            <a:ext cx="235258" cy="721096"/>
-          </a:xfrm>
-          <a:prstGeom prst="straightConnector1">
-            <a:avLst/>
-          </a:prstGeom>
-          <a:ln>
-            <a:tailEnd type="triangle"/>
-          </a:ln>
-        </p:spPr>
-        <p:style>
-          <a:lnRef idx="2">
-            <a:schemeClr val="dk1"/>
-          </a:lnRef>
-          <a:fillRef idx="0">
-            <a:schemeClr val="dk1"/>
-          </a:fillRef>
-          <a:effectRef idx="1">
-            <a:schemeClr val="dk1"/>
-          </a:effectRef>
-          <a:fontRef idx="minor">
-            <a:schemeClr val="tx1"/>
-          </a:fontRef>
-        </p:style>
-      </p:cxnSp>
-      <p:cxnSp>
-        <p:nvCxnSpPr>
-          <p:cNvPr id="204" name="Straight Arrow Connector 203"/>
-          <p:cNvCxnSpPr>
-            <a:stCxn id="131" idx="2"/>
-            <a:endCxn id="41" idx="0"/>
-          </p:cNvCxnSpPr>
-          <p:nvPr/>
-        </p:nvCxnSpPr>
-        <p:spPr>
-          <a:xfrm>
-            <a:off x="932647" y="5017381"/>
-            <a:ext cx="2229541" cy="709004"/>
-          </a:xfrm>
-          <a:prstGeom prst="straightConnector1">
-            <a:avLst/>
-          </a:prstGeom>
-          <a:ln>
-            <a:tailEnd type="triangle"/>
-          </a:ln>
-        </p:spPr>
-        <p:style>
-          <a:lnRef idx="2">
-            <a:schemeClr val="dk1"/>
-          </a:lnRef>
-          <a:fillRef idx="0">
-            <a:schemeClr val="dk1"/>
-          </a:fillRef>
-          <a:effectRef idx="1">
-            <a:schemeClr val="dk1"/>
-          </a:effectRef>
-          <a:fontRef idx="minor">
-            <a:schemeClr val="tx1"/>
-          </a:fontRef>
-        </p:style>
-      </p:cxnSp>
-      <p:cxnSp>
-        <p:nvCxnSpPr>
-          <p:cNvPr id="207" name="Straight Arrow Connector 206"/>
-          <p:cNvCxnSpPr>
-            <a:stCxn id="110" idx="2"/>
-            <a:endCxn id="179" idx="0"/>
-          </p:cNvCxnSpPr>
-          <p:nvPr/>
-        </p:nvCxnSpPr>
-        <p:spPr>
-          <a:xfrm>
-            <a:off x="1121762" y="3510837"/>
-            <a:ext cx="1505029" cy="469872"/>
-          </a:xfrm>
-          <a:prstGeom prst="straightConnector1">
-            <a:avLst/>
-          </a:prstGeom>
-          <a:ln>
-            <a:tailEnd type="triangle"/>
-          </a:ln>
-        </p:spPr>
-        <p:style>
-          <a:lnRef idx="2">
-            <a:schemeClr val="dk1"/>
-          </a:lnRef>
-          <a:fillRef idx="0">
-            <a:schemeClr val="dk1"/>
-          </a:fillRef>
-          <a:effectRef idx="1">
-            <a:schemeClr val="dk1"/>
-          </a:effectRef>
-          <a:fontRef idx="minor">
-            <a:schemeClr val="tx1"/>
-          </a:fontRef>
-        </p:style>
-      </p:cxnSp>
-      <p:cxnSp>
-        <p:nvCxnSpPr>
-          <p:cNvPr id="215" name="Straight Arrow Connector 214"/>
-          <p:cNvCxnSpPr>
-            <a:stCxn id="181" idx="2"/>
-            <a:endCxn id="123" idx="0"/>
-          </p:cNvCxnSpPr>
-          <p:nvPr/>
-        </p:nvCxnSpPr>
-        <p:spPr>
-          <a:xfrm>
-            <a:off x="3451694" y="3496810"/>
-            <a:ext cx="858955" cy="508328"/>
-          </a:xfrm>
-          <a:prstGeom prst="straightConnector1">
-            <a:avLst/>
-          </a:prstGeom>
-          <a:ln>
-            <a:tailEnd type="triangle"/>
-          </a:ln>
-        </p:spPr>
-        <p:style>
-          <a:lnRef idx="2">
-            <a:schemeClr val="dk1"/>
-          </a:lnRef>
-          <a:fillRef idx="0">
-            <a:schemeClr val="dk1"/>
-          </a:fillRef>
-          <a:effectRef idx="1">
-            <a:schemeClr val="dk1"/>
-          </a:effectRef>
-          <a:fontRef idx="minor">
-            <a:schemeClr val="tx1"/>
-          </a:fontRef>
-        </p:style>
-      </p:cxnSp>
-      <p:cxnSp>
-        <p:nvCxnSpPr>
-          <p:cNvPr id="220" name="Straight Arrow Connector 219"/>
-          <p:cNvCxnSpPr>
-            <a:stCxn id="123" idx="2"/>
-            <a:endCxn id="68" idx="0"/>
-          </p:cNvCxnSpPr>
-          <p:nvPr/>
-        </p:nvCxnSpPr>
-        <p:spPr>
-          <a:xfrm flipH="1">
-            <a:off x="1917808" y="4980085"/>
-            <a:ext cx="2392841" cy="759755"/>
-          </a:xfrm>
-          <a:prstGeom prst="straightConnector1">
-            <a:avLst/>
-          </a:prstGeom>
-          <a:ln>
-            <a:tailEnd type="triangle"/>
-          </a:ln>
-        </p:spPr>
-        <p:style>
-          <a:lnRef idx="2">
-            <a:schemeClr val="dk1"/>
-          </a:lnRef>
-          <a:fillRef idx="0">
-            <a:schemeClr val="dk1"/>
-          </a:fillRef>
-          <a:effectRef idx="1">
-            <a:schemeClr val="dk1"/>
-          </a:effectRef>
-          <a:fontRef idx="minor">
-            <a:schemeClr val="tx1"/>
-          </a:fontRef>
-        </p:style>
-      </p:cxnSp>
-      <p:cxnSp>
-        <p:nvCxnSpPr>
-          <p:cNvPr id="223" name="Straight Arrow Connector 222"/>
-          <p:cNvCxnSpPr>
-            <a:stCxn id="123" idx="2"/>
-            <a:endCxn id="42" idx="0"/>
-          </p:cNvCxnSpPr>
-          <p:nvPr/>
-        </p:nvCxnSpPr>
-        <p:spPr>
-          <a:xfrm>
-            <a:off x="4310649" y="4980085"/>
-            <a:ext cx="181120" cy="743424"/>
-          </a:xfrm>
-          <a:prstGeom prst="straightConnector1">
-            <a:avLst/>
-          </a:prstGeom>
-          <a:ln>
-            <a:tailEnd type="triangle"/>
-          </a:ln>
-        </p:spPr>
-        <p:style>
-          <a:lnRef idx="2">
-            <a:schemeClr val="dk1"/>
-          </a:lnRef>
-          <a:fillRef idx="0">
-            <a:schemeClr val="dk1"/>
-          </a:fillRef>
-          <a:effectRef idx="1">
-            <a:schemeClr val="dk1"/>
-          </a:effectRef>
-          <a:fontRef idx="minor">
-            <a:schemeClr val="tx1"/>
-          </a:fontRef>
-        </p:style>
-      </p:cxnSp>
-      <p:sp>
-        <p:nvSpPr>
-          <p:cNvPr id="241" name="TextBox 240"/>
-          <p:cNvSpPr txBox="1"/>
-          <p:nvPr/>
-        </p:nvSpPr>
-        <p:spPr>
-          <a:xfrm>
-            <a:off x="5175714" y="5723509"/>
-            <a:ext cx="977965" cy="798424"/>
-          </a:xfrm>
-          <a:prstGeom prst="rect">
-            <a:avLst/>
-          </a:prstGeom>
-          <a:solidFill>
-            <a:schemeClr val="accent6">
-              <a:lumMod val="60000"/>
-              <a:lumOff val="40000"/>
-            </a:schemeClr>
-          </a:solidFill>
-          <a:ln>
-            <a:solidFill>
-              <a:schemeClr val="tx1"/>
-            </a:solidFill>
-          </a:ln>
-        </p:spPr>
-        <p:txBody>
-          <a:bodyPr wrap="square" rtlCol="0">
-            <a:spAutoFit/>
-          </a:bodyPr>
-          <a:lstStyle/>
-          <a:p>
-            <a:pPr algn="ctr"/>
-            <a:r>
-              <a:rPr lang="en-US" sz="1147" smtClean="0"/>
-              <a:t>Reduced</a:t>
-            </a:r>
-            <a:endParaRPr lang="en-US" sz="1147" dirty="0"/>
-          </a:p>
-          <a:p>
-            <a:pPr algn="ctr"/>
-            <a:r>
-              <a:rPr lang="en-US" sz="1147" smtClean="0"/>
-              <a:t>farmers</a:t>
-            </a:r>
-            <a:r>
-              <a:rPr lang="en-US" sz="1147" dirty="0" smtClean="0"/>
-              <a:t>’ </a:t>
-            </a:r>
-            <a:r>
-              <a:rPr lang="en-US" sz="1147" smtClean="0"/>
-              <a:t>health costs</a:t>
-            </a:r>
-          </a:p>
-          <a:p>
-            <a:pPr algn="ctr"/>
-            <a:endParaRPr lang="en-US" sz="1147" dirty="0"/>
-          </a:p>
-        </p:txBody>
-      </p:sp>
-      <p:cxnSp>
-        <p:nvCxnSpPr>
-          <p:cNvPr id="244" name="Straight Arrow Connector 243"/>
-          <p:cNvCxnSpPr>
-            <a:stCxn id="131" idx="2"/>
-            <a:endCxn id="241" idx="0"/>
-          </p:cNvCxnSpPr>
-          <p:nvPr/>
-        </p:nvCxnSpPr>
-        <p:spPr>
-          <a:xfrm>
-            <a:off x="932647" y="5017381"/>
-            <a:ext cx="4732050" cy="706128"/>
-          </a:xfrm>
-          <a:prstGeom prst="straightConnector1">
-            <a:avLst/>
-          </a:prstGeom>
-          <a:ln>
-            <a:tailEnd type="triangle"/>
-          </a:ln>
-        </p:spPr>
-        <p:style>
-          <a:lnRef idx="2">
-            <a:schemeClr val="dk1"/>
-          </a:lnRef>
-          <a:fillRef idx="0">
-            <a:schemeClr val="dk1"/>
-          </a:fillRef>
-          <a:effectRef idx="1">
-            <a:schemeClr val="dk1"/>
-          </a:effectRef>
-          <a:fontRef idx="minor">
-            <a:schemeClr val="tx1"/>
-          </a:fontRef>
-        </p:style>
-      </p:cxnSp>
-      <p:grpSp>
-        <p:nvGrpSpPr>
-          <p:cNvPr id="517" name="Group 516"/>
-          <p:cNvGrpSpPr/>
-          <p:nvPr/>
-        </p:nvGrpSpPr>
-        <p:grpSpPr>
-          <a:xfrm>
-            <a:off x="697389" y="6521933"/>
-            <a:ext cx="4967308" cy="948030"/>
-            <a:chOff x="570239" y="6618981"/>
-            <a:chExt cx="4967308" cy="948030"/>
-          </a:xfrm>
-        </p:grpSpPr>
+            </a:fontRef>
+          </p:style>
+        </p:cxnSp>
         <p:sp>
           <p:nvSpPr>
             <p:cNvPr id="130" name="Rectangle 129"/>
@@ -5848,7 +5827,7 @@
           </p:nvSpPr>
           <p:spPr>
             <a:xfrm>
-              <a:off x="2192130" y="7281805"/>
+              <a:off x="2319280" y="7184757"/>
               <a:ext cx="1167451" cy="285206"/>
             </a:xfrm>
             <a:prstGeom prst="rect">
@@ -5878,7 +5857,7 @@
             </a:fontRef>
           </p:style>
           <p:txBody>
-            <a:bodyPr rtlCol="0" anchor="ctr"/>
+            <a:bodyPr rtlCol="0" anchor="t" anchorCtr="0"/>
             <a:lstStyle/>
             <a:p>
               <a:pPr algn="ctr"/>
@@ -5917,8 +5896,8 @@
           </p:nvCxnSpPr>
           <p:spPr>
             <a:xfrm>
-              <a:off x="570239" y="6633949"/>
-              <a:ext cx="2205617" cy="647856"/>
+              <a:off x="338112" y="6329595"/>
+              <a:ext cx="2564894" cy="855162"/>
             </a:xfrm>
             <a:prstGeom prst="straightConnector1">
               <a:avLst/>
@@ -5953,8 +5932,8 @@
           </p:nvCxnSpPr>
           <p:spPr>
             <a:xfrm>
-              <a:off x="1798032" y="6635312"/>
-              <a:ext cx="977824" cy="646493"/>
+              <a:off x="1747739" y="6325523"/>
+              <a:ext cx="1155267" cy="859234"/>
             </a:xfrm>
             <a:prstGeom prst="straightConnector1">
               <a:avLst/>
@@ -5989,8 +5968,8 @@
           </p:nvCxnSpPr>
           <p:spPr>
             <a:xfrm flipH="1">
-              <a:off x="2775856" y="6654430"/>
-              <a:ext cx="259182" cy="627375"/>
+              <a:off x="2903006" y="6329595"/>
+              <a:ext cx="203967" cy="855162"/>
             </a:xfrm>
             <a:prstGeom prst="straightConnector1">
               <a:avLst/>
@@ -6025,8 +6004,8 @@
           </p:nvCxnSpPr>
           <p:spPr>
             <a:xfrm flipH="1">
-              <a:off x="2775856" y="6618981"/>
-              <a:ext cx="1588763" cy="662824"/>
+              <a:off x="2903006" y="6325523"/>
+              <a:ext cx="1715546" cy="859234"/>
             </a:xfrm>
             <a:prstGeom prst="straightConnector1">
               <a:avLst/>
@@ -6061,8 +6040,8 @@
           </p:nvCxnSpPr>
           <p:spPr>
             <a:xfrm flipH="1">
-              <a:off x="2775856" y="6618981"/>
-              <a:ext cx="2761691" cy="662824"/>
+              <a:off x="2903006" y="6329595"/>
+              <a:ext cx="3003386" cy="855162"/>
             </a:xfrm>
             <a:prstGeom prst="straightConnector1">
               <a:avLst/>
@@ -6086,381 +6065,457 @@
             </a:fontRef>
           </p:style>
         </p:cxnSp>
+        <p:sp>
+          <p:nvSpPr>
+            <p:cNvPr id="90" name="TextBox 89"/>
+            <p:cNvSpPr txBox="1"/>
+            <p:nvPr/>
+          </p:nvSpPr>
+          <p:spPr>
+            <a:xfrm>
+              <a:off x="3319182" y="2113301"/>
+              <a:ext cx="1107057" cy="646331"/>
+            </a:xfrm>
+            <a:prstGeom prst="rect">
+              <a:avLst/>
+            </a:prstGeom>
+            <a:solidFill>
+              <a:schemeClr val="accent6">
+                <a:lumMod val="60000"/>
+                <a:lumOff val="40000"/>
+              </a:schemeClr>
+            </a:solidFill>
+            <a:ln>
+              <a:solidFill>
+                <a:schemeClr val="tx1"/>
+              </a:solidFill>
+            </a:ln>
+          </p:spPr>
+          <p:txBody>
+            <a:bodyPr wrap="square" rtlCol="0" anchor="t" anchorCtr="0">
+              <a:spAutoFit/>
+            </a:bodyPr>
+            <a:lstStyle/>
+            <a:p>
+              <a:pPr algn="ctr"/>
+              <a:r>
+                <a:rPr lang="en-US" sz="1200" smtClean="0"/>
+                <a:t>Enabling legal </a:t>
+              </a:r>
+              <a:r>
+                <a:rPr lang="en-US" sz="1200"/>
+                <a:t>and social </a:t>
+              </a:r>
+              <a:r>
+                <a:rPr lang="en-US" sz="1200" smtClean="0"/>
+                <a:t>environment</a:t>
+              </a:r>
+              <a:endParaRPr lang="en-US" sz="1200" dirty="0"/>
+            </a:p>
+          </p:txBody>
+        </p:sp>
+        <p:cxnSp>
+          <p:nvCxnSpPr>
+            <p:cNvPr id="120" name="Straight Arrow Connector 119"/>
+            <p:cNvCxnSpPr>
+              <a:stCxn id="91" idx="2"/>
+              <a:endCxn id="181" idx="0"/>
+            </p:cNvCxnSpPr>
+            <p:nvPr/>
+          </p:nvCxnSpPr>
+          <p:spPr>
+            <a:xfrm>
+              <a:off x="964315" y="2759632"/>
+              <a:ext cx="2487379" cy="495632"/>
+            </a:xfrm>
+            <a:prstGeom prst="straightConnector1">
+              <a:avLst/>
+            </a:prstGeom>
+            <a:ln>
+              <a:tailEnd type="triangle"/>
+            </a:ln>
+          </p:spPr>
+          <p:style>
+            <a:lnRef idx="2">
+              <a:schemeClr val="dk1"/>
+            </a:lnRef>
+            <a:fillRef idx="0">
+              <a:schemeClr val="dk1"/>
+            </a:fillRef>
+            <a:effectRef idx="1">
+              <a:schemeClr val="dk1"/>
+            </a:effectRef>
+            <a:fontRef idx="minor">
+              <a:schemeClr val="tx1"/>
+            </a:fontRef>
+          </p:style>
+        </p:cxnSp>
+        <p:cxnSp>
+          <p:nvCxnSpPr>
+            <p:cNvPr id="124" name="Straight Arrow Connector 123"/>
+            <p:cNvCxnSpPr>
+              <a:stCxn id="90" idx="2"/>
+              <a:endCxn id="110" idx="0"/>
+            </p:cNvCxnSpPr>
+            <p:nvPr/>
+          </p:nvCxnSpPr>
+          <p:spPr>
+            <a:xfrm flipH="1">
+              <a:off x="1373421" y="2759632"/>
+              <a:ext cx="2499290" cy="495632"/>
+            </a:xfrm>
+            <a:prstGeom prst="straightConnector1">
+              <a:avLst/>
+            </a:prstGeom>
+            <a:ln>
+              <a:tailEnd type="triangle"/>
+            </a:ln>
+          </p:spPr>
+          <p:style>
+            <a:lnRef idx="2">
+              <a:schemeClr val="dk1"/>
+            </a:lnRef>
+            <a:fillRef idx="0">
+              <a:schemeClr val="dk1"/>
+            </a:fillRef>
+            <a:effectRef idx="1">
+              <a:schemeClr val="dk1"/>
+            </a:effectRef>
+            <a:fontRef idx="minor">
+              <a:schemeClr val="tx1"/>
+            </a:fontRef>
+          </p:style>
+        </p:cxnSp>
+        <p:cxnSp>
+          <p:nvCxnSpPr>
+            <p:cNvPr id="127" name="Straight Arrow Connector 126"/>
+            <p:cNvCxnSpPr>
+              <a:stCxn id="91" idx="2"/>
+              <a:endCxn id="110" idx="0"/>
+            </p:cNvCxnSpPr>
+            <p:nvPr/>
+          </p:nvCxnSpPr>
+          <p:spPr>
+            <a:xfrm>
+              <a:off x="964315" y="2759632"/>
+              <a:ext cx="409106" cy="495632"/>
+            </a:xfrm>
+            <a:prstGeom prst="straightConnector1">
+              <a:avLst/>
+            </a:prstGeom>
+            <a:ln>
+              <a:tailEnd type="triangle"/>
+            </a:ln>
+          </p:spPr>
+          <p:style>
+            <a:lnRef idx="2">
+              <a:schemeClr val="dk1"/>
+            </a:lnRef>
+            <a:fillRef idx="0">
+              <a:schemeClr val="dk1"/>
+            </a:fillRef>
+            <a:effectRef idx="1">
+              <a:schemeClr val="dk1"/>
+            </a:effectRef>
+            <a:fontRef idx="minor">
+              <a:schemeClr val="tx1"/>
+            </a:fontRef>
+          </p:style>
+        </p:cxnSp>
+        <p:sp>
+          <p:nvSpPr>
+            <p:cNvPr id="91" name="TextBox 90"/>
+            <p:cNvSpPr txBox="1"/>
+            <p:nvPr/>
+          </p:nvSpPr>
+          <p:spPr>
+            <a:xfrm>
+              <a:off x="353664" y="2113301"/>
+              <a:ext cx="1221302" cy="646331"/>
+            </a:xfrm>
+            <a:prstGeom prst="rect">
+              <a:avLst/>
+            </a:prstGeom>
+            <a:solidFill>
+              <a:schemeClr val="accent6">
+                <a:lumMod val="60000"/>
+                <a:lumOff val="40000"/>
+              </a:schemeClr>
+            </a:solidFill>
+            <a:ln>
+              <a:solidFill>
+                <a:schemeClr val="tx1"/>
+              </a:solidFill>
+            </a:ln>
+          </p:spPr>
+          <p:txBody>
+            <a:bodyPr wrap="square" rtlCol="0" anchor="t" anchorCtr="0">
+              <a:spAutoFit/>
+            </a:bodyPr>
+            <a:lstStyle/>
+            <a:p>
+              <a:pPr algn="ctr"/>
+              <a:r>
+                <a:rPr lang="en-US" sz="1200" smtClean="0"/>
+                <a:t>Enhancing capacity </a:t>
+              </a:r>
+              <a:r>
+                <a:rPr lang="en-US" sz="1200"/>
+                <a:t>and </a:t>
+              </a:r>
+              <a:r>
+                <a:rPr lang="en-US" sz="1200" smtClean="0"/>
+                <a:t>self-reflection</a:t>
+              </a:r>
+              <a:endParaRPr lang="en-US" sz="1200" dirty="0"/>
+            </a:p>
+          </p:txBody>
+        </p:sp>
+        <p:cxnSp>
+          <p:nvCxnSpPr>
+            <p:cNvPr id="37" name="Straight Arrow Connector 36"/>
+            <p:cNvCxnSpPr>
+              <a:stCxn id="15" idx="2"/>
+              <a:endCxn id="132" idx="0"/>
+            </p:cNvCxnSpPr>
+            <p:nvPr/>
+          </p:nvCxnSpPr>
+          <p:spPr>
+            <a:xfrm flipH="1">
+              <a:off x="2447074" y="1291740"/>
+              <a:ext cx="115" cy="821561"/>
+            </a:xfrm>
+            <a:prstGeom prst="straightConnector1">
+              <a:avLst/>
+            </a:prstGeom>
+            <a:ln>
+              <a:prstDash val="solid"/>
+              <a:tailEnd type="triangle"/>
+            </a:ln>
+          </p:spPr>
+          <p:style>
+            <a:lnRef idx="2">
+              <a:schemeClr val="dk1"/>
+            </a:lnRef>
+            <a:fillRef idx="0">
+              <a:schemeClr val="dk1"/>
+            </a:fillRef>
+            <a:effectRef idx="1">
+              <a:schemeClr val="dk1"/>
+            </a:effectRef>
+            <a:fontRef idx="minor">
+              <a:schemeClr val="tx1"/>
+            </a:fontRef>
+          </p:style>
+        </p:cxnSp>
+        <p:cxnSp>
+          <p:nvCxnSpPr>
+            <p:cNvPr id="136" name="Straight Connector 135"/>
+            <p:cNvCxnSpPr/>
+            <p:nvPr/>
+          </p:nvCxnSpPr>
+          <p:spPr>
+            <a:xfrm flipV="1">
+              <a:off x="1685678" y="1800552"/>
+              <a:ext cx="1650331" cy="1798"/>
+            </a:xfrm>
+            <a:prstGeom prst="line">
+              <a:avLst/>
+            </a:prstGeom>
+          </p:spPr>
+          <p:style>
+            <a:lnRef idx="2">
+              <a:schemeClr val="dk1"/>
+            </a:lnRef>
+            <a:fillRef idx="0">
+              <a:schemeClr val="dk1"/>
+            </a:fillRef>
+            <a:effectRef idx="1">
+              <a:schemeClr val="dk1"/>
+            </a:effectRef>
+            <a:fontRef idx="minor">
+              <a:schemeClr val="tx1"/>
+            </a:fontRef>
+          </p:style>
+        </p:cxnSp>
+        <p:cxnSp>
+          <p:nvCxnSpPr>
+            <p:cNvPr id="139" name="Straight Arrow Connector 138"/>
+            <p:cNvCxnSpPr>
+              <a:endCxn id="91" idx="0"/>
+            </p:cNvCxnSpPr>
+            <p:nvPr/>
+          </p:nvCxnSpPr>
+          <p:spPr>
+            <a:xfrm flipH="1">
+              <a:off x="964315" y="1800552"/>
+              <a:ext cx="720536" cy="312749"/>
+            </a:xfrm>
+            <a:prstGeom prst="straightConnector1">
+              <a:avLst/>
+            </a:prstGeom>
+            <a:ln>
+              <a:tailEnd type="triangle"/>
+            </a:ln>
+          </p:spPr>
+          <p:style>
+            <a:lnRef idx="2">
+              <a:schemeClr val="dk1"/>
+            </a:lnRef>
+            <a:fillRef idx="0">
+              <a:schemeClr val="dk1"/>
+            </a:fillRef>
+            <a:effectRef idx="1">
+              <a:schemeClr val="dk1"/>
+            </a:effectRef>
+            <a:fontRef idx="minor">
+              <a:schemeClr val="tx1"/>
+            </a:fontRef>
+          </p:style>
+        </p:cxnSp>
+        <p:cxnSp>
+          <p:nvCxnSpPr>
+            <p:cNvPr id="142" name="Straight Arrow Connector 141"/>
+            <p:cNvCxnSpPr/>
+            <p:nvPr/>
+          </p:nvCxnSpPr>
+          <p:spPr>
+            <a:xfrm>
+              <a:off x="3334270" y="1802551"/>
+              <a:ext cx="570921" cy="323677"/>
+            </a:xfrm>
+            <a:prstGeom prst="straightConnector1">
+              <a:avLst/>
+            </a:prstGeom>
+            <a:ln>
+              <a:tailEnd type="triangle"/>
+            </a:ln>
+          </p:spPr>
+          <p:style>
+            <a:lnRef idx="2">
+              <a:schemeClr val="dk1"/>
+            </a:lnRef>
+            <a:fillRef idx="0">
+              <a:schemeClr val="dk1"/>
+            </a:fillRef>
+            <a:effectRef idx="1">
+              <a:schemeClr val="dk1"/>
+            </a:effectRef>
+            <a:fontRef idx="minor">
+              <a:schemeClr val="tx1"/>
+            </a:fontRef>
+          </p:style>
+        </p:cxnSp>
+        <p:cxnSp>
+          <p:nvCxnSpPr>
+            <p:cNvPr id="74" name="Straight Arrow Connector 73"/>
+            <p:cNvCxnSpPr>
+              <a:stCxn id="90" idx="2"/>
+              <a:endCxn id="181" idx="0"/>
+            </p:cNvCxnSpPr>
+            <p:nvPr/>
+          </p:nvCxnSpPr>
+          <p:spPr>
+            <a:xfrm flipH="1">
+              <a:off x="3451694" y="2759632"/>
+              <a:ext cx="421017" cy="495632"/>
+            </a:xfrm>
+            <a:prstGeom prst="straightConnector1">
+              <a:avLst/>
+            </a:prstGeom>
+            <a:ln>
+              <a:prstDash val="solid"/>
+              <a:tailEnd type="triangle"/>
+            </a:ln>
+          </p:spPr>
+          <p:style>
+            <a:lnRef idx="2">
+              <a:schemeClr val="dk1"/>
+            </a:lnRef>
+            <a:fillRef idx="0">
+              <a:schemeClr val="dk1"/>
+            </a:fillRef>
+            <a:effectRef idx="1">
+              <a:schemeClr val="dk1"/>
+            </a:effectRef>
+            <a:fontRef idx="minor">
+              <a:schemeClr val="tx1"/>
+            </a:fontRef>
+          </p:style>
+        </p:cxnSp>
+        <p:cxnSp>
+          <p:nvCxnSpPr>
+            <p:cNvPr id="82" name="Straight Arrow Connector 81"/>
+            <p:cNvCxnSpPr>
+              <a:stCxn id="123" idx="2"/>
+              <a:endCxn id="241" idx="0"/>
+            </p:cNvCxnSpPr>
+            <p:nvPr/>
+          </p:nvCxnSpPr>
+          <p:spPr>
+            <a:xfrm>
+              <a:off x="4259676" y="5012919"/>
+              <a:ext cx="1646716" cy="485679"/>
+            </a:xfrm>
+            <a:prstGeom prst="straightConnector1">
+              <a:avLst/>
+            </a:prstGeom>
+            <a:ln>
+              <a:tailEnd type="triangle"/>
+            </a:ln>
+          </p:spPr>
+          <p:style>
+            <a:lnRef idx="2">
+              <a:schemeClr val="dk1"/>
+            </a:lnRef>
+            <a:fillRef idx="0">
+              <a:schemeClr val="dk1"/>
+            </a:fillRef>
+            <a:effectRef idx="1">
+              <a:schemeClr val="dk1"/>
+            </a:effectRef>
+            <a:fontRef idx="minor">
+              <a:schemeClr val="tx1"/>
+            </a:fontRef>
+          </p:style>
+        </p:cxnSp>
+        <p:cxnSp>
+          <p:nvCxnSpPr>
+            <p:cNvPr id="102" name="Straight Arrow Connector 101"/>
+            <p:cNvCxnSpPr>
+              <a:stCxn id="123" idx="2"/>
+              <a:endCxn id="41" idx="0"/>
+            </p:cNvCxnSpPr>
+            <p:nvPr/>
+          </p:nvCxnSpPr>
+          <p:spPr>
+            <a:xfrm flipH="1">
+              <a:off x="3106973" y="5012919"/>
+              <a:ext cx="1152703" cy="485679"/>
+            </a:xfrm>
+            <a:prstGeom prst="straightConnector1">
+              <a:avLst/>
+            </a:prstGeom>
+            <a:ln>
+              <a:tailEnd type="triangle"/>
+            </a:ln>
+          </p:spPr>
+          <p:style>
+            <a:lnRef idx="2">
+              <a:schemeClr val="dk1"/>
+            </a:lnRef>
+            <a:fillRef idx="0">
+              <a:schemeClr val="dk1"/>
+            </a:fillRef>
+            <a:effectRef idx="1">
+              <a:schemeClr val="dk1"/>
+            </a:effectRef>
+            <a:fontRef idx="minor">
+              <a:schemeClr val="tx1"/>
+            </a:fontRef>
+          </p:style>
+        </p:cxnSp>
       </p:grpSp>
-      <p:sp>
-        <p:nvSpPr>
-          <p:cNvPr id="90" name="TextBox 89"/>
-          <p:cNvSpPr txBox="1"/>
-          <p:nvPr/>
-        </p:nvSpPr>
-        <p:spPr>
-          <a:xfrm>
-            <a:off x="3344938" y="2126228"/>
-            <a:ext cx="1107057" cy="621902"/>
-          </a:xfrm>
-          <a:prstGeom prst="rect">
-            <a:avLst/>
-          </a:prstGeom>
-          <a:solidFill>
-            <a:schemeClr val="accent6">
-              <a:lumMod val="60000"/>
-              <a:lumOff val="40000"/>
-            </a:schemeClr>
-          </a:solidFill>
-          <a:ln>
-            <a:solidFill>
-              <a:schemeClr val="tx1"/>
-            </a:solidFill>
-          </a:ln>
-        </p:spPr>
-        <p:txBody>
-          <a:bodyPr wrap="square" rtlCol="0">
-            <a:spAutoFit/>
-          </a:bodyPr>
-          <a:lstStyle/>
-          <a:p>
-            <a:pPr algn="ctr"/>
-            <a:r>
-              <a:rPr lang="en-US" sz="1147" smtClean="0"/>
-              <a:t>Legal and </a:t>
-            </a:r>
-            <a:r>
-              <a:rPr lang="en-US" sz="1147" smtClean="0"/>
-              <a:t>social enabling </a:t>
-            </a:r>
-            <a:r>
-              <a:rPr lang="en-US" sz="1147" smtClean="0"/>
-              <a:t>environment</a:t>
-            </a:r>
-            <a:endParaRPr lang="en-US" sz="1147" dirty="0"/>
-          </a:p>
-        </p:txBody>
-      </p:sp>
-      <p:cxnSp>
-        <p:nvCxnSpPr>
-          <p:cNvPr id="120" name="Straight Arrow Connector 119"/>
-          <p:cNvCxnSpPr>
-            <a:stCxn id="91" idx="2"/>
-            <a:endCxn id="181" idx="0"/>
-          </p:cNvCxnSpPr>
-          <p:nvPr/>
-        </p:nvCxnSpPr>
-        <p:spPr>
-          <a:xfrm>
-            <a:off x="990071" y="2722276"/>
-            <a:ext cx="2461623" cy="312869"/>
-          </a:xfrm>
-          <a:prstGeom prst="straightConnector1">
-            <a:avLst/>
-          </a:prstGeom>
-          <a:ln>
-            <a:tailEnd type="triangle"/>
-          </a:ln>
-        </p:spPr>
-        <p:style>
-          <a:lnRef idx="2">
-            <a:schemeClr val="dk1"/>
-          </a:lnRef>
-          <a:fillRef idx="0">
-            <a:schemeClr val="dk1"/>
-          </a:fillRef>
-          <a:effectRef idx="1">
-            <a:schemeClr val="dk1"/>
-          </a:effectRef>
-          <a:fontRef idx="minor">
-            <a:schemeClr val="tx1"/>
-          </a:fontRef>
-        </p:style>
-      </p:cxnSp>
-      <p:cxnSp>
-        <p:nvCxnSpPr>
-          <p:cNvPr id="124" name="Straight Arrow Connector 123"/>
-          <p:cNvCxnSpPr>
-            <a:stCxn id="90" idx="2"/>
-            <a:endCxn id="110" idx="0"/>
-          </p:cNvCxnSpPr>
-          <p:nvPr/>
-        </p:nvCxnSpPr>
-        <p:spPr>
-          <a:xfrm flipH="1">
-            <a:off x="1121762" y="2748130"/>
-            <a:ext cx="2776705" cy="301042"/>
-          </a:xfrm>
-          <a:prstGeom prst="straightConnector1">
-            <a:avLst/>
-          </a:prstGeom>
-          <a:ln>
-            <a:tailEnd type="triangle"/>
-          </a:ln>
-        </p:spPr>
-        <p:style>
-          <a:lnRef idx="2">
-            <a:schemeClr val="dk1"/>
-          </a:lnRef>
-          <a:fillRef idx="0">
-            <a:schemeClr val="dk1"/>
-          </a:fillRef>
-          <a:effectRef idx="1">
-            <a:schemeClr val="dk1"/>
-          </a:effectRef>
-          <a:fontRef idx="minor">
-            <a:schemeClr val="tx1"/>
-          </a:fontRef>
-        </p:style>
-      </p:cxnSp>
-      <p:cxnSp>
-        <p:nvCxnSpPr>
-          <p:cNvPr id="127" name="Straight Arrow Connector 126"/>
-          <p:cNvCxnSpPr>
-            <a:stCxn id="91" idx="2"/>
-            <a:endCxn id="110" idx="0"/>
-          </p:cNvCxnSpPr>
-          <p:nvPr/>
-        </p:nvCxnSpPr>
-        <p:spPr>
-          <a:xfrm>
-            <a:off x="990071" y="2722276"/>
-            <a:ext cx="131691" cy="326896"/>
-          </a:xfrm>
-          <a:prstGeom prst="straightConnector1">
-            <a:avLst/>
-          </a:prstGeom>
-          <a:ln>
-            <a:tailEnd type="triangle"/>
-          </a:ln>
-        </p:spPr>
-        <p:style>
-          <a:lnRef idx="2">
-            <a:schemeClr val="dk1"/>
-          </a:lnRef>
-          <a:fillRef idx="0">
-            <a:schemeClr val="dk1"/>
-          </a:fillRef>
-          <a:effectRef idx="1">
-            <a:schemeClr val="dk1"/>
-          </a:effectRef>
-          <a:fontRef idx="minor">
-            <a:schemeClr val="tx1"/>
-          </a:fontRef>
-        </p:style>
-      </p:cxnSp>
-      <p:sp>
-        <p:nvSpPr>
-          <p:cNvPr id="91" name="TextBox 90"/>
-          <p:cNvSpPr txBox="1"/>
-          <p:nvPr/>
-        </p:nvSpPr>
-        <p:spPr>
-          <a:xfrm>
-            <a:off x="379420" y="2100374"/>
-            <a:ext cx="1221302" cy="621902"/>
-          </a:xfrm>
-          <a:prstGeom prst="rect">
-            <a:avLst/>
-          </a:prstGeom>
-          <a:solidFill>
-            <a:schemeClr val="accent6">
-              <a:lumMod val="60000"/>
-              <a:lumOff val="40000"/>
-            </a:schemeClr>
-          </a:solidFill>
-          <a:ln>
-            <a:solidFill>
-              <a:schemeClr val="tx1"/>
-            </a:solidFill>
-          </a:ln>
-        </p:spPr>
-        <p:txBody>
-          <a:bodyPr wrap="square" rtlCol="0">
-            <a:spAutoFit/>
-          </a:bodyPr>
-          <a:lstStyle/>
-          <a:p>
-            <a:pPr algn="ctr"/>
-            <a:r>
-              <a:rPr lang="en-US" sz="1147" smtClean="0"/>
-              <a:t>Capacity and </a:t>
-            </a:r>
-            <a:r>
-              <a:rPr lang="en-US" sz="1147" dirty="0" smtClean="0"/>
-              <a:t>self-reflection enhanced</a:t>
-            </a:r>
-            <a:endParaRPr lang="en-US" sz="1147" dirty="0"/>
-          </a:p>
-        </p:txBody>
-      </p:sp>
-      <p:cxnSp>
-        <p:nvCxnSpPr>
-          <p:cNvPr id="37" name="Straight Arrow Connector 36"/>
-          <p:cNvCxnSpPr>
-            <a:stCxn id="15" idx="2"/>
-            <a:endCxn id="132" idx="0"/>
-          </p:cNvCxnSpPr>
-          <p:nvPr/>
-        </p:nvCxnSpPr>
-        <p:spPr>
-          <a:xfrm>
-            <a:off x="2511579" y="1249697"/>
-            <a:ext cx="1082" cy="864236"/>
-          </a:xfrm>
-          <a:prstGeom prst="straightConnector1">
-            <a:avLst/>
-          </a:prstGeom>
-          <a:ln>
-            <a:prstDash val="solid"/>
-            <a:tailEnd type="triangle"/>
-          </a:ln>
-        </p:spPr>
-        <p:style>
-          <a:lnRef idx="2">
-            <a:schemeClr val="dk1"/>
-          </a:lnRef>
-          <a:fillRef idx="0">
-            <a:schemeClr val="dk1"/>
-          </a:fillRef>
-          <a:effectRef idx="1">
-            <a:schemeClr val="dk1"/>
-          </a:effectRef>
-          <a:fontRef idx="minor">
-            <a:schemeClr val="tx1"/>
-          </a:fontRef>
-        </p:style>
-      </p:cxnSp>
-      <p:cxnSp>
-        <p:nvCxnSpPr>
-          <p:cNvPr id="136" name="Straight Connector 135"/>
-          <p:cNvCxnSpPr/>
-          <p:nvPr/>
-        </p:nvCxnSpPr>
-        <p:spPr>
-          <a:xfrm>
-            <a:off x="1704155" y="1798949"/>
-            <a:ext cx="1631854" cy="1603"/>
-          </a:xfrm>
-          <a:prstGeom prst="line">
-            <a:avLst/>
-          </a:prstGeom>
-        </p:spPr>
-        <p:style>
-          <a:lnRef idx="2">
-            <a:schemeClr val="dk1"/>
-          </a:lnRef>
-          <a:fillRef idx="0">
-            <a:schemeClr val="dk1"/>
-          </a:fillRef>
-          <a:effectRef idx="1">
-            <a:schemeClr val="dk1"/>
-          </a:effectRef>
-          <a:fontRef idx="minor">
-            <a:schemeClr val="tx1"/>
-          </a:fontRef>
-        </p:style>
-      </p:cxnSp>
-      <p:cxnSp>
-        <p:nvCxnSpPr>
-          <p:cNvPr id="139" name="Straight Arrow Connector 138"/>
-          <p:cNvCxnSpPr>
-            <a:endCxn id="91" idx="0"/>
-          </p:cNvCxnSpPr>
-          <p:nvPr/>
-        </p:nvCxnSpPr>
-        <p:spPr>
-          <a:xfrm flipH="1">
-            <a:off x="990071" y="1799001"/>
-            <a:ext cx="714084" cy="301373"/>
-          </a:xfrm>
-          <a:prstGeom prst="straightConnector1">
-            <a:avLst/>
-          </a:prstGeom>
-          <a:ln>
-            <a:tailEnd type="triangle"/>
-          </a:ln>
-        </p:spPr>
-        <p:style>
-          <a:lnRef idx="2">
-            <a:schemeClr val="dk1"/>
-          </a:lnRef>
-          <a:fillRef idx="0">
-            <a:schemeClr val="dk1"/>
-          </a:fillRef>
-          <a:effectRef idx="1">
-            <a:schemeClr val="dk1"/>
-          </a:effectRef>
-          <a:fontRef idx="minor">
-            <a:schemeClr val="tx1"/>
-          </a:fontRef>
-        </p:style>
-      </p:cxnSp>
-      <p:cxnSp>
-        <p:nvCxnSpPr>
-          <p:cNvPr id="142" name="Straight Arrow Connector 141"/>
-          <p:cNvCxnSpPr/>
-          <p:nvPr/>
-        </p:nvCxnSpPr>
-        <p:spPr>
-          <a:xfrm>
-            <a:off x="3334270" y="1802551"/>
-            <a:ext cx="570921" cy="323677"/>
-          </a:xfrm>
-          <a:prstGeom prst="straightConnector1">
-            <a:avLst/>
-          </a:prstGeom>
-          <a:ln>
-            <a:tailEnd type="triangle"/>
-          </a:ln>
-        </p:spPr>
-        <p:style>
-          <a:lnRef idx="2">
-            <a:schemeClr val="dk1"/>
-          </a:lnRef>
-          <a:fillRef idx="0">
-            <a:schemeClr val="dk1"/>
-          </a:fillRef>
-          <a:effectRef idx="1">
-            <a:schemeClr val="dk1"/>
-          </a:effectRef>
-          <a:fontRef idx="minor">
-            <a:schemeClr val="tx1"/>
-          </a:fontRef>
-        </p:style>
-      </p:cxnSp>
-      <p:cxnSp>
-        <p:nvCxnSpPr>
-          <p:cNvPr id="74" name="Straight Arrow Connector 73"/>
-          <p:cNvCxnSpPr>
-            <a:stCxn id="90" idx="2"/>
-            <a:endCxn id="181" idx="0"/>
-          </p:cNvCxnSpPr>
-          <p:nvPr/>
-        </p:nvCxnSpPr>
-        <p:spPr>
-          <a:xfrm flipH="1">
-            <a:off x="3451694" y="2748130"/>
-            <a:ext cx="446773" cy="287015"/>
-          </a:xfrm>
-          <a:prstGeom prst="straightConnector1">
-            <a:avLst/>
-          </a:prstGeom>
-          <a:ln>
-            <a:prstDash val="solid"/>
-            <a:tailEnd type="triangle"/>
-          </a:ln>
-        </p:spPr>
-        <p:style>
-          <a:lnRef idx="2">
-            <a:schemeClr val="dk1"/>
-          </a:lnRef>
-          <a:fillRef idx="0">
-            <a:schemeClr val="dk1"/>
-          </a:fillRef>
-          <a:effectRef idx="1">
-            <a:schemeClr val="dk1"/>
-          </a:effectRef>
-          <a:fontRef idx="minor">
-            <a:schemeClr val="tx1"/>
-          </a:fontRef>
-        </p:style>
-      </p:cxnSp>
     </p:spTree>
     <p:custDataLst>
       <p:tags r:id="rId1"/>
